--- a/docs/figures.pptx
+++ b/docs/figures.pptx
@@ -3419,8 +3419,8 @@
         </p:nvSpPr>
         <p:spPr>
           <a:xfrm>
-            <a:off x="3079531" y="1262893"/>
-            <a:ext cx="3541986" cy="1911231"/>
+            <a:off x="3520146" y="1371048"/>
+            <a:ext cx="2328830" cy="1911231"/>
           </a:xfrm>
           <a:prstGeom prst="rect">
             <a:avLst/>
@@ -3473,8 +3473,8 @@
             </p:nvSpPr>
             <p:spPr>
               <a:xfrm>
-                <a:off x="3247699" y="2289729"/>
-                <a:ext cx="505716" cy="276999"/>
+                <a:off x="3690150" y="2289729"/>
+                <a:ext cx="272447" cy="276999"/>
               </a:xfrm>
               <a:prstGeom prst="rect">
                 <a:avLst/>
@@ -3506,19 +3506,7 @@
                             <a:rPr lang="en-US" b="0" i="1" smtClean="0">
                               <a:latin typeface="Cambria Math" panose="02040503050406030204" pitchFamily="18" charset="0"/>
                             </a:rPr>
-                            <m:t>𝑁</m:t>
-                          </m:r>
-                          <m:r>
-                            <a:rPr lang="en-US" b="0" i="1" smtClean="0">
-                              <a:latin typeface="Cambria Math" panose="02040503050406030204" pitchFamily="18" charset="0"/>
-                            </a:rPr>
-                            <m:t>.</m:t>
-                          </m:r>
-                          <m:r>
-                            <a:rPr lang="en-US" b="0" i="1" smtClean="0">
-                              <a:latin typeface="Cambria Math" panose="02040503050406030204" pitchFamily="18" charset="0"/>
-                            </a:rPr>
-                            <m:t>𝑆</m:t>
+                            <m:t>𝑋</m:t>
                           </m:r>
                         </m:e>
                         <m:sub>
@@ -3555,8 +3543,8 @@
             </p:nvSpPr>
             <p:spPr>
               <a:xfrm>
-                <a:off x="3247699" y="2289729"/>
-                <a:ext cx="505716" cy="276999"/>
+                <a:off x="3690150" y="2289729"/>
+                <a:ext cx="272447" cy="276999"/>
               </a:xfrm>
               <a:prstGeom prst="rect">
                 <a:avLst/>
@@ -3564,7 +3552,7 @@
               <a:blipFill>
                 <a:blip r:embed="rId2"/>
                 <a:stretch>
-                  <a:fillRect l="-9756" r="-2439" b="-13043"/>
+                  <a:fillRect l="-18182" r="-4545" b="-13043"/>
                 </a:stretch>
               </a:blipFill>
             </p:spPr>
@@ -3599,8 +3587,8 @@
             </p:nvSpPr>
             <p:spPr>
               <a:xfrm>
-                <a:off x="5811776" y="2289729"/>
-                <a:ext cx="555793" cy="276999"/>
+                <a:off x="5418486" y="2289729"/>
+                <a:ext cx="322524" cy="276999"/>
               </a:xfrm>
               <a:prstGeom prst="rect">
                 <a:avLst/>
@@ -3632,19 +3620,7 @@
                             <a:rPr lang="en-US" b="0" i="1" smtClean="0">
                               <a:latin typeface="Cambria Math" panose="02040503050406030204" pitchFamily="18" charset="0"/>
                             </a:rPr>
-                            <m:t>𝑁</m:t>
-                          </m:r>
-                          <m:r>
-                            <a:rPr lang="en-US" b="0" i="1" smtClean="0">
-                              <a:latin typeface="Cambria Math" panose="02040503050406030204" pitchFamily="18" charset="0"/>
-                            </a:rPr>
-                            <m:t>.</m:t>
-                          </m:r>
-                          <m:r>
-                            <a:rPr lang="en-US" b="0" i="1" smtClean="0">
-                              <a:latin typeface="Cambria Math" panose="02040503050406030204" pitchFamily="18" charset="0"/>
-                            </a:rPr>
-                            <m:t>𝑆</m:t>
+                            <m:t>𝑋</m:t>
                           </m:r>
                         </m:e>
                         <m:sub>
@@ -3681,8 +3657,8 @@
             </p:nvSpPr>
             <p:spPr>
               <a:xfrm>
-                <a:off x="5811776" y="2289729"/>
-                <a:ext cx="555793" cy="276999"/>
+                <a:off x="5418486" y="2289729"/>
+                <a:ext cx="322524" cy="276999"/>
               </a:xfrm>
               <a:prstGeom prst="rect">
                 <a:avLst/>
@@ -3690,7 +3666,7 @@
               <a:blipFill>
                 <a:blip r:embed="rId3"/>
                 <a:stretch>
-                  <a:fillRect l="-8889" r="-2222" b="-13043"/>
+                  <a:fillRect l="-14815" r="-3704" b="-13043"/>
                 </a:stretch>
               </a:blipFill>
             </p:spPr>
@@ -3766,13 +3742,15 @@
           </p:cNvPr>
           <p:cNvCxnSpPr>
             <a:cxnSpLocks/>
+            <a:stCxn id="7" idx="3"/>
+            <a:endCxn id="9" idx="1"/>
           </p:cNvCxnSpPr>
           <p:nvPr/>
         </p:nvCxnSpPr>
         <p:spPr>
           <a:xfrm flipV="1">
-            <a:off x="3753415" y="2422974"/>
-            <a:ext cx="524683" cy="1"/>
+            <a:off x="3962597" y="2428228"/>
+            <a:ext cx="315501" cy="1"/>
           </a:xfrm>
           <a:prstGeom prst="straightConnector1">
             <a:avLst/>
@@ -3810,13 +3788,14 @@
           </p:cNvPr>
           <p:cNvCxnSpPr>
             <a:cxnSpLocks/>
+            <a:endCxn id="8" idx="1"/>
           </p:cNvCxnSpPr>
           <p:nvPr/>
         </p:nvCxnSpPr>
         <p:spPr>
           <a:xfrm>
-            <a:off x="5192498" y="2422973"/>
-            <a:ext cx="619278" cy="1"/>
+            <a:off x="4474744" y="2422973"/>
+            <a:ext cx="943742" cy="5256"/>
           </a:xfrm>
           <a:prstGeom prst="straightConnector1">
             <a:avLst/>
@@ -3860,12 +3839,12 @@
         </p:nvCxnSpPr>
         <p:spPr>
           <a:xfrm rot="5400000">
-            <a:off x="4795115" y="1272170"/>
-            <a:ext cx="12700" cy="2589116"/>
+            <a:off x="4703061" y="1690041"/>
+            <a:ext cx="12700" cy="1753374"/>
           </a:xfrm>
           <a:prstGeom prst="bentConnector3">
             <a:avLst>
-              <a:gd name="adj1" fmla="val 12174205"/>
+              <a:gd name="adj1" fmla="val 4741937"/>
             </a:avLst>
           </a:prstGeom>
           <a:ln w="19050">
@@ -3903,7 +3882,7 @@
             </p:nvSpPr>
             <p:spPr>
               <a:xfrm>
-                <a:off x="4645739" y="3731339"/>
+                <a:off x="4645739" y="2925093"/>
                 <a:ext cx="281552" cy="276999"/>
               </a:xfrm>
               <a:prstGeom prst="rect">
@@ -3954,7 +3933,7 @@
             </p:nvSpPr>
             <p:spPr>
               <a:xfrm>
-                <a:off x="4645739" y="3731339"/>
+                <a:off x="4645739" y="2925093"/>
                 <a:ext cx="281552" cy="276999"/>
               </a:xfrm>
               <a:prstGeom prst="rect">
@@ -3963,7 +3942,7 @@
               <a:blipFill>
                 <a:blip r:embed="rId4"/>
                 <a:stretch>
-                  <a:fillRect l="-4348" r="-4348" b="-8696"/>
+                  <a:fillRect l="-4348" r="-4348" b="-4348"/>
                 </a:stretch>
               </a:blipFill>
             </p:spPr>
@@ -3998,7 +3977,7 @@
             </p:nvSpPr>
             <p:spPr>
               <a:xfrm>
-                <a:off x="3405300" y="1467948"/>
+                <a:off x="3660940" y="1399123"/>
                 <a:ext cx="681853" cy="369332"/>
               </a:xfrm>
               <a:prstGeom prst="rect">
@@ -4067,7 +4046,7 @@
             </p:nvSpPr>
             <p:spPr>
               <a:xfrm>
-                <a:off x="3405300" y="1467948"/>
+                <a:off x="3660940" y="1399123"/>
                 <a:ext cx="681853" cy="369332"/>
               </a:xfrm>
               <a:prstGeom prst="rect">
@@ -4076,7 +4055,7 @@
               <a:blipFill>
                 <a:blip r:embed="rId5"/>
                 <a:stretch>
-                  <a:fillRect l="-9259" r="-16667" b="-36667"/>
+                  <a:fillRect l="-11111" r="-16667" b="-33333"/>
                 </a:stretch>
               </a:blipFill>
             </p:spPr>
@@ -4111,7 +4090,7 @@
             </p:nvSpPr>
             <p:spPr>
               <a:xfrm>
-                <a:off x="1169697" y="2274984"/>
+                <a:off x="1926780" y="2274984"/>
                 <a:ext cx="245195" cy="276999"/>
               </a:xfrm>
               <a:prstGeom prst="rect">
@@ -4181,7 +4160,7 @@
             </p:nvSpPr>
             <p:spPr>
               <a:xfrm>
-                <a:off x="1169697" y="2274984"/>
+                <a:off x="1926780" y="2274984"/>
                 <a:ext cx="245195" cy="276999"/>
               </a:xfrm>
               <a:prstGeom prst="rect">
@@ -4190,7 +4169,7 @@
               <a:blipFill>
                 <a:blip r:embed="rId6"/>
                 <a:stretch>
-                  <a:fillRect l="-25000" r="-5000" b="-13043"/>
+                  <a:fillRect l="-20000" r="-5000" b="-13043"/>
                 </a:stretch>
               </a:blipFill>
             </p:spPr>
@@ -4225,7 +4204,7 @@
             </p:nvSpPr>
             <p:spPr>
               <a:xfrm>
-                <a:off x="2367709" y="2274984"/>
+                <a:off x="2810158" y="2274984"/>
                 <a:ext cx="505716" cy="276999"/>
               </a:xfrm>
               <a:prstGeom prst="rect">
@@ -4307,7 +4286,7 @@
             </p:nvSpPr>
             <p:spPr>
               <a:xfrm>
-                <a:off x="2367709" y="2274984"/>
+                <a:off x="2810158" y="2274984"/>
                 <a:ext cx="505716" cy="276999"/>
               </a:xfrm>
               <a:prstGeom prst="rect">
@@ -4353,8 +4332,8 @@
         </p:nvCxnSpPr>
         <p:spPr>
           <a:xfrm>
-            <a:off x="1414892" y="2413484"/>
-            <a:ext cx="952817" cy="0"/>
+            <a:off x="2171975" y="2413484"/>
+            <a:ext cx="638183" cy="0"/>
           </a:xfrm>
           <a:prstGeom prst="straightConnector1">
             <a:avLst/>
@@ -4397,7 +4376,7 @@
             </p:nvSpPr>
             <p:spPr>
               <a:xfrm>
-                <a:off x="1651808" y="2045112"/>
+                <a:off x="2389225" y="2045112"/>
                 <a:ext cx="281552" cy="276999"/>
               </a:xfrm>
               <a:prstGeom prst="rect">
@@ -4467,7 +4446,7 @@
             </p:nvSpPr>
             <p:spPr>
               <a:xfrm>
-                <a:off x="1651808" y="2045112"/>
+                <a:off x="2389225" y="2045112"/>
                 <a:ext cx="281552" cy="276999"/>
               </a:xfrm>
               <a:prstGeom prst="rect">
@@ -4511,7 +4490,7 @@
             </p:nvSpPr>
             <p:spPr>
               <a:xfrm>
-                <a:off x="2844711" y="2192140"/>
+                <a:off x="3287160" y="2192140"/>
                 <a:ext cx="482824" cy="461665"/>
               </a:xfrm>
               <a:prstGeom prst="rect">
@@ -4562,7 +4541,7 @@
             </p:nvSpPr>
             <p:spPr>
               <a:xfrm>
-                <a:off x="2844711" y="2192140"/>
+                <a:off x="3287160" y="2192140"/>
                 <a:ext cx="482824" cy="461665"/>
               </a:xfrm>
               <a:prstGeom prst="rect">
@@ -4606,7 +4585,7 @@
             </p:nvSpPr>
             <p:spPr>
               <a:xfrm>
-                <a:off x="6856337" y="2314312"/>
+                <a:off x="6059925" y="2314312"/>
                 <a:ext cx="555793" cy="276999"/>
               </a:xfrm>
               <a:prstGeom prst="rect">
@@ -4688,7 +4667,7 @@
             </p:nvSpPr>
             <p:spPr>
               <a:xfrm>
-                <a:off x="6856337" y="2314312"/>
+                <a:off x="6059925" y="2314312"/>
                 <a:ext cx="555793" cy="276999"/>
               </a:xfrm>
               <a:prstGeom prst="rect">
@@ -4697,7 +4676,7 @@
               <a:blipFill>
                 <a:blip r:embed="rId10"/>
                 <a:stretch>
-                  <a:fillRect l="-11364" r="-2273" b="-13043"/>
+                  <a:fillRect l="-9091" r="-2273" b="-13043"/>
                 </a:stretch>
               </a:blipFill>
             </p:spPr>
@@ -4732,7 +4711,7 @@
             </p:nvSpPr>
             <p:spPr>
               <a:xfrm>
-                <a:off x="8517838" y="2314312"/>
+                <a:off x="7259310" y="2314312"/>
                 <a:ext cx="295274" cy="276999"/>
               </a:xfrm>
               <a:prstGeom prst="rect">
@@ -4802,7 +4781,7 @@
             </p:nvSpPr>
             <p:spPr>
               <a:xfrm>
-                <a:off x="8517838" y="2314312"/>
+                <a:off x="7259310" y="2314312"/>
                 <a:ext cx="295274" cy="276999"/>
               </a:xfrm>
               <a:prstGeom prst="rect">
@@ -4811,7 +4790,7 @@
               <a:blipFill>
                 <a:blip r:embed="rId11"/>
                 <a:stretch>
-                  <a:fillRect l="-16000" r="-4000" b="-13043"/>
+                  <a:fillRect l="-16667" r="-4167" b="-13043"/>
                 </a:stretch>
               </a:blipFill>
             </p:spPr>
@@ -4841,13 +4820,14 @@
           </p:cNvPr>
           <p:cNvCxnSpPr>
             <a:cxnSpLocks/>
+            <a:endCxn id="40" idx="1"/>
           </p:cNvCxnSpPr>
           <p:nvPr/>
         </p:nvCxnSpPr>
         <p:spPr>
           <a:xfrm>
-            <a:off x="7412130" y="2452811"/>
-            <a:ext cx="1105708" cy="0"/>
+            <a:off x="6615718" y="2452811"/>
+            <a:ext cx="643592" cy="1"/>
           </a:xfrm>
           <a:prstGeom prst="straightConnector1">
             <a:avLst/>
@@ -4890,7 +4870,7 @@
             </p:nvSpPr>
             <p:spPr>
               <a:xfrm>
-                <a:off x="7976306" y="2109020"/>
+                <a:off x="6825932" y="2109020"/>
                 <a:ext cx="281552" cy="276999"/>
               </a:xfrm>
               <a:prstGeom prst="rect">
@@ -4960,7 +4940,7 @@
             </p:nvSpPr>
             <p:spPr>
               <a:xfrm>
-                <a:off x="7976306" y="2109020"/>
+                <a:off x="6825932" y="2109020"/>
                 <a:ext cx="281552" cy="276999"/>
               </a:xfrm>
               <a:prstGeom prst="rect">
@@ -4969,7 +4949,7 @@
               <a:blipFill>
                 <a:blip r:embed="rId12"/>
                 <a:stretch>
-                  <a:fillRect l="-16667" r="-4167" b="-18182"/>
+                  <a:fillRect l="-21739" r="-8696" b="-18182"/>
                 </a:stretch>
               </a:blipFill>
             </p:spPr>
@@ -5004,7 +4984,7 @@
             </p:nvSpPr>
             <p:spPr>
               <a:xfrm>
-                <a:off x="6389141" y="2212338"/>
+                <a:off x="5622227" y="2212338"/>
                 <a:ext cx="482824" cy="461665"/>
               </a:xfrm>
               <a:prstGeom prst="rect">
@@ -5055,7 +5035,7 @@
             </p:nvSpPr>
             <p:spPr>
               <a:xfrm>
-                <a:off x="6389141" y="2212338"/>
+                <a:off x="5622227" y="2212338"/>
                 <a:ext cx="482824" cy="461665"/>
               </a:xfrm>
               <a:prstGeom prst="rect">
@@ -5065,6 +5045,128 @@
                 <a:blip r:embed="rId13"/>
                 <a:stretch>
                   <a:fillRect/>
+                </a:stretch>
+              </a:blipFill>
+            </p:spPr>
+            <p:txBody>
+              <a:bodyPr/>
+              <a:lstStyle/>
+              <a:p>
+                <a:r>
+                  <a:rPr lang="en-US">
+                    <a:noFill/>
+                  </a:rPr>
+                  <a:t> </a:t>
+                </a:r>
+              </a:p>
+            </p:txBody>
+          </p:sp>
+        </mc:Fallback>
+      </mc:AlternateContent>
+      <mc:AlternateContent xmlns:mc="http://schemas.openxmlformats.org/markup-compatibility/2006">
+        <mc:Choice xmlns:a14="http://schemas.microsoft.com/office/drawing/2010/main" Requires="a14">
+          <p:sp>
+            <p:nvSpPr>
+              <p:cNvPr id="50" name="TextBox 49">
+                <a:extLst>
+                  <a:ext uri="{FF2B5EF4-FFF2-40B4-BE49-F238E27FC236}">
+                    <a16:creationId xmlns:a16="http://schemas.microsoft.com/office/drawing/2014/main" id="{C13BBD48-CF82-1A83-F8E1-402F80BD0280}"/>
+                  </a:ext>
+                </a:extLst>
+              </p:cNvPr>
+              <p:cNvSpPr txBox="1"/>
+              <p:nvPr/>
+            </p:nvSpPr>
+            <p:spPr>
+              <a:xfrm>
+                <a:off x="3962395" y="2104101"/>
+                <a:ext cx="281552" cy="280974"/>
+              </a:xfrm>
+              <a:prstGeom prst="rect">
+                <a:avLst/>
+              </a:prstGeom>
+              <a:noFill/>
+            </p:spPr>
+            <p:txBody>
+              <a:bodyPr wrap="square" lIns="0" tIns="0" rIns="0" bIns="0" rtlCol="0">
+                <a:spAutoFit/>
+              </a:bodyPr>
+              <a:lstStyle/>
+              <a:p>
+                <a14:m>
+                  <m:oMathPara xmlns:m="http://schemas.openxmlformats.org/officeDocument/2006/math">
+                    <m:oMathParaPr>
+                      <m:jc m:val="centerGroup"/>
+                    </m:oMathParaPr>
+                    <m:oMath xmlns:m="http://schemas.openxmlformats.org/officeDocument/2006/math">
+                      <m:sSubSup>
+                        <m:sSubSupPr>
+                          <m:ctrlPr>
+                            <a:rPr lang="en-US" b="0" i="1" smtClean="0">
+                              <a:latin typeface="Cambria Math" panose="02040503050406030204" pitchFamily="18" charset="0"/>
+                            </a:rPr>
+                          </m:ctrlPr>
+                        </m:sSubSupPr>
+                        <m:e>
+                          <m:r>
+                            <a:rPr lang="en-US" b="0" i="1" smtClean="0">
+                              <a:latin typeface="Cambria Math" panose="02040503050406030204" pitchFamily="18" charset="0"/>
+                            </a:rPr>
+                            <m:t>𝑘</m:t>
+                          </m:r>
+                        </m:e>
+                        <m:sub>
+                          <m:r>
+                            <a:rPr lang="en-US" b="0" i="1" smtClean="0">
+                              <a:latin typeface="Cambria Math" panose="02040503050406030204" pitchFamily="18" charset="0"/>
+                            </a:rPr>
+                            <m:t>𝐼</m:t>
+                          </m:r>
+                        </m:sub>
+                        <m:sup>
+                          <m:r>
+                            <a:rPr lang="en-US" b="0" i="1" smtClean="0">
+                              <a:latin typeface="Cambria Math" panose="02040503050406030204" pitchFamily="18" charset="0"/>
+                            </a:rPr>
+                            <m:t>𝑋</m:t>
+                          </m:r>
+                        </m:sup>
+                      </m:sSubSup>
+                    </m:oMath>
+                  </m:oMathPara>
+                </a14:m>
+                <a:endParaRPr lang="en-US" dirty="0"/>
+              </a:p>
+            </p:txBody>
+          </p:sp>
+        </mc:Choice>
+        <mc:Fallback>
+          <p:sp>
+            <p:nvSpPr>
+              <p:cNvPr id="50" name="TextBox 49">
+                <a:extLst>
+                  <a:ext uri="{FF2B5EF4-FFF2-40B4-BE49-F238E27FC236}">
+                    <a16:creationId xmlns:a16="http://schemas.microsoft.com/office/drawing/2014/main" id="{C13BBD48-CF82-1A83-F8E1-402F80BD0280}"/>
+                  </a:ext>
+                </a:extLst>
+              </p:cNvPr>
+              <p:cNvSpPr txBox="1">
+                <a:spLocks noRot="1" noChangeAspect="1" noMove="1" noResize="1" noEditPoints="1" noAdjustHandles="1" noChangeArrowheads="1" noChangeShapeType="1" noTextEdit="1"/>
+              </p:cNvSpPr>
+              <p:nvPr/>
+            </p:nvSpPr>
+            <p:spPr>
+              <a:xfrm>
+                <a:off x="3962395" y="2104101"/>
+                <a:ext cx="281552" cy="280974"/>
+              </a:xfrm>
+              <a:prstGeom prst="rect">
+                <a:avLst/>
+              </a:prstGeom>
+              <a:blipFill>
+                <a:blip r:embed="rId14"/>
+                <a:stretch>
+                  <a:fillRect l="-30435" r="-8696" b="-17391"/>
                 </a:stretch>
               </a:blipFill>
             </p:spPr>

--- a/docs/figures.pptx
+++ b/docs/figures.pptx
@@ -3407,10 +3407,10 @@
       </p:grpSpPr>
       <p:sp>
         <p:nvSpPr>
-          <p:cNvPr id="6" name="Rectangle 5">
-            <a:extLst>
-              <a:ext uri="{FF2B5EF4-FFF2-40B4-BE49-F238E27FC236}">
-                <a16:creationId xmlns:a16="http://schemas.microsoft.com/office/drawing/2014/main" id="{CEDF893F-5B4B-3722-486B-8FF1CC52A2D2}"/>
+          <p:cNvPr id="9" name="Rectangle 8">
+            <a:extLst>
+              <a:ext uri="{FF2B5EF4-FFF2-40B4-BE49-F238E27FC236}">
+                <a16:creationId xmlns:a16="http://schemas.microsoft.com/office/drawing/2014/main" id="{4EEF1B70-F7ED-8B65-9902-89B4962A0593}"/>
               </a:ext>
             </a:extLst>
           </p:cNvPr>
@@ -3419,18 +3419,12 @@
         </p:nvSpPr>
         <p:spPr>
           <a:xfrm>
-            <a:off x="3520146" y="1371048"/>
-            <a:ext cx="2328830" cy="1911231"/>
+            <a:off x="3595177" y="1971028"/>
+            <a:ext cx="1361346" cy="914400"/>
           </a:xfrm>
           <a:prstGeom prst="rect">
             <a:avLst/>
           </a:prstGeom>
-          <a:noFill/>
-          <a:ln w="76200">
-            <a:solidFill>
-              <a:srgbClr val="0070C0"/>
-            </a:solidFill>
-          </a:ln>
         </p:spPr>
         <p:style>
           <a:lnRef idx="2">
@@ -3453,18 +3447,108 @@
           <a:lstStyle/>
           <a:p>
             <a:pPr algn="ctr"/>
-            <a:endParaRPr lang="en-US"/>
-          </a:p>
-        </p:txBody>
-      </p:sp>
+            <a:endParaRPr lang="en-US" dirty="0"/>
+          </a:p>
+        </p:txBody>
+      </p:sp>
+      <p:cxnSp>
+        <p:nvCxnSpPr>
+          <p:cNvPr id="12" name="Straight Arrow Connector 11">
+            <a:extLst>
+              <a:ext uri="{FF2B5EF4-FFF2-40B4-BE49-F238E27FC236}">
+                <a16:creationId xmlns:a16="http://schemas.microsoft.com/office/drawing/2014/main" id="{12C497F3-5450-199E-ADFE-23F06A623934}"/>
+              </a:ext>
+            </a:extLst>
+          </p:cNvPr>
+          <p:cNvCxnSpPr>
+            <a:cxnSpLocks/>
+            <a:endCxn id="40" idx="1"/>
+          </p:cNvCxnSpPr>
+          <p:nvPr/>
+        </p:nvCxnSpPr>
+        <p:spPr>
+          <a:xfrm>
+            <a:off x="4759878" y="2422973"/>
+            <a:ext cx="955762" cy="343"/>
+          </a:xfrm>
+          <a:prstGeom prst="straightConnector1">
+            <a:avLst/>
+          </a:prstGeom>
+          <a:ln w="19050">
+            <a:solidFill>
+              <a:srgbClr val="0070C0"/>
+            </a:solidFill>
+            <a:tailEnd type="triangle"/>
+          </a:ln>
+        </p:spPr>
+        <p:style>
+          <a:lnRef idx="1">
+            <a:schemeClr val="accent1"/>
+          </a:lnRef>
+          <a:fillRef idx="0">
+            <a:schemeClr val="accent1"/>
+          </a:fillRef>
+          <a:effectRef idx="0">
+            <a:schemeClr val="accent1"/>
+          </a:effectRef>
+          <a:fontRef idx="minor">
+            <a:schemeClr val="tx1"/>
+          </a:fontRef>
+        </p:style>
+      </p:cxnSp>
+      <p:cxnSp>
+        <p:nvCxnSpPr>
+          <p:cNvPr id="26" name="Elbow Connector 25">
+            <a:extLst>
+              <a:ext uri="{FF2B5EF4-FFF2-40B4-BE49-F238E27FC236}">
+                <a16:creationId xmlns:a16="http://schemas.microsoft.com/office/drawing/2014/main" id="{196D9969-FDCB-6255-18DB-AA075FF0098E}"/>
+              </a:ext>
+            </a:extLst>
+          </p:cNvPr>
+          <p:cNvCxnSpPr>
+            <a:cxnSpLocks/>
+            <a:stCxn id="40" idx="2"/>
+            <a:endCxn id="34" idx="2"/>
+          </p:cNvCxnSpPr>
+          <p:nvPr/>
+        </p:nvCxnSpPr>
+        <p:spPr>
+          <a:xfrm rot="5400000" flipH="1">
+            <a:off x="4345291" y="1016949"/>
+            <a:ext cx="19664" cy="3070069"/>
+          </a:xfrm>
+          <a:prstGeom prst="bentConnector3">
+            <a:avLst>
+              <a:gd name="adj1" fmla="val -2612576"/>
+            </a:avLst>
+          </a:prstGeom>
+          <a:ln w="19050">
+            <a:tailEnd type="triangle"/>
+          </a:ln>
+        </p:spPr>
+        <p:style>
+          <a:lnRef idx="1">
+            <a:schemeClr val="accent1"/>
+          </a:lnRef>
+          <a:fillRef idx="0">
+            <a:schemeClr val="accent1"/>
+          </a:fillRef>
+          <a:effectRef idx="0">
+            <a:schemeClr val="accent1"/>
+          </a:effectRef>
+          <a:fontRef idx="minor">
+            <a:schemeClr val="tx1"/>
+          </a:fontRef>
+        </p:style>
+      </p:cxnSp>
       <mc:AlternateContent xmlns:mc="http://schemas.openxmlformats.org/markup-compatibility/2006">
         <mc:Choice xmlns:a14="http://schemas.microsoft.com/office/drawing/2010/main" Requires="a14">
           <p:sp>
             <p:nvSpPr>
-              <p:cNvPr id="7" name="TextBox 6">
+              <p:cNvPr id="28" name="TextBox 27">
                 <a:extLst>
                   <a:ext uri="{FF2B5EF4-FFF2-40B4-BE49-F238E27FC236}">
-                    <a16:creationId xmlns:a16="http://schemas.microsoft.com/office/drawing/2014/main" id="{ACC9A662-8662-445E-B52E-8BD4A0E4CC6B}"/>
+                    <a16:creationId xmlns:a16="http://schemas.microsoft.com/office/drawing/2014/main" id="{4489A0AF-D3AE-FC57-CCB8-20F0AFBBB0F2}"/>
                   </a:ext>
                 </a:extLst>
               </p:cNvPr>
@@ -3473,7 +3557,250 @@
             </p:nvSpPr>
             <p:spPr>
               <a:xfrm>
-                <a:off x="3690150" y="2289729"/>
+                <a:off x="4193453" y="3102071"/>
+                <a:ext cx="281552" cy="276999"/>
+              </a:xfrm>
+              <a:prstGeom prst="rect">
+                <a:avLst/>
+              </a:prstGeom>
+              <a:noFill/>
+            </p:spPr>
+            <p:txBody>
+              <a:bodyPr wrap="square" lIns="0" tIns="0" rIns="0" bIns="0" rtlCol="0">
+                <a:spAutoFit/>
+              </a:bodyPr>
+              <a:lstStyle/>
+              <a:p>
+                <a14:m>
+                  <m:oMathPara xmlns:m="http://schemas.openxmlformats.org/officeDocument/2006/math">
+                    <m:oMathParaPr>
+                      <m:jc m:val="centerGroup"/>
+                    </m:oMathParaPr>
+                    <m:oMath xmlns:m="http://schemas.openxmlformats.org/officeDocument/2006/math">
+                      <m:sSub>
+                        <m:sSubPr>
+                          <m:ctrlPr>
+                            <a:rPr lang="en-US" b="0" i="1" smtClean="0">
+                              <a:latin typeface="Cambria Math" panose="02040503050406030204" pitchFamily="18" charset="0"/>
+                            </a:rPr>
+                          </m:ctrlPr>
+                        </m:sSubPr>
+                        <m:e>
+                          <m:r>
+                            <a:rPr lang="en-US" b="0" i="1" smtClean="0">
+                              <a:latin typeface="Cambria Math" panose="02040503050406030204" pitchFamily="18" charset="0"/>
+                            </a:rPr>
+                            <m:t>𝑘</m:t>
+                          </m:r>
+                        </m:e>
+                        <m:sub>
+                          <m:r>
+                            <a:rPr lang="en-US" b="0" i="1" smtClean="0">
+                              <a:latin typeface="Cambria Math" panose="02040503050406030204" pitchFamily="18" charset="0"/>
+                            </a:rPr>
+                            <m:t>5</m:t>
+                          </m:r>
+                        </m:sub>
+                      </m:sSub>
+                    </m:oMath>
+                  </m:oMathPara>
+                </a14:m>
+                <a:endParaRPr lang="en-US" dirty="0"/>
+              </a:p>
+            </p:txBody>
+          </p:sp>
+        </mc:Choice>
+        <mc:Fallback>
+          <p:sp>
+            <p:nvSpPr>
+              <p:cNvPr id="28" name="TextBox 27">
+                <a:extLst>
+                  <a:ext uri="{FF2B5EF4-FFF2-40B4-BE49-F238E27FC236}">
+                    <a16:creationId xmlns:a16="http://schemas.microsoft.com/office/drawing/2014/main" id="{4489A0AF-D3AE-FC57-CCB8-20F0AFBBB0F2}"/>
+                  </a:ext>
+                </a:extLst>
+              </p:cNvPr>
+              <p:cNvSpPr txBox="1">
+                <a:spLocks noRot="1" noChangeAspect="1" noMove="1" noResize="1" noEditPoints="1" noAdjustHandles="1" noChangeArrowheads="1" noChangeShapeType="1" noTextEdit="1"/>
+              </p:cNvSpPr>
+              <p:nvPr/>
+            </p:nvSpPr>
+            <p:spPr>
+              <a:xfrm>
+                <a:off x="4193453" y="3102071"/>
+                <a:ext cx="281552" cy="276999"/>
+              </a:xfrm>
+              <a:prstGeom prst="rect">
+                <a:avLst/>
+              </a:prstGeom>
+              <a:blipFill>
+                <a:blip r:embed="rId2"/>
+                <a:stretch>
+                  <a:fillRect l="-21739" r="-4348" b="-18182"/>
+                </a:stretch>
+              </a:blipFill>
+            </p:spPr>
+            <p:txBody>
+              <a:bodyPr/>
+              <a:lstStyle/>
+              <a:p>
+                <a:r>
+                  <a:rPr lang="en-US">
+                    <a:noFill/>
+                  </a:rPr>
+                  <a:t> </a:t>
+                </a:r>
+              </a:p>
+            </p:txBody>
+          </p:sp>
+        </mc:Fallback>
+      </mc:AlternateContent>
+      <mc:AlternateContent xmlns:mc="http://schemas.openxmlformats.org/markup-compatibility/2006">
+        <mc:Choice xmlns:a14="http://schemas.microsoft.com/office/drawing/2010/main" Requires="a14">
+          <p:sp>
+            <p:nvSpPr>
+              <p:cNvPr id="33" name="TextBox 32">
+                <a:extLst>
+                  <a:ext uri="{FF2B5EF4-FFF2-40B4-BE49-F238E27FC236}">
+                    <a16:creationId xmlns:a16="http://schemas.microsoft.com/office/drawing/2014/main" id="{69E5A26B-0528-09FD-9CCE-29CDD10D9061}"/>
+                  </a:ext>
+                </a:extLst>
+              </p:cNvPr>
+              <p:cNvSpPr txBox="1"/>
+              <p:nvPr/>
+            </p:nvSpPr>
+            <p:spPr>
+              <a:xfrm>
+                <a:off x="4048800" y="2018290"/>
+                <a:ext cx="454099" cy="246221"/>
+              </a:xfrm>
+              <a:prstGeom prst="rect">
+                <a:avLst/>
+              </a:prstGeom>
+              <a:noFill/>
+            </p:spPr>
+            <p:txBody>
+              <a:bodyPr wrap="none" lIns="0" tIns="0" rIns="0" bIns="0" rtlCol="0">
+                <a:spAutoFit/>
+              </a:bodyPr>
+              <a:lstStyle/>
+              <a:p>
+                <a14:m>
+                  <m:oMathPara xmlns:m="http://schemas.openxmlformats.org/officeDocument/2006/math">
+                    <m:oMathParaPr>
+                      <m:jc m:val="centerGroup"/>
+                    </m:oMathParaPr>
+                    <m:oMath xmlns:m="http://schemas.openxmlformats.org/officeDocument/2006/math">
+                      <m:r>
+                        <a:rPr lang="en-US" sz="1600" b="0" i="1" smtClean="0">
+                          <a:solidFill>
+                            <a:schemeClr val="bg1"/>
+                          </a:solidFill>
+                          <a:latin typeface="Cambria Math" panose="02040503050406030204" pitchFamily="18" charset="0"/>
+                        </a:rPr>
+                        <m:t>𝐺</m:t>
+                      </m:r>
+                      <m:r>
+                        <a:rPr lang="en-US" sz="1600" b="0" i="1" smtClean="0">
+                          <a:solidFill>
+                            <a:schemeClr val="bg1"/>
+                          </a:solidFill>
+                          <a:latin typeface="Cambria Math" panose="02040503050406030204" pitchFamily="18" charset="0"/>
+                        </a:rPr>
+                        <m:t>(</m:t>
+                      </m:r>
+                      <m:r>
+                        <a:rPr lang="en-US" sz="1600" b="0" i="1" smtClean="0">
+                          <a:solidFill>
+                            <a:schemeClr val="bg1"/>
+                          </a:solidFill>
+                          <a:latin typeface="Cambria Math" panose="02040503050406030204" pitchFamily="18" charset="0"/>
+                        </a:rPr>
+                        <m:t>𝑠</m:t>
+                      </m:r>
+                      <m:r>
+                        <a:rPr lang="en-US" sz="1600" b="0" i="1" smtClean="0">
+                          <a:solidFill>
+                            <a:schemeClr val="bg1"/>
+                          </a:solidFill>
+                          <a:latin typeface="Cambria Math" panose="02040503050406030204" pitchFamily="18" charset="0"/>
+                        </a:rPr>
+                        <m:t>)</m:t>
+                      </m:r>
+                    </m:oMath>
+                  </m:oMathPara>
+                </a14:m>
+                <a:endParaRPr lang="en-US" sz="1600" dirty="0">
+                  <a:solidFill>
+                    <a:schemeClr val="bg1"/>
+                  </a:solidFill>
+                </a:endParaRPr>
+              </a:p>
+            </p:txBody>
+          </p:sp>
+        </mc:Choice>
+        <mc:Fallback>
+          <p:sp>
+            <p:nvSpPr>
+              <p:cNvPr id="33" name="TextBox 32">
+                <a:extLst>
+                  <a:ext uri="{FF2B5EF4-FFF2-40B4-BE49-F238E27FC236}">
+                    <a16:creationId xmlns:a16="http://schemas.microsoft.com/office/drawing/2014/main" id="{69E5A26B-0528-09FD-9CCE-29CDD10D9061}"/>
+                  </a:ext>
+                </a:extLst>
+              </p:cNvPr>
+              <p:cNvSpPr txBox="1">
+                <a:spLocks noRot="1" noChangeAspect="1" noMove="1" noResize="1" noEditPoints="1" noAdjustHandles="1" noChangeArrowheads="1" noChangeShapeType="1" noTextEdit="1"/>
+              </p:cNvSpPr>
+              <p:nvPr/>
+            </p:nvSpPr>
+            <p:spPr>
+              <a:xfrm>
+                <a:off x="4048800" y="2018290"/>
+                <a:ext cx="454099" cy="246221"/>
+              </a:xfrm>
+              <a:prstGeom prst="rect">
+                <a:avLst/>
+              </a:prstGeom>
+              <a:blipFill>
+                <a:blip r:embed="rId3"/>
+                <a:stretch>
+                  <a:fillRect l="-10811" r="-16216" b="-33333"/>
+                </a:stretch>
+              </a:blipFill>
+            </p:spPr>
+            <p:txBody>
+              <a:bodyPr/>
+              <a:lstStyle/>
+              <a:p>
+                <a:r>
+                  <a:rPr lang="en-US">
+                    <a:noFill/>
+                  </a:rPr>
+                  <a:t> </a:t>
+                </a:r>
+              </a:p>
+            </p:txBody>
+          </p:sp>
+        </mc:Fallback>
+      </mc:AlternateContent>
+      <mc:AlternateContent xmlns:mc="http://schemas.openxmlformats.org/markup-compatibility/2006">
+        <mc:Choice xmlns:a14="http://schemas.microsoft.com/office/drawing/2010/main" Requires="a14">
+          <p:sp>
+            <p:nvSpPr>
+              <p:cNvPr id="34" name="TextBox 33">
+                <a:extLst>
+                  <a:ext uri="{FF2B5EF4-FFF2-40B4-BE49-F238E27FC236}">
+                    <a16:creationId xmlns:a16="http://schemas.microsoft.com/office/drawing/2014/main" id="{F57212D3-2CD6-683B-E86A-9281C30FD144}"/>
+                  </a:ext>
+                </a:extLst>
+              </p:cNvPr>
+              <p:cNvSpPr txBox="1"/>
+              <p:nvPr/>
+            </p:nvSpPr>
+            <p:spPr>
+              <a:xfrm>
+                <a:off x="2683864" y="2265152"/>
                 <a:ext cx="272447" cy="276999"/>
               </a:xfrm>
               <a:prstGeom prst="rect">
@@ -3529,10 +3856,10 @@
         <mc:Fallback>
           <p:sp>
             <p:nvSpPr>
-              <p:cNvPr id="7" name="TextBox 6">
+              <p:cNvPr id="34" name="TextBox 33">
                 <a:extLst>
                   <a:ext uri="{FF2B5EF4-FFF2-40B4-BE49-F238E27FC236}">
-                    <a16:creationId xmlns:a16="http://schemas.microsoft.com/office/drawing/2014/main" id="{ACC9A662-8662-445E-B52E-8BD4A0E4CC6B}"/>
+                    <a16:creationId xmlns:a16="http://schemas.microsoft.com/office/drawing/2014/main" id="{F57212D3-2CD6-683B-E86A-9281C30FD144}"/>
                   </a:ext>
                 </a:extLst>
               </p:cNvPr>
@@ -3543,14 +3870,14 @@
             </p:nvSpPr>
             <p:spPr>
               <a:xfrm>
-                <a:off x="3690150" y="2289729"/>
+                <a:off x="2683864" y="2265152"/>
                 <a:ext cx="272447" cy="276999"/>
               </a:xfrm>
               <a:prstGeom prst="rect">
                 <a:avLst/>
               </a:prstGeom>
               <a:blipFill>
-                <a:blip r:embed="rId2"/>
+                <a:blip r:embed="rId4"/>
                 <a:stretch>
                   <a:fillRect l="-18182" r="-4545" b="-13043"/>
                 </a:stretch>
@@ -3575,10 +3902,10 @@
         <mc:Choice xmlns:a14="http://schemas.microsoft.com/office/drawing/2010/main" Requires="a14">
           <p:sp>
             <p:nvSpPr>
-              <p:cNvPr id="8" name="TextBox 7">
+              <p:cNvPr id="35" name="TextBox 34">
                 <a:extLst>
                   <a:ext uri="{FF2B5EF4-FFF2-40B4-BE49-F238E27FC236}">
-                    <a16:creationId xmlns:a16="http://schemas.microsoft.com/office/drawing/2014/main" id="{E4D74D8A-ED7F-CC9B-F576-FE74E3CF744F}"/>
+                    <a16:creationId xmlns:a16="http://schemas.microsoft.com/office/drawing/2014/main" id="{9F28B733-4A15-FDFC-D69D-AF0020590042}"/>
                   </a:ext>
                 </a:extLst>
               </p:cNvPr>
@@ -3587,8 +3914,8 @@
             </p:nvSpPr>
             <p:spPr>
               <a:xfrm>
-                <a:off x="5418486" y="2289729"/>
-                <a:ext cx="322524" cy="276999"/>
+                <a:off x="3636070" y="2274984"/>
+                <a:ext cx="505716" cy="276999"/>
               </a:xfrm>
               <a:prstGeom prst="rect">
                 <a:avLst/>
@@ -3597,6 +3924,310 @@
             </p:spPr>
             <p:txBody>
               <a:bodyPr wrap="none" lIns="0" tIns="0" rIns="0" bIns="0" rtlCol="0">
+                <a:spAutoFit/>
+              </a:bodyPr>
+              <a:lstStyle/>
+              <a:p>
+                <a14:m>
+                  <m:oMathPara xmlns:m="http://schemas.openxmlformats.org/officeDocument/2006/math">
+                    <m:oMathParaPr>
+                      <m:jc m:val="centerGroup"/>
+                    </m:oMathParaPr>
+                    <m:oMath xmlns:m="http://schemas.openxmlformats.org/officeDocument/2006/math">
+                      <m:sSub>
+                        <m:sSubPr>
+                          <m:ctrlPr>
+                            <a:rPr lang="en-US" b="0" i="1" smtClean="0">
+                              <a:solidFill>
+                                <a:schemeClr val="bg1"/>
+                              </a:solidFill>
+                              <a:latin typeface="Cambria Math" panose="02040503050406030204" pitchFamily="18" charset="0"/>
+                            </a:rPr>
+                          </m:ctrlPr>
+                        </m:sSubPr>
+                        <m:e>
+                          <m:r>
+                            <a:rPr lang="en-US" b="0" i="1" smtClean="0">
+                              <a:solidFill>
+                                <a:schemeClr val="bg1"/>
+                              </a:solidFill>
+                              <a:latin typeface="Cambria Math" panose="02040503050406030204" pitchFamily="18" charset="0"/>
+                            </a:rPr>
+                            <m:t>𝑁</m:t>
+                          </m:r>
+                          <m:r>
+                            <a:rPr lang="en-US" b="0" i="1" smtClean="0">
+                              <a:solidFill>
+                                <a:schemeClr val="bg1"/>
+                              </a:solidFill>
+                              <a:latin typeface="Cambria Math" panose="02040503050406030204" pitchFamily="18" charset="0"/>
+                            </a:rPr>
+                            <m:t>.</m:t>
+                          </m:r>
+                          <m:r>
+                            <a:rPr lang="en-US" b="0" i="1" smtClean="0">
+                              <a:solidFill>
+                                <a:schemeClr val="bg1"/>
+                              </a:solidFill>
+                              <a:latin typeface="Cambria Math" panose="02040503050406030204" pitchFamily="18" charset="0"/>
+                            </a:rPr>
+                            <m:t>𝑆</m:t>
+                          </m:r>
+                        </m:e>
+                        <m:sub>
+                          <m:r>
+                            <a:rPr lang="en-US" b="0" i="1" smtClean="0">
+                              <a:solidFill>
+                                <a:schemeClr val="bg1"/>
+                              </a:solidFill>
+                              <a:latin typeface="Cambria Math" panose="02040503050406030204" pitchFamily="18" charset="0"/>
+                            </a:rPr>
+                            <m:t>𝐼</m:t>
+                          </m:r>
+                        </m:sub>
+                      </m:sSub>
+                    </m:oMath>
+                  </m:oMathPara>
+                </a14:m>
+                <a:endParaRPr lang="en-US" dirty="0">
+                  <a:solidFill>
+                    <a:schemeClr val="bg1"/>
+                  </a:solidFill>
+                </a:endParaRPr>
+              </a:p>
+            </p:txBody>
+          </p:sp>
+        </mc:Choice>
+        <mc:Fallback>
+          <p:sp>
+            <p:nvSpPr>
+              <p:cNvPr id="35" name="TextBox 34">
+                <a:extLst>
+                  <a:ext uri="{FF2B5EF4-FFF2-40B4-BE49-F238E27FC236}">
+                    <a16:creationId xmlns:a16="http://schemas.microsoft.com/office/drawing/2014/main" id="{9F28B733-4A15-FDFC-D69D-AF0020590042}"/>
+                  </a:ext>
+                </a:extLst>
+              </p:cNvPr>
+              <p:cNvSpPr txBox="1">
+                <a:spLocks noRot="1" noChangeAspect="1" noMove="1" noResize="1" noEditPoints="1" noAdjustHandles="1" noChangeArrowheads="1" noChangeShapeType="1" noTextEdit="1"/>
+              </p:cNvSpPr>
+              <p:nvPr/>
+            </p:nvSpPr>
+            <p:spPr>
+              <a:xfrm>
+                <a:off x="3636070" y="2274984"/>
+                <a:ext cx="505716" cy="276999"/>
+              </a:xfrm>
+              <a:prstGeom prst="rect">
+                <a:avLst/>
+              </a:prstGeom>
+              <a:blipFill>
+                <a:blip r:embed="rId5"/>
+                <a:stretch>
+                  <a:fillRect l="-10000" r="-2500" b="-13043"/>
+                </a:stretch>
+              </a:blipFill>
+            </p:spPr>
+            <p:txBody>
+              <a:bodyPr/>
+              <a:lstStyle/>
+              <a:p>
+                <a:r>
+                  <a:rPr lang="en-US">
+                    <a:noFill/>
+                  </a:rPr>
+                  <a:t> </a:t>
+                </a:r>
+              </a:p>
+            </p:txBody>
+          </p:sp>
+        </mc:Fallback>
+      </mc:AlternateContent>
+      <p:cxnSp>
+        <p:nvCxnSpPr>
+          <p:cNvPr id="36" name="Straight Arrow Connector 35">
+            <a:extLst>
+              <a:ext uri="{FF2B5EF4-FFF2-40B4-BE49-F238E27FC236}">
+                <a16:creationId xmlns:a16="http://schemas.microsoft.com/office/drawing/2014/main" id="{B94E69BF-29BC-2F37-1F0C-D9F9D0A48382}"/>
+              </a:ext>
+            </a:extLst>
+          </p:cNvPr>
+          <p:cNvCxnSpPr>
+            <a:cxnSpLocks/>
+            <a:stCxn id="34" idx="3"/>
+          </p:cNvCxnSpPr>
+          <p:nvPr/>
+        </p:nvCxnSpPr>
+        <p:spPr>
+          <a:xfrm>
+            <a:off x="2956311" y="2403652"/>
+            <a:ext cx="610931" cy="0"/>
+          </a:xfrm>
+          <a:prstGeom prst="straightConnector1">
+            <a:avLst/>
+          </a:prstGeom>
+          <a:ln w="19050">
+            <a:solidFill>
+              <a:srgbClr val="0070C0"/>
+            </a:solidFill>
+            <a:tailEnd type="triangle"/>
+          </a:ln>
+        </p:spPr>
+        <p:style>
+          <a:lnRef idx="1">
+            <a:schemeClr val="accent1"/>
+          </a:lnRef>
+          <a:fillRef idx="0">
+            <a:schemeClr val="accent1"/>
+          </a:fillRef>
+          <a:effectRef idx="0">
+            <a:schemeClr val="accent1"/>
+          </a:effectRef>
+          <a:fontRef idx="minor">
+            <a:schemeClr val="tx1"/>
+          </a:fontRef>
+        </p:style>
+      </p:cxnSp>
+      <mc:AlternateContent xmlns:mc="http://schemas.openxmlformats.org/markup-compatibility/2006">
+        <mc:Choice xmlns:a14="http://schemas.microsoft.com/office/drawing/2010/main" Requires="a14">
+          <p:sp>
+            <p:nvSpPr>
+              <p:cNvPr id="37" name="TextBox 36">
+                <a:extLst>
+                  <a:ext uri="{FF2B5EF4-FFF2-40B4-BE49-F238E27FC236}">
+                    <a16:creationId xmlns:a16="http://schemas.microsoft.com/office/drawing/2014/main" id="{5C45D2CA-7E84-A0D4-F174-D0DB4E03D65F}"/>
+                  </a:ext>
+                </a:extLst>
+              </p:cNvPr>
+              <p:cNvSpPr txBox="1"/>
+              <p:nvPr/>
+            </p:nvSpPr>
+            <p:spPr>
+              <a:xfrm>
+                <a:off x="3146309" y="2077068"/>
+                <a:ext cx="281552" cy="276999"/>
+              </a:xfrm>
+              <a:prstGeom prst="rect">
+                <a:avLst/>
+              </a:prstGeom>
+              <a:noFill/>
+            </p:spPr>
+            <p:txBody>
+              <a:bodyPr wrap="square" lIns="0" tIns="0" rIns="0" bIns="0" rtlCol="0">
+                <a:spAutoFit/>
+              </a:bodyPr>
+              <a:lstStyle/>
+              <a:p>
+                <a14:m>
+                  <m:oMathPara xmlns:m="http://schemas.openxmlformats.org/officeDocument/2006/math">
+                    <m:oMathParaPr>
+                      <m:jc m:val="centerGroup"/>
+                    </m:oMathParaPr>
+                    <m:oMath xmlns:m="http://schemas.openxmlformats.org/officeDocument/2006/math">
+                      <m:sSub>
+                        <m:sSubPr>
+                          <m:ctrlPr>
+                            <a:rPr lang="en-US" b="0" i="1" smtClean="0">
+                              <a:latin typeface="Cambria Math" panose="02040503050406030204" pitchFamily="18" charset="0"/>
+                            </a:rPr>
+                          </m:ctrlPr>
+                        </m:sSubPr>
+                        <m:e>
+                          <m:r>
+                            <a:rPr lang="en-US" b="0" i="1" smtClean="0">
+                              <a:latin typeface="Cambria Math" panose="02040503050406030204" pitchFamily="18" charset="0"/>
+                            </a:rPr>
+                            <m:t>𝑘</m:t>
+                          </m:r>
+                        </m:e>
+                        <m:sub>
+                          <m:r>
+                            <a:rPr lang="en-US" b="0" i="1" smtClean="0">
+                              <a:latin typeface="Cambria Math" panose="02040503050406030204" pitchFamily="18" charset="0"/>
+                            </a:rPr>
+                            <m:t>2</m:t>
+                          </m:r>
+                        </m:sub>
+                      </m:sSub>
+                    </m:oMath>
+                  </m:oMathPara>
+                </a14:m>
+                <a:endParaRPr lang="en-US" dirty="0"/>
+              </a:p>
+            </p:txBody>
+          </p:sp>
+        </mc:Choice>
+        <mc:Fallback>
+          <p:sp>
+            <p:nvSpPr>
+              <p:cNvPr id="37" name="TextBox 36">
+                <a:extLst>
+                  <a:ext uri="{FF2B5EF4-FFF2-40B4-BE49-F238E27FC236}">
+                    <a16:creationId xmlns:a16="http://schemas.microsoft.com/office/drawing/2014/main" id="{5C45D2CA-7E84-A0D4-F174-D0DB4E03D65F}"/>
+                  </a:ext>
+                </a:extLst>
+              </p:cNvPr>
+              <p:cNvSpPr txBox="1">
+                <a:spLocks noRot="1" noChangeAspect="1" noMove="1" noResize="1" noEditPoints="1" noAdjustHandles="1" noChangeArrowheads="1" noChangeShapeType="1" noTextEdit="1"/>
+              </p:cNvSpPr>
+              <p:nvPr/>
+            </p:nvSpPr>
+            <p:spPr>
+              <a:xfrm>
+                <a:off x="3146309" y="2077068"/>
+                <a:ext cx="281552" cy="276999"/>
+              </a:xfrm>
+              <a:prstGeom prst="rect">
+                <a:avLst/>
+              </a:prstGeom>
+              <a:blipFill>
+                <a:blip r:embed="rId6"/>
+                <a:stretch>
+                  <a:fillRect l="-21739" r="-8696" b="-13043"/>
+                </a:stretch>
+              </a:blipFill>
+            </p:spPr>
+            <p:txBody>
+              <a:bodyPr/>
+              <a:lstStyle/>
+              <a:p>
+                <a:r>
+                  <a:rPr lang="en-US">
+                    <a:noFill/>
+                  </a:rPr>
+                  <a:t> </a:t>
+                </a:r>
+              </a:p>
+            </p:txBody>
+          </p:sp>
+        </mc:Fallback>
+      </mc:AlternateContent>
+      <mc:AlternateContent xmlns:mc="http://schemas.openxmlformats.org/markup-compatibility/2006">
+        <mc:Choice xmlns:a14="http://schemas.microsoft.com/office/drawing/2010/main" Requires="a14">
+          <p:sp>
+            <p:nvSpPr>
+              <p:cNvPr id="40" name="TextBox 39">
+                <a:extLst>
+                  <a:ext uri="{FF2B5EF4-FFF2-40B4-BE49-F238E27FC236}">
+                    <a16:creationId xmlns:a16="http://schemas.microsoft.com/office/drawing/2014/main" id="{6B8FF12A-33AB-89CF-0DD8-A19072281315}"/>
+                  </a:ext>
+                </a:extLst>
+              </p:cNvPr>
+              <p:cNvSpPr txBox="1"/>
+              <p:nvPr/>
+            </p:nvSpPr>
+            <p:spPr>
+              <a:xfrm>
+                <a:off x="5715640" y="2284816"/>
+                <a:ext cx="349034" cy="276999"/>
+              </a:xfrm>
+              <a:prstGeom prst="rect">
+                <a:avLst/>
+              </a:prstGeom>
+              <a:noFill/>
+            </p:spPr>
+            <p:txBody>
+              <a:bodyPr wrap="square" lIns="0" tIns="0" rIns="0" bIns="0" rtlCol="0">
                 <a:spAutoFit/>
               </a:bodyPr>
               <a:lstStyle/>
@@ -3643,10 +4274,10 @@
         <mc:Fallback>
           <p:sp>
             <p:nvSpPr>
-              <p:cNvPr id="8" name="TextBox 7">
+              <p:cNvPr id="40" name="TextBox 39">
                 <a:extLst>
                   <a:ext uri="{FF2B5EF4-FFF2-40B4-BE49-F238E27FC236}">
-                    <a16:creationId xmlns:a16="http://schemas.microsoft.com/office/drawing/2014/main" id="{E4D74D8A-ED7F-CC9B-F576-FE74E3CF744F}"/>
+                    <a16:creationId xmlns:a16="http://schemas.microsoft.com/office/drawing/2014/main" id="{6B8FF12A-33AB-89CF-0DD8-A19072281315}"/>
                   </a:ext>
                 </a:extLst>
               </p:cNvPr>
@@ -3657,292 +4288,16 @@
             </p:nvSpPr>
             <p:spPr>
               <a:xfrm>
-                <a:off x="5418486" y="2289729"/>
-                <a:ext cx="322524" cy="276999"/>
+                <a:off x="5715640" y="2284816"/>
+                <a:ext cx="349034" cy="276999"/>
               </a:xfrm>
               <a:prstGeom prst="rect">
                 <a:avLst/>
               </a:prstGeom>
               <a:blipFill>
-                <a:blip r:embed="rId3"/>
+                <a:blip r:embed="rId7"/>
                 <a:stretch>
-                  <a:fillRect l="-14815" r="-3704" b="-13043"/>
-                </a:stretch>
-              </a:blipFill>
-            </p:spPr>
-            <p:txBody>
-              <a:bodyPr/>
-              <a:lstStyle/>
-              <a:p>
-                <a:r>
-                  <a:rPr lang="en-US">
-                    <a:noFill/>
-                  </a:rPr>
-                  <a:t> </a:t>
-                </a:r>
-              </a:p>
-            </p:txBody>
-          </p:sp>
-        </mc:Fallback>
-      </mc:AlternateContent>
-      <p:sp>
-        <p:nvSpPr>
-          <p:cNvPr id="9" name="Rectangle 8">
-            <a:extLst>
-              <a:ext uri="{FF2B5EF4-FFF2-40B4-BE49-F238E27FC236}">
-                <a16:creationId xmlns:a16="http://schemas.microsoft.com/office/drawing/2014/main" id="{4EEF1B70-F7ED-8B65-9902-89B4962A0593}"/>
-              </a:ext>
-            </a:extLst>
-          </p:cNvPr>
-          <p:cNvSpPr/>
-          <p:nvPr/>
-        </p:nvSpPr>
-        <p:spPr>
-          <a:xfrm>
-            <a:off x="4278098" y="1971028"/>
-            <a:ext cx="914400" cy="914400"/>
-          </a:xfrm>
-          <a:prstGeom prst="rect">
-            <a:avLst/>
-          </a:prstGeom>
-        </p:spPr>
-        <p:style>
-          <a:lnRef idx="2">
-            <a:schemeClr val="accent1">
-              <a:shade val="15000"/>
-            </a:schemeClr>
-          </a:lnRef>
-          <a:fillRef idx="1">
-            <a:schemeClr val="accent1"/>
-          </a:fillRef>
-          <a:effectRef idx="0">
-            <a:schemeClr val="accent1"/>
-          </a:effectRef>
-          <a:fontRef idx="minor">
-            <a:schemeClr val="lt1"/>
-          </a:fontRef>
-        </p:style>
-        <p:txBody>
-          <a:bodyPr rtlCol="0" anchor="ctr"/>
-          <a:lstStyle/>
-          <a:p>
-            <a:pPr algn="ctr"/>
-            <a:endParaRPr lang="en-US" dirty="0"/>
-          </a:p>
-        </p:txBody>
-      </p:sp>
-      <p:cxnSp>
-        <p:nvCxnSpPr>
-          <p:cNvPr id="11" name="Straight Arrow Connector 10">
-            <a:extLst>
-              <a:ext uri="{FF2B5EF4-FFF2-40B4-BE49-F238E27FC236}">
-                <a16:creationId xmlns:a16="http://schemas.microsoft.com/office/drawing/2014/main" id="{0A8D4484-7D8E-A069-504F-652B612D1C53}"/>
-              </a:ext>
-            </a:extLst>
-          </p:cNvPr>
-          <p:cNvCxnSpPr>
-            <a:cxnSpLocks/>
-            <a:stCxn id="7" idx="3"/>
-            <a:endCxn id="9" idx="1"/>
-          </p:cNvCxnSpPr>
-          <p:nvPr/>
-        </p:nvCxnSpPr>
-        <p:spPr>
-          <a:xfrm flipV="1">
-            <a:off x="3962597" y="2428228"/>
-            <a:ext cx="315501" cy="1"/>
-          </a:xfrm>
-          <a:prstGeom prst="straightConnector1">
-            <a:avLst/>
-          </a:prstGeom>
-          <a:ln w="19050">
-            <a:solidFill>
-              <a:srgbClr val="0070C0"/>
-            </a:solidFill>
-            <a:tailEnd type="triangle"/>
-          </a:ln>
-        </p:spPr>
-        <p:style>
-          <a:lnRef idx="1">
-            <a:schemeClr val="accent1"/>
-          </a:lnRef>
-          <a:fillRef idx="0">
-            <a:schemeClr val="accent1"/>
-          </a:fillRef>
-          <a:effectRef idx="0">
-            <a:schemeClr val="accent1"/>
-          </a:effectRef>
-          <a:fontRef idx="minor">
-            <a:schemeClr val="tx1"/>
-          </a:fontRef>
-        </p:style>
-      </p:cxnSp>
-      <p:cxnSp>
-        <p:nvCxnSpPr>
-          <p:cNvPr id="12" name="Straight Arrow Connector 11">
-            <a:extLst>
-              <a:ext uri="{FF2B5EF4-FFF2-40B4-BE49-F238E27FC236}">
-                <a16:creationId xmlns:a16="http://schemas.microsoft.com/office/drawing/2014/main" id="{12C497F3-5450-199E-ADFE-23F06A623934}"/>
-              </a:ext>
-            </a:extLst>
-          </p:cNvPr>
-          <p:cNvCxnSpPr>
-            <a:cxnSpLocks/>
-            <a:endCxn id="8" idx="1"/>
-          </p:cNvCxnSpPr>
-          <p:nvPr/>
-        </p:nvCxnSpPr>
-        <p:spPr>
-          <a:xfrm>
-            <a:off x="4474744" y="2422973"/>
-            <a:ext cx="943742" cy="5256"/>
-          </a:xfrm>
-          <a:prstGeom prst="straightConnector1">
-            <a:avLst/>
-          </a:prstGeom>
-          <a:ln w="19050">
-            <a:solidFill>
-              <a:srgbClr val="0070C0"/>
-            </a:solidFill>
-            <a:tailEnd type="triangle"/>
-          </a:ln>
-        </p:spPr>
-        <p:style>
-          <a:lnRef idx="1">
-            <a:schemeClr val="accent1"/>
-          </a:lnRef>
-          <a:fillRef idx="0">
-            <a:schemeClr val="accent1"/>
-          </a:fillRef>
-          <a:effectRef idx="0">
-            <a:schemeClr val="accent1"/>
-          </a:effectRef>
-          <a:fontRef idx="minor">
-            <a:schemeClr val="tx1"/>
-          </a:fontRef>
-        </p:style>
-      </p:cxnSp>
-      <p:cxnSp>
-        <p:nvCxnSpPr>
-          <p:cNvPr id="26" name="Elbow Connector 25">
-            <a:extLst>
-              <a:ext uri="{FF2B5EF4-FFF2-40B4-BE49-F238E27FC236}">
-                <a16:creationId xmlns:a16="http://schemas.microsoft.com/office/drawing/2014/main" id="{196D9969-FDCB-6255-18DB-AA075FF0098E}"/>
-              </a:ext>
-            </a:extLst>
-          </p:cNvPr>
-          <p:cNvCxnSpPr>
-            <a:stCxn id="8" idx="2"/>
-            <a:endCxn id="7" idx="2"/>
-          </p:cNvCxnSpPr>
-          <p:nvPr/>
-        </p:nvCxnSpPr>
-        <p:spPr>
-          <a:xfrm rot="5400000">
-            <a:off x="4703061" y="1690041"/>
-            <a:ext cx="12700" cy="1753374"/>
-          </a:xfrm>
-          <a:prstGeom prst="bentConnector3">
-            <a:avLst>
-              <a:gd name="adj1" fmla="val 4741937"/>
-            </a:avLst>
-          </a:prstGeom>
-          <a:ln w="19050">
-            <a:tailEnd type="triangle"/>
-          </a:ln>
-        </p:spPr>
-        <p:style>
-          <a:lnRef idx="1">
-            <a:schemeClr val="accent1"/>
-          </a:lnRef>
-          <a:fillRef idx="0">
-            <a:schemeClr val="accent1"/>
-          </a:fillRef>
-          <a:effectRef idx="0">
-            <a:schemeClr val="accent1"/>
-          </a:effectRef>
-          <a:fontRef idx="minor">
-            <a:schemeClr val="tx1"/>
-          </a:fontRef>
-        </p:style>
-      </p:cxnSp>
-      <mc:AlternateContent xmlns:mc="http://schemas.openxmlformats.org/markup-compatibility/2006">
-        <mc:Choice xmlns:a14="http://schemas.microsoft.com/office/drawing/2010/main" Requires="a14">
-          <p:sp>
-            <p:nvSpPr>
-              <p:cNvPr id="28" name="TextBox 27">
-                <a:extLst>
-                  <a:ext uri="{FF2B5EF4-FFF2-40B4-BE49-F238E27FC236}">
-                    <a16:creationId xmlns:a16="http://schemas.microsoft.com/office/drawing/2014/main" id="{4489A0AF-D3AE-FC57-CCB8-20F0AFBBB0F2}"/>
-                  </a:ext>
-                </a:extLst>
-              </p:cNvPr>
-              <p:cNvSpPr txBox="1"/>
-              <p:nvPr/>
-            </p:nvSpPr>
-            <p:spPr>
-              <a:xfrm>
-                <a:off x="4645739" y="2925093"/>
-                <a:ext cx="281552" cy="276999"/>
-              </a:xfrm>
-              <a:prstGeom prst="rect">
-                <a:avLst/>
-              </a:prstGeom>
-              <a:noFill/>
-            </p:spPr>
-            <p:txBody>
-              <a:bodyPr wrap="square" lIns="0" tIns="0" rIns="0" bIns="0" rtlCol="0">
-                <a:spAutoFit/>
-              </a:bodyPr>
-              <a:lstStyle/>
-              <a:p>
-                <a14:m>
-                  <m:oMathPara xmlns:m="http://schemas.openxmlformats.org/officeDocument/2006/math">
-                    <m:oMathParaPr>
-                      <m:jc m:val="centerGroup"/>
-                    </m:oMathParaPr>
-                    <m:oMath xmlns:m="http://schemas.openxmlformats.org/officeDocument/2006/math">
-                      <m:r>
-                        <a:rPr lang="en-US" b="0" i="1" smtClean="0">
-                          <a:latin typeface="Cambria Math" panose="02040503050406030204" pitchFamily="18" charset="0"/>
-                        </a:rPr>
-                        <m:t>𝑘</m:t>
-                      </m:r>
-                    </m:oMath>
-                  </m:oMathPara>
-                </a14:m>
-                <a:endParaRPr lang="en-US" dirty="0"/>
-              </a:p>
-            </p:txBody>
-          </p:sp>
-        </mc:Choice>
-        <mc:Fallback>
-          <p:sp>
-            <p:nvSpPr>
-              <p:cNvPr id="28" name="TextBox 27">
-                <a:extLst>
-                  <a:ext uri="{FF2B5EF4-FFF2-40B4-BE49-F238E27FC236}">
-                    <a16:creationId xmlns:a16="http://schemas.microsoft.com/office/drawing/2014/main" id="{4489A0AF-D3AE-FC57-CCB8-20F0AFBBB0F2}"/>
-                  </a:ext>
-                </a:extLst>
-              </p:cNvPr>
-              <p:cNvSpPr txBox="1">
-                <a:spLocks noRot="1" noChangeAspect="1" noMove="1" noResize="1" noEditPoints="1" noAdjustHandles="1" noChangeArrowheads="1" noChangeShapeType="1" noTextEdit="1"/>
-              </p:cNvSpPr>
-              <p:nvPr/>
-            </p:nvSpPr>
-            <p:spPr>
-              <a:xfrm>
-                <a:off x="4645739" y="2925093"/>
-                <a:ext cx="281552" cy="276999"/>
-              </a:xfrm>
-              <a:prstGeom prst="rect">
-                <a:avLst/>
-              </a:prstGeom>
-              <a:blipFill>
-                <a:blip r:embed="rId4"/>
-                <a:stretch>
-                  <a:fillRect l="-4348" r="-4348" b="-4348"/>
+                  <a:fillRect l="-14286" b="-13636"/>
                 </a:stretch>
               </a:blipFill>
             </p:spPr>
@@ -3965,10 +4320,10 @@
         <mc:Choice xmlns:a14="http://schemas.microsoft.com/office/drawing/2010/main" Requires="a14">
           <p:sp>
             <p:nvSpPr>
-              <p:cNvPr id="33" name="TextBox 32">
+              <p:cNvPr id="54" name="TextBox 53">
                 <a:extLst>
                   <a:ext uri="{FF2B5EF4-FFF2-40B4-BE49-F238E27FC236}">
-                    <a16:creationId xmlns:a16="http://schemas.microsoft.com/office/drawing/2014/main" id="{69E5A26B-0528-09FD-9CCE-29CDD10D9061}"/>
+                    <a16:creationId xmlns:a16="http://schemas.microsoft.com/office/drawing/2014/main" id="{0D6E3ADB-C3FC-2405-DEB6-CB2BC9B01E51}"/>
                   </a:ext>
                 </a:extLst>
               </p:cNvPr>
@@ -3977,8 +4332,8 @@
             </p:nvSpPr>
             <p:spPr>
               <a:xfrm>
-                <a:off x="3660940" y="1399123"/>
-                <a:ext cx="681853" cy="369332"/>
+                <a:off x="4329245" y="2289732"/>
+                <a:ext cx="555793" cy="276999"/>
               </a:xfrm>
               <a:prstGeom prst="rect">
                 <a:avLst/>
@@ -3997,34 +4352,66 @@
                       <m:jc m:val="centerGroup"/>
                     </m:oMathParaPr>
                     <m:oMath xmlns:m="http://schemas.openxmlformats.org/officeDocument/2006/math">
-                      <m:r>
-                        <a:rPr lang="en-US" sz="2400" b="0" i="1" smtClean="0">
-                          <a:latin typeface="Cambria Math" panose="02040503050406030204" pitchFamily="18" charset="0"/>
-                        </a:rPr>
-                        <m:t>𝐺</m:t>
-                      </m:r>
-                      <m:r>
-                        <a:rPr lang="en-US" sz="2400" b="0" i="1" smtClean="0">
-                          <a:latin typeface="Cambria Math" panose="02040503050406030204" pitchFamily="18" charset="0"/>
-                        </a:rPr>
-                        <m:t>(</m:t>
-                      </m:r>
-                      <m:r>
-                        <a:rPr lang="en-US" sz="2400" b="0" i="1" smtClean="0">
-                          <a:latin typeface="Cambria Math" panose="02040503050406030204" pitchFamily="18" charset="0"/>
-                        </a:rPr>
-                        <m:t>𝑠</m:t>
-                      </m:r>
-                      <m:r>
-                        <a:rPr lang="en-US" sz="2400" b="0" i="1" smtClean="0">
-                          <a:latin typeface="Cambria Math" panose="02040503050406030204" pitchFamily="18" charset="0"/>
-                        </a:rPr>
-                        <m:t>)</m:t>
-                      </m:r>
+                      <m:sSub>
+                        <m:sSubPr>
+                          <m:ctrlPr>
+                            <a:rPr lang="en-US" b="0" i="1" smtClean="0">
+                              <a:solidFill>
+                                <a:schemeClr val="bg1"/>
+                              </a:solidFill>
+                              <a:latin typeface="Cambria Math" panose="02040503050406030204" pitchFamily="18" charset="0"/>
+                            </a:rPr>
+                          </m:ctrlPr>
+                        </m:sSubPr>
+                        <m:e>
+                          <m:r>
+                            <a:rPr lang="en-US" b="0" i="1" smtClean="0">
+                              <a:solidFill>
+                                <a:schemeClr val="bg1"/>
+                              </a:solidFill>
+                              <a:latin typeface="Cambria Math" panose="02040503050406030204" pitchFamily="18" charset="0"/>
+                            </a:rPr>
+                            <m:t>𝑁</m:t>
+                          </m:r>
+                          <m:r>
+                            <a:rPr lang="en-US" b="0" i="1" smtClean="0">
+                              <a:solidFill>
+                                <a:schemeClr val="bg1"/>
+                              </a:solidFill>
+                              <a:latin typeface="Cambria Math" panose="02040503050406030204" pitchFamily="18" charset="0"/>
+                            </a:rPr>
+                            <m:t>.</m:t>
+                          </m:r>
+                          <m:r>
+                            <a:rPr lang="en-US" b="0" i="1" smtClean="0">
+                              <a:solidFill>
+                                <a:schemeClr val="bg1"/>
+                              </a:solidFill>
+                              <a:latin typeface="Cambria Math" panose="02040503050406030204" pitchFamily="18" charset="0"/>
+                            </a:rPr>
+                            <m:t>𝑆</m:t>
+                          </m:r>
+                        </m:e>
+                        <m:sub>
+                          <m:r>
+                            <a:rPr lang="en-US" b="0" i="1" smtClean="0">
+                              <a:solidFill>
+                                <a:schemeClr val="bg1"/>
+                              </a:solidFill>
+                              <a:latin typeface="Cambria Math" panose="02040503050406030204" pitchFamily="18" charset="0"/>
+                            </a:rPr>
+                            <m:t>𝑂</m:t>
+                          </m:r>
+                        </m:sub>
+                      </m:sSub>
                     </m:oMath>
                   </m:oMathPara>
                 </a14:m>
-                <a:endParaRPr lang="en-US" sz="2400" dirty="0"/>
+                <a:endParaRPr lang="en-US" dirty="0">
+                  <a:solidFill>
+                    <a:schemeClr val="bg1"/>
+                  </a:solidFill>
+                </a:endParaRPr>
               </a:p>
             </p:txBody>
           </p:sp>
@@ -4032,10 +4419,10 @@
         <mc:Fallback>
           <p:sp>
             <p:nvSpPr>
-              <p:cNvPr id="33" name="TextBox 32">
+              <p:cNvPr id="54" name="TextBox 53">
                 <a:extLst>
                   <a:ext uri="{FF2B5EF4-FFF2-40B4-BE49-F238E27FC236}">
-                    <a16:creationId xmlns:a16="http://schemas.microsoft.com/office/drawing/2014/main" id="{69E5A26B-0528-09FD-9CCE-29CDD10D9061}"/>
+                    <a16:creationId xmlns:a16="http://schemas.microsoft.com/office/drawing/2014/main" id="{0D6E3ADB-C3FC-2405-DEB6-CB2BC9B01E51}"/>
                   </a:ext>
                 </a:extLst>
               </p:cNvPr>
@@ -4046,16 +4433,16 @@
             </p:nvSpPr>
             <p:spPr>
               <a:xfrm>
-                <a:off x="3660940" y="1399123"/>
-                <a:ext cx="681853" cy="369332"/>
+                <a:off x="4329245" y="2289732"/>
+                <a:ext cx="555793" cy="276999"/>
               </a:xfrm>
               <a:prstGeom prst="rect">
                 <a:avLst/>
               </a:prstGeom>
               <a:blipFill>
-                <a:blip r:embed="rId5"/>
+                <a:blip r:embed="rId8"/>
                 <a:stretch>
-                  <a:fillRect l="-11111" r="-16667" b="-33333"/>
+                  <a:fillRect l="-8889" r="-2222" b="-13043"/>
                 </a:stretch>
               </a:blipFill>
             </p:spPr>
@@ -4078,10 +4465,10 @@
         <mc:Choice xmlns:a14="http://schemas.microsoft.com/office/drawing/2010/main" Requires="a14">
           <p:sp>
             <p:nvSpPr>
-              <p:cNvPr id="34" name="TextBox 33">
+              <p:cNvPr id="56" name="TextBox 55">
                 <a:extLst>
                   <a:ext uri="{FF2B5EF4-FFF2-40B4-BE49-F238E27FC236}">
-                    <a16:creationId xmlns:a16="http://schemas.microsoft.com/office/drawing/2014/main" id="{F57212D3-2CD6-683B-E86A-9281C30FD144}"/>
+                    <a16:creationId xmlns:a16="http://schemas.microsoft.com/office/drawing/2014/main" id="{9146D06E-DFD2-5671-BAC4-BB9D597F5A68}"/>
                   </a:ext>
                 </a:extLst>
               </p:cNvPr>
@@ -4090,7 +4477,213 @@
             </p:nvSpPr>
             <p:spPr>
               <a:xfrm>
-                <a:off x="1926780" y="2274984"/>
+                <a:off x="5147181" y="2077068"/>
+                <a:ext cx="281552" cy="276999"/>
+              </a:xfrm>
+              <a:prstGeom prst="rect">
+                <a:avLst/>
+              </a:prstGeom>
+              <a:noFill/>
+            </p:spPr>
+            <p:txBody>
+              <a:bodyPr wrap="square" lIns="0" tIns="0" rIns="0" bIns="0" rtlCol="0">
+                <a:spAutoFit/>
+              </a:bodyPr>
+              <a:lstStyle/>
+              <a:p>
+                <a14:m>
+                  <m:oMathPara xmlns:m="http://schemas.openxmlformats.org/officeDocument/2006/math">
+                    <m:oMathParaPr>
+                      <m:jc m:val="centerGroup"/>
+                    </m:oMathParaPr>
+                    <m:oMath xmlns:m="http://schemas.openxmlformats.org/officeDocument/2006/math">
+                      <m:sSub>
+                        <m:sSubPr>
+                          <m:ctrlPr>
+                            <a:rPr lang="en-US" b="0" i="1" smtClean="0">
+                              <a:latin typeface="Cambria Math" panose="02040503050406030204" pitchFamily="18" charset="0"/>
+                            </a:rPr>
+                          </m:ctrlPr>
+                        </m:sSubPr>
+                        <m:e>
+                          <m:r>
+                            <a:rPr lang="en-US" b="0" i="1" smtClean="0">
+                              <a:latin typeface="Cambria Math" panose="02040503050406030204" pitchFamily="18" charset="0"/>
+                            </a:rPr>
+                            <m:t>𝑘</m:t>
+                          </m:r>
+                        </m:e>
+                        <m:sub>
+                          <m:r>
+                            <a:rPr lang="en-US" b="0" i="1" smtClean="0">
+                              <a:latin typeface="Cambria Math" panose="02040503050406030204" pitchFamily="18" charset="0"/>
+                            </a:rPr>
+                            <m:t>3</m:t>
+                          </m:r>
+                        </m:sub>
+                      </m:sSub>
+                    </m:oMath>
+                  </m:oMathPara>
+                </a14:m>
+                <a:endParaRPr lang="en-US" dirty="0"/>
+              </a:p>
+            </p:txBody>
+          </p:sp>
+        </mc:Choice>
+        <mc:Fallback>
+          <p:sp>
+            <p:nvSpPr>
+              <p:cNvPr id="56" name="TextBox 55">
+                <a:extLst>
+                  <a:ext uri="{FF2B5EF4-FFF2-40B4-BE49-F238E27FC236}">
+                    <a16:creationId xmlns:a16="http://schemas.microsoft.com/office/drawing/2014/main" id="{9146D06E-DFD2-5671-BAC4-BB9D597F5A68}"/>
+                  </a:ext>
+                </a:extLst>
+              </p:cNvPr>
+              <p:cNvSpPr txBox="1">
+                <a:spLocks noRot="1" noChangeAspect="1" noMove="1" noResize="1" noEditPoints="1" noAdjustHandles="1" noChangeArrowheads="1" noChangeShapeType="1" noTextEdit="1"/>
+              </p:cNvSpPr>
+              <p:nvPr/>
+            </p:nvSpPr>
+            <p:spPr>
+              <a:xfrm>
+                <a:off x="5147181" y="2077068"/>
+                <a:ext cx="281552" cy="276999"/>
+              </a:xfrm>
+              <a:prstGeom prst="rect">
+                <a:avLst/>
+              </a:prstGeom>
+              <a:blipFill>
+                <a:blip r:embed="rId9"/>
+                <a:stretch>
+                  <a:fillRect l="-21739" r="-8696" b="-13043"/>
+                </a:stretch>
+              </a:blipFill>
+            </p:spPr>
+            <p:txBody>
+              <a:bodyPr/>
+              <a:lstStyle/>
+              <a:p>
+                <a:r>
+                  <a:rPr lang="en-US">
+                    <a:noFill/>
+                  </a:rPr>
+                  <a:t> </a:t>
+                </a:r>
+              </a:p>
+            </p:txBody>
+          </p:sp>
+        </mc:Fallback>
+      </mc:AlternateContent>
+      <p:sp>
+        <p:nvSpPr>
+          <p:cNvPr id="64" name="Striped Right Arrow 63">
+            <a:extLst>
+              <a:ext uri="{FF2B5EF4-FFF2-40B4-BE49-F238E27FC236}">
+                <a16:creationId xmlns:a16="http://schemas.microsoft.com/office/drawing/2014/main" id="{89D840FD-D9EE-C33F-ED8E-53A7D7C66E12}"/>
+              </a:ext>
+            </a:extLst>
+          </p:cNvPr>
+          <p:cNvSpPr/>
+          <p:nvPr/>
+        </p:nvSpPr>
+        <p:spPr>
+          <a:xfrm>
+            <a:off x="1514166" y="2355337"/>
+            <a:ext cx="585117" cy="142055"/>
+          </a:xfrm>
+          <a:prstGeom prst="stripedRightArrow">
+            <a:avLst/>
+          </a:prstGeom>
+        </p:spPr>
+        <p:style>
+          <a:lnRef idx="2">
+            <a:schemeClr val="accent1">
+              <a:shade val="15000"/>
+            </a:schemeClr>
+          </a:lnRef>
+          <a:fillRef idx="1">
+            <a:schemeClr val="accent1"/>
+          </a:fillRef>
+          <a:effectRef idx="0">
+            <a:schemeClr val="accent1"/>
+          </a:effectRef>
+          <a:fontRef idx="minor">
+            <a:schemeClr val="lt1"/>
+          </a:fontRef>
+        </p:style>
+        <p:txBody>
+          <a:bodyPr rtlCol="0" anchor="ctr"/>
+          <a:lstStyle/>
+          <a:p>
+            <a:pPr algn="ctr"/>
+            <a:endParaRPr lang="en-US"/>
+          </a:p>
+        </p:txBody>
+      </p:sp>
+      <p:sp>
+        <p:nvSpPr>
+          <p:cNvPr id="65" name="Striped Right Arrow 64">
+            <a:extLst>
+              <a:ext uri="{FF2B5EF4-FFF2-40B4-BE49-F238E27FC236}">
+                <a16:creationId xmlns:a16="http://schemas.microsoft.com/office/drawing/2014/main" id="{59686BAC-87CA-92AB-2C70-57D46D1BB9F3}"/>
+              </a:ext>
+            </a:extLst>
+          </p:cNvPr>
+          <p:cNvSpPr/>
+          <p:nvPr/>
+        </p:nvSpPr>
+        <p:spPr>
+          <a:xfrm>
+            <a:off x="6626943" y="2351945"/>
+            <a:ext cx="585117" cy="142055"/>
+          </a:xfrm>
+          <a:prstGeom prst="stripedRightArrow">
+            <a:avLst/>
+          </a:prstGeom>
+        </p:spPr>
+        <p:style>
+          <a:lnRef idx="2">
+            <a:schemeClr val="accent1">
+              <a:shade val="15000"/>
+            </a:schemeClr>
+          </a:lnRef>
+          <a:fillRef idx="1">
+            <a:schemeClr val="accent1"/>
+          </a:fillRef>
+          <a:effectRef idx="0">
+            <a:schemeClr val="accent1"/>
+          </a:effectRef>
+          <a:fontRef idx="minor">
+            <a:schemeClr val="lt1"/>
+          </a:fontRef>
+        </p:style>
+        <p:txBody>
+          <a:bodyPr rtlCol="0" anchor="ctr"/>
+          <a:lstStyle/>
+          <a:p>
+            <a:pPr algn="ctr"/>
+            <a:endParaRPr lang="en-US"/>
+          </a:p>
+        </p:txBody>
+      </p:sp>
+      <mc:AlternateContent xmlns:mc="http://schemas.openxmlformats.org/markup-compatibility/2006">
+        <mc:Choice xmlns:a14="http://schemas.microsoft.com/office/drawing/2010/main" Requires="a14">
+          <p:sp>
+            <p:nvSpPr>
+              <p:cNvPr id="66" name="TextBox 65">
+                <a:extLst>
+                  <a:ext uri="{FF2B5EF4-FFF2-40B4-BE49-F238E27FC236}">
+                    <a16:creationId xmlns:a16="http://schemas.microsoft.com/office/drawing/2014/main" id="{C8A2958B-F7E0-8D43-1E37-2A7AC017332E}"/>
+                  </a:ext>
+                </a:extLst>
+              </p:cNvPr>
+              <p:cNvSpPr txBox="1"/>
+              <p:nvPr/>
+            </p:nvSpPr>
+            <p:spPr>
+              <a:xfrm>
+                <a:off x="2197165" y="2260236"/>
                 <a:ext cx="245195" cy="276999"/>
               </a:xfrm>
               <a:prstGeom prst="rect">
@@ -4146,10 +4739,10 @@
         <mc:Fallback>
           <p:sp>
             <p:nvSpPr>
-              <p:cNvPr id="34" name="TextBox 33">
+              <p:cNvPr id="66" name="TextBox 65">
                 <a:extLst>
                   <a:ext uri="{FF2B5EF4-FFF2-40B4-BE49-F238E27FC236}">
-                    <a16:creationId xmlns:a16="http://schemas.microsoft.com/office/drawing/2014/main" id="{F57212D3-2CD6-683B-E86A-9281C30FD144}"/>
+                    <a16:creationId xmlns:a16="http://schemas.microsoft.com/office/drawing/2014/main" id="{C8A2958B-F7E0-8D43-1E37-2A7AC017332E}"/>
                   </a:ext>
                 </a:extLst>
               </p:cNvPr>
@@ -4160,16 +4753,16 @@
             </p:nvSpPr>
             <p:spPr>
               <a:xfrm>
-                <a:off x="1926780" y="2274984"/>
+                <a:off x="2197165" y="2260236"/>
                 <a:ext cx="245195" cy="276999"/>
               </a:xfrm>
               <a:prstGeom prst="rect">
                 <a:avLst/>
               </a:prstGeom>
               <a:blipFill>
-                <a:blip r:embed="rId6"/>
+                <a:blip r:embed="rId10"/>
                 <a:stretch>
-                  <a:fillRect l="-20000" r="-5000" b="-13043"/>
+                  <a:fillRect l="-19048" r="-4762" b="-18182"/>
                 </a:stretch>
               </a:blipFill>
             </p:spPr>
@@ -4192,10 +4785,10 @@
         <mc:Choice xmlns:a14="http://schemas.microsoft.com/office/drawing/2010/main" Requires="a14">
           <p:sp>
             <p:nvSpPr>
-              <p:cNvPr id="35" name="TextBox 34">
+              <p:cNvPr id="68" name="TextBox 67">
                 <a:extLst>
                   <a:ext uri="{FF2B5EF4-FFF2-40B4-BE49-F238E27FC236}">
-                    <a16:creationId xmlns:a16="http://schemas.microsoft.com/office/drawing/2014/main" id="{9F28B733-4A15-FDFC-D69D-AF0020590042}"/>
+                    <a16:creationId xmlns:a16="http://schemas.microsoft.com/office/drawing/2014/main" id="{0BFA971C-BA8E-FFB7-FA69-CA3EDE55367A}"/>
                   </a:ext>
                 </a:extLst>
               </p:cNvPr>
@@ -4204,8 +4797,8 @@
             </p:nvSpPr>
             <p:spPr>
               <a:xfrm>
-                <a:off x="2810158" y="2274984"/>
-                <a:ext cx="505716" cy="276999"/>
+                <a:off x="6344211" y="2284816"/>
+                <a:ext cx="295274" cy="276999"/>
               </a:xfrm>
               <a:prstGeom prst="rect">
                 <a:avLst/>
@@ -4237,18 +4830,6 @@
                             <a:rPr lang="en-US" b="0" i="1" smtClean="0">
                               <a:latin typeface="Cambria Math" panose="02040503050406030204" pitchFamily="18" charset="0"/>
                             </a:rPr>
-                            <m:t>𝑁</m:t>
-                          </m:r>
-                          <m:r>
-                            <a:rPr lang="en-US" b="0" i="1" smtClean="0">
-                              <a:latin typeface="Cambria Math" panose="02040503050406030204" pitchFamily="18" charset="0"/>
-                            </a:rPr>
-                            <m:t>.</m:t>
-                          </m:r>
-                          <m:r>
-                            <a:rPr lang="en-US" b="0" i="1" smtClean="0">
-                              <a:latin typeface="Cambria Math" panose="02040503050406030204" pitchFamily="18" charset="0"/>
-                            </a:rPr>
                             <m:t>𝑆</m:t>
                           </m:r>
                         </m:e>
@@ -4257,7 +4838,7 @@
                             <a:rPr lang="en-US" b="0" i="1" smtClean="0">
                               <a:latin typeface="Cambria Math" panose="02040503050406030204" pitchFamily="18" charset="0"/>
                             </a:rPr>
-                            <m:t>𝐼</m:t>
+                            <m:t>𝑂</m:t>
                           </m:r>
                         </m:sub>
                       </m:sSub>
@@ -4272,10 +4853,10 @@
         <mc:Fallback>
           <p:sp>
             <p:nvSpPr>
-              <p:cNvPr id="35" name="TextBox 34">
+              <p:cNvPr id="68" name="TextBox 67">
                 <a:extLst>
                   <a:ext uri="{FF2B5EF4-FFF2-40B4-BE49-F238E27FC236}">
-                    <a16:creationId xmlns:a16="http://schemas.microsoft.com/office/drawing/2014/main" id="{9F28B733-4A15-FDFC-D69D-AF0020590042}"/>
+                    <a16:creationId xmlns:a16="http://schemas.microsoft.com/office/drawing/2014/main" id="{0BFA971C-BA8E-FFB7-FA69-CA3EDE55367A}"/>
                   </a:ext>
                 </a:extLst>
               </p:cNvPr>
@@ -4286,16 +4867,16 @@
             </p:nvSpPr>
             <p:spPr>
               <a:xfrm>
-                <a:off x="2810158" y="2274984"/>
-                <a:ext cx="505716" cy="276999"/>
+                <a:off x="6344211" y="2284816"/>
+                <a:ext cx="295274" cy="276999"/>
               </a:xfrm>
               <a:prstGeom prst="rect">
                 <a:avLst/>
               </a:prstGeom>
               <a:blipFill>
-                <a:blip r:embed="rId7"/>
+                <a:blip r:embed="rId11"/>
                 <a:stretch>
-                  <a:fillRect l="-9756" r="-2439" b="-13043"/>
+                  <a:fillRect l="-16667" r="-4167" b="-13636"/>
                 </a:stretch>
               </a:blipFill>
             </p:spPr>
@@ -4316,24 +4897,70 @@
       </mc:AlternateContent>
       <p:cxnSp>
         <p:nvCxnSpPr>
-          <p:cNvPr id="36" name="Straight Arrow Connector 35">
-            <a:extLst>
-              <a:ext uri="{FF2B5EF4-FFF2-40B4-BE49-F238E27FC236}">
-                <a16:creationId xmlns:a16="http://schemas.microsoft.com/office/drawing/2014/main" id="{B94E69BF-29BC-2F37-1F0C-D9F9D0A48382}"/>
+          <p:cNvPr id="69" name="Straight Arrow Connector 68">
+            <a:extLst>
+              <a:ext uri="{FF2B5EF4-FFF2-40B4-BE49-F238E27FC236}">
+                <a16:creationId xmlns:a16="http://schemas.microsoft.com/office/drawing/2014/main" id="{6B73C28D-92D6-29E9-997E-5CB7A6547EE9}"/>
               </a:ext>
             </a:extLst>
           </p:cNvPr>
           <p:cNvCxnSpPr>
             <a:cxnSpLocks/>
-            <a:stCxn id="34" idx="3"/>
-            <a:endCxn id="35" idx="1"/>
+            <a:stCxn id="66" idx="3"/>
+            <a:endCxn id="34" idx="1"/>
           </p:cNvCxnSpPr>
           <p:nvPr/>
         </p:nvCxnSpPr>
         <p:spPr>
           <a:xfrm>
-            <a:off x="2171975" y="2413484"/>
-            <a:ext cx="638183" cy="0"/>
+            <a:off x="2442360" y="2398736"/>
+            <a:ext cx="241504" cy="4916"/>
+          </a:xfrm>
+          <a:prstGeom prst="straightConnector1">
+            <a:avLst/>
+          </a:prstGeom>
+          <a:ln w="19050">
+            <a:solidFill>
+              <a:srgbClr val="0070C0"/>
+            </a:solidFill>
+            <a:tailEnd type="triangle"/>
+          </a:ln>
+        </p:spPr>
+        <p:style>
+          <a:lnRef idx="1">
+            <a:schemeClr val="accent1"/>
+          </a:lnRef>
+          <a:fillRef idx="0">
+            <a:schemeClr val="accent1"/>
+          </a:fillRef>
+          <a:effectRef idx="0">
+            <a:schemeClr val="accent1"/>
+          </a:effectRef>
+          <a:fontRef idx="minor">
+            <a:schemeClr val="tx1"/>
+          </a:fontRef>
+        </p:style>
+      </p:cxnSp>
+      <p:cxnSp>
+        <p:nvCxnSpPr>
+          <p:cNvPr id="72" name="Straight Arrow Connector 71">
+            <a:extLst>
+              <a:ext uri="{FF2B5EF4-FFF2-40B4-BE49-F238E27FC236}">
+                <a16:creationId xmlns:a16="http://schemas.microsoft.com/office/drawing/2014/main" id="{FD10E9B4-5A00-F415-559F-6BEB39870207}"/>
+              </a:ext>
+            </a:extLst>
+          </p:cNvPr>
+          <p:cNvCxnSpPr>
+            <a:cxnSpLocks/>
+            <a:stCxn id="40" idx="3"/>
+            <a:endCxn id="68" idx="1"/>
+          </p:cNvCxnSpPr>
+          <p:nvPr/>
+        </p:nvCxnSpPr>
+        <p:spPr>
+          <a:xfrm>
+            <a:off x="6064674" y="2423316"/>
+            <a:ext cx="279537" cy="0"/>
           </a:xfrm>
           <a:prstGeom prst="straightConnector1">
             <a:avLst/>
@@ -4364,10 +4991,10 @@
         <mc:Choice xmlns:a14="http://schemas.microsoft.com/office/drawing/2010/main" Requires="a14">
           <p:sp>
             <p:nvSpPr>
-              <p:cNvPr id="37" name="TextBox 36">
+              <p:cNvPr id="76" name="TextBox 75">
                 <a:extLst>
                   <a:ext uri="{FF2B5EF4-FFF2-40B4-BE49-F238E27FC236}">
-                    <a16:creationId xmlns:a16="http://schemas.microsoft.com/office/drawing/2014/main" id="{5C45D2CA-7E84-A0D4-F174-D0DB4E03D65F}"/>
+                    <a16:creationId xmlns:a16="http://schemas.microsoft.com/office/drawing/2014/main" id="{6A17FF63-9BFC-DDBE-6E67-B48CA90BBD94}"/>
                   </a:ext>
                 </a:extLst>
               </p:cNvPr>
@@ -4376,7 +5003,7 @@
             </p:nvSpPr>
             <p:spPr>
               <a:xfrm>
-                <a:off x="2389225" y="2045112"/>
+                <a:off x="2423637" y="2077068"/>
                 <a:ext cx="281552" cy="276999"/>
               </a:xfrm>
               <a:prstGeom prst="rect">
@@ -4432,10 +5059,10 @@
         <mc:Fallback>
           <p:sp>
             <p:nvSpPr>
-              <p:cNvPr id="37" name="TextBox 36">
+              <p:cNvPr id="76" name="TextBox 75">
                 <a:extLst>
                   <a:ext uri="{FF2B5EF4-FFF2-40B4-BE49-F238E27FC236}">
-                    <a16:creationId xmlns:a16="http://schemas.microsoft.com/office/drawing/2014/main" id="{5C45D2CA-7E84-A0D4-F174-D0DB4E03D65F}"/>
+                    <a16:creationId xmlns:a16="http://schemas.microsoft.com/office/drawing/2014/main" id="{6A17FF63-9BFC-DDBE-6E67-B48CA90BBD94}"/>
                   </a:ext>
                 </a:extLst>
               </p:cNvPr>
@@ -4446,14 +5073,14 @@
             </p:nvSpPr>
             <p:spPr>
               <a:xfrm>
-                <a:off x="2389225" y="2045112"/>
+                <a:off x="2423637" y="2077068"/>
                 <a:ext cx="281552" cy="276999"/>
               </a:xfrm>
               <a:prstGeom prst="rect">
                 <a:avLst/>
               </a:prstGeom>
               <a:blipFill>
-                <a:blip r:embed="rId8"/>
+                <a:blip r:embed="rId12"/>
                 <a:stretch>
                   <a:fillRect l="-21739" r="-4348" b="-13043"/>
                 </a:stretch>
@@ -4478,10 +5105,10 @@
         <mc:Choice xmlns:a14="http://schemas.microsoft.com/office/drawing/2010/main" Requires="a14">
           <p:sp>
             <p:nvSpPr>
-              <p:cNvPr id="38" name="TextBox 37">
+              <p:cNvPr id="77" name="TextBox 76">
                 <a:extLst>
                   <a:ext uri="{FF2B5EF4-FFF2-40B4-BE49-F238E27FC236}">
-                    <a16:creationId xmlns:a16="http://schemas.microsoft.com/office/drawing/2014/main" id="{E99EB045-CEED-32FC-8841-8B04A6C89295}"/>
+                    <a16:creationId xmlns:a16="http://schemas.microsoft.com/office/drawing/2014/main" id="{DEAC5CAB-5835-E0F9-D8FF-3ACA985C2E46}"/>
                   </a:ext>
                 </a:extLst>
               </p:cNvPr>
@@ -4490,387 +5117,7 @@
             </p:nvSpPr>
             <p:spPr>
               <a:xfrm>
-                <a:off x="3287160" y="2192140"/>
-                <a:ext cx="482824" cy="461665"/>
-              </a:xfrm>
-              <a:prstGeom prst="rect">
-                <a:avLst/>
-              </a:prstGeom>
-              <a:noFill/>
-            </p:spPr>
-            <p:txBody>
-              <a:bodyPr wrap="none" rtlCol="0">
-                <a:spAutoFit/>
-              </a:bodyPr>
-              <a:lstStyle/>
-              <a:p>
-                <a14:m>
-                  <m:oMathPara xmlns:m="http://schemas.openxmlformats.org/officeDocument/2006/math">
-                    <m:oMathParaPr>
-                      <m:jc m:val="centerGroup"/>
-                    </m:oMathParaPr>
-                    <m:oMath xmlns:m="http://schemas.openxmlformats.org/officeDocument/2006/math">
-                      <m:r>
-                        <a:rPr lang="en-US" sz="2400" b="0" i="1" smtClean="0">
-                          <a:latin typeface="Cambria Math" panose="02040503050406030204" pitchFamily="18" charset="0"/>
-                        </a:rPr>
-                        <m:t>=</m:t>
-                      </m:r>
-                    </m:oMath>
-                  </m:oMathPara>
-                </a14:m>
-                <a:endParaRPr lang="en-US" sz="2400" dirty="0"/>
-              </a:p>
-            </p:txBody>
-          </p:sp>
-        </mc:Choice>
-        <mc:Fallback>
-          <p:sp>
-            <p:nvSpPr>
-              <p:cNvPr id="38" name="TextBox 37">
-                <a:extLst>
-                  <a:ext uri="{FF2B5EF4-FFF2-40B4-BE49-F238E27FC236}">
-                    <a16:creationId xmlns:a16="http://schemas.microsoft.com/office/drawing/2014/main" id="{E99EB045-CEED-32FC-8841-8B04A6C89295}"/>
-                  </a:ext>
-                </a:extLst>
-              </p:cNvPr>
-              <p:cNvSpPr txBox="1">
-                <a:spLocks noRot="1" noChangeAspect="1" noMove="1" noResize="1" noEditPoints="1" noAdjustHandles="1" noChangeArrowheads="1" noChangeShapeType="1" noTextEdit="1"/>
-              </p:cNvSpPr>
-              <p:nvPr/>
-            </p:nvSpPr>
-            <p:spPr>
-              <a:xfrm>
-                <a:off x="3287160" y="2192140"/>
-                <a:ext cx="482824" cy="461665"/>
-              </a:xfrm>
-              <a:prstGeom prst="rect">
-                <a:avLst/>
-              </a:prstGeom>
-              <a:blipFill>
-                <a:blip r:embed="rId9"/>
-                <a:stretch>
-                  <a:fillRect/>
-                </a:stretch>
-              </a:blipFill>
-            </p:spPr>
-            <p:txBody>
-              <a:bodyPr/>
-              <a:lstStyle/>
-              <a:p>
-                <a:r>
-                  <a:rPr lang="en-US">
-                    <a:noFill/>
-                  </a:rPr>
-                  <a:t> </a:t>
-                </a:r>
-              </a:p>
-            </p:txBody>
-          </p:sp>
-        </mc:Fallback>
-      </mc:AlternateContent>
-      <mc:AlternateContent xmlns:mc="http://schemas.openxmlformats.org/markup-compatibility/2006">
-        <mc:Choice xmlns:a14="http://schemas.microsoft.com/office/drawing/2010/main" Requires="a14">
-          <p:sp>
-            <p:nvSpPr>
-              <p:cNvPr id="39" name="TextBox 38">
-                <a:extLst>
-                  <a:ext uri="{FF2B5EF4-FFF2-40B4-BE49-F238E27FC236}">
-                    <a16:creationId xmlns:a16="http://schemas.microsoft.com/office/drawing/2014/main" id="{CCB281F5-8A7D-AC26-7686-46D57888F37B}"/>
-                  </a:ext>
-                </a:extLst>
-              </p:cNvPr>
-              <p:cNvSpPr txBox="1"/>
-              <p:nvPr/>
-            </p:nvSpPr>
-            <p:spPr>
-              <a:xfrm>
-                <a:off x="6059925" y="2314312"/>
-                <a:ext cx="555793" cy="276999"/>
-              </a:xfrm>
-              <a:prstGeom prst="rect">
-                <a:avLst/>
-              </a:prstGeom>
-              <a:noFill/>
-            </p:spPr>
-            <p:txBody>
-              <a:bodyPr wrap="none" lIns="0" tIns="0" rIns="0" bIns="0" rtlCol="0">
-                <a:spAutoFit/>
-              </a:bodyPr>
-              <a:lstStyle/>
-              <a:p>
-                <a14:m>
-                  <m:oMathPara xmlns:m="http://schemas.openxmlformats.org/officeDocument/2006/math">
-                    <m:oMathParaPr>
-                      <m:jc m:val="centerGroup"/>
-                    </m:oMathParaPr>
-                    <m:oMath xmlns:m="http://schemas.openxmlformats.org/officeDocument/2006/math">
-                      <m:sSub>
-                        <m:sSubPr>
-                          <m:ctrlPr>
-                            <a:rPr lang="en-US" b="0" i="1" smtClean="0">
-                              <a:latin typeface="Cambria Math" panose="02040503050406030204" pitchFamily="18" charset="0"/>
-                            </a:rPr>
-                          </m:ctrlPr>
-                        </m:sSubPr>
-                        <m:e>
-                          <m:r>
-                            <a:rPr lang="en-US" b="0" i="1" smtClean="0">
-                              <a:latin typeface="Cambria Math" panose="02040503050406030204" pitchFamily="18" charset="0"/>
-                            </a:rPr>
-                            <m:t>𝑁</m:t>
-                          </m:r>
-                          <m:r>
-                            <a:rPr lang="en-US" b="0" i="1" smtClean="0">
-                              <a:latin typeface="Cambria Math" panose="02040503050406030204" pitchFamily="18" charset="0"/>
-                            </a:rPr>
-                            <m:t>.</m:t>
-                          </m:r>
-                          <m:r>
-                            <a:rPr lang="en-US" b="0" i="1" smtClean="0">
-                              <a:latin typeface="Cambria Math" panose="02040503050406030204" pitchFamily="18" charset="0"/>
-                            </a:rPr>
-                            <m:t>𝑆</m:t>
-                          </m:r>
-                        </m:e>
-                        <m:sub>
-                          <m:r>
-                            <a:rPr lang="en-US" b="0" i="1" smtClean="0">
-                              <a:latin typeface="Cambria Math" panose="02040503050406030204" pitchFamily="18" charset="0"/>
-                            </a:rPr>
-                            <m:t>𝑂</m:t>
-                          </m:r>
-                        </m:sub>
-                      </m:sSub>
-                    </m:oMath>
-                  </m:oMathPara>
-                </a14:m>
-                <a:endParaRPr lang="en-US" dirty="0"/>
-              </a:p>
-            </p:txBody>
-          </p:sp>
-        </mc:Choice>
-        <mc:Fallback>
-          <p:sp>
-            <p:nvSpPr>
-              <p:cNvPr id="39" name="TextBox 38">
-                <a:extLst>
-                  <a:ext uri="{FF2B5EF4-FFF2-40B4-BE49-F238E27FC236}">
-                    <a16:creationId xmlns:a16="http://schemas.microsoft.com/office/drawing/2014/main" id="{CCB281F5-8A7D-AC26-7686-46D57888F37B}"/>
-                  </a:ext>
-                </a:extLst>
-              </p:cNvPr>
-              <p:cNvSpPr txBox="1">
-                <a:spLocks noRot="1" noChangeAspect="1" noMove="1" noResize="1" noEditPoints="1" noAdjustHandles="1" noChangeArrowheads="1" noChangeShapeType="1" noTextEdit="1"/>
-              </p:cNvSpPr>
-              <p:nvPr/>
-            </p:nvSpPr>
-            <p:spPr>
-              <a:xfrm>
-                <a:off x="6059925" y="2314312"/>
-                <a:ext cx="555793" cy="276999"/>
-              </a:xfrm>
-              <a:prstGeom prst="rect">
-                <a:avLst/>
-              </a:prstGeom>
-              <a:blipFill>
-                <a:blip r:embed="rId10"/>
-                <a:stretch>
-                  <a:fillRect l="-9091" r="-2273" b="-13043"/>
-                </a:stretch>
-              </a:blipFill>
-            </p:spPr>
-            <p:txBody>
-              <a:bodyPr/>
-              <a:lstStyle/>
-              <a:p>
-                <a:r>
-                  <a:rPr lang="en-US">
-                    <a:noFill/>
-                  </a:rPr>
-                  <a:t> </a:t>
-                </a:r>
-              </a:p>
-            </p:txBody>
-          </p:sp>
-        </mc:Fallback>
-      </mc:AlternateContent>
-      <mc:AlternateContent xmlns:mc="http://schemas.openxmlformats.org/markup-compatibility/2006">
-        <mc:Choice xmlns:a14="http://schemas.microsoft.com/office/drawing/2010/main" Requires="a14">
-          <p:sp>
-            <p:nvSpPr>
-              <p:cNvPr id="40" name="TextBox 39">
-                <a:extLst>
-                  <a:ext uri="{FF2B5EF4-FFF2-40B4-BE49-F238E27FC236}">
-                    <a16:creationId xmlns:a16="http://schemas.microsoft.com/office/drawing/2014/main" id="{6B8FF12A-33AB-89CF-0DD8-A19072281315}"/>
-                  </a:ext>
-                </a:extLst>
-              </p:cNvPr>
-              <p:cNvSpPr txBox="1"/>
-              <p:nvPr/>
-            </p:nvSpPr>
-            <p:spPr>
-              <a:xfrm>
-                <a:off x="7259310" y="2314312"/>
-                <a:ext cx="295274" cy="276999"/>
-              </a:xfrm>
-              <a:prstGeom prst="rect">
-                <a:avLst/>
-              </a:prstGeom>
-              <a:noFill/>
-            </p:spPr>
-            <p:txBody>
-              <a:bodyPr wrap="none" lIns="0" tIns="0" rIns="0" bIns="0" rtlCol="0">
-                <a:spAutoFit/>
-              </a:bodyPr>
-              <a:lstStyle/>
-              <a:p>
-                <a14:m>
-                  <m:oMathPara xmlns:m="http://schemas.openxmlformats.org/officeDocument/2006/math">
-                    <m:oMathParaPr>
-                      <m:jc m:val="centerGroup"/>
-                    </m:oMathParaPr>
-                    <m:oMath xmlns:m="http://schemas.openxmlformats.org/officeDocument/2006/math">
-                      <m:sSub>
-                        <m:sSubPr>
-                          <m:ctrlPr>
-                            <a:rPr lang="en-US" b="0" i="1" smtClean="0">
-                              <a:latin typeface="Cambria Math" panose="02040503050406030204" pitchFamily="18" charset="0"/>
-                            </a:rPr>
-                          </m:ctrlPr>
-                        </m:sSubPr>
-                        <m:e>
-                          <m:r>
-                            <a:rPr lang="en-US" b="0" i="1" smtClean="0">
-                              <a:latin typeface="Cambria Math" panose="02040503050406030204" pitchFamily="18" charset="0"/>
-                            </a:rPr>
-                            <m:t>𝑆</m:t>
-                          </m:r>
-                        </m:e>
-                        <m:sub>
-                          <m:r>
-                            <a:rPr lang="en-US" b="0" i="1" smtClean="0">
-                              <a:latin typeface="Cambria Math" panose="02040503050406030204" pitchFamily="18" charset="0"/>
-                            </a:rPr>
-                            <m:t>𝑂</m:t>
-                          </m:r>
-                        </m:sub>
-                      </m:sSub>
-                    </m:oMath>
-                  </m:oMathPara>
-                </a14:m>
-                <a:endParaRPr lang="en-US" dirty="0"/>
-              </a:p>
-            </p:txBody>
-          </p:sp>
-        </mc:Choice>
-        <mc:Fallback>
-          <p:sp>
-            <p:nvSpPr>
-              <p:cNvPr id="40" name="TextBox 39">
-                <a:extLst>
-                  <a:ext uri="{FF2B5EF4-FFF2-40B4-BE49-F238E27FC236}">
-                    <a16:creationId xmlns:a16="http://schemas.microsoft.com/office/drawing/2014/main" id="{6B8FF12A-33AB-89CF-0DD8-A19072281315}"/>
-                  </a:ext>
-                </a:extLst>
-              </p:cNvPr>
-              <p:cNvSpPr txBox="1">
-                <a:spLocks noRot="1" noChangeAspect="1" noMove="1" noResize="1" noEditPoints="1" noAdjustHandles="1" noChangeArrowheads="1" noChangeShapeType="1" noTextEdit="1"/>
-              </p:cNvSpPr>
-              <p:nvPr/>
-            </p:nvSpPr>
-            <p:spPr>
-              <a:xfrm>
-                <a:off x="7259310" y="2314312"/>
-                <a:ext cx="295274" cy="276999"/>
-              </a:xfrm>
-              <a:prstGeom prst="rect">
-                <a:avLst/>
-              </a:prstGeom>
-              <a:blipFill>
-                <a:blip r:embed="rId11"/>
-                <a:stretch>
-                  <a:fillRect l="-16667" r="-4167" b="-13043"/>
-                </a:stretch>
-              </a:blipFill>
-            </p:spPr>
-            <p:txBody>
-              <a:bodyPr/>
-              <a:lstStyle/>
-              <a:p>
-                <a:r>
-                  <a:rPr lang="en-US">
-                    <a:noFill/>
-                  </a:rPr>
-                  <a:t> </a:t>
-                </a:r>
-              </a:p>
-            </p:txBody>
-          </p:sp>
-        </mc:Fallback>
-      </mc:AlternateContent>
-      <p:cxnSp>
-        <p:nvCxnSpPr>
-          <p:cNvPr id="41" name="Straight Arrow Connector 40">
-            <a:extLst>
-              <a:ext uri="{FF2B5EF4-FFF2-40B4-BE49-F238E27FC236}">
-                <a16:creationId xmlns:a16="http://schemas.microsoft.com/office/drawing/2014/main" id="{32DF9BCF-4480-9673-3D00-0E410355C434}"/>
-              </a:ext>
-            </a:extLst>
-          </p:cNvPr>
-          <p:cNvCxnSpPr>
-            <a:cxnSpLocks/>
-            <a:endCxn id="40" idx="1"/>
-          </p:cNvCxnSpPr>
-          <p:nvPr/>
-        </p:nvCxnSpPr>
-        <p:spPr>
-          <a:xfrm>
-            <a:off x="6615718" y="2452811"/>
-            <a:ext cx="643592" cy="1"/>
-          </a:xfrm>
-          <a:prstGeom prst="straightConnector1">
-            <a:avLst/>
-          </a:prstGeom>
-          <a:ln w="19050">
-            <a:solidFill>
-              <a:srgbClr val="0070C0"/>
-            </a:solidFill>
-            <a:tailEnd type="triangle"/>
-          </a:ln>
-        </p:spPr>
-        <p:style>
-          <a:lnRef idx="1">
-            <a:schemeClr val="accent1"/>
-          </a:lnRef>
-          <a:fillRef idx="0">
-            <a:schemeClr val="accent1"/>
-          </a:fillRef>
-          <a:effectRef idx="0">
-            <a:schemeClr val="accent1"/>
-          </a:effectRef>
-          <a:fontRef idx="minor">
-            <a:schemeClr val="tx1"/>
-          </a:fontRef>
-        </p:style>
-      </p:cxnSp>
-      <mc:AlternateContent xmlns:mc="http://schemas.openxmlformats.org/markup-compatibility/2006">
-        <mc:Choice xmlns:a14="http://schemas.microsoft.com/office/drawing/2010/main" Requires="a14">
-          <p:sp>
-            <p:nvSpPr>
-              <p:cNvPr id="42" name="TextBox 41">
-                <a:extLst>
-                  <a:ext uri="{FF2B5EF4-FFF2-40B4-BE49-F238E27FC236}">
-                    <a16:creationId xmlns:a16="http://schemas.microsoft.com/office/drawing/2014/main" id="{1BD83DCA-E789-1876-7B0E-4009FED715FD}"/>
-                  </a:ext>
-                </a:extLst>
-              </p:cNvPr>
-              <p:cNvSpPr txBox="1"/>
-              <p:nvPr/>
-            </p:nvSpPr>
-            <p:spPr>
-              <a:xfrm>
-                <a:off x="6825932" y="2109020"/>
+                <a:off x="6066500" y="2077068"/>
                 <a:ext cx="281552" cy="276999"/>
               </a:xfrm>
               <a:prstGeom prst="rect">
@@ -4911,7 +5158,7 @@
                             <a:rPr lang="en-US" b="0" i="1" smtClean="0">
                               <a:latin typeface="Cambria Math" panose="02040503050406030204" pitchFamily="18" charset="0"/>
                             </a:rPr>
-                            <m:t>2</m:t>
+                            <m:t>4</m:t>
                           </m:r>
                         </m:sub>
                       </m:sSub>
@@ -4926,10 +5173,10 @@
         <mc:Fallback>
           <p:sp>
             <p:nvSpPr>
-              <p:cNvPr id="42" name="TextBox 41">
+              <p:cNvPr id="77" name="TextBox 76">
                 <a:extLst>
                   <a:ext uri="{FF2B5EF4-FFF2-40B4-BE49-F238E27FC236}">
-                    <a16:creationId xmlns:a16="http://schemas.microsoft.com/office/drawing/2014/main" id="{1BD83DCA-E789-1876-7B0E-4009FED715FD}"/>
+                    <a16:creationId xmlns:a16="http://schemas.microsoft.com/office/drawing/2014/main" id="{DEAC5CAB-5835-E0F9-D8FF-3ACA985C2E46}"/>
                   </a:ext>
                 </a:extLst>
               </p:cNvPr>
@@ -4940,103 +5187,8 @@
             </p:nvSpPr>
             <p:spPr>
               <a:xfrm>
-                <a:off x="6825932" y="2109020"/>
+                <a:off x="6066500" y="2077068"/>
                 <a:ext cx="281552" cy="276999"/>
-              </a:xfrm>
-              <a:prstGeom prst="rect">
-                <a:avLst/>
-              </a:prstGeom>
-              <a:blipFill>
-                <a:blip r:embed="rId12"/>
-                <a:stretch>
-                  <a:fillRect l="-21739" r="-8696" b="-18182"/>
-                </a:stretch>
-              </a:blipFill>
-            </p:spPr>
-            <p:txBody>
-              <a:bodyPr/>
-              <a:lstStyle/>
-              <a:p>
-                <a:r>
-                  <a:rPr lang="en-US">
-                    <a:noFill/>
-                  </a:rPr>
-                  <a:t> </a:t>
-                </a:r>
-              </a:p>
-            </p:txBody>
-          </p:sp>
-        </mc:Fallback>
-      </mc:AlternateContent>
-      <mc:AlternateContent xmlns:mc="http://schemas.openxmlformats.org/markup-compatibility/2006">
-        <mc:Choice xmlns:a14="http://schemas.microsoft.com/office/drawing/2010/main" Requires="a14">
-          <p:sp>
-            <p:nvSpPr>
-              <p:cNvPr id="43" name="TextBox 42">
-                <a:extLst>
-                  <a:ext uri="{FF2B5EF4-FFF2-40B4-BE49-F238E27FC236}">
-                    <a16:creationId xmlns:a16="http://schemas.microsoft.com/office/drawing/2014/main" id="{E688B3CA-D9F0-D501-53D4-69AD3171420D}"/>
-                  </a:ext>
-                </a:extLst>
-              </p:cNvPr>
-              <p:cNvSpPr txBox="1"/>
-              <p:nvPr/>
-            </p:nvSpPr>
-            <p:spPr>
-              <a:xfrm>
-                <a:off x="5622227" y="2212338"/>
-                <a:ext cx="482824" cy="461665"/>
-              </a:xfrm>
-              <a:prstGeom prst="rect">
-                <a:avLst/>
-              </a:prstGeom>
-              <a:noFill/>
-            </p:spPr>
-            <p:txBody>
-              <a:bodyPr wrap="none" rtlCol="0">
-                <a:spAutoFit/>
-              </a:bodyPr>
-              <a:lstStyle/>
-              <a:p>
-                <a14:m>
-                  <m:oMathPara xmlns:m="http://schemas.openxmlformats.org/officeDocument/2006/math">
-                    <m:oMathParaPr>
-                      <m:jc m:val="centerGroup"/>
-                    </m:oMathParaPr>
-                    <m:oMath xmlns:m="http://schemas.openxmlformats.org/officeDocument/2006/math">
-                      <m:r>
-                        <a:rPr lang="en-US" sz="2400" b="0" i="1" smtClean="0">
-                          <a:latin typeface="Cambria Math" panose="02040503050406030204" pitchFamily="18" charset="0"/>
-                        </a:rPr>
-                        <m:t>=</m:t>
-                      </m:r>
-                    </m:oMath>
-                  </m:oMathPara>
-                </a14:m>
-                <a:endParaRPr lang="en-US" sz="2400" dirty="0"/>
-              </a:p>
-            </p:txBody>
-          </p:sp>
-        </mc:Choice>
-        <mc:Fallback>
-          <p:sp>
-            <p:nvSpPr>
-              <p:cNvPr id="43" name="TextBox 42">
-                <a:extLst>
-                  <a:ext uri="{FF2B5EF4-FFF2-40B4-BE49-F238E27FC236}">
-                    <a16:creationId xmlns:a16="http://schemas.microsoft.com/office/drawing/2014/main" id="{E688B3CA-D9F0-D501-53D4-69AD3171420D}"/>
-                  </a:ext>
-                </a:extLst>
-              </p:cNvPr>
-              <p:cNvSpPr txBox="1">
-                <a:spLocks noRot="1" noChangeAspect="1" noMove="1" noResize="1" noEditPoints="1" noAdjustHandles="1" noChangeArrowheads="1" noChangeShapeType="1" noTextEdit="1"/>
-              </p:cNvSpPr>
-              <p:nvPr/>
-            </p:nvSpPr>
-            <p:spPr>
-              <a:xfrm>
-                <a:off x="5622227" y="2212338"/>
-                <a:ext cx="482824" cy="461665"/>
               </a:xfrm>
               <a:prstGeom prst="rect">
                 <a:avLst/>
@@ -5044,129 +5196,7 @@
               <a:blipFill>
                 <a:blip r:embed="rId13"/>
                 <a:stretch>
-                  <a:fillRect/>
-                </a:stretch>
-              </a:blipFill>
-            </p:spPr>
-            <p:txBody>
-              <a:bodyPr/>
-              <a:lstStyle/>
-              <a:p>
-                <a:r>
-                  <a:rPr lang="en-US">
-                    <a:noFill/>
-                  </a:rPr>
-                  <a:t> </a:t>
-                </a:r>
-              </a:p>
-            </p:txBody>
-          </p:sp>
-        </mc:Fallback>
-      </mc:AlternateContent>
-      <mc:AlternateContent xmlns:mc="http://schemas.openxmlformats.org/markup-compatibility/2006">
-        <mc:Choice xmlns:a14="http://schemas.microsoft.com/office/drawing/2010/main" Requires="a14">
-          <p:sp>
-            <p:nvSpPr>
-              <p:cNvPr id="50" name="TextBox 49">
-                <a:extLst>
-                  <a:ext uri="{FF2B5EF4-FFF2-40B4-BE49-F238E27FC236}">
-                    <a16:creationId xmlns:a16="http://schemas.microsoft.com/office/drawing/2014/main" id="{C13BBD48-CF82-1A83-F8E1-402F80BD0280}"/>
-                  </a:ext>
-                </a:extLst>
-              </p:cNvPr>
-              <p:cNvSpPr txBox="1"/>
-              <p:nvPr/>
-            </p:nvSpPr>
-            <p:spPr>
-              <a:xfrm>
-                <a:off x="3962395" y="2104101"/>
-                <a:ext cx="281552" cy="280974"/>
-              </a:xfrm>
-              <a:prstGeom prst="rect">
-                <a:avLst/>
-              </a:prstGeom>
-              <a:noFill/>
-            </p:spPr>
-            <p:txBody>
-              <a:bodyPr wrap="square" lIns="0" tIns="0" rIns="0" bIns="0" rtlCol="0">
-                <a:spAutoFit/>
-              </a:bodyPr>
-              <a:lstStyle/>
-              <a:p>
-                <a14:m>
-                  <m:oMathPara xmlns:m="http://schemas.openxmlformats.org/officeDocument/2006/math">
-                    <m:oMathParaPr>
-                      <m:jc m:val="centerGroup"/>
-                    </m:oMathParaPr>
-                    <m:oMath xmlns:m="http://schemas.openxmlformats.org/officeDocument/2006/math">
-                      <m:sSubSup>
-                        <m:sSubSupPr>
-                          <m:ctrlPr>
-                            <a:rPr lang="en-US" b="0" i="1" smtClean="0">
-                              <a:latin typeface="Cambria Math" panose="02040503050406030204" pitchFamily="18" charset="0"/>
-                            </a:rPr>
-                          </m:ctrlPr>
-                        </m:sSubSupPr>
-                        <m:e>
-                          <m:r>
-                            <a:rPr lang="en-US" b="0" i="1" smtClean="0">
-                              <a:latin typeface="Cambria Math" panose="02040503050406030204" pitchFamily="18" charset="0"/>
-                            </a:rPr>
-                            <m:t>𝑘</m:t>
-                          </m:r>
-                        </m:e>
-                        <m:sub>
-                          <m:r>
-                            <a:rPr lang="en-US" b="0" i="1" smtClean="0">
-                              <a:latin typeface="Cambria Math" panose="02040503050406030204" pitchFamily="18" charset="0"/>
-                            </a:rPr>
-                            <m:t>𝐼</m:t>
-                          </m:r>
-                        </m:sub>
-                        <m:sup>
-                          <m:r>
-                            <a:rPr lang="en-US" b="0" i="1" smtClean="0">
-                              <a:latin typeface="Cambria Math" panose="02040503050406030204" pitchFamily="18" charset="0"/>
-                            </a:rPr>
-                            <m:t>𝑋</m:t>
-                          </m:r>
-                        </m:sup>
-                      </m:sSubSup>
-                    </m:oMath>
-                  </m:oMathPara>
-                </a14:m>
-                <a:endParaRPr lang="en-US" dirty="0"/>
-              </a:p>
-            </p:txBody>
-          </p:sp>
-        </mc:Choice>
-        <mc:Fallback>
-          <p:sp>
-            <p:nvSpPr>
-              <p:cNvPr id="50" name="TextBox 49">
-                <a:extLst>
-                  <a:ext uri="{FF2B5EF4-FFF2-40B4-BE49-F238E27FC236}">
-                    <a16:creationId xmlns:a16="http://schemas.microsoft.com/office/drawing/2014/main" id="{C13BBD48-CF82-1A83-F8E1-402F80BD0280}"/>
-                  </a:ext>
-                </a:extLst>
-              </p:cNvPr>
-              <p:cNvSpPr txBox="1">
-                <a:spLocks noRot="1" noChangeAspect="1" noMove="1" noResize="1" noEditPoints="1" noAdjustHandles="1" noChangeArrowheads="1" noChangeShapeType="1" noTextEdit="1"/>
-              </p:cNvSpPr>
-              <p:nvPr/>
-            </p:nvSpPr>
-            <p:spPr>
-              <a:xfrm>
-                <a:off x="3962395" y="2104101"/>
-                <a:ext cx="281552" cy="280974"/>
-              </a:xfrm>
-              <a:prstGeom prst="rect">
-                <a:avLst/>
-              </a:prstGeom>
-              <a:blipFill>
-                <a:blip r:embed="rId14"/>
-                <a:stretch>
-                  <a:fillRect l="-30435" r="-8696" b="-17391"/>
+                  <a:fillRect l="-21739" r="-8696" b="-13043"/>
                 </a:stretch>
               </a:blipFill>
             </p:spPr>

--- a/docs/figures.pptx
+++ b/docs/figures.pptx
@@ -5215,6 +5215,262 @@
           </p:sp>
         </mc:Fallback>
       </mc:AlternateContent>
+      <p:cxnSp>
+        <p:nvCxnSpPr>
+          <p:cNvPr id="78" name="Straight Arrow Connector 77">
+            <a:extLst>
+              <a:ext uri="{FF2B5EF4-FFF2-40B4-BE49-F238E27FC236}">
+                <a16:creationId xmlns:a16="http://schemas.microsoft.com/office/drawing/2014/main" id="{C37FD6ED-B723-42FF-5B4E-CA928633D11D}"/>
+              </a:ext>
+            </a:extLst>
+          </p:cNvPr>
+          <p:cNvCxnSpPr>
+            <a:cxnSpLocks/>
+            <a:stCxn id="68" idx="2"/>
+            <a:endCxn id="83" idx="0"/>
+          </p:cNvCxnSpPr>
+          <p:nvPr/>
+        </p:nvCxnSpPr>
+        <p:spPr>
+          <a:xfrm>
+            <a:off x="6491848" y="2561815"/>
+            <a:ext cx="2623" cy="304293"/>
+          </a:xfrm>
+          <a:prstGeom prst="straightConnector1">
+            <a:avLst/>
+          </a:prstGeom>
+          <a:ln w="19050">
+            <a:solidFill>
+              <a:srgbClr val="0070C0"/>
+            </a:solidFill>
+            <a:tailEnd type="triangle"/>
+          </a:ln>
+        </p:spPr>
+        <p:style>
+          <a:lnRef idx="1">
+            <a:schemeClr val="accent1"/>
+          </a:lnRef>
+          <a:fillRef idx="0">
+            <a:schemeClr val="accent1"/>
+          </a:fillRef>
+          <a:effectRef idx="0">
+            <a:schemeClr val="accent1"/>
+          </a:effectRef>
+          <a:fontRef idx="minor">
+            <a:schemeClr val="tx1"/>
+          </a:fontRef>
+        </p:style>
+      </p:cxnSp>
+      <mc:AlternateContent xmlns:mc="http://schemas.openxmlformats.org/markup-compatibility/2006">
+        <mc:Choice xmlns:a14="http://schemas.microsoft.com/office/drawing/2010/main" Requires="a14">
+          <p:sp>
+            <p:nvSpPr>
+              <p:cNvPr id="83" name="TextBox 82">
+                <a:extLst>
+                  <a:ext uri="{FF2B5EF4-FFF2-40B4-BE49-F238E27FC236}">
+                    <a16:creationId xmlns:a16="http://schemas.microsoft.com/office/drawing/2014/main" id="{A333496A-DB0F-838C-DC04-9CC4FA4B87E1}"/>
+                  </a:ext>
+                </a:extLst>
+              </p:cNvPr>
+              <p:cNvSpPr txBox="1"/>
+              <p:nvPr/>
+            </p:nvSpPr>
+            <p:spPr>
+              <a:xfrm>
+                <a:off x="6395886" y="2866108"/>
+                <a:ext cx="197169" cy="276999"/>
+              </a:xfrm>
+              <a:prstGeom prst="rect">
+                <a:avLst/>
+              </a:prstGeom>
+              <a:noFill/>
+            </p:spPr>
+            <p:txBody>
+              <a:bodyPr wrap="none" lIns="0" tIns="0" rIns="0" bIns="0" rtlCol="0">
+                <a:spAutoFit/>
+              </a:bodyPr>
+              <a:lstStyle/>
+              <a:p>
+                <a14:m>
+                  <m:oMathPara xmlns:m="http://schemas.openxmlformats.org/officeDocument/2006/math">
+                    <m:oMathParaPr>
+                      <m:jc m:val="centerGroup"/>
+                    </m:oMathParaPr>
+                    <m:oMath xmlns:m="http://schemas.openxmlformats.org/officeDocument/2006/math">
+                      <m:r>
+                        <a:rPr lang="en-US" i="1" smtClean="0">
+                          <a:latin typeface="Cambria Math" panose="02040503050406030204" pitchFamily="18" charset="0"/>
+                          <a:ea typeface="Cambria Math" panose="02040503050406030204" pitchFamily="18" charset="0"/>
+                        </a:rPr>
+                        <m:t>∅</m:t>
+                      </m:r>
+                    </m:oMath>
+                  </m:oMathPara>
+                </a14:m>
+                <a:endParaRPr lang="en-US" dirty="0"/>
+              </a:p>
+            </p:txBody>
+          </p:sp>
+        </mc:Choice>
+        <mc:Fallback>
+          <p:sp>
+            <p:nvSpPr>
+              <p:cNvPr id="83" name="TextBox 82">
+                <a:extLst>
+                  <a:ext uri="{FF2B5EF4-FFF2-40B4-BE49-F238E27FC236}">
+                    <a16:creationId xmlns:a16="http://schemas.microsoft.com/office/drawing/2014/main" id="{A333496A-DB0F-838C-DC04-9CC4FA4B87E1}"/>
+                  </a:ext>
+                </a:extLst>
+              </p:cNvPr>
+              <p:cNvSpPr txBox="1">
+                <a:spLocks noRot="1" noChangeAspect="1" noMove="1" noResize="1" noEditPoints="1" noAdjustHandles="1" noChangeArrowheads="1" noChangeShapeType="1" noTextEdit="1"/>
+              </p:cNvSpPr>
+              <p:nvPr/>
+            </p:nvSpPr>
+            <p:spPr>
+              <a:xfrm>
+                <a:off x="6395886" y="2866108"/>
+                <a:ext cx="197169" cy="276999"/>
+              </a:xfrm>
+              <a:prstGeom prst="rect">
+                <a:avLst/>
+              </a:prstGeom>
+              <a:blipFill>
+                <a:blip r:embed="rId14"/>
+                <a:stretch>
+                  <a:fillRect l="-35294" r="-29412" b="-21739"/>
+                </a:stretch>
+              </a:blipFill>
+            </p:spPr>
+            <p:txBody>
+              <a:bodyPr/>
+              <a:lstStyle/>
+              <a:p>
+                <a:r>
+                  <a:rPr lang="en-US">
+                    <a:noFill/>
+                  </a:rPr>
+                  <a:t> </a:t>
+                </a:r>
+              </a:p>
+            </p:txBody>
+          </p:sp>
+        </mc:Fallback>
+      </mc:AlternateContent>
+      <mc:AlternateContent xmlns:mc="http://schemas.openxmlformats.org/markup-compatibility/2006">
+        <mc:Choice xmlns:a14="http://schemas.microsoft.com/office/drawing/2010/main" Requires="a14">
+          <p:sp>
+            <p:nvSpPr>
+              <p:cNvPr id="84" name="TextBox 83">
+                <a:extLst>
+                  <a:ext uri="{FF2B5EF4-FFF2-40B4-BE49-F238E27FC236}">
+                    <a16:creationId xmlns:a16="http://schemas.microsoft.com/office/drawing/2014/main" id="{1EB25DCB-6FB6-E5A0-B790-6A52A16EE832}"/>
+                  </a:ext>
+                </a:extLst>
+              </p:cNvPr>
+              <p:cNvSpPr txBox="1"/>
+              <p:nvPr/>
+            </p:nvSpPr>
+            <p:spPr>
+              <a:xfrm>
+                <a:off x="6553196" y="2534269"/>
+                <a:ext cx="281552" cy="276999"/>
+              </a:xfrm>
+              <a:prstGeom prst="rect">
+                <a:avLst/>
+              </a:prstGeom>
+              <a:noFill/>
+            </p:spPr>
+            <p:txBody>
+              <a:bodyPr wrap="square" lIns="0" tIns="0" rIns="0" bIns="0" rtlCol="0">
+                <a:spAutoFit/>
+              </a:bodyPr>
+              <a:lstStyle/>
+              <a:p>
+                <a14:m>
+                  <m:oMathPara xmlns:m="http://schemas.openxmlformats.org/officeDocument/2006/math">
+                    <m:oMathParaPr>
+                      <m:jc m:val="centerGroup"/>
+                    </m:oMathParaPr>
+                    <m:oMath xmlns:m="http://schemas.openxmlformats.org/officeDocument/2006/math">
+                      <m:sSub>
+                        <m:sSubPr>
+                          <m:ctrlPr>
+                            <a:rPr lang="en-US" b="0" i="1" smtClean="0">
+                              <a:latin typeface="Cambria Math" panose="02040503050406030204" pitchFamily="18" charset="0"/>
+                            </a:rPr>
+                          </m:ctrlPr>
+                        </m:sSubPr>
+                        <m:e>
+                          <m:r>
+                            <a:rPr lang="en-US" b="0" i="1" smtClean="0">
+                              <a:latin typeface="Cambria Math" panose="02040503050406030204" pitchFamily="18" charset="0"/>
+                            </a:rPr>
+                            <m:t>𝑘</m:t>
+                          </m:r>
+                        </m:e>
+                        <m:sub>
+                          <m:r>
+                            <a:rPr lang="en-US" b="0" i="1" smtClean="0">
+                              <a:latin typeface="Cambria Math" panose="02040503050406030204" pitchFamily="18" charset="0"/>
+                            </a:rPr>
+                            <m:t>6</m:t>
+                          </m:r>
+                        </m:sub>
+                      </m:sSub>
+                    </m:oMath>
+                  </m:oMathPara>
+                </a14:m>
+                <a:endParaRPr lang="en-US" dirty="0"/>
+              </a:p>
+            </p:txBody>
+          </p:sp>
+        </mc:Choice>
+        <mc:Fallback>
+          <p:sp>
+            <p:nvSpPr>
+              <p:cNvPr id="84" name="TextBox 83">
+                <a:extLst>
+                  <a:ext uri="{FF2B5EF4-FFF2-40B4-BE49-F238E27FC236}">
+                    <a16:creationId xmlns:a16="http://schemas.microsoft.com/office/drawing/2014/main" id="{1EB25DCB-6FB6-E5A0-B790-6A52A16EE832}"/>
+                  </a:ext>
+                </a:extLst>
+              </p:cNvPr>
+              <p:cNvSpPr txBox="1">
+                <a:spLocks noRot="1" noChangeAspect="1" noMove="1" noResize="1" noEditPoints="1" noAdjustHandles="1" noChangeArrowheads="1" noChangeShapeType="1" noTextEdit="1"/>
+              </p:cNvSpPr>
+              <p:nvPr/>
+            </p:nvSpPr>
+            <p:spPr>
+              <a:xfrm>
+                <a:off x="6553196" y="2534269"/>
+                <a:ext cx="281552" cy="276999"/>
+              </a:xfrm>
+              <a:prstGeom prst="rect">
+                <a:avLst/>
+              </a:prstGeom>
+              <a:blipFill>
+                <a:blip r:embed="rId15"/>
+                <a:stretch>
+                  <a:fillRect l="-21739" r="-4348" b="-13043"/>
+                </a:stretch>
+              </a:blipFill>
+            </p:spPr>
+            <p:txBody>
+              <a:bodyPr/>
+              <a:lstStyle/>
+              <a:p>
+                <a:r>
+                  <a:rPr lang="en-US">
+                    <a:noFill/>
+                  </a:rPr>
+                  <a:t> </a:t>
+                </a:r>
+              </a:p>
+            </p:txBody>
+          </p:sp>
+        </mc:Fallback>
+      </mc:AlternateContent>
     </p:spTree>
     <p:extLst>
       <p:ext uri="{BB962C8B-B14F-4D97-AF65-F5344CB8AC3E}">

--- a/docs/figures.pptx
+++ b/docs/figures.pptx
@@ -7,6 +7,7 @@
   <p:sldIdLst>
     <p:sldId id="256" r:id="rId2"/>
     <p:sldId id="257" r:id="rId3"/>
+    <p:sldId id="258" r:id="rId4"/>
   </p:sldIdLst>
   <p:sldSz cx="12192000" cy="6858000"/>
   <p:notesSz cx="6858000" cy="9144000"/>
@@ -3419,6 +3420,2843 @@
         </p:nvSpPr>
         <p:spPr>
           <a:xfrm>
+            <a:off x="3595177" y="2423312"/>
+            <a:ext cx="1361346" cy="914400"/>
+          </a:xfrm>
+          <a:prstGeom prst="rect">
+            <a:avLst/>
+          </a:prstGeom>
+        </p:spPr>
+        <p:style>
+          <a:lnRef idx="2">
+            <a:schemeClr val="accent1">
+              <a:shade val="15000"/>
+            </a:schemeClr>
+          </a:lnRef>
+          <a:fillRef idx="1">
+            <a:schemeClr val="accent1"/>
+          </a:fillRef>
+          <a:effectRef idx="0">
+            <a:schemeClr val="accent1"/>
+          </a:effectRef>
+          <a:fontRef idx="minor">
+            <a:schemeClr val="lt1"/>
+          </a:fontRef>
+        </p:style>
+        <p:txBody>
+          <a:bodyPr rtlCol="0" anchor="ctr"/>
+          <a:lstStyle/>
+          <a:p>
+            <a:pPr algn="ctr"/>
+            <a:endParaRPr lang="en-US" dirty="0"/>
+          </a:p>
+        </p:txBody>
+      </p:sp>
+      <p:cxnSp>
+        <p:nvCxnSpPr>
+          <p:cNvPr id="12" name="Straight Arrow Connector 11">
+            <a:extLst>
+              <a:ext uri="{FF2B5EF4-FFF2-40B4-BE49-F238E27FC236}">
+                <a16:creationId xmlns:a16="http://schemas.microsoft.com/office/drawing/2014/main" id="{12C497F3-5450-199E-ADFE-23F06A623934}"/>
+              </a:ext>
+            </a:extLst>
+          </p:cNvPr>
+          <p:cNvCxnSpPr>
+            <a:cxnSpLocks/>
+            <a:stCxn id="54" idx="3"/>
+            <a:endCxn id="40" idx="1"/>
+          </p:cNvCxnSpPr>
+          <p:nvPr/>
+        </p:nvCxnSpPr>
+        <p:spPr>
+          <a:xfrm>
+            <a:off x="4979423" y="2880516"/>
+            <a:ext cx="736217" cy="732506"/>
+          </a:xfrm>
+          <a:prstGeom prst="straightConnector1">
+            <a:avLst/>
+          </a:prstGeom>
+          <a:ln w="19050">
+            <a:solidFill>
+              <a:srgbClr val="0070C0"/>
+            </a:solidFill>
+            <a:tailEnd type="triangle"/>
+          </a:ln>
+        </p:spPr>
+        <p:style>
+          <a:lnRef idx="1">
+            <a:schemeClr val="accent1"/>
+          </a:lnRef>
+          <a:fillRef idx="0">
+            <a:schemeClr val="accent1"/>
+          </a:fillRef>
+          <a:effectRef idx="0">
+            <a:schemeClr val="accent1"/>
+          </a:effectRef>
+          <a:fontRef idx="minor">
+            <a:schemeClr val="tx1"/>
+          </a:fontRef>
+        </p:style>
+      </p:cxnSp>
+      <mc:AlternateContent xmlns:mc="http://schemas.openxmlformats.org/markup-compatibility/2006">
+        <mc:Choice xmlns:a14="http://schemas.microsoft.com/office/drawing/2010/main" Requires="a14">
+          <p:sp>
+            <p:nvSpPr>
+              <p:cNvPr id="33" name="TextBox 32">
+                <a:extLst>
+                  <a:ext uri="{FF2B5EF4-FFF2-40B4-BE49-F238E27FC236}">
+                    <a16:creationId xmlns:a16="http://schemas.microsoft.com/office/drawing/2014/main" id="{69E5A26B-0528-09FD-9CCE-29CDD10D9061}"/>
+                  </a:ext>
+                </a:extLst>
+              </p:cNvPr>
+              <p:cNvSpPr txBox="1"/>
+              <p:nvPr/>
+            </p:nvSpPr>
+            <p:spPr>
+              <a:xfrm>
+                <a:off x="4048800" y="2470574"/>
+                <a:ext cx="533608" cy="246221"/>
+              </a:xfrm>
+              <a:prstGeom prst="rect">
+                <a:avLst/>
+              </a:prstGeom>
+              <a:noFill/>
+            </p:spPr>
+            <p:txBody>
+              <a:bodyPr wrap="none" lIns="0" tIns="0" rIns="0" bIns="0" rtlCol="0">
+                <a:spAutoFit/>
+              </a:bodyPr>
+              <a:lstStyle/>
+              <a:p>
+                <a14:m>
+                  <m:oMathPara xmlns:m="http://schemas.openxmlformats.org/officeDocument/2006/math">
+                    <m:oMathParaPr>
+                      <m:jc m:val="centerGroup"/>
+                    </m:oMathParaPr>
+                    <m:oMath xmlns:m="http://schemas.openxmlformats.org/officeDocument/2006/math">
+                      <m:r>
+                        <a:rPr lang="en-US" sz="1600" b="0" i="1" smtClean="0">
+                          <a:solidFill>
+                            <a:schemeClr val="bg1"/>
+                          </a:solidFill>
+                          <a:latin typeface="Cambria Math" panose="02040503050406030204" pitchFamily="18" charset="0"/>
+                        </a:rPr>
+                        <m:t>𝐺</m:t>
+                      </m:r>
+                      <m:r>
+                        <a:rPr lang="en-US" sz="1600" b="0" i="1" baseline="30000" smtClean="0">
+                          <a:solidFill>
+                            <a:schemeClr val="bg1"/>
+                          </a:solidFill>
+                          <a:latin typeface="Cambria Math" panose="02040503050406030204" pitchFamily="18" charset="0"/>
+                        </a:rPr>
+                        <m:t>𝐴</m:t>
+                      </m:r>
+                      <m:r>
+                        <a:rPr lang="en-US" sz="1600" b="0" i="1" smtClean="0">
+                          <a:solidFill>
+                            <a:schemeClr val="bg1"/>
+                          </a:solidFill>
+                          <a:latin typeface="Cambria Math" panose="02040503050406030204" pitchFamily="18" charset="0"/>
+                        </a:rPr>
+                        <m:t>(</m:t>
+                      </m:r>
+                      <m:r>
+                        <a:rPr lang="en-US" sz="1600" b="0" i="1" smtClean="0">
+                          <a:solidFill>
+                            <a:schemeClr val="bg1"/>
+                          </a:solidFill>
+                          <a:latin typeface="Cambria Math" panose="02040503050406030204" pitchFamily="18" charset="0"/>
+                        </a:rPr>
+                        <m:t>𝑠</m:t>
+                      </m:r>
+                      <m:r>
+                        <a:rPr lang="en-US" sz="1600" b="0" i="1" smtClean="0">
+                          <a:solidFill>
+                            <a:schemeClr val="bg1"/>
+                          </a:solidFill>
+                          <a:latin typeface="Cambria Math" panose="02040503050406030204" pitchFamily="18" charset="0"/>
+                        </a:rPr>
+                        <m:t>)</m:t>
+                      </m:r>
+                    </m:oMath>
+                  </m:oMathPara>
+                </a14:m>
+                <a:endParaRPr lang="en-US" sz="1600" dirty="0">
+                  <a:solidFill>
+                    <a:schemeClr val="bg1"/>
+                  </a:solidFill>
+                </a:endParaRPr>
+              </a:p>
+            </p:txBody>
+          </p:sp>
+        </mc:Choice>
+        <mc:Fallback>
+          <p:sp>
+            <p:nvSpPr>
+              <p:cNvPr id="33" name="TextBox 32">
+                <a:extLst>
+                  <a:ext uri="{FF2B5EF4-FFF2-40B4-BE49-F238E27FC236}">
+                    <a16:creationId xmlns:a16="http://schemas.microsoft.com/office/drawing/2014/main" id="{69E5A26B-0528-09FD-9CCE-29CDD10D9061}"/>
+                  </a:ext>
+                </a:extLst>
+              </p:cNvPr>
+              <p:cNvSpPr txBox="1">
+                <a:spLocks noRot="1" noChangeAspect="1" noMove="1" noResize="1" noEditPoints="1" noAdjustHandles="1" noChangeArrowheads="1" noChangeShapeType="1" noTextEdit="1"/>
+              </p:cNvSpPr>
+              <p:nvPr/>
+            </p:nvSpPr>
+            <p:spPr>
+              <a:xfrm>
+                <a:off x="4048800" y="2470574"/>
+                <a:ext cx="533608" cy="246221"/>
+              </a:xfrm>
+              <a:prstGeom prst="rect">
+                <a:avLst/>
+              </a:prstGeom>
+              <a:blipFill>
+                <a:blip r:embed="rId2"/>
+                <a:stretch>
+                  <a:fillRect l="-9302" r="-13953" b="-33333"/>
+                </a:stretch>
+              </a:blipFill>
+            </p:spPr>
+            <p:txBody>
+              <a:bodyPr/>
+              <a:lstStyle/>
+              <a:p>
+                <a:r>
+                  <a:rPr lang="en-US">
+                    <a:noFill/>
+                  </a:rPr>
+                  <a:t> </a:t>
+                </a:r>
+              </a:p>
+            </p:txBody>
+          </p:sp>
+        </mc:Fallback>
+      </mc:AlternateContent>
+      <mc:AlternateContent xmlns:mc="http://schemas.openxmlformats.org/markup-compatibility/2006">
+        <mc:Choice xmlns:a14="http://schemas.microsoft.com/office/drawing/2010/main" Requires="a14">
+          <p:sp>
+            <p:nvSpPr>
+              <p:cNvPr id="34" name="TextBox 33">
+                <a:extLst>
+                  <a:ext uri="{FF2B5EF4-FFF2-40B4-BE49-F238E27FC236}">
+                    <a16:creationId xmlns:a16="http://schemas.microsoft.com/office/drawing/2014/main" id="{F57212D3-2CD6-683B-E86A-9281C30FD144}"/>
+                  </a:ext>
+                </a:extLst>
+              </p:cNvPr>
+              <p:cNvSpPr txBox="1"/>
+              <p:nvPr/>
+            </p:nvSpPr>
+            <p:spPr>
+              <a:xfrm>
+                <a:off x="2683864" y="3415526"/>
+                <a:ext cx="272447" cy="276999"/>
+              </a:xfrm>
+              <a:prstGeom prst="rect">
+                <a:avLst/>
+              </a:prstGeom>
+              <a:noFill/>
+            </p:spPr>
+            <p:txBody>
+              <a:bodyPr wrap="none" lIns="0" tIns="0" rIns="0" bIns="0" rtlCol="0">
+                <a:spAutoFit/>
+              </a:bodyPr>
+              <a:lstStyle/>
+              <a:p>
+                <a14:m>
+                  <m:oMathPara xmlns:m="http://schemas.openxmlformats.org/officeDocument/2006/math">
+                    <m:oMathParaPr>
+                      <m:jc m:val="centerGroup"/>
+                    </m:oMathParaPr>
+                    <m:oMath xmlns:m="http://schemas.openxmlformats.org/officeDocument/2006/math">
+                      <m:sSub>
+                        <m:sSubPr>
+                          <m:ctrlPr>
+                            <a:rPr lang="en-US" b="0" i="1" smtClean="0">
+                              <a:latin typeface="Cambria Math" panose="02040503050406030204" pitchFamily="18" charset="0"/>
+                            </a:rPr>
+                          </m:ctrlPr>
+                        </m:sSubPr>
+                        <m:e>
+                          <m:r>
+                            <a:rPr lang="en-US" b="0" i="1" smtClean="0">
+                              <a:latin typeface="Cambria Math" panose="02040503050406030204" pitchFamily="18" charset="0"/>
+                            </a:rPr>
+                            <m:t>𝑋</m:t>
+                          </m:r>
+                        </m:e>
+                        <m:sub>
+                          <m:r>
+                            <a:rPr lang="en-US" b="0" i="1" smtClean="0">
+                              <a:latin typeface="Cambria Math" panose="02040503050406030204" pitchFamily="18" charset="0"/>
+                            </a:rPr>
+                            <m:t>𝐼</m:t>
+                          </m:r>
+                        </m:sub>
+                      </m:sSub>
+                    </m:oMath>
+                  </m:oMathPara>
+                </a14:m>
+                <a:endParaRPr lang="en-US" dirty="0"/>
+              </a:p>
+            </p:txBody>
+          </p:sp>
+        </mc:Choice>
+        <mc:Fallback>
+          <p:sp>
+            <p:nvSpPr>
+              <p:cNvPr id="34" name="TextBox 33">
+                <a:extLst>
+                  <a:ext uri="{FF2B5EF4-FFF2-40B4-BE49-F238E27FC236}">
+                    <a16:creationId xmlns:a16="http://schemas.microsoft.com/office/drawing/2014/main" id="{F57212D3-2CD6-683B-E86A-9281C30FD144}"/>
+                  </a:ext>
+                </a:extLst>
+              </p:cNvPr>
+              <p:cNvSpPr txBox="1">
+                <a:spLocks noRot="1" noChangeAspect="1" noMove="1" noResize="1" noEditPoints="1" noAdjustHandles="1" noChangeArrowheads="1" noChangeShapeType="1" noTextEdit="1"/>
+              </p:cNvSpPr>
+              <p:nvPr/>
+            </p:nvSpPr>
+            <p:spPr>
+              <a:xfrm>
+                <a:off x="2683864" y="3415526"/>
+                <a:ext cx="272447" cy="276999"/>
+              </a:xfrm>
+              <a:prstGeom prst="rect">
+                <a:avLst/>
+              </a:prstGeom>
+              <a:blipFill>
+                <a:blip r:embed="rId3"/>
+                <a:stretch>
+                  <a:fillRect l="-18182" r="-4545" b="-13043"/>
+                </a:stretch>
+              </a:blipFill>
+            </p:spPr>
+            <p:txBody>
+              <a:bodyPr/>
+              <a:lstStyle/>
+              <a:p>
+                <a:r>
+                  <a:rPr lang="en-US">
+                    <a:noFill/>
+                  </a:rPr>
+                  <a:t> </a:t>
+                </a:r>
+              </a:p>
+            </p:txBody>
+          </p:sp>
+        </mc:Fallback>
+      </mc:AlternateContent>
+      <mc:AlternateContent xmlns:mc="http://schemas.openxmlformats.org/markup-compatibility/2006">
+        <mc:Choice xmlns:a14="http://schemas.microsoft.com/office/drawing/2010/main" Requires="a14">
+          <p:sp>
+            <p:nvSpPr>
+              <p:cNvPr id="35" name="TextBox 34">
+                <a:extLst>
+                  <a:ext uri="{FF2B5EF4-FFF2-40B4-BE49-F238E27FC236}">
+                    <a16:creationId xmlns:a16="http://schemas.microsoft.com/office/drawing/2014/main" id="{9F28B733-4A15-FDFC-D69D-AF0020590042}"/>
+                  </a:ext>
+                </a:extLst>
+              </p:cNvPr>
+              <p:cNvSpPr txBox="1"/>
+              <p:nvPr/>
+            </p:nvSpPr>
+            <p:spPr>
+              <a:xfrm>
+                <a:off x="3636070" y="2727268"/>
+                <a:ext cx="600100" cy="276999"/>
+              </a:xfrm>
+              <a:prstGeom prst="rect">
+                <a:avLst/>
+              </a:prstGeom>
+              <a:noFill/>
+            </p:spPr>
+            <p:txBody>
+              <a:bodyPr wrap="none" lIns="0" tIns="0" rIns="0" bIns="0" rtlCol="0">
+                <a:spAutoFit/>
+              </a:bodyPr>
+              <a:lstStyle/>
+              <a:p>
+                <a14:m>
+                  <m:oMathPara xmlns:m="http://schemas.openxmlformats.org/officeDocument/2006/math">
+                    <m:oMathParaPr>
+                      <m:jc m:val="centerGroup"/>
+                    </m:oMathParaPr>
+                    <m:oMath xmlns:m="http://schemas.openxmlformats.org/officeDocument/2006/math">
+                      <m:sSub>
+                        <m:sSubPr>
+                          <m:ctrlPr>
+                            <a:rPr lang="en-US" b="0" i="1" smtClean="0">
+                              <a:solidFill>
+                                <a:schemeClr val="bg1"/>
+                              </a:solidFill>
+                              <a:latin typeface="Cambria Math" panose="02040503050406030204" pitchFamily="18" charset="0"/>
+                            </a:rPr>
+                          </m:ctrlPr>
+                        </m:sSubPr>
+                        <m:e>
+                          <m:r>
+                            <a:rPr lang="en-US" b="0" i="1" smtClean="0">
+                              <a:solidFill>
+                                <a:schemeClr val="bg1"/>
+                              </a:solidFill>
+                              <a:latin typeface="Cambria Math" panose="02040503050406030204" pitchFamily="18" charset="0"/>
+                            </a:rPr>
+                            <m:t>𝑁</m:t>
+                          </m:r>
+                          <m:r>
+                            <a:rPr lang="en-US" b="0" i="1" baseline="30000" smtClean="0">
+                              <a:solidFill>
+                                <a:schemeClr val="bg1"/>
+                              </a:solidFill>
+                              <a:latin typeface="Cambria Math" panose="02040503050406030204" pitchFamily="18" charset="0"/>
+                            </a:rPr>
+                            <m:t>𝐴</m:t>
+                          </m:r>
+                          <m:r>
+                            <a:rPr lang="en-US" b="0" i="1" smtClean="0">
+                              <a:solidFill>
+                                <a:schemeClr val="bg1"/>
+                              </a:solidFill>
+                              <a:latin typeface="Cambria Math" panose="02040503050406030204" pitchFamily="18" charset="0"/>
+                            </a:rPr>
+                            <m:t>.</m:t>
+                          </m:r>
+                          <m:r>
+                            <a:rPr lang="en-US" b="0" i="1" smtClean="0">
+                              <a:solidFill>
+                                <a:schemeClr val="bg1"/>
+                              </a:solidFill>
+                              <a:latin typeface="Cambria Math" panose="02040503050406030204" pitchFamily="18" charset="0"/>
+                            </a:rPr>
+                            <m:t>𝑆</m:t>
+                          </m:r>
+                        </m:e>
+                        <m:sub>
+                          <m:r>
+                            <a:rPr lang="en-US" b="0" i="1" smtClean="0">
+                              <a:solidFill>
+                                <a:schemeClr val="bg1"/>
+                              </a:solidFill>
+                              <a:latin typeface="Cambria Math" panose="02040503050406030204" pitchFamily="18" charset="0"/>
+                            </a:rPr>
+                            <m:t>𝐼</m:t>
+                          </m:r>
+                        </m:sub>
+                      </m:sSub>
+                    </m:oMath>
+                  </m:oMathPara>
+                </a14:m>
+                <a:endParaRPr lang="en-US" dirty="0">
+                  <a:solidFill>
+                    <a:schemeClr val="bg1"/>
+                  </a:solidFill>
+                </a:endParaRPr>
+              </a:p>
+            </p:txBody>
+          </p:sp>
+        </mc:Choice>
+        <mc:Fallback>
+          <p:sp>
+            <p:nvSpPr>
+              <p:cNvPr id="35" name="TextBox 34">
+                <a:extLst>
+                  <a:ext uri="{FF2B5EF4-FFF2-40B4-BE49-F238E27FC236}">
+                    <a16:creationId xmlns:a16="http://schemas.microsoft.com/office/drawing/2014/main" id="{9F28B733-4A15-FDFC-D69D-AF0020590042}"/>
+                  </a:ext>
+                </a:extLst>
+              </p:cNvPr>
+              <p:cNvSpPr txBox="1">
+                <a:spLocks noRot="1" noChangeAspect="1" noMove="1" noResize="1" noEditPoints="1" noAdjustHandles="1" noChangeArrowheads="1" noChangeShapeType="1" noTextEdit="1"/>
+              </p:cNvSpPr>
+              <p:nvPr/>
+            </p:nvSpPr>
+            <p:spPr>
+              <a:xfrm>
+                <a:off x="3636070" y="2727268"/>
+                <a:ext cx="600100" cy="276999"/>
+              </a:xfrm>
+              <a:prstGeom prst="rect">
+                <a:avLst/>
+              </a:prstGeom>
+              <a:blipFill>
+                <a:blip r:embed="rId4"/>
+                <a:stretch>
+                  <a:fillRect l="-8333" r="-2083" b="-13043"/>
+                </a:stretch>
+              </a:blipFill>
+            </p:spPr>
+            <p:txBody>
+              <a:bodyPr/>
+              <a:lstStyle/>
+              <a:p>
+                <a:r>
+                  <a:rPr lang="en-US">
+                    <a:noFill/>
+                  </a:rPr>
+                  <a:t> </a:t>
+                </a:r>
+              </a:p>
+            </p:txBody>
+          </p:sp>
+        </mc:Fallback>
+      </mc:AlternateContent>
+      <p:cxnSp>
+        <p:nvCxnSpPr>
+          <p:cNvPr id="36" name="Straight Arrow Connector 35">
+            <a:extLst>
+              <a:ext uri="{FF2B5EF4-FFF2-40B4-BE49-F238E27FC236}">
+                <a16:creationId xmlns:a16="http://schemas.microsoft.com/office/drawing/2014/main" id="{B94E69BF-29BC-2F37-1F0C-D9F9D0A48382}"/>
+              </a:ext>
+            </a:extLst>
+          </p:cNvPr>
+          <p:cNvCxnSpPr>
+            <a:cxnSpLocks/>
+            <a:stCxn id="34" idx="3"/>
+            <a:endCxn id="9" idx="1"/>
+          </p:cNvCxnSpPr>
+          <p:nvPr/>
+        </p:nvCxnSpPr>
+        <p:spPr>
+          <a:xfrm flipV="1">
+            <a:off x="2956311" y="2880512"/>
+            <a:ext cx="638866" cy="673514"/>
+          </a:xfrm>
+          <a:prstGeom prst="straightConnector1">
+            <a:avLst/>
+          </a:prstGeom>
+          <a:ln w="19050">
+            <a:solidFill>
+              <a:srgbClr val="0070C0"/>
+            </a:solidFill>
+            <a:tailEnd type="triangle"/>
+          </a:ln>
+        </p:spPr>
+        <p:style>
+          <a:lnRef idx="1">
+            <a:schemeClr val="accent1"/>
+          </a:lnRef>
+          <a:fillRef idx="0">
+            <a:schemeClr val="accent1"/>
+          </a:fillRef>
+          <a:effectRef idx="0">
+            <a:schemeClr val="accent1"/>
+          </a:effectRef>
+          <a:fontRef idx="minor">
+            <a:schemeClr val="tx1"/>
+          </a:fontRef>
+        </p:style>
+      </p:cxnSp>
+      <mc:AlternateContent xmlns:mc="http://schemas.openxmlformats.org/markup-compatibility/2006">
+        <mc:Choice xmlns:a14="http://schemas.microsoft.com/office/drawing/2010/main" Requires="a14">
+          <p:sp>
+            <p:nvSpPr>
+              <p:cNvPr id="37" name="TextBox 36">
+                <a:extLst>
+                  <a:ext uri="{FF2B5EF4-FFF2-40B4-BE49-F238E27FC236}">
+                    <a16:creationId xmlns:a16="http://schemas.microsoft.com/office/drawing/2014/main" id="{5C45D2CA-7E84-A0D4-F174-D0DB4E03D65F}"/>
+                  </a:ext>
+                </a:extLst>
+              </p:cNvPr>
+              <p:cNvSpPr txBox="1"/>
+              <p:nvPr/>
+            </p:nvSpPr>
+            <p:spPr>
+              <a:xfrm>
+                <a:off x="3018489" y="2902980"/>
+                <a:ext cx="281552" cy="282257"/>
+              </a:xfrm>
+              <a:prstGeom prst="rect">
+                <a:avLst/>
+              </a:prstGeom>
+              <a:noFill/>
+            </p:spPr>
+            <p:txBody>
+              <a:bodyPr wrap="square" lIns="0" tIns="0" rIns="0" bIns="0" rtlCol="0">
+                <a:spAutoFit/>
+              </a:bodyPr>
+              <a:lstStyle/>
+              <a:p>
+                <a14:m>
+                  <m:oMathPara xmlns:m="http://schemas.openxmlformats.org/officeDocument/2006/math">
+                    <m:oMathParaPr>
+                      <m:jc m:val="centerGroup"/>
+                    </m:oMathParaPr>
+                    <m:oMath xmlns:m="http://schemas.openxmlformats.org/officeDocument/2006/math">
+                      <m:sSubSup>
+                        <m:sSubSupPr>
+                          <m:ctrlPr>
+                            <a:rPr lang="en-US" b="0" i="1" smtClean="0">
+                              <a:latin typeface="Cambria Math" panose="02040503050406030204" pitchFamily="18" charset="0"/>
+                            </a:rPr>
+                          </m:ctrlPr>
+                        </m:sSubSupPr>
+                        <m:e>
+                          <m:r>
+                            <a:rPr lang="en-US" b="0" i="1" smtClean="0">
+                              <a:latin typeface="Cambria Math" panose="02040503050406030204" pitchFamily="18" charset="0"/>
+                            </a:rPr>
+                            <m:t>𝑘</m:t>
+                          </m:r>
+                        </m:e>
+                        <m:sub>
+                          <m:r>
+                            <a:rPr lang="en-US" b="0" i="1" smtClean="0">
+                              <a:latin typeface="Cambria Math" panose="02040503050406030204" pitchFamily="18" charset="0"/>
+                            </a:rPr>
+                            <m:t>2</m:t>
+                          </m:r>
+                        </m:sub>
+                        <m:sup>
+                          <m:r>
+                            <a:rPr lang="en-US" b="0" i="1" smtClean="0">
+                              <a:latin typeface="Cambria Math" panose="02040503050406030204" pitchFamily="18" charset="0"/>
+                            </a:rPr>
+                            <m:t>𝐴</m:t>
+                          </m:r>
+                        </m:sup>
+                      </m:sSubSup>
+                    </m:oMath>
+                  </m:oMathPara>
+                </a14:m>
+                <a:endParaRPr lang="en-US" dirty="0"/>
+              </a:p>
+            </p:txBody>
+          </p:sp>
+        </mc:Choice>
+        <mc:Fallback>
+          <p:sp>
+            <p:nvSpPr>
+              <p:cNvPr id="37" name="TextBox 36">
+                <a:extLst>
+                  <a:ext uri="{FF2B5EF4-FFF2-40B4-BE49-F238E27FC236}">
+                    <a16:creationId xmlns:a16="http://schemas.microsoft.com/office/drawing/2014/main" id="{5C45D2CA-7E84-A0D4-F174-D0DB4E03D65F}"/>
+                  </a:ext>
+                </a:extLst>
+              </p:cNvPr>
+              <p:cNvSpPr txBox="1">
+                <a:spLocks noRot="1" noChangeAspect="1" noMove="1" noResize="1" noEditPoints="1" noAdjustHandles="1" noChangeArrowheads="1" noChangeShapeType="1" noTextEdit="1"/>
+              </p:cNvSpPr>
+              <p:nvPr/>
+            </p:nvSpPr>
+            <p:spPr>
+              <a:xfrm>
+                <a:off x="3018489" y="2902980"/>
+                <a:ext cx="281552" cy="282257"/>
+              </a:xfrm>
+              <a:prstGeom prst="rect">
+                <a:avLst/>
+              </a:prstGeom>
+              <a:blipFill>
+                <a:blip r:embed="rId5"/>
+                <a:stretch>
+                  <a:fillRect l="-26087" t="-4167" r="-17391" b="-8333"/>
+                </a:stretch>
+              </a:blipFill>
+            </p:spPr>
+            <p:txBody>
+              <a:bodyPr/>
+              <a:lstStyle/>
+              <a:p>
+                <a:r>
+                  <a:rPr lang="en-US">
+                    <a:noFill/>
+                  </a:rPr>
+                  <a:t> </a:t>
+                </a:r>
+              </a:p>
+            </p:txBody>
+          </p:sp>
+        </mc:Fallback>
+      </mc:AlternateContent>
+      <mc:AlternateContent xmlns:mc="http://schemas.openxmlformats.org/markup-compatibility/2006">
+        <mc:Choice xmlns:a14="http://schemas.microsoft.com/office/drawing/2010/main" Requires="a14">
+          <p:sp>
+            <p:nvSpPr>
+              <p:cNvPr id="40" name="TextBox 39">
+                <a:extLst>
+                  <a:ext uri="{FF2B5EF4-FFF2-40B4-BE49-F238E27FC236}">
+                    <a16:creationId xmlns:a16="http://schemas.microsoft.com/office/drawing/2014/main" id="{6B8FF12A-33AB-89CF-0DD8-A19072281315}"/>
+                  </a:ext>
+                </a:extLst>
+              </p:cNvPr>
+              <p:cNvSpPr txBox="1"/>
+              <p:nvPr/>
+            </p:nvSpPr>
+            <p:spPr>
+              <a:xfrm>
+                <a:off x="5715640" y="3474522"/>
+                <a:ext cx="349034" cy="276999"/>
+              </a:xfrm>
+              <a:prstGeom prst="rect">
+                <a:avLst/>
+              </a:prstGeom>
+              <a:noFill/>
+            </p:spPr>
+            <p:txBody>
+              <a:bodyPr wrap="square" lIns="0" tIns="0" rIns="0" bIns="0" rtlCol="0">
+                <a:spAutoFit/>
+              </a:bodyPr>
+              <a:lstStyle/>
+              <a:p>
+                <a14:m>
+                  <m:oMathPara xmlns:m="http://schemas.openxmlformats.org/officeDocument/2006/math">
+                    <m:oMathParaPr>
+                      <m:jc m:val="centerGroup"/>
+                    </m:oMathParaPr>
+                    <m:oMath xmlns:m="http://schemas.openxmlformats.org/officeDocument/2006/math">
+                      <m:sSub>
+                        <m:sSubPr>
+                          <m:ctrlPr>
+                            <a:rPr lang="en-US" b="0" i="1" smtClean="0">
+                              <a:latin typeface="Cambria Math" panose="02040503050406030204" pitchFamily="18" charset="0"/>
+                            </a:rPr>
+                          </m:ctrlPr>
+                        </m:sSubPr>
+                        <m:e>
+                          <m:r>
+                            <a:rPr lang="en-US" b="0" i="1" smtClean="0">
+                              <a:latin typeface="Cambria Math" panose="02040503050406030204" pitchFamily="18" charset="0"/>
+                            </a:rPr>
+                            <m:t>𝑋</m:t>
+                          </m:r>
+                        </m:e>
+                        <m:sub>
+                          <m:r>
+                            <a:rPr lang="en-US" b="0" i="1" smtClean="0">
+                              <a:latin typeface="Cambria Math" panose="02040503050406030204" pitchFamily="18" charset="0"/>
+                            </a:rPr>
+                            <m:t>𝑂</m:t>
+                          </m:r>
+                        </m:sub>
+                      </m:sSub>
+                    </m:oMath>
+                  </m:oMathPara>
+                </a14:m>
+                <a:endParaRPr lang="en-US" dirty="0"/>
+              </a:p>
+            </p:txBody>
+          </p:sp>
+        </mc:Choice>
+        <mc:Fallback>
+          <p:sp>
+            <p:nvSpPr>
+              <p:cNvPr id="40" name="TextBox 39">
+                <a:extLst>
+                  <a:ext uri="{FF2B5EF4-FFF2-40B4-BE49-F238E27FC236}">
+                    <a16:creationId xmlns:a16="http://schemas.microsoft.com/office/drawing/2014/main" id="{6B8FF12A-33AB-89CF-0DD8-A19072281315}"/>
+                  </a:ext>
+                </a:extLst>
+              </p:cNvPr>
+              <p:cNvSpPr txBox="1">
+                <a:spLocks noRot="1" noChangeAspect="1" noMove="1" noResize="1" noEditPoints="1" noAdjustHandles="1" noChangeArrowheads="1" noChangeShapeType="1" noTextEdit="1"/>
+              </p:cNvSpPr>
+              <p:nvPr/>
+            </p:nvSpPr>
+            <p:spPr>
+              <a:xfrm>
+                <a:off x="5715640" y="3474522"/>
+                <a:ext cx="349034" cy="276999"/>
+              </a:xfrm>
+              <a:prstGeom prst="rect">
+                <a:avLst/>
+              </a:prstGeom>
+              <a:blipFill>
+                <a:blip r:embed="rId6"/>
+                <a:stretch>
+                  <a:fillRect l="-14286" b="-13043"/>
+                </a:stretch>
+              </a:blipFill>
+            </p:spPr>
+            <p:txBody>
+              <a:bodyPr/>
+              <a:lstStyle/>
+              <a:p>
+                <a:r>
+                  <a:rPr lang="en-US">
+                    <a:noFill/>
+                  </a:rPr>
+                  <a:t> </a:t>
+                </a:r>
+              </a:p>
+            </p:txBody>
+          </p:sp>
+        </mc:Fallback>
+      </mc:AlternateContent>
+      <mc:AlternateContent xmlns:mc="http://schemas.openxmlformats.org/markup-compatibility/2006">
+        <mc:Choice xmlns:a14="http://schemas.microsoft.com/office/drawing/2010/main" Requires="a14">
+          <p:sp>
+            <p:nvSpPr>
+              <p:cNvPr id="54" name="TextBox 53">
+                <a:extLst>
+                  <a:ext uri="{FF2B5EF4-FFF2-40B4-BE49-F238E27FC236}">
+                    <a16:creationId xmlns:a16="http://schemas.microsoft.com/office/drawing/2014/main" id="{0D6E3ADB-C3FC-2405-DEB6-CB2BC9B01E51}"/>
+                  </a:ext>
+                </a:extLst>
+              </p:cNvPr>
+              <p:cNvSpPr txBox="1"/>
+              <p:nvPr/>
+            </p:nvSpPr>
+            <p:spPr>
+              <a:xfrm>
+                <a:off x="4329245" y="2742016"/>
+                <a:ext cx="650178" cy="276999"/>
+              </a:xfrm>
+              <a:prstGeom prst="rect">
+                <a:avLst/>
+              </a:prstGeom>
+              <a:noFill/>
+            </p:spPr>
+            <p:txBody>
+              <a:bodyPr wrap="none" lIns="0" tIns="0" rIns="0" bIns="0" rtlCol="0">
+                <a:spAutoFit/>
+              </a:bodyPr>
+              <a:lstStyle/>
+              <a:p>
+                <a14:m>
+                  <m:oMathPara xmlns:m="http://schemas.openxmlformats.org/officeDocument/2006/math">
+                    <m:oMathParaPr>
+                      <m:jc m:val="centerGroup"/>
+                    </m:oMathParaPr>
+                    <m:oMath xmlns:m="http://schemas.openxmlformats.org/officeDocument/2006/math">
+                      <m:sSub>
+                        <m:sSubPr>
+                          <m:ctrlPr>
+                            <a:rPr lang="en-US" b="0" i="1" smtClean="0">
+                              <a:solidFill>
+                                <a:schemeClr val="bg1"/>
+                              </a:solidFill>
+                              <a:latin typeface="Cambria Math" panose="02040503050406030204" pitchFamily="18" charset="0"/>
+                            </a:rPr>
+                          </m:ctrlPr>
+                        </m:sSubPr>
+                        <m:e>
+                          <m:r>
+                            <a:rPr lang="en-US" b="0" i="1" smtClean="0">
+                              <a:solidFill>
+                                <a:schemeClr val="bg1"/>
+                              </a:solidFill>
+                              <a:latin typeface="Cambria Math" panose="02040503050406030204" pitchFamily="18" charset="0"/>
+                            </a:rPr>
+                            <m:t>𝑁</m:t>
+                          </m:r>
+                          <m:r>
+                            <a:rPr lang="en-US" b="0" i="1" baseline="30000" smtClean="0">
+                              <a:solidFill>
+                                <a:schemeClr val="bg1"/>
+                              </a:solidFill>
+                              <a:latin typeface="Cambria Math" panose="02040503050406030204" pitchFamily="18" charset="0"/>
+                            </a:rPr>
+                            <m:t>𝐴</m:t>
+                          </m:r>
+                          <m:r>
+                            <a:rPr lang="en-US" b="0" i="1" smtClean="0">
+                              <a:solidFill>
+                                <a:schemeClr val="bg1"/>
+                              </a:solidFill>
+                              <a:latin typeface="Cambria Math" panose="02040503050406030204" pitchFamily="18" charset="0"/>
+                            </a:rPr>
+                            <m:t>.</m:t>
+                          </m:r>
+                          <m:r>
+                            <a:rPr lang="en-US" b="0" i="1" smtClean="0">
+                              <a:solidFill>
+                                <a:schemeClr val="bg1"/>
+                              </a:solidFill>
+                              <a:latin typeface="Cambria Math" panose="02040503050406030204" pitchFamily="18" charset="0"/>
+                            </a:rPr>
+                            <m:t>𝑆</m:t>
+                          </m:r>
+                        </m:e>
+                        <m:sub>
+                          <m:r>
+                            <a:rPr lang="en-US" b="0" i="1" smtClean="0">
+                              <a:solidFill>
+                                <a:schemeClr val="bg1"/>
+                              </a:solidFill>
+                              <a:latin typeface="Cambria Math" panose="02040503050406030204" pitchFamily="18" charset="0"/>
+                            </a:rPr>
+                            <m:t>𝑂</m:t>
+                          </m:r>
+                        </m:sub>
+                      </m:sSub>
+                    </m:oMath>
+                  </m:oMathPara>
+                </a14:m>
+                <a:endParaRPr lang="en-US" dirty="0">
+                  <a:solidFill>
+                    <a:schemeClr val="bg1"/>
+                  </a:solidFill>
+                </a:endParaRPr>
+              </a:p>
+            </p:txBody>
+          </p:sp>
+        </mc:Choice>
+        <mc:Fallback>
+          <p:sp>
+            <p:nvSpPr>
+              <p:cNvPr id="54" name="TextBox 53">
+                <a:extLst>
+                  <a:ext uri="{FF2B5EF4-FFF2-40B4-BE49-F238E27FC236}">
+                    <a16:creationId xmlns:a16="http://schemas.microsoft.com/office/drawing/2014/main" id="{0D6E3ADB-C3FC-2405-DEB6-CB2BC9B01E51}"/>
+                  </a:ext>
+                </a:extLst>
+              </p:cNvPr>
+              <p:cNvSpPr txBox="1">
+                <a:spLocks noRot="1" noChangeAspect="1" noMove="1" noResize="1" noEditPoints="1" noAdjustHandles="1" noChangeArrowheads="1" noChangeShapeType="1" noTextEdit="1"/>
+              </p:cNvSpPr>
+              <p:nvPr/>
+            </p:nvSpPr>
+            <p:spPr>
+              <a:xfrm>
+                <a:off x="4329245" y="2742016"/>
+                <a:ext cx="650178" cy="276999"/>
+              </a:xfrm>
+              <a:prstGeom prst="rect">
+                <a:avLst/>
+              </a:prstGeom>
+              <a:blipFill>
+                <a:blip r:embed="rId7"/>
+                <a:stretch>
+                  <a:fillRect l="-7547" r="-1887" b="-13636"/>
+                </a:stretch>
+              </a:blipFill>
+            </p:spPr>
+            <p:txBody>
+              <a:bodyPr/>
+              <a:lstStyle/>
+              <a:p>
+                <a:r>
+                  <a:rPr lang="en-US">
+                    <a:noFill/>
+                  </a:rPr>
+                  <a:t> </a:t>
+                </a:r>
+              </a:p>
+            </p:txBody>
+          </p:sp>
+        </mc:Fallback>
+      </mc:AlternateContent>
+      <mc:AlternateContent xmlns:mc="http://schemas.openxmlformats.org/markup-compatibility/2006">
+        <mc:Choice xmlns:a14="http://schemas.microsoft.com/office/drawing/2010/main" Requires="a14">
+          <p:sp>
+            <p:nvSpPr>
+              <p:cNvPr id="56" name="TextBox 55">
+                <a:extLst>
+                  <a:ext uri="{FF2B5EF4-FFF2-40B4-BE49-F238E27FC236}">
+                    <a16:creationId xmlns:a16="http://schemas.microsoft.com/office/drawing/2014/main" id="{9146D06E-DFD2-5671-BAC4-BB9D597F5A68}"/>
+                  </a:ext>
+                </a:extLst>
+              </p:cNvPr>
+              <p:cNvSpPr txBox="1"/>
+              <p:nvPr/>
+            </p:nvSpPr>
+            <p:spPr>
+              <a:xfrm>
+                <a:off x="5373325" y="2853816"/>
+                <a:ext cx="281552" cy="283667"/>
+              </a:xfrm>
+              <a:prstGeom prst="rect">
+                <a:avLst/>
+              </a:prstGeom>
+              <a:noFill/>
+            </p:spPr>
+            <p:txBody>
+              <a:bodyPr wrap="square" lIns="0" tIns="0" rIns="0" bIns="0" rtlCol="0">
+                <a:spAutoFit/>
+              </a:bodyPr>
+              <a:lstStyle/>
+              <a:p>
+                <a14:m>
+                  <m:oMathPara xmlns:m="http://schemas.openxmlformats.org/officeDocument/2006/math">
+                    <m:oMathParaPr>
+                      <m:jc m:val="centerGroup"/>
+                    </m:oMathParaPr>
+                    <m:oMath xmlns:m="http://schemas.openxmlformats.org/officeDocument/2006/math">
+                      <m:sSubSup>
+                        <m:sSubSupPr>
+                          <m:ctrlPr>
+                            <a:rPr lang="en-US" b="0" i="1" smtClean="0">
+                              <a:latin typeface="Cambria Math" panose="02040503050406030204" pitchFamily="18" charset="0"/>
+                            </a:rPr>
+                          </m:ctrlPr>
+                        </m:sSubSupPr>
+                        <m:e>
+                          <m:r>
+                            <a:rPr lang="en-US" b="0" i="1" smtClean="0">
+                              <a:latin typeface="Cambria Math" panose="02040503050406030204" pitchFamily="18" charset="0"/>
+                            </a:rPr>
+                            <m:t>𝑘</m:t>
+                          </m:r>
+                        </m:e>
+                        <m:sub>
+                          <m:r>
+                            <a:rPr lang="en-US" b="0" i="1" smtClean="0">
+                              <a:latin typeface="Cambria Math" panose="02040503050406030204" pitchFamily="18" charset="0"/>
+                            </a:rPr>
+                            <m:t>3</m:t>
+                          </m:r>
+                        </m:sub>
+                        <m:sup>
+                          <m:r>
+                            <a:rPr lang="en-US" b="0" i="1" smtClean="0">
+                              <a:latin typeface="Cambria Math" panose="02040503050406030204" pitchFamily="18" charset="0"/>
+                            </a:rPr>
+                            <m:t>𝐴</m:t>
+                          </m:r>
+                        </m:sup>
+                      </m:sSubSup>
+                    </m:oMath>
+                  </m:oMathPara>
+                </a14:m>
+                <a:endParaRPr lang="en-US" dirty="0"/>
+              </a:p>
+            </p:txBody>
+          </p:sp>
+        </mc:Choice>
+        <mc:Fallback>
+          <p:sp>
+            <p:nvSpPr>
+              <p:cNvPr id="56" name="TextBox 55">
+                <a:extLst>
+                  <a:ext uri="{FF2B5EF4-FFF2-40B4-BE49-F238E27FC236}">
+                    <a16:creationId xmlns:a16="http://schemas.microsoft.com/office/drawing/2014/main" id="{9146D06E-DFD2-5671-BAC4-BB9D597F5A68}"/>
+                  </a:ext>
+                </a:extLst>
+              </p:cNvPr>
+              <p:cNvSpPr txBox="1">
+                <a:spLocks noRot="1" noChangeAspect="1" noMove="1" noResize="1" noEditPoints="1" noAdjustHandles="1" noChangeArrowheads="1" noChangeShapeType="1" noTextEdit="1"/>
+              </p:cNvSpPr>
+              <p:nvPr/>
+            </p:nvSpPr>
+            <p:spPr>
+              <a:xfrm>
+                <a:off x="5373325" y="2853816"/>
+                <a:ext cx="281552" cy="283667"/>
+              </a:xfrm>
+              <a:prstGeom prst="rect">
+                <a:avLst/>
+              </a:prstGeom>
+              <a:blipFill>
+                <a:blip r:embed="rId8"/>
+                <a:stretch>
+                  <a:fillRect l="-20833" r="-12500" b="-16667"/>
+                </a:stretch>
+              </a:blipFill>
+            </p:spPr>
+            <p:txBody>
+              <a:bodyPr/>
+              <a:lstStyle/>
+              <a:p>
+                <a:r>
+                  <a:rPr lang="en-US">
+                    <a:noFill/>
+                  </a:rPr>
+                  <a:t> </a:t>
+                </a:r>
+              </a:p>
+            </p:txBody>
+          </p:sp>
+        </mc:Fallback>
+      </mc:AlternateContent>
+      <p:sp>
+        <p:nvSpPr>
+          <p:cNvPr id="64" name="Striped Right Arrow 63">
+            <a:extLst>
+              <a:ext uri="{FF2B5EF4-FFF2-40B4-BE49-F238E27FC236}">
+                <a16:creationId xmlns:a16="http://schemas.microsoft.com/office/drawing/2014/main" id="{89D840FD-D9EE-C33F-ED8E-53A7D7C66E12}"/>
+              </a:ext>
+            </a:extLst>
+          </p:cNvPr>
+          <p:cNvSpPr/>
+          <p:nvPr/>
+        </p:nvSpPr>
+        <p:spPr>
+          <a:xfrm>
+            <a:off x="1514166" y="3505711"/>
+            <a:ext cx="585117" cy="142055"/>
+          </a:xfrm>
+          <a:prstGeom prst="stripedRightArrow">
+            <a:avLst/>
+          </a:prstGeom>
+        </p:spPr>
+        <p:style>
+          <a:lnRef idx="2">
+            <a:schemeClr val="accent1">
+              <a:shade val="15000"/>
+            </a:schemeClr>
+          </a:lnRef>
+          <a:fillRef idx="1">
+            <a:schemeClr val="accent1"/>
+          </a:fillRef>
+          <a:effectRef idx="0">
+            <a:schemeClr val="accent1"/>
+          </a:effectRef>
+          <a:fontRef idx="minor">
+            <a:schemeClr val="lt1"/>
+          </a:fontRef>
+        </p:style>
+        <p:txBody>
+          <a:bodyPr rtlCol="0" anchor="ctr"/>
+          <a:lstStyle/>
+          <a:p>
+            <a:pPr algn="ctr"/>
+            <a:endParaRPr lang="en-US"/>
+          </a:p>
+        </p:txBody>
+      </p:sp>
+      <p:sp>
+        <p:nvSpPr>
+          <p:cNvPr id="65" name="Striped Right Arrow 64">
+            <a:extLst>
+              <a:ext uri="{FF2B5EF4-FFF2-40B4-BE49-F238E27FC236}">
+                <a16:creationId xmlns:a16="http://schemas.microsoft.com/office/drawing/2014/main" id="{59686BAC-87CA-92AB-2C70-57D46D1BB9F3}"/>
+              </a:ext>
+            </a:extLst>
+          </p:cNvPr>
+          <p:cNvSpPr/>
+          <p:nvPr/>
+        </p:nvSpPr>
+        <p:spPr>
+          <a:xfrm>
+            <a:off x="6754763" y="3541651"/>
+            <a:ext cx="585117" cy="142055"/>
+          </a:xfrm>
+          <a:prstGeom prst="stripedRightArrow">
+            <a:avLst/>
+          </a:prstGeom>
+        </p:spPr>
+        <p:style>
+          <a:lnRef idx="2">
+            <a:schemeClr val="accent1">
+              <a:shade val="15000"/>
+            </a:schemeClr>
+          </a:lnRef>
+          <a:fillRef idx="1">
+            <a:schemeClr val="accent1"/>
+          </a:fillRef>
+          <a:effectRef idx="0">
+            <a:schemeClr val="accent1"/>
+          </a:effectRef>
+          <a:fontRef idx="minor">
+            <a:schemeClr val="lt1"/>
+          </a:fontRef>
+        </p:style>
+        <p:txBody>
+          <a:bodyPr rtlCol="0" anchor="ctr"/>
+          <a:lstStyle/>
+          <a:p>
+            <a:pPr algn="ctr"/>
+            <a:endParaRPr lang="en-US"/>
+          </a:p>
+        </p:txBody>
+      </p:sp>
+      <mc:AlternateContent xmlns:mc="http://schemas.openxmlformats.org/markup-compatibility/2006">
+        <mc:Choice xmlns:a14="http://schemas.microsoft.com/office/drawing/2010/main" Requires="a14">
+          <p:sp>
+            <p:nvSpPr>
+              <p:cNvPr id="66" name="TextBox 65">
+                <a:extLst>
+                  <a:ext uri="{FF2B5EF4-FFF2-40B4-BE49-F238E27FC236}">
+                    <a16:creationId xmlns:a16="http://schemas.microsoft.com/office/drawing/2014/main" id="{C8A2958B-F7E0-8D43-1E37-2A7AC017332E}"/>
+                  </a:ext>
+                </a:extLst>
+              </p:cNvPr>
+              <p:cNvSpPr txBox="1"/>
+              <p:nvPr/>
+            </p:nvSpPr>
+            <p:spPr>
+              <a:xfrm>
+                <a:off x="2197165" y="3410610"/>
+                <a:ext cx="245195" cy="276999"/>
+              </a:xfrm>
+              <a:prstGeom prst="rect">
+                <a:avLst/>
+              </a:prstGeom>
+              <a:noFill/>
+            </p:spPr>
+            <p:txBody>
+              <a:bodyPr wrap="none" lIns="0" tIns="0" rIns="0" bIns="0" rtlCol="0">
+                <a:spAutoFit/>
+              </a:bodyPr>
+              <a:lstStyle/>
+              <a:p>
+                <a14:m>
+                  <m:oMathPara xmlns:m="http://schemas.openxmlformats.org/officeDocument/2006/math">
+                    <m:oMathParaPr>
+                      <m:jc m:val="centerGroup"/>
+                    </m:oMathParaPr>
+                    <m:oMath xmlns:m="http://schemas.openxmlformats.org/officeDocument/2006/math">
+                      <m:sSub>
+                        <m:sSubPr>
+                          <m:ctrlPr>
+                            <a:rPr lang="en-US" b="0" i="1" smtClean="0">
+                              <a:latin typeface="Cambria Math" panose="02040503050406030204" pitchFamily="18" charset="0"/>
+                            </a:rPr>
+                          </m:ctrlPr>
+                        </m:sSubPr>
+                        <m:e>
+                          <m:r>
+                            <a:rPr lang="en-US" b="0" i="1" smtClean="0">
+                              <a:latin typeface="Cambria Math" panose="02040503050406030204" pitchFamily="18" charset="0"/>
+                            </a:rPr>
+                            <m:t>𝑆</m:t>
+                          </m:r>
+                        </m:e>
+                        <m:sub>
+                          <m:r>
+                            <a:rPr lang="en-US" b="0" i="1" smtClean="0">
+                              <a:latin typeface="Cambria Math" panose="02040503050406030204" pitchFamily="18" charset="0"/>
+                            </a:rPr>
+                            <m:t>𝐼</m:t>
+                          </m:r>
+                        </m:sub>
+                      </m:sSub>
+                    </m:oMath>
+                  </m:oMathPara>
+                </a14:m>
+                <a:endParaRPr lang="en-US" dirty="0"/>
+              </a:p>
+            </p:txBody>
+          </p:sp>
+        </mc:Choice>
+        <mc:Fallback>
+          <p:sp>
+            <p:nvSpPr>
+              <p:cNvPr id="66" name="TextBox 65">
+                <a:extLst>
+                  <a:ext uri="{FF2B5EF4-FFF2-40B4-BE49-F238E27FC236}">
+                    <a16:creationId xmlns:a16="http://schemas.microsoft.com/office/drawing/2014/main" id="{C8A2958B-F7E0-8D43-1E37-2A7AC017332E}"/>
+                  </a:ext>
+                </a:extLst>
+              </p:cNvPr>
+              <p:cNvSpPr txBox="1">
+                <a:spLocks noRot="1" noChangeAspect="1" noMove="1" noResize="1" noEditPoints="1" noAdjustHandles="1" noChangeArrowheads="1" noChangeShapeType="1" noTextEdit="1"/>
+              </p:cNvSpPr>
+              <p:nvPr/>
+            </p:nvSpPr>
+            <p:spPr>
+              <a:xfrm>
+                <a:off x="2197165" y="3410610"/>
+                <a:ext cx="245195" cy="276999"/>
+              </a:xfrm>
+              <a:prstGeom prst="rect">
+                <a:avLst/>
+              </a:prstGeom>
+              <a:blipFill>
+                <a:blip r:embed="rId9"/>
+                <a:stretch>
+                  <a:fillRect l="-19048" r="-4762" b="-13043"/>
+                </a:stretch>
+              </a:blipFill>
+            </p:spPr>
+            <p:txBody>
+              <a:bodyPr/>
+              <a:lstStyle/>
+              <a:p>
+                <a:r>
+                  <a:rPr lang="en-US">
+                    <a:noFill/>
+                  </a:rPr>
+                  <a:t> </a:t>
+                </a:r>
+              </a:p>
+            </p:txBody>
+          </p:sp>
+        </mc:Fallback>
+      </mc:AlternateContent>
+      <mc:AlternateContent xmlns:mc="http://schemas.openxmlformats.org/markup-compatibility/2006">
+        <mc:Choice xmlns:a14="http://schemas.microsoft.com/office/drawing/2010/main" Requires="a14">
+          <p:sp>
+            <p:nvSpPr>
+              <p:cNvPr id="68" name="TextBox 67">
+                <a:extLst>
+                  <a:ext uri="{FF2B5EF4-FFF2-40B4-BE49-F238E27FC236}">
+                    <a16:creationId xmlns:a16="http://schemas.microsoft.com/office/drawing/2014/main" id="{0BFA971C-BA8E-FFB7-FA69-CA3EDE55367A}"/>
+                  </a:ext>
+                </a:extLst>
+              </p:cNvPr>
+              <p:cNvSpPr txBox="1"/>
+              <p:nvPr/>
+            </p:nvSpPr>
+            <p:spPr>
+              <a:xfrm>
+                <a:off x="6344211" y="3474522"/>
+                <a:ext cx="295274" cy="276999"/>
+              </a:xfrm>
+              <a:prstGeom prst="rect">
+                <a:avLst/>
+              </a:prstGeom>
+              <a:noFill/>
+            </p:spPr>
+            <p:txBody>
+              <a:bodyPr wrap="none" lIns="0" tIns="0" rIns="0" bIns="0" rtlCol="0">
+                <a:spAutoFit/>
+              </a:bodyPr>
+              <a:lstStyle/>
+              <a:p>
+                <a14:m>
+                  <m:oMathPara xmlns:m="http://schemas.openxmlformats.org/officeDocument/2006/math">
+                    <m:oMathParaPr>
+                      <m:jc m:val="centerGroup"/>
+                    </m:oMathParaPr>
+                    <m:oMath xmlns:m="http://schemas.openxmlformats.org/officeDocument/2006/math">
+                      <m:sSub>
+                        <m:sSubPr>
+                          <m:ctrlPr>
+                            <a:rPr lang="en-US" b="0" i="1" smtClean="0">
+                              <a:latin typeface="Cambria Math" panose="02040503050406030204" pitchFamily="18" charset="0"/>
+                            </a:rPr>
+                          </m:ctrlPr>
+                        </m:sSubPr>
+                        <m:e>
+                          <m:r>
+                            <a:rPr lang="en-US" b="0" i="1" smtClean="0">
+                              <a:latin typeface="Cambria Math" panose="02040503050406030204" pitchFamily="18" charset="0"/>
+                            </a:rPr>
+                            <m:t>𝑆</m:t>
+                          </m:r>
+                        </m:e>
+                        <m:sub>
+                          <m:r>
+                            <a:rPr lang="en-US" b="0" i="1" smtClean="0">
+                              <a:latin typeface="Cambria Math" panose="02040503050406030204" pitchFamily="18" charset="0"/>
+                            </a:rPr>
+                            <m:t>𝑂</m:t>
+                          </m:r>
+                        </m:sub>
+                      </m:sSub>
+                    </m:oMath>
+                  </m:oMathPara>
+                </a14:m>
+                <a:endParaRPr lang="en-US" dirty="0"/>
+              </a:p>
+            </p:txBody>
+          </p:sp>
+        </mc:Choice>
+        <mc:Fallback>
+          <p:sp>
+            <p:nvSpPr>
+              <p:cNvPr id="68" name="TextBox 67">
+                <a:extLst>
+                  <a:ext uri="{FF2B5EF4-FFF2-40B4-BE49-F238E27FC236}">
+                    <a16:creationId xmlns:a16="http://schemas.microsoft.com/office/drawing/2014/main" id="{0BFA971C-BA8E-FFB7-FA69-CA3EDE55367A}"/>
+                  </a:ext>
+                </a:extLst>
+              </p:cNvPr>
+              <p:cNvSpPr txBox="1">
+                <a:spLocks noRot="1" noChangeAspect="1" noMove="1" noResize="1" noEditPoints="1" noAdjustHandles="1" noChangeArrowheads="1" noChangeShapeType="1" noTextEdit="1"/>
+              </p:cNvSpPr>
+              <p:nvPr/>
+            </p:nvSpPr>
+            <p:spPr>
+              <a:xfrm>
+                <a:off x="6344211" y="3474522"/>
+                <a:ext cx="295274" cy="276999"/>
+              </a:xfrm>
+              <a:prstGeom prst="rect">
+                <a:avLst/>
+              </a:prstGeom>
+              <a:blipFill>
+                <a:blip r:embed="rId10"/>
+                <a:stretch>
+                  <a:fillRect l="-16667" r="-4167" b="-13043"/>
+                </a:stretch>
+              </a:blipFill>
+            </p:spPr>
+            <p:txBody>
+              <a:bodyPr/>
+              <a:lstStyle/>
+              <a:p>
+                <a:r>
+                  <a:rPr lang="en-US">
+                    <a:noFill/>
+                  </a:rPr>
+                  <a:t> </a:t>
+                </a:r>
+              </a:p>
+            </p:txBody>
+          </p:sp>
+        </mc:Fallback>
+      </mc:AlternateContent>
+      <p:cxnSp>
+        <p:nvCxnSpPr>
+          <p:cNvPr id="69" name="Straight Arrow Connector 68">
+            <a:extLst>
+              <a:ext uri="{FF2B5EF4-FFF2-40B4-BE49-F238E27FC236}">
+                <a16:creationId xmlns:a16="http://schemas.microsoft.com/office/drawing/2014/main" id="{6B73C28D-92D6-29E9-997E-5CB7A6547EE9}"/>
+              </a:ext>
+            </a:extLst>
+          </p:cNvPr>
+          <p:cNvCxnSpPr>
+            <a:cxnSpLocks/>
+            <a:stCxn id="66" idx="3"/>
+            <a:endCxn id="34" idx="1"/>
+          </p:cNvCxnSpPr>
+          <p:nvPr/>
+        </p:nvCxnSpPr>
+        <p:spPr>
+          <a:xfrm>
+            <a:off x="2442360" y="3549110"/>
+            <a:ext cx="241504" cy="4916"/>
+          </a:xfrm>
+          <a:prstGeom prst="straightConnector1">
+            <a:avLst/>
+          </a:prstGeom>
+          <a:ln w="19050">
+            <a:solidFill>
+              <a:srgbClr val="0070C0"/>
+            </a:solidFill>
+            <a:tailEnd type="triangle"/>
+          </a:ln>
+        </p:spPr>
+        <p:style>
+          <a:lnRef idx="1">
+            <a:schemeClr val="accent1"/>
+          </a:lnRef>
+          <a:fillRef idx="0">
+            <a:schemeClr val="accent1"/>
+          </a:fillRef>
+          <a:effectRef idx="0">
+            <a:schemeClr val="accent1"/>
+          </a:effectRef>
+          <a:fontRef idx="minor">
+            <a:schemeClr val="tx1"/>
+          </a:fontRef>
+        </p:style>
+      </p:cxnSp>
+      <p:cxnSp>
+        <p:nvCxnSpPr>
+          <p:cNvPr id="72" name="Straight Arrow Connector 71">
+            <a:extLst>
+              <a:ext uri="{FF2B5EF4-FFF2-40B4-BE49-F238E27FC236}">
+                <a16:creationId xmlns:a16="http://schemas.microsoft.com/office/drawing/2014/main" id="{FD10E9B4-5A00-F415-559F-6BEB39870207}"/>
+              </a:ext>
+            </a:extLst>
+          </p:cNvPr>
+          <p:cNvCxnSpPr>
+            <a:cxnSpLocks/>
+            <a:stCxn id="40" idx="3"/>
+            <a:endCxn id="68" idx="1"/>
+          </p:cNvCxnSpPr>
+          <p:nvPr/>
+        </p:nvCxnSpPr>
+        <p:spPr>
+          <a:xfrm>
+            <a:off x="6064674" y="3613022"/>
+            <a:ext cx="279537" cy="0"/>
+          </a:xfrm>
+          <a:prstGeom prst="straightConnector1">
+            <a:avLst/>
+          </a:prstGeom>
+          <a:ln w="19050">
+            <a:solidFill>
+              <a:srgbClr val="0070C0"/>
+            </a:solidFill>
+            <a:tailEnd type="triangle"/>
+          </a:ln>
+        </p:spPr>
+        <p:style>
+          <a:lnRef idx="1">
+            <a:schemeClr val="accent1"/>
+          </a:lnRef>
+          <a:fillRef idx="0">
+            <a:schemeClr val="accent1"/>
+          </a:fillRef>
+          <a:effectRef idx="0">
+            <a:schemeClr val="accent1"/>
+          </a:effectRef>
+          <a:fontRef idx="minor">
+            <a:schemeClr val="tx1"/>
+          </a:fontRef>
+        </p:style>
+      </p:cxnSp>
+      <mc:AlternateContent xmlns:mc="http://schemas.openxmlformats.org/markup-compatibility/2006">
+        <mc:Choice xmlns:a14="http://schemas.microsoft.com/office/drawing/2010/main" Requires="a14">
+          <p:sp>
+            <p:nvSpPr>
+              <p:cNvPr id="76" name="TextBox 75">
+                <a:extLst>
+                  <a:ext uri="{FF2B5EF4-FFF2-40B4-BE49-F238E27FC236}">
+                    <a16:creationId xmlns:a16="http://schemas.microsoft.com/office/drawing/2014/main" id="{6A17FF63-9BFC-DDBE-6E67-B48CA90BBD94}"/>
+                  </a:ext>
+                </a:extLst>
+              </p:cNvPr>
+              <p:cNvSpPr txBox="1"/>
+              <p:nvPr/>
+            </p:nvSpPr>
+            <p:spPr>
+              <a:xfrm>
+                <a:off x="2423637" y="3227442"/>
+                <a:ext cx="281552" cy="276999"/>
+              </a:xfrm>
+              <a:prstGeom prst="rect">
+                <a:avLst/>
+              </a:prstGeom>
+              <a:noFill/>
+            </p:spPr>
+            <p:txBody>
+              <a:bodyPr wrap="square" lIns="0" tIns="0" rIns="0" bIns="0" rtlCol="0">
+                <a:spAutoFit/>
+              </a:bodyPr>
+              <a:lstStyle/>
+              <a:p>
+                <a14:m>
+                  <m:oMathPara xmlns:m="http://schemas.openxmlformats.org/officeDocument/2006/math">
+                    <m:oMathParaPr>
+                      <m:jc m:val="centerGroup"/>
+                    </m:oMathParaPr>
+                    <m:oMath xmlns:m="http://schemas.openxmlformats.org/officeDocument/2006/math">
+                      <m:sSub>
+                        <m:sSubPr>
+                          <m:ctrlPr>
+                            <a:rPr lang="en-US" b="0" i="1" smtClean="0">
+                              <a:latin typeface="Cambria Math" panose="02040503050406030204" pitchFamily="18" charset="0"/>
+                            </a:rPr>
+                          </m:ctrlPr>
+                        </m:sSubPr>
+                        <m:e>
+                          <m:r>
+                            <a:rPr lang="en-US" b="0" i="1" smtClean="0">
+                              <a:latin typeface="Cambria Math" panose="02040503050406030204" pitchFamily="18" charset="0"/>
+                            </a:rPr>
+                            <m:t>𝑘</m:t>
+                          </m:r>
+                        </m:e>
+                        <m:sub>
+                          <m:r>
+                            <a:rPr lang="en-US" b="0" i="1" smtClean="0">
+                              <a:latin typeface="Cambria Math" panose="02040503050406030204" pitchFamily="18" charset="0"/>
+                            </a:rPr>
+                            <m:t>1</m:t>
+                          </m:r>
+                        </m:sub>
+                      </m:sSub>
+                    </m:oMath>
+                  </m:oMathPara>
+                </a14:m>
+                <a:endParaRPr lang="en-US" dirty="0"/>
+              </a:p>
+            </p:txBody>
+          </p:sp>
+        </mc:Choice>
+        <mc:Fallback>
+          <p:sp>
+            <p:nvSpPr>
+              <p:cNvPr id="76" name="TextBox 75">
+                <a:extLst>
+                  <a:ext uri="{FF2B5EF4-FFF2-40B4-BE49-F238E27FC236}">
+                    <a16:creationId xmlns:a16="http://schemas.microsoft.com/office/drawing/2014/main" id="{6A17FF63-9BFC-DDBE-6E67-B48CA90BBD94}"/>
+                  </a:ext>
+                </a:extLst>
+              </p:cNvPr>
+              <p:cNvSpPr txBox="1">
+                <a:spLocks noRot="1" noChangeAspect="1" noMove="1" noResize="1" noEditPoints="1" noAdjustHandles="1" noChangeArrowheads="1" noChangeShapeType="1" noTextEdit="1"/>
+              </p:cNvSpPr>
+              <p:nvPr/>
+            </p:nvSpPr>
+            <p:spPr>
+              <a:xfrm>
+                <a:off x="2423637" y="3227442"/>
+                <a:ext cx="281552" cy="276999"/>
+              </a:xfrm>
+              <a:prstGeom prst="rect">
+                <a:avLst/>
+              </a:prstGeom>
+              <a:blipFill>
+                <a:blip r:embed="rId11"/>
+                <a:stretch>
+                  <a:fillRect l="-21739" r="-4348" b="-13043"/>
+                </a:stretch>
+              </a:blipFill>
+            </p:spPr>
+            <p:txBody>
+              <a:bodyPr/>
+              <a:lstStyle/>
+              <a:p>
+                <a:r>
+                  <a:rPr lang="en-US">
+                    <a:noFill/>
+                  </a:rPr>
+                  <a:t> </a:t>
+                </a:r>
+              </a:p>
+            </p:txBody>
+          </p:sp>
+        </mc:Fallback>
+      </mc:AlternateContent>
+      <mc:AlternateContent xmlns:mc="http://schemas.openxmlformats.org/markup-compatibility/2006">
+        <mc:Choice xmlns:a14="http://schemas.microsoft.com/office/drawing/2010/main" Requires="a14">
+          <p:sp>
+            <p:nvSpPr>
+              <p:cNvPr id="77" name="TextBox 76">
+                <a:extLst>
+                  <a:ext uri="{FF2B5EF4-FFF2-40B4-BE49-F238E27FC236}">
+                    <a16:creationId xmlns:a16="http://schemas.microsoft.com/office/drawing/2014/main" id="{DEAC5CAB-5835-E0F9-D8FF-3ACA985C2E46}"/>
+                  </a:ext>
+                </a:extLst>
+              </p:cNvPr>
+              <p:cNvSpPr txBox="1"/>
+              <p:nvPr/>
+            </p:nvSpPr>
+            <p:spPr>
+              <a:xfrm>
+                <a:off x="6066500" y="3266774"/>
+                <a:ext cx="281552" cy="276999"/>
+              </a:xfrm>
+              <a:prstGeom prst="rect">
+                <a:avLst/>
+              </a:prstGeom>
+              <a:noFill/>
+            </p:spPr>
+            <p:txBody>
+              <a:bodyPr wrap="square" lIns="0" tIns="0" rIns="0" bIns="0" rtlCol="0">
+                <a:spAutoFit/>
+              </a:bodyPr>
+              <a:lstStyle/>
+              <a:p>
+                <a14:m>
+                  <m:oMathPara xmlns:m="http://schemas.openxmlformats.org/officeDocument/2006/math">
+                    <m:oMathParaPr>
+                      <m:jc m:val="centerGroup"/>
+                    </m:oMathParaPr>
+                    <m:oMath xmlns:m="http://schemas.openxmlformats.org/officeDocument/2006/math">
+                      <m:sSub>
+                        <m:sSubPr>
+                          <m:ctrlPr>
+                            <a:rPr lang="en-US" b="0" i="1" smtClean="0">
+                              <a:latin typeface="Cambria Math" panose="02040503050406030204" pitchFamily="18" charset="0"/>
+                            </a:rPr>
+                          </m:ctrlPr>
+                        </m:sSubPr>
+                        <m:e>
+                          <m:r>
+                            <a:rPr lang="en-US" b="0" i="1" smtClean="0">
+                              <a:latin typeface="Cambria Math" panose="02040503050406030204" pitchFamily="18" charset="0"/>
+                            </a:rPr>
+                            <m:t>𝑘</m:t>
+                          </m:r>
+                        </m:e>
+                        <m:sub>
+                          <m:r>
+                            <a:rPr lang="en-US" b="0" i="1" smtClean="0">
+                              <a:latin typeface="Cambria Math" panose="02040503050406030204" pitchFamily="18" charset="0"/>
+                            </a:rPr>
+                            <m:t>4</m:t>
+                          </m:r>
+                        </m:sub>
+                      </m:sSub>
+                    </m:oMath>
+                  </m:oMathPara>
+                </a14:m>
+                <a:endParaRPr lang="en-US" dirty="0"/>
+              </a:p>
+            </p:txBody>
+          </p:sp>
+        </mc:Choice>
+        <mc:Fallback>
+          <p:sp>
+            <p:nvSpPr>
+              <p:cNvPr id="77" name="TextBox 76">
+                <a:extLst>
+                  <a:ext uri="{FF2B5EF4-FFF2-40B4-BE49-F238E27FC236}">
+                    <a16:creationId xmlns:a16="http://schemas.microsoft.com/office/drawing/2014/main" id="{DEAC5CAB-5835-E0F9-D8FF-3ACA985C2E46}"/>
+                  </a:ext>
+                </a:extLst>
+              </p:cNvPr>
+              <p:cNvSpPr txBox="1">
+                <a:spLocks noRot="1" noChangeAspect="1" noMove="1" noResize="1" noEditPoints="1" noAdjustHandles="1" noChangeArrowheads="1" noChangeShapeType="1" noTextEdit="1"/>
+              </p:cNvSpPr>
+              <p:nvPr/>
+            </p:nvSpPr>
+            <p:spPr>
+              <a:xfrm>
+                <a:off x="6066500" y="3266774"/>
+                <a:ext cx="281552" cy="276999"/>
+              </a:xfrm>
+              <a:prstGeom prst="rect">
+                <a:avLst/>
+              </a:prstGeom>
+              <a:blipFill>
+                <a:blip r:embed="rId12"/>
+                <a:stretch>
+                  <a:fillRect l="-21739" r="-8696" b="-18182"/>
+                </a:stretch>
+              </a:blipFill>
+            </p:spPr>
+            <p:txBody>
+              <a:bodyPr/>
+              <a:lstStyle/>
+              <a:p>
+                <a:r>
+                  <a:rPr lang="en-US">
+                    <a:noFill/>
+                  </a:rPr>
+                  <a:t> </a:t>
+                </a:r>
+              </a:p>
+            </p:txBody>
+          </p:sp>
+        </mc:Fallback>
+      </mc:AlternateContent>
+      <p:cxnSp>
+        <p:nvCxnSpPr>
+          <p:cNvPr id="78" name="Straight Arrow Connector 77">
+            <a:extLst>
+              <a:ext uri="{FF2B5EF4-FFF2-40B4-BE49-F238E27FC236}">
+                <a16:creationId xmlns:a16="http://schemas.microsoft.com/office/drawing/2014/main" id="{C37FD6ED-B723-42FF-5B4E-CA928633D11D}"/>
+              </a:ext>
+            </a:extLst>
+          </p:cNvPr>
+          <p:cNvCxnSpPr>
+            <a:cxnSpLocks/>
+            <a:stCxn id="68" idx="2"/>
+            <a:endCxn id="83" idx="0"/>
+          </p:cNvCxnSpPr>
+          <p:nvPr/>
+        </p:nvCxnSpPr>
+        <p:spPr>
+          <a:xfrm>
+            <a:off x="6491848" y="3751521"/>
+            <a:ext cx="2623" cy="304293"/>
+          </a:xfrm>
+          <a:prstGeom prst="straightConnector1">
+            <a:avLst/>
+          </a:prstGeom>
+          <a:ln w="19050">
+            <a:solidFill>
+              <a:srgbClr val="0070C0"/>
+            </a:solidFill>
+            <a:tailEnd type="triangle"/>
+          </a:ln>
+        </p:spPr>
+        <p:style>
+          <a:lnRef idx="1">
+            <a:schemeClr val="accent1"/>
+          </a:lnRef>
+          <a:fillRef idx="0">
+            <a:schemeClr val="accent1"/>
+          </a:fillRef>
+          <a:effectRef idx="0">
+            <a:schemeClr val="accent1"/>
+          </a:effectRef>
+          <a:fontRef idx="minor">
+            <a:schemeClr val="tx1"/>
+          </a:fontRef>
+        </p:style>
+      </p:cxnSp>
+      <mc:AlternateContent xmlns:mc="http://schemas.openxmlformats.org/markup-compatibility/2006">
+        <mc:Choice xmlns:a14="http://schemas.microsoft.com/office/drawing/2010/main" Requires="a14">
+          <p:sp>
+            <p:nvSpPr>
+              <p:cNvPr id="83" name="TextBox 82">
+                <a:extLst>
+                  <a:ext uri="{FF2B5EF4-FFF2-40B4-BE49-F238E27FC236}">
+                    <a16:creationId xmlns:a16="http://schemas.microsoft.com/office/drawing/2014/main" id="{A333496A-DB0F-838C-DC04-9CC4FA4B87E1}"/>
+                  </a:ext>
+                </a:extLst>
+              </p:cNvPr>
+              <p:cNvSpPr txBox="1"/>
+              <p:nvPr/>
+            </p:nvSpPr>
+            <p:spPr>
+              <a:xfrm>
+                <a:off x="6395886" y="4055814"/>
+                <a:ext cx="197169" cy="276999"/>
+              </a:xfrm>
+              <a:prstGeom prst="rect">
+                <a:avLst/>
+              </a:prstGeom>
+              <a:noFill/>
+            </p:spPr>
+            <p:txBody>
+              <a:bodyPr wrap="none" lIns="0" tIns="0" rIns="0" bIns="0" rtlCol="0">
+                <a:spAutoFit/>
+              </a:bodyPr>
+              <a:lstStyle/>
+              <a:p>
+                <a14:m>
+                  <m:oMathPara xmlns:m="http://schemas.openxmlformats.org/officeDocument/2006/math">
+                    <m:oMathParaPr>
+                      <m:jc m:val="centerGroup"/>
+                    </m:oMathParaPr>
+                    <m:oMath xmlns:m="http://schemas.openxmlformats.org/officeDocument/2006/math">
+                      <m:r>
+                        <a:rPr lang="en-US" i="1" smtClean="0">
+                          <a:latin typeface="Cambria Math" panose="02040503050406030204" pitchFamily="18" charset="0"/>
+                          <a:ea typeface="Cambria Math" panose="02040503050406030204" pitchFamily="18" charset="0"/>
+                        </a:rPr>
+                        <m:t>∅</m:t>
+                      </m:r>
+                    </m:oMath>
+                  </m:oMathPara>
+                </a14:m>
+                <a:endParaRPr lang="en-US" dirty="0"/>
+              </a:p>
+            </p:txBody>
+          </p:sp>
+        </mc:Choice>
+        <mc:Fallback>
+          <p:sp>
+            <p:nvSpPr>
+              <p:cNvPr id="83" name="TextBox 82">
+                <a:extLst>
+                  <a:ext uri="{FF2B5EF4-FFF2-40B4-BE49-F238E27FC236}">
+                    <a16:creationId xmlns:a16="http://schemas.microsoft.com/office/drawing/2014/main" id="{A333496A-DB0F-838C-DC04-9CC4FA4B87E1}"/>
+                  </a:ext>
+                </a:extLst>
+              </p:cNvPr>
+              <p:cNvSpPr txBox="1">
+                <a:spLocks noRot="1" noChangeAspect="1" noMove="1" noResize="1" noEditPoints="1" noAdjustHandles="1" noChangeArrowheads="1" noChangeShapeType="1" noTextEdit="1"/>
+              </p:cNvSpPr>
+              <p:nvPr/>
+            </p:nvSpPr>
+            <p:spPr>
+              <a:xfrm>
+                <a:off x="6395886" y="4055814"/>
+                <a:ext cx="197169" cy="276999"/>
+              </a:xfrm>
+              <a:prstGeom prst="rect">
+                <a:avLst/>
+              </a:prstGeom>
+              <a:blipFill>
+                <a:blip r:embed="rId13"/>
+                <a:stretch>
+                  <a:fillRect l="-35294" r="-29412" b="-21739"/>
+                </a:stretch>
+              </a:blipFill>
+            </p:spPr>
+            <p:txBody>
+              <a:bodyPr/>
+              <a:lstStyle/>
+              <a:p>
+                <a:r>
+                  <a:rPr lang="en-US">
+                    <a:noFill/>
+                  </a:rPr>
+                  <a:t> </a:t>
+                </a:r>
+              </a:p>
+            </p:txBody>
+          </p:sp>
+        </mc:Fallback>
+      </mc:AlternateContent>
+      <mc:AlternateContent xmlns:mc="http://schemas.openxmlformats.org/markup-compatibility/2006">
+        <mc:Choice xmlns:a14="http://schemas.microsoft.com/office/drawing/2010/main" Requires="a14">
+          <p:sp>
+            <p:nvSpPr>
+              <p:cNvPr id="84" name="TextBox 83">
+                <a:extLst>
+                  <a:ext uri="{FF2B5EF4-FFF2-40B4-BE49-F238E27FC236}">
+                    <a16:creationId xmlns:a16="http://schemas.microsoft.com/office/drawing/2014/main" id="{1EB25DCB-6FB6-E5A0-B790-6A52A16EE832}"/>
+                  </a:ext>
+                </a:extLst>
+              </p:cNvPr>
+              <p:cNvSpPr txBox="1"/>
+              <p:nvPr/>
+            </p:nvSpPr>
+            <p:spPr>
+              <a:xfrm>
+                <a:off x="6553196" y="3723975"/>
+                <a:ext cx="281552" cy="276999"/>
+              </a:xfrm>
+              <a:prstGeom prst="rect">
+                <a:avLst/>
+              </a:prstGeom>
+              <a:noFill/>
+            </p:spPr>
+            <p:txBody>
+              <a:bodyPr wrap="square" lIns="0" tIns="0" rIns="0" bIns="0" rtlCol="0">
+                <a:spAutoFit/>
+              </a:bodyPr>
+              <a:lstStyle/>
+              <a:p>
+                <a14:m>
+                  <m:oMathPara xmlns:m="http://schemas.openxmlformats.org/officeDocument/2006/math">
+                    <m:oMathParaPr>
+                      <m:jc m:val="centerGroup"/>
+                    </m:oMathParaPr>
+                    <m:oMath xmlns:m="http://schemas.openxmlformats.org/officeDocument/2006/math">
+                      <m:sSub>
+                        <m:sSubPr>
+                          <m:ctrlPr>
+                            <a:rPr lang="en-US" b="0" i="1" smtClean="0">
+                              <a:latin typeface="Cambria Math" panose="02040503050406030204" pitchFamily="18" charset="0"/>
+                            </a:rPr>
+                          </m:ctrlPr>
+                        </m:sSubPr>
+                        <m:e>
+                          <m:r>
+                            <a:rPr lang="en-US" b="0" i="1" smtClean="0">
+                              <a:latin typeface="Cambria Math" panose="02040503050406030204" pitchFamily="18" charset="0"/>
+                            </a:rPr>
+                            <m:t>𝑘</m:t>
+                          </m:r>
+                        </m:e>
+                        <m:sub>
+                          <m:r>
+                            <a:rPr lang="en-US" b="0" i="1" smtClean="0">
+                              <a:latin typeface="Cambria Math" panose="02040503050406030204" pitchFamily="18" charset="0"/>
+                            </a:rPr>
+                            <m:t>6</m:t>
+                          </m:r>
+                        </m:sub>
+                      </m:sSub>
+                    </m:oMath>
+                  </m:oMathPara>
+                </a14:m>
+                <a:endParaRPr lang="en-US" dirty="0"/>
+              </a:p>
+            </p:txBody>
+          </p:sp>
+        </mc:Choice>
+        <mc:Fallback>
+          <p:sp>
+            <p:nvSpPr>
+              <p:cNvPr id="84" name="TextBox 83">
+                <a:extLst>
+                  <a:ext uri="{FF2B5EF4-FFF2-40B4-BE49-F238E27FC236}">
+                    <a16:creationId xmlns:a16="http://schemas.microsoft.com/office/drawing/2014/main" id="{1EB25DCB-6FB6-E5A0-B790-6A52A16EE832}"/>
+                  </a:ext>
+                </a:extLst>
+              </p:cNvPr>
+              <p:cNvSpPr txBox="1">
+                <a:spLocks noRot="1" noChangeAspect="1" noMove="1" noResize="1" noEditPoints="1" noAdjustHandles="1" noChangeArrowheads="1" noChangeShapeType="1" noTextEdit="1"/>
+              </p:cNvSpPr>
+              <p:nvPr/>
+            </p:nvSpPr>
+            <p:spPr>
+              <a:xfrm>
+                <a:off x="6553196" y="3723975"/>
+                <a:ext cx="281552" cy="276999"/>
+              </a:xfrm>
+              <a:prstGeom prst="rect">
+                <a:avLst/>
+              </a:prstGeom>
+              <a:blipFill>
+                <a:blip r:embed="rId14"/>
+                <a:stretch>
+                  <a:fillRect l="-21739" r="-4348" b="-18182"/>
+                </a:stretch>
+              </a:blipFill>
+            </p:spPr>
+            <p:txBody>
+              <a:bodyPr/>
+              <a:lstStyle/>
+              <a:p>
+                <a:r>
+                  <a:rPr lang="en-US">
+                    <a:noFill/>
+                  </a:rPr>
+                  <a:t> </a:t>
+                </a:r>
+              </a:p>
+            </p:txBody>
+          </p:sp>
+        </mc:Fallback>
+      </mc:AlternateContent>
+      <p:sp>
+        <p:nvSpPr>
+          <p:cNvPr id="86" name="Title 85">
+            <a:extLst>
+              <a:ext uri="{FF2B5EF4-FFF2-40B4-BE49-F238E27FC236}">
+                <a16:creationId xmlns:a16="http://schemas.microsoft.com/office/drawing/2014/main" id="{52A30558-4A7C-340E-B8A4-599A1D03098C}"/>
+              </a:ext>
+            </a:extLst>
+          </p:cNvPr>
+          <p:cNvSpPr>
+            <a:spLocks noGrp="1"/>
+          </p:cNvSpPr>
+          <p:nvPr>
+            <p:ph type="title"/>
+          </p:nvPr>
+        </p:nvSpPr>
+        <p:spPr/>
+        <p:txBody>
+          <a:bodyPr/>
+          <a:lstStyle/>
+          <a:p>
+            <a:r>
+              <a:rPr lang="en-US" dirty="0"/>
+              <a:t>Fork-Join</a:t>
+            </a:r>
+          </a:p>
+        </p:txBody>
+      </p:sp>
+      <p:sp>
+        <p:nvSpPr>
+          <p:cNvPr id="88" name="Rectangle 87">
+            <a:extLst>
+              <a:ext uri="{FF2B5EF4-FFF2-40B4-BE49-F238E27FC236}">
+                <a16:creationId xmlns:a16="http://schemas.microsoft.com/office/drawing/2014/main" id="{8DAC947B-86BB-4773-5341-D1C3A5D55604}"/>
+              </a:ext>
+            </a:extLst>
+          </p:cNvPr>
+          <p:cNvSpPr/>
+          <p:nvPr/>
+        </p:nvSpPr>
+        <p:spPr>
+          <a:xfrm>
+            <a:off x="3590260" y="3844074"/>
+            <a:ext cx="1361346" cy="914400"/>
+          </a:xfrm>
+          <a:prstGeom prst="rect">
+            <a:avLst/>
+          </a:prstGeom>
+        </p:spPr>
+        <p:style>
+          <a:lnRef idx="2">
+            <a:schemeClr val="accent1">
+              <a:shade val="15000"/>
+            </a:schemeClr>
+          </a:lnRef>
+          <a:fillRef idx="1">
+            <a:schemeClr val="accent1"/>
+          </a:fillRef>
+          <a:effectRef idx="0">
+            <a:schemeClr val="accent1"/>
+          </a:effectRef>
+          <a:fontRef idx="minor">
+            <a:schemeClr val="lt1"/>
+          </a:fontRef>
+        </p:style>
+        <p:txBody>
+          <a:bodyPr rtlCol="0" anchor="ctr"/>
+          <a:lstStyle/>
+          <a:p>
+            <a:pPr algn="ctr"/>
+            <a:endParaRPr lang="en-US" dirty="0"/>
+          </a:p>
+        </p:txBody>
+      </p:sp>
+      <mc:AlternateContent xmlns:mc="http://schemas.openxmlformats.org/markup-compatibility/2006">
+        <mc:Choice xmlns:a14="http://schemas.microsoft.com/office/drawing/2010/main" Requires="a14">
+          <p:sp>
+            <p:nvSpPr>
+              <p:cNvPr id="89" name="TextBox 88">
+                <a:extLst>
+                  <a:ext uri="{FF2B5EF4-FFF2-40B4-BE49-F238E27FC236}">
+                    <a16:creationId xmlns:a16="http://schemas.microsoft.com/office/drawing/2014/main" id="{35C3B2DD-31B9-9E6D-CC0B-33EC85B6777B}"/>
+                  </a:ext>
+                </a:extLst>
+              </p:cNvPr>
+              <p:cNvSpPr txBox="1"/>
+              <p:nvPr/>
+            </p:nvSpPr>
+            <p:spPr>
+              <a:xfrm>
+                <a:off x="4043883" y="3891336"/>
+                <a:ext cx="540340" cy="246221"/>
+              </a:xfrm>
+              <a:prstGeom prst="rect">
+                <a:avLst/>
+              </a:prstGeom>
+              <a:noFill/>
+            </p:spPr>
+            <p:txBody>
+              <a:bodyPr wrap="none" lIns="0" tIns="0" rIns="0" bIns="0" rtlCol="0">
+                <a:spAutoFit/>
+              </a:bodyPr>
+              <a:lstStyle/>
+              <a:p>
+                <a14:m>
+                  <m:oMathPara xmlns:m="http://schemas.openxmlformats.org/officeDocument/2006/math">
+                    <m:oMathParaPr>
+                      <m:jc m:val="centerGroup"/>
+                    </m:oMathParaPr>
+                    <m:oMath xmlns:m="http://schemas.openxmlformats.org/officeDocument/2006/math">
+                      <m:r>
+                        <a:rPr lang="en-US" sz="1600" b="0" i="1" smtClean="0">
+                          <a:solidFill>
+                            <a:schemeClr val="bg1"/>
+                          </a:solidFill>
+                          <a:latin typeface="Cambria Math" panose="02040503050406030204" pitchFamily="18" charset="0"/>
+                        </a:rPr>
+                        <m:t>𝐺</m:t>
+                      </m:r>
+                      <m:r>
+                        <a:rPr lang="en-US" sz="1600" b="0" i="1" baseline="30000" smtClean="0">
+                          <a:solidFill>
+                            <a:schemeClr val="bg1"/>
+                          </a:solidFill>
+                          <a:latin typeface="Cambria Math" panose="02040503050406030204" pitchFamily="18" charset="0"/>
+                        </a:rPr>
+                        <m:t>𝐵</m:t>
+                      </m:r>
+                      <m:r>
+                        <a:rPr lang="en-US" sz="1600" b="0" i="1" smtClean="0">
+                          <a:solidFill>
+                            <a:schemeClr val="bg1"/>
+                          </a:solidFill>
+                          <a:latin typeface="Cambria Math" panose="02040503050406030204" pitchFamily="18" charset="0"/>
+                        </a:rPr>
+                        <m:t>(</m:t>
+                      </m:r>
+                      <m:r>
+                        <a:rPr lang="en-US" sz="1600" b="0" i="1" smtClean="0">
+                          <a:solidFill>
+                            <a:schemeClr val="bg1"/>
+                          </a:solidFill>
+                          <a:latin typeface="Cambria Math" panose="02040503050406030204" pitchFamily="18" charset="0"/>
+                        </a:rPr>
+                        <m:t>𝑠</m:t>
+                      </m:r>
+                      <m:r>
+                        <a:rPr lang="en-US" sz="1600" b="0" i="1" smtClean="0">
+                          <a:solidFill>
+                            <a:schemeClr val="bg1"/>
+                          </a:solidFill>
+                          <a:latin typeface="Cambria Math" panose="02040503050406030204" pitchFamily="18" charset="0"/>
+                        </a:rPr>
+                        <m:t>)</m:t>
+                      </m:r>
+                    </m:oMath>
+                  </m:oMathPara>
+                </a14:m>
+                <a:endParaRPr lang="en-US" sz="1600" dirty="0">
+                  <a:solidFill>
+                    <a:schemeClr val="bg1"/>
+                  </a:solidFill>
+                </a:endParaRPr>
+              </a:p>
+            </p:txBody>
+          </p:sp>
+        </mc:Choice>
+        <mc:Fallback>
+          <p:sp>
+            <p:nvSpPr>
+              <p:cNvPr id="89" name="TextBox 88">
+                <a:extLst>
+                  <a:ext uri="{FF2B5EF4-FFF2-40B4-BE49-F238E27FC236}">
+                    <a16:creationId xmlns:a16="http://schemas.microsoft.com/office/drawing/2014/main" id="{35C3B2DD-31B9-9E6D-CC0B-33EC85B6777B}"/>
+                  </a:ext>
+                </a:extLst>
+              </p:cNvPr>
+              <p:cNvSpPr txBox="1">
+                <a:spLocks noRot="1" noChangeAspect="1" noMove="1" noResize="1" noEditPoints="1" noAdjustHandles="1" noChangeArrowheads="1" noChangeShapeType="1" noTextEdit="1"/>
+              </p:cNvSpPr>
+              <p:nvPr/>
+            </p:nvSpPr>
+            <p:spPr>
+              <a:xfrm>
+                <a:off x="4043883" y="3891336"/>
+                <a:ext cx="540340" cy="246221"/>
+              </a:xfrm>
+              <a:prstGeom prst="rect">
+                <a:avLst/>
+              </a:prstGeom>
+              <a:blipFill>
+                <a:blip r:embed="rId15"/>
+                <a:stretch>
+                  <a:fillRect l="-9302" r="-13953" b="-40000"/>
+                </a:stretch>
+              </a:blipFill>
+            </p:spPr>
+            <p:txBody>
+              <a:bodyPr/>
+              <a:lstStyle/>
+              <a:p>
+                <a:r>
+                  <a:rPr lang="en-US">
+                    <a:noFill/>
+                  </a:rPr>
+                  <a:t> </a:t>
+                </a:r>
+              </a:p>
+            </p:txBody>
+          </p:sp>
+        </mc:Fallback>
+      </mc:AlternateContent>
+      <mc:AlternateContent xmlns:mc="http://schemas.openxmlformats.org/markup-compatibility/2006">
+        <mc:Choice xmlns:a14="http://schemas.microsoft.com/office/drawing/2010/main" Requires="a14">
+          <p:sp>
+            <p:nvSpPr>
+              <p:cNvPr id="90" name="TextBox 89">
+                <a:extLst>
+                  <a:ext uri="{FF2B5EF4-FFF2-40B4-BE49-F238E27FC236}">
+                    <a16:creationId xmlns:a16="http://schemas.microsoft.com/office/drawing/2014/main" id="{88C7885D-72B5-BA4C-D147-3FE58E0AE428}"/>
+                  </a:ext>
+                </a:extLst>
+              </p:cNvPr>
+              <p:cNvSpPr txBox="1"/>
+              <p:nvPr/>
+            </p:nvSpPr>
+            <p:spPr>
+              <a:xfrm>
+                <a:off x="3631153" y="4148030"/>
+                <a:ext cx="607281" cy="276999"/>
+              </a:xfrm>
+              <a:prstGeom prst="rect">
+                <a:avLst/>
+              </a:prstGeom>
+              <a:noFill/>
+            </p:spPr>
+            <p:txBody>
+              <a:bodyPr wrap="none" lIns="0" tIns="0" rIns="0" bIns="0" rtlCol="0">
+                <a:spAutoFit/>
+              </a:bodyPr>
+              <a:lstStyle/>
+              <a:p>
+                <a14:m>
+                  <m:oMathPara xmlns:m="http://schemas.openxmlformats.org/officeDocument/2006/math">
+                    <m:oMathParaPr>
+                      <m:jc m:val="centerGroup"/>
+                    </m:oMathParaPr>
+                    <m:oMath xmlns:m="http://schemas.openxmlformats.org/officeDocument/2006/math">
+                      <m:sSub>
+                        <m:sSubPr>
+                          <m:ctrlPr>
+                            <a:rPr lang="en-US" b="0" i="1" smtClean="0">
+                              <a:solidFill>
+                                <a:schemeClr val="bg1"/>
+                              </a:solidFill>
+                              <a:latin typeface="Cambria Math" panose="02040503050406030204" pitchFamily="18" charset="0"/>
+                            </a:rPr>
+                          </m:ctrlPr>
+                        </m:sSubPr>
+                        <m:e>
+                          <m:r>
+                            <a:rPr lang="en-US" b="0" i="1" smtClean="0">
+                              <a:solidFill>
+                                <a:schemeClr val="bg1"/>
+                              </a:solidFill>
+                              <a:latin typeface="Cambria Math" panose="02040503050406030204" pitchFamily="18" charset="0"/>
+                            </a:rPr>
+                            <m:t>𝑁</m:t>
+                          </m:r>
+                          <m:r>
+                            <a:rPr lang="en-US" b="0" i="1" baseline="30000" smtClean="0">
+                              <a:solidFill>
+                                <a:schemeClr val="bg1"/>
+                              </a:solidFill>
+                              <a:latin typeface="Cambria Math" panose="02040503050406030204" pitchFamily="18" charset="0"/>
+                            </a:rPr>
+                            <m:t>𝐵</m:t>
+                          </m:r>
+                          <m:r>
+                            <a:rPr lang="en-US" b="0" i="1" smtClean="0">
+                              <a:solidFill>
+                                <a:schemeClr val="bg1"/>
+                              </a:solidFill>
+                              <a:latin typeface="Cambria Math" panose="02040503050406030204" pitchFamily="18" charset="0"/>
+                            </a:rPr>
+                            <m:t>.</m:t>
+                          </m:r>
+                          <m:r>
+                            <a:rPr lang="en-US" b="0" i="1" smtClean="0">
+                              <a:solidFill>
+                                <a:schemeClr val="bg1"/>
+                              </a:solidFill>
+                              <a:latin typeface="Cambria Math" panose="02040503050406030204" pitchFamily="18" charset="0"/>
+                            </a:rPr>
+                            <m:t>𝑆</m:t>
+                          </m:r>
+                        </m:e>
+                        <m:sub>
+                          <m:r>
+                            <a:rPr lang="en-US" b="0" i="1" smtClean="0">
+                              <a:solidFill>
+                                <a:schemeClr val="bg1"/>
+                              </a:solidFill>
+                              <a:latin typeface="Cambria Math" panose="02040503050406030204" pitchFamily="18" charset="0"/>
+                            </a:rPr>
+                            <m:t>𝐼</m:t>
+                          </m:r>
+                        </m:sub>
+                      </m:sSub>
+                    </m:oMath>
+                  </m:oMathPara>
+                </a14:m>
+                <a:endParaRPr lang="en-US" dirty="0">
+                  <a:solidFill>
+                    <a:schemeClr val="bg1"/>
+                  </a:solidFill>
+                </a:endParaRPr>
+              </a:p>
+            </p:txBody>
+          </p:sp>
+        </mc:Choice>
+        <mc:Fallback>
+          <p:sp>
+            <p:nvSpPr>
+              <p:cNvPr id="90" name="TextBox 89">
+                <a:extLst>
+                  <a:ext uri="{FF2B5EF4-FFF2-40B4-BE49-F238E27FC236}">
+                    <a16:creationId xmlns:a16="http://schemas.microsoft.com/office/drawing/2014/main" id="{88C7885D-72B5-BA4C-D147-3FE58E0AE428}"/>
+                  </a:ext>
+                </a:extLst>
+              </p:cNvPr>
+              <p:cNvSpPr txBox="1">
+                <a:spLocks noRot="1" noChangeAspect="1" noMove="1" noResize="1" noEditPoints="1" noAdjustHandles="1" noChangeArrowheads="1" noChangeShapeType="1" noTextEdit="1"/>
+              </p:cNvSpPr>
+              <p:nvPr/>
+            </p:nvSpPr>
+            <p:spPr>
+              <a:xfrm>
+                <a:off x="3631153" y="4148030"/>
+                <a:ext cx="607281" cy="276999"/>
+              </a:xfrm>
+              <a:prstGeom prst="rect">
+                <a:avLst/>
+              </a:prstGeom>
+              <a:blipFill>
+                <a:blip r:embed="rId16"/>
+                <a:stretch>
+                  <a:fillRect l="-10417" r="-2083" b="-13043"/>
+                </a:stretch>
+              </a:blipFill>
+            </p:spPr>
+            <p:txBody>
+              <a:bodyPr/>
+              <a:lstStyle/>
+              <a:p>
+                <a:r>
+                  <a:rPr lang="en-US">
+                    <a:noFill/>
+                  </a:rPr>
+                  <a:t> </a:t>
+                </a:r>
+              </a:p>
+            </p:txBody>
+          </p:sp>
+        </mc:Fallback>
+      </mc:AlternateContent>
+      <mc:AlternateContent xmlns:mc="http://schemas.openxmlformats.org/markup-compatibility/2006">
+        <mc:Choice xmlns:a14="http://schemas.microsoft.com/office/drawing/2010/main" Requires="a14">
+          <p:sp>
+            <p:nvSpPr>
+              <p:cNvPr id="91" name="TextBox 90">
+                <a:extLst>
+                  <a:ext uri="{FF2B5EF4-FFF2-40B4-BE49-F238E27FC236}">
+                    <a16:creationId xmlns:a16="http://schemas.microsoft.com/office/drawing/2014/main" id="{09183DA1-6364-F35C-46DB-D1C138DCDDA1}"/>
+                  </a:ext>
+                </a:extLst>
+              </p:cNvPr>
+              <p:cNvSpPr txBox="1"/>
+              <p:nvPr/>
+            </p:nvSpPr>
+            <p:spPr>
+              <a:xfrm>
+                <a:off x="4324328" y="4162778"/>
+                <a:ext cx="657359" cy="276999"/>
+              </a:xfrm>
+              <a:prstGeom prst="rect">
+                <a:avLst/>
+              </a:prstGeom>
+              <a:noFill/>
+            </p:spPr>
+            <p:txBody>
+              <a:bodyPr wrap="none" lIns="0" tIns="0" rIns="0" bIns="0" rtlCol="0">
+                <a:spAutoFit/>
+              </a:bodyPr>
+              <a:lstStyle/>
+              <a:p>
+                <a14:m>
+                  <m:oMathPara xmlns:m="http://schemas.openxmlformats.org/officeDocument/2006/math">
+                    <m:oMathParaPr>
+                      <m:jc m:val="centerGroup"/>
+                    </m:oMathParaPr>
+                    <m:oMath xmlns:m="http://schemas.openxmlformats.org/officeDocument/2006/math">
+                      <m:sSub>
+                        <m:sSubPr>
+                          <m:ctrlPr>
+                            <a:rPr lang="en-US" b="0" i="1" smtClean="0">
+                              <a:solidFill>
+                                <a:schemeClr val="bg1"/>
+                              </a:solidFill>
+                              <a:latin typeface="Cambria Math" panose="02040503050406030204" pitchFamily="18" charset="0"/>
+                            </a:rPr>
+                          </m:ctrlPr>
+                        </m:sSubPr>
+                        <m:e>
+                          <m:r>
+                            <a:rPr lang="en-US" b="0" i="1" smtClean="0">
+                              <a:solidFill>
+                                <a:schemeClr val="bg1"/>
+                              </a:solidFill>
+                              <a:latin typeface="Cambria Math" panose="02040503050406030204" pitchFamily="18" charset="0"/>
+                            </a:rPr>
+                            <m:t>𝑁</m:t>
+                          </m:r>
+                          <m:r>
+                            <a:rPr lang="en-US" b="0" i="1" baseline="30000" smtClean="0">
+                              <a:solidFill>
+                                <a:schemeClr val="bg1"/>
+                              </a:solidFill>
+                              <a:latin typeface="Cambria Math" panose="02040503050406030204" pitchFamily="18" charset="0"/>
+                            </a:rPr>
+                            <m:t>𝐵</m:t>
+                          </m:r>
+                          <m:r>
+                            <a:rPr lang="en-US" b="0" i="1" smtClean="0">
+                              <a:solidFill>
+                                <a:schemeClr val="bg1"/>
+                              </a:solidFill>
+                              <a:latin typeface="Cambria Math" panose="02040503050406030204" pitchFamily="18" charset="0"/>
+                            </a:rPr>
+                            <m:t>.</m:t>
+                          </m:r>
+                          <m:r>
+                            <a:rPr lang="en-US" b="0" i="1" smtClean="0">
+                              <a:solidFill>
+                                <a:schemeClr val="bg1"/>
+                              </a:solidFill>
+                              <a:latin typeface="Cambria Math" panose="02040503050406030204" pitchFamily="18" charset="0"/>
+                            </a:rPr>
+                            <m:t>𝑆</m:t>
+                          </m:r>
+                        </m:e>
+                        <m:sub>
+                          <m:r>
+                            <a:rPr lang="en-US" b="0" i="1" smtClean="0">
+                              <a:solidFill>
+                                <a:schemeClr val="bg1"/>
+                              </a:solidFill>
+                              <a:latin typeface="Cambria Math" panose="02040503050406030204" pitchFamily="18" charset="0"/>
+                            </a:rPr>
+                            <m:t>𝑂</m:t>
+                          </m:r>
+                        </m:sub>
+                      </m:sSub>
+                    </m:oMath>
+                  </m:oMathPara>
+                </a14:m>
+                <a:endParaRPr lang="en-US" dirty="0">
+                  <a:solidFill>
+                    <a:schemeClr val="bg1"/>
+                  </a:solidFill>
+                </a:endParaRPr>
+              </a:p>
+            </p:txBody>
+          </p:sp>
+        </mc:Choice>
+        <mc:Fallback>
+          <p:sp>
+            <p:nvSpPr>
+              <p:cNvPr id="91" name="TextBox 90">
+                <a:extLst>
+                  <a:ext uri="{FF2B5EF4-FFF2-40B4-BE49-F238E27FC236}">
+                    <a16:creationId xmlns:a16="http://schemas.microsoft.com/office/drawing/2014/main" id="{09183DA1-6364-F35C-46DB-D1C138DCDDA1}"/>
+                  </a:ext>
+                </a:extLst>
+              </p:cNvPr>
+              <p:cNvSpPr txBox="1">
+                <a:spLocks noRot="1" noChangeAspect="1" noMove="1" noResize="1" noEditPoints="1" noAdjustHandles="1" noChangeArrowheads="1" noChangeShapeType="1" noTextEdit="1"/>
+              </p:cNvSpPr>
+              <p:nvPr/>
+            </p:nvSpPr>
+            <p:spPr>
+              <a:xfrm>
+                <a:off x="4324328" y="4162778"/>
+                <a:ext cx="657359" cy="276999"/>
+              </a:xfrm>
+              <a:prstGeom prst="rect">
+                <a:avLst/>
+              </a:prstGeom>
+              <a:blipFill>
+                <a:blip r:embed="rId17"/>
+                <a:stretch>
+                  <a:fillRect l="-7547" r="-1887" b="-13043"/>
+                </a:stretch>
+              </a:blipFill>
+            </p:spPr>
+            <p:txBody>
+              <a:bodyPr/>
+              <a:lstStyle/>
+              <a:p>
+                <a:r>
+                  <a:rPr lang="en-US">
+                    <a:noFill/>
+                  </a:rPr>
+                  <a:t> </a:t>
+                </a:r>
+              </a:p>
+            </p:txBody>
+          </p:sp>
+        </mc:Fallback>
+      </mc:AlternateContent>
+      <p:cxnSp>
+        <p:nvCxnSpPr>
+          <p:cNvPr id="95" name="Straight Arrow Connector 94">
+            <a:extLst>
+              <a:ext uri="{FF2B5EF4-FFF2-40B4-BE49-F238E27FC236}">
+                <a16:creationId xmlns:a16="http://schemas.microsoft.com/office/drawing/2014/main" id="{368B1C18-C27E-F3E2-DB68-01E3D2FBEA9B}"/>
+              </a:ext>
+            </a:extLst>
+          </p:cNvPr>
+          <p:cNvCxnSpPr>
+            <a:cxnSpLocks/>
+            <a:stCxn id="34" idx="3"/>
+            <a:endCxn id="88" idx="1"/>
+          </p:cNvCxnSpPr>
+          <p:nvPr/>
+        </p:nvCxnSpPr>
+        <p:spPr>
+          <a:xfrm>
+            <a:off x="2956311" y="3554026"/>
+            <a:ext cx="633949" cy="747248"/>
+          </a:xfrm>
+          <a:prstGeom prst="straightConnector1">
+            <a:avLst/>
+          </a:prstGeom>
+          <a:ln w="19050">
+            <a:solidFill>
+              <a:srgbClr val="0070C0"/>
+            </a:solidFill>
+            <a:tailEnd type="triangle"/>
+          </a:ln>
+        </p:spPr>
+        <p:style>
+          <a:lnRef idx="1">
+            <a:schemeClr val="accent1"/>
+          </a:lnRef>
+          <a:fillRef idx="0">
+            <a:schemeClr val="accent1"/>
+          </a:fillRef>
+          <a:effectRef idx="0">
+            <a:schemeClr val="accent1"/>
+          </a:effectRef>
+          <a:fontRef idx="minor">
+            <a:schemeClr val="tx1"/>
+          </a:fontRef>
+        </p:style>
+      </p:cxnSp>
+      <mc:AlternateContent xmlns:mc="http://schemas.openxmlformats.org/markup-compatibility/2006">
+        <mc:Choice xmlns:a14="http://schemas.microsoft.com/office/drawing/2010/main" Requires="a14">
+          <p:sp>
+            <p:nvSpPr>
+              <p:cNvPr id="98" name="TextBox 97">
+                <a:extLst>
+                  <a:ext uri="{FF2B5EF4-FFF2-40B4-BE49-F238E27FC236}">
+                    <a16:creationId xmlns:a16="http://schemas.microsoft.com/office/drawing/2014/main" id="{C460A637-B205-D2DF-34B6-BBD86031CE3C}"/>
+                  </a:ext>
+                </a:extLst>
+              </p:cNvPr>
+              <p:cNvSpPr txBox="1"/>
+              <p:nvPr/>
+            </p:nvSpPr>
+            <p:spPr>
+              <a:xfrm>
+                <a:off x="3003739" y="4048440"/>
+                <a:ext cx="281552" cy="280846"/>
+              </a:xfrm>
+              <a:prstGeom prst="rect">
+                <a:avLst/>
+              </a:prstGeom>
+              <a:noFill/>
+            </p:spPr>
+            <p:txBody>
+              <a:bodyPr wrap="square" lIns="0" tIns="0" rIns="0" bIns="0" rtlCol="0">
+                <a:spAutoFit/>
+              </a:bodyPr>
+              <a:lstStyle/>
+              <a:p>
+                <a14:m>
+                  <m:oMathPara xmlns:m="http://schemas.openxmlformats.org/officeDocument/2006/math">
+                    <m:oMathParaPr>
+                      <m:jc m:val="centerGroup"/>
+                    </m:oMathParaPr>
+                    <m:oMath xmlns:m="http://schemas.openxmlformats.org/officeDocument/2006/math">
+                      <m:sSubSup>
+                        <m:sSubSupPr>
+                          <m:ctrlPr>
+                            <a:rPr lang="en-US" b="0" i="1" smtClean="0">
+                              <a:latin typeface="Cambria Math" panose="02040503050406030204" pitchFamily="18" charset="0"/>
+                            </a:rPr>
+                          </m:ctrlPr>
+                        </m:sSubSupPr>
+                        <m:e>
+                          <m:r>
+                            <a:rPr lang="en-US" b="0" i="1" smtClean="0">
+                              <a:latin typeface="Cambria Math" panose="02040503050406030204" pitchFamily="18" charset="0"/>
+                            </a:rPr>
+                            <m:t>𝑘</m:t>
+                          </m:r>
+                        </m:e>
+                        <m:sub>
+                          <m:r>
+                            <a:rPr lang="en-US" b="0" i="1" smtClean="0">
+                              <a:latin typeface="Cambria Math" panose="02040503050406030204" pitchFamily="18" charset="0"/>
+                            </a:rPr>
+                            <m:t>2</m:t>
+                          </m:r>
+                        </m:sub>
+                        <m:sup>
+                          <m:r>
+                            <a:rPr lang="en-US" b="0" i="1" smtClean="0">
+                              <a:latin typeface="Cambria Math" panose="02040503050406030204" pitchFamily="18" charset="0"/>
+                            </a:rPr>
+                            <m:t>𝐵</m:t>
+                          </m:r>
+                        </m:sup>
+                      </m:sSubSup>
+                    </m:oMath>
+                  </m:oMathPara>
+                </a14:m>
+                <a:endParaRPr lang="en-US" dirty="0"/>
+              </a:p>
+            </p:txBody>
+          </p:sp>
+        </mc:Choice>
+        <mc:Fallback>
+          <p:sp>
+            <p:nvSpPr>
+              <p:cNvPr id="98" name="TextBox 97">
+                <a:extLst>
+                  <a:ext uri="{FF2B5EF4-FFF2-40B4-BE49-F238E27FC236}">
+                    <a16:creationId xmlns:a16="http://schemas.microsoft.com/office/drawing/2014/main" id="{C460A637-B205-D2DF-34B6-BBD86031CE3C}"/>
+                  </a:ext>
+                </a:extLst>
+              </p:cNvPr>
+              <p:cNvSpPr txBox="1">
+                <a:spLocks noRot="1" noChangeAspect="1" noMove="1" noResize="1" noEditPoints="1" noAdjustHandles="1" noChangeArrowheads="1" noChangeShapeType="1" noTextEdit="1"/>
+              </p:cNvSpPr>
+              <p:nvPr/>
+            </p:nvSpPr>
+            <p:spPr>
+              <a:xfrm>
+                <a:off x="3003739" y="4048440"/>
+                <a:ext cx="281552" cy="280846"/>
+              </a:xfrm>
+              <a:prstGeom prst="rect">
+                <a:avLst/>
+              </a:prstGeom>
+              <a:blipFill>
+                <a:blip r:embed="rId18"/>
+                <a:stretch>
+                  <a:fillRect l="-26087" r="-13043" b="-17391"/>
+                </a:stretch>
+              </a:blipFill>
+            </p:spPr>
+            <p:txBody>
+              <a:bodyPr/>
+              <a:lstStyle/>
+              <a:p>
+                <a:r>
+                  <a:rPr lang="en-US">
+                    <a:noFill/>
+                  </a:rPr>
+                  <a:t> </a:t>
+                </a:r>
+              </a:p>
+            </p:txBody>
+          </p:sp>
+        </mc:Fallback>
+      </mc:AlternateContent>
+      <p:cxnSp>
+        <p:nvCxnSpPr>
+          <p:cNvPr id="100" name="Straight Arrow Connector 99">
+            <a:extLst>
+              <a:ext uri="{FF2B5EF4-FFF2-40B4-BE49-F238E27FC236}">
+                <a16:creationId xmlns:a16="http://schemas.microsoft.com/office/drawing/2014/main" id="{1622531B-AE69-090E-54B0-9F56EAEBBCD9}"/>
+              </a:ext>
+            </a:extLst>
+          </p:cNvPr>
+          <p:cNvCxnSpPr>
+            <a:cxnSpLocks/>
+            <a:stCxn id="91" idx="3"/>
+          </p:cNvCxnSpPr>
+          <p:nvPr/>
+        </p:nvCxnSpPr>
+        <p:spPr>
+          <a:xfrm flipV="1">
+            <a:off x="4981687" y="3723975"/>
+            <a:ext cx="718466" cy="577303"/>
+          </a:xfrm>
+          <a:prstGeom prst="straightConnector1">
+            <a:avLst/>
+          </a:prstGeom>
+          <a:ln w="19050">
+            <a:solidFill>
+              <a:srgbClr val="0070C0"/>
+            </a:solidFill>
+            <a:tailEnd type="triangle"/>
+          </a:ln>
+        </p:spPr>
+        <p:style>
+          <a:lnRef idx="1">
+            <a:schemeClr val="accent1"/>
+          </a:lnRef>
+          <a:fillRef idx="0">
+            <a:schemeClr val="accent1"/>
+          </a:fillRef>
+          <a:effectRef idx="0">
+            <a:schemeClr val="accent1"/>
+          </a:effectRef>
+          <a:fontRef idx="minor">
+            <a:schemeClr val="tx1"/>
+          </a:fontRef>
+        </p:style>
+      </p:cxnSp>
+      <mc:AlternateContent xmlns:mc="http://schemas.openxmlformats.org/markup-compatibility/2006">
+        <mc:Choice xmlns:a14="http://schemas.microsoft.com/office/drawing/2010/main" Requires="a14">
+          <p:sp>
+            <p:nvSpPr>
+              <p:cNvPr id="103" name="TextBox 102">
+                <a:extLst>
+                  <a:ext uri="{FF2B5EF4-FFF2-40B4-BE49-F238E27FC236}">
+                    <a16:creationId xmlns:a16="http://schemas.microsoft.com/office/drawing/2014/main" id="{85FB74B0-116C-7ECB-1600-0C612BE3F084}"/>
+                  </a:ext>
+                </a:extLst>
+              </p:cNvPr>
+              <p:cNvSpPr txBox="1"/>
+              <p:nvPr/>
+            </p:nvSpPr>
+            <p:spPr>
+              <a:xfrm>
+                <a:off x="5388072" y="4077934"/>
+                <a:ext cx="281552" cy="283667"/>
+              </a:xfrm>
+              <a:prstGeom prst="rect">
+                <a:avLst/>
+              </a:prstGeom>
+              <a:noFill/>
+            </p:spPr>
+            <p:txBody>
+              <a:bodyPr wrap="square" lIns="0" tIns="0" rIns="0" bIns="0" rtlCol="0">
+                <a:spAutoFit/>
+              </a:bodyPr>
+              <a:lstStyle/>
+              <a:p>
+                <a14:m>
+                  <m:oMathPara xmlns:m="http://schemas.openxmlformats.org/officeDocument/2006/math">
+                    <m:oMathParaPr>
+                      <m:jc m:val="centerGroup"/>
+                    </m:oMathParaPr>
+                    <m:oMath xmlns:m="http://schemas.openxmlformats.org/officeDocument/2006/math">
+                      <m:sSubSup>
+                        <m:sSubSupPr>
+                          <m:ctrlPr>
+                            <a:rPr lang="en-US" b="0" i="1" smtClean="0">
+                              <a:latin typeface="Cambria Math" panose="02040503050406030204" pitchFamily="18" charset="0"/>
+                            </a:rPr>
+                          </m:ctrlPr>
+                        </m:sSubSupPr>
+                        <m:e>
+                          <m:r>
+                            <a:rPr lang="en-US" b="0" i="1" smtClean="0">
+                              <a:latin typeface="Cambria Math" panose="02040503050406030204" pitchFamily="18" charset="0"/>
+                            </a:rPr>
+                            <m:t>𝑘</m:t>
+                          </m:r>
+                        </m:e>
+                        <m:sub>
+                          <m:r>
+                            <a:rPr lang="en-US" b="0" i="1" smtClean="0">
+                              <a:latin typeface="Cambria Math" panose="02040503050406030204" pitchFamily="18" charset="0"/>
+                            </a:rPr>
+                            <m:t>3</m:t>
+                          </m:r>
+                        </m:sub>
+                        <m:sup>
+                          <m:r>
+                            <a:rPr lang="en-US" b="0" i="1" smtClean="0">
+                              <a:latin typeface="Cambria Math" panose="02040503050406030204" pitchFamily="18" charset="0"/>
+                            </a:rPr>
+                            <m:t>𝐵</m:t>
+                          </m:r>
+                        </m:sup>
+                      </m:sSubSup>
+                    </m:oMath>
+                  </m:oMathPara>
+                </a14:m>
+                <a:endParaRPr lang="en-US" dirty="0"/>
+              </a:p>
+            </p:txBody>
+          </p:sp>
+        </mc:Choice>
+        <mc:Fallback>
+          <p:sp>
+            <p:nvSpPr>
+              <p:cNvPr id="103" name="TextBox 102">
+                <a:extLst>
+                  <a:ext uri="{FF2B5EF4-FFF2-40B4-BE49-F238E27FC236}">
+                    <a16:creationId xmlns:a16="http://schemas.microsoft.com/office/drawing/2014/main" id="{85FB74B0-116C-7ECB-1600-0C612BE3F084}"/>
+                  </a:ext>
+                </a:extLst>
+              </p:cNvPr>
+              <p:cNvSpPr txBox="1">
+                <a:spLocks noRot="1" noChangeAspect="1" noMove="1" noResize="1" noEditPoints="1" noAdjustHandles="1" noChangeArrowheads="1" noChangeShapeType="1" noTextEdit="1"/>
+              </p:cNvSpPr>
+              <p:nvPr/>
+            </p:nvSpPr>
+            <p:spPr>
+              <a:xfrm>
+                <a:off x="5388072" y="4077934"/>
+                <a:ext cx="281552" cy="283667"/>
+              </a:xfrm>
+              <a:prstGeom prst="rect">
+                <a:avLst/>
+              </a:prstGeom>
+              <a:blipFill>
+                <a:blip r:embed="rId19"/>
+                <a:stretch>
+                  <a:fillRect l="-26087" r="-8696" b="-13043"/>
+                </a:stretch>
+              </a:blipFill>
+            </p:spPr>
+            <p:txBody>
+              <a:bodyPr/>
+              <a:lstStyle/>
+              <a:p>
+                <a:r>
+                  <a:rPr lang="en-US">
+                    <a:noFill/>
+                  </a:rPr>
+                  <a:t> </a:t>
+                </a:r>
+              </a:p>
+            </p:txBody>
+          </p:sp>
+        </mc:Fallback>
+      </mc:AlternateContent>
+    </p:spTree>
+    <p:extLst>
+      <p:ext uri="{BB962C8B-B14F-4D97-AF65-F5344CB8AC3E}">
+        <p14:creationId xmlns:p14="http://schemas.microsoft.com/office/powerpoint/2010/main" val="201085716"/>
+      </p:ext>
+    </p:extLst>
+  </p:cSld>
+  <p:clrMapOvr>
+    <a:masterClrMapping/>
+  </p:clrMapOvr>
+</p:sld>
+</file>
+
+<file path=ppt/slides/slide3.xml><?xml version="1.0" encoding="utf-8"?>
+<p:sld xmlns:a="http://schemas.openxmlformats.org/drawingml/2006/main" xmlns:r="http://schemas.openxmlformats.org/officeDocument/2006/relationships" xmlns:p="http://schemas.openxmlformats.org/presentationml/2006/main">
+  <p:cSld>
+    <p:spTree>
+      <p:nvGrpSpPr>
+        <p:cNvPr id="1" name=""/>
+        <p:cNvGrpSpPr/>
+        <p:nvPr/>
+      </p:nvGrpSpPr>
+      <p:grpSpPr>
+        <a:xfrm>
+          <a:off x="0" y="0"/>
+          <a:ext cx="0" cy="0"/>
+          <a:chOff x="0" y="0"/>
+          <a:chExt cx="0" cy="0"/>
+        </a:xfrm>
+      </p:grpSpPr>
+      <p:sp>
+        <p:nvSpPr>
+          <p:cNvPr id="9" name="Rectangle 8">
+            <a:extLst>
+              <a:ext uri="{FF2B5EF4-FFF2-40B4-BE49-F238E27FC236}">
+                <a16:creationId xmlns:a16="http://schemas.microsoft.com/office/drawing/2014/main" id="{4EEF1B70-F7ED-8B65-9902-89B4962A0593}"/>
+              </a:ext>
+            </a:extLst>
+          </p:cNvPr>
+          <p:cNvSpPr/>
+          <p:nvPr/>
+        </p:nvSpPr>
+        <p:spPr>
+          <a:xfrm>
             <a:off x="3595177" y="1971028"/>
             <a:ext cx="1361346" cy="914400"/>
           </a:xfrm>
@@ -5471,10 +8309,38 @@
           </p:sp>
         </mc:Fallback>
       </mc:AlternateContent>
+      <p:sp>
+        <p:nvSpPr>
+          <p:cNvPr id="86" name="Title 85">
+            <a:extLst>
+              <a:ext uri="{FF2B5EF4-FFF2-40B4-BE49-F238E27FC236}">
+                <a16:creationId xmlns:a16="http://schemas.microsoft.com/office/drawing/2014/main" id="{52A30558-4A7C-340E-B8A4-599A1D03098C}"/>
+              </a:ext>
+            </a:extLst>
+          </p:cNvPr>
+          <p:cNvSpPr>
+            <a:spLocks noGrp="1"/>
+          </p:cNvSpPr>
+          <p:nvPr>
+            <p:ph type="title"/>
+          </p:nvPr>
+        </p:nvSpPr>
+        <p:spPr/>
+        <p:txBody>
+          <a:bodyPr/>
+          <a:lstStyle/>
+          <a:p>
+            <a:r>
+              <a:rPr lang="en-US" dirty="0"/>
+              <a:t>Loop</a:t>
+            </a:r>
+          </a:p>
+        </p:txBody>
+      </p:sp>
     </p:spTree>
     <p:extLst>
       <p:ext uri="{BB962C8B-B14F-4D97-AF65-F5344CB8AC3E}">
-        <p14:creationId xmlns:p14="http://schemas.microsoft.com/office/powerpoint/2010/main" val="201085716"/>
+        <p14:creationId xmlns:p14="http://schemas.microsoft.com/office/powerpoint/2010/main" val="3727905321"/>
       </p:ext>
     </p:extLst>
   </p:cSld>

--- a/docs/figures.pptx
+++ b/docs/figures.pptx
@@ -7,7 +7,8 @@
   <p:sldIdLst>
     <p:sldId id="256" r:id="rId2"/>
     <p:sldId id="257" r:id="rId3"/>
-    <p:sldId id="258" r:id="rId4"/>
+    <p:sldId id="259" r:id="rId4"/>
+    <p:sldId id="258" r:id="rId5"/>
   </p:sldIdLst>
   <p:sldSz cx="12192000" cy="6858000"/>
   <p:notesSz cx="6858000" cy="9144000"/>
@@ -6243,6 +6244,2288 @@
           <a:chExt cx="0" cy="0"/>
         </a:xfrm>
       </p:grpSpPr>
+      <p:cxnSp>
+        <p:nvCxnSpPr>
+          <p:cNvPr id="12" name="Straight Arrow Connector 11">
+            <a:extLst>
+              <a:ext uri="{FF2B5EF4-FFF2-40B4-BE49-F238E27FC236}">
+                <a16:creationId xmlns:a16="http://schemas.microsoft.com/office/drawing/2014/main" id="{12C497F3-5450-199E-ADFE-23F06A623934}"/>
+              </a:ext>
+            </a:extLst>
+          </p:cNvPr>
+          <p:cNvCxnSpPr>
+            <a:cxnSpLocks/>
+            <a:stCxn id="9" idx="3"/>
+            <a:endCxn id="40" idx="1"/>
+          </p:cNvCxnSpPr>
+          <p:nvPr/>
+        </p:nvCxnSpPr>
+        <p:spPr>
+          <a:xfrm>
+            <a:off x="4807974" y="2888555"/>
+            <a:ext cx="1084647" cy="724467"/>
+          </a:xfrm>
+          <a:prstGeom prst="straightConnector1">
+            <a:avLst/>
+          </a:prstGeom>
+          <a:ln w="19050">
+            <a:solidFill>
+              <a:srgbClr val="0070C0"/>
+            </a:solidFill>
+            <a:tailEnd type="triangle"/>
+          </a:ln>
+        </p:spPr>
+        <p:style>
+          <a:lnRef idx="1">
+            <a:schemeClr val="accent1"/>
+          </a:lnRef>
+          <a:fillRef idx="0">
+            <a:schemeClr val="accent1"/>
+          </a:fillRef>
+          <a:effectRef idx="0">
+            <a:schemeClr val="accent1"/>
+          </a:effectRef>
+          <a:fontRef idx="minor">
+            <a:schemeClr val="tx1"/>
+          </a:fontRef>
+        </p:style>
+      </p:cxnSp>
+      <p:cxnSp>
+        <p:nvCxnSpPr>
+          <p:cNvPr id="36" name="Straight Arrow Connector 35">
+            <a:extLst>
+              <a:ext uri="{FF2B5EF4-FFF2-40B4-BE49-F238E27FC236}">
+                <a16:creationId xmlns:a16="http://schemas.microsoft.com/office/drawing/2014/main" id="{B94E69BF-29BC-2F37-1F0C-D9F9D0A48382}"/>
+              </a:ext>
+            </a:extLst>
+          </p:cNvPr>
+          <p:cNvCxnSpPr>
+            <a:cxnSpLocks/>
+            <a:stCxn id="66" idx="3"/>
+            <a:endCxn id="9" idx="1"/>
+          </p:cNvCxnSpPr>
+          <p:nvPr/>
+        </p:nvCxnSpPr>
+        <p:spPr>
+          <a:xfrm flipV="1">
+            <a:off x="2442360" y="2888555"/>
+            <a:ext cx="1313563" cy="660555"/>
+          </a:xfrm>
+          <a:prstGeom prst="straightConnector1">
+            <a:avLst/>
+          </a:prstGeom>
+          <a:ln w="19050">
+            <a:solidFill>
+              <a:srgbClr val="0070C0"/>
+            </a:solidFill>
+            <a:tailEnd type="triangle"/>
+          </a:ln>
+        </p:spPr>
+        <p:style>
+          <a:lnRef idx="1">
+            <a:schemeClr val="accent1"/>
+          </a:lnRef>
+          <a:fillRef idx="0">
+            <a:schemeClr val="accent1"/>
+          </a:fillRef>
+          <a:effectRef idx="0">
+            <a:schemeClr val="accent1"/>
+          </a:effectRef>
+          <a:fontRef idx="minor">
+            <a:schemeClr val="tx1"/>
+          </a:fontRef>
+        </p:style>
+      </p:cxnSp>
+      <mc:AlternateContent xmlns:mc="http://schemas.openxmlformats.org/markup-compatibility/2006">
+        <mc:Choice xmlns:a14="http://schemas.microsoft.com/office/drawing/2010/main" Requires="a14">
+          <p:sp>
+            <p:nvSpPr>
+              <p:cNvPr id="37" name="TextBox 36">
+                <a:extLst>
+                  <a:ext uri="{FF2B5EF4-FFF2-40B4-BE49-F238E27FC236}">
+                    <a16:creationId xmlns:a16="http://schemas.microsoft.com/office/drawing/2014/main" id="{5C45D2CA-7E84-A0D4-F174-D0DB4E03D65F}"/>
+                  </a:ext>
+                </a:extLst>
+              </p:cNvPr>
+              <p:cNvSpPr txBox="1"/>
+              <p:nvPr/>
+            </p:nvSpPr>
+            <p:spPr>
+              <a:xfrm>
+                <a:off x="3018489" y="2725999"/>
+                <a:ext cx="281552" cy="282257"/>
+              </a:xfrm>
+              <a:prstGeom prst="rect">
+                <a:avLst/>
+              </a:prstGeom>
+              <a:noFill/>
+            </p:spPr>
+            <p:txBody>
+              <a:bodyPr wrap="square" lIns="0" tIns="0" rIns="0" bIns="0" rtlCol="0">
+                <a:spAutoFit/>
+              </a:bodyPr>
+              <a:lstStyle/>
+              <a:p>
+                <a14:m>
+                  <m:oMathPara xmlns:m="http://schemas.openxmlformats.org/officeDocument/2006/math">
+                    <m:oMathParaPr>
+                      <m:jc m:val="centerGroup"/>
+                    </m:oMathParaPr>
+                    <m:oMath xmlns:m="http://schemas.openxmlformats.org/officeDocument/2006/math">
+                      <m:sSubSup>
+                        <m:sSubSupPr>
+                          <m:ctrlPr>
+                            <a:rPr lang="en-US" b="0" i="1" smtClean="0">
+                              <a:latin typeface="Cambria Math" panose="02040503050406030204" pitchFamily="18" charset="0"/>
+                            </a:rPr>
+                          </m:ctrlPr>
+                        </m:sSubSupPr>
+                        <m:e>
+                          <m:r>
+                            <a:rPr lang="en-US" b="0" i="1" smtClean="0">
+                              <a:latin typeface="Cambria Math" panose="02040503050406030204" pitchFamily="18" charset="0"/>
+                            </a:rPr>
+                            <m:t>𝑘</m:t>
+                          </m:r>
+                        </m:e>
+                        <m:sub>
+                          <m:r>
+                            <a:rPr lang="en-US" b="0" i="1" smtClean="0">
+                              <a:latin typeface="Cambria Math" panose="02040503050406030204" pitchFamily="18" charset="0"/>
+                            </a:rPr>
+                            <m:t>1</m:t>
+                          </m:r>
+                        </m:sub>
+                        <m:sup>
+                          <m:r>
+                            <a:rPr lang="en-US" b="0" i="1" smtClean="0">
+                              <a:latin typeface="Cambria Math" panose="02040503050406030204" pitchFamily="18" charset="0"/>
+                            </a:rPr>
+                            <m:t>𝐴</m:t>
+                          </m:r>
+                        </m:sup>
+                      </m:sSubSup>
+                    </m:oMath>
+                  </m:oMathPara>
+                </a14:m>
+                <a:endParaRPr lang="en-US" dirty="0"/>
+              </a:p>
+            </p:txBody>
+          </p:sp>
+        </mc:Choice>
+        <mc:Fallback>
+          <p:sp>
+            <p:nvSpPr>
+              <p:cNvPr id="37" name="TextBox 36">
+                <a:extLst>
+                  <a:ext uri="{FF2B5EF4-FFF2-40B4-BE49-F238E27FC236}">
+                    <a16:creationId xmlns:a16="http://schemas.microsoft.com/office/drawing/2014/main" id="{5C45D2CA-7E84-A0D4-F174-D0DB4E03D65F}"/>
+                  </a:ext>
+                </a:extLst>
+              </p:cNvPr>
+              <p:cNvSpPr txBox="1">
+                <a:spLocks noRot="1" noChangeAspect="1" noMove="1" noResize="1" noEditPoints="1" noAdjustHandles="1" noChangeArrowheads="1" noChangeShapeType="1" noTextEdit="1"/>
+              </p:cNvSpPr>
+              <p:nvPr/>
+            </p:nvSpPr>
+            <p:spPr>
+              <a:xfrm>
+                <a:off x="3018489" y="2725999"/>
+                <a:ext cx="281552" cy="282257"/>
+              </a:xfrm>
+              <a:prstGeom prst="rect">
+                <a:avLst/>
+              </a:prstGeom>
+              <a:blipFill>
+                <a:blip r:embed="rId2"/>
+                <a:stretch>
+                  <a:fillRect l="-26087" t="-4348" r="-17391" b="-17391"/>
+                </a:stretch>
+              </a:blipFill>
+            </p:spPr>
+            <p:txBody>
+              <a:bodyPr/>
+              <a:lstStyle/>
+              <a:p>
+                <a:r>
+                  <a:rPr lang="en-US">
+                    <a:noFill/>
+                  </a:rPr>
+                  <a:t> </a:t>
+                </a:r>
+              </a:p>
+            </p:txBody>
+          </p:sp>
+        </mc:Fallback>
+      </mc:AlternateContent>
+      <mc:AlternateContent xmlns:mc="http://schemas.openxmlformats.org/markup-compatibility/2006">
+        <mc:Choice xmlns:a14="http://schemas.microsoft.com/office/drawing/2010/main" Requires="a14">
+          <p:sp>
+            <p:nvSpPr>
+              <p:cNvPr id="40" name="TextBox 39">
+                <a:extLst>
+                  <a:ext uri="{FF2B5EF4-FFF2-40B4-BE49-F238E27FC236}">
+                    <a16:creationId xmlns:a16="http://schemas.microsoft.com/office/drawing/2014/main" id="{6B8FF12A-33AB-89CF-0DD8-A19072281315}"/>
+                  </a:ext>
+                </a:extLst>
+              </p:cNvPr>
+              <p:cNvSpPr txBox="1"/>
+              <p:nvPr/>
+            </p:nvSpPr>
+            <p:spPr>
+              <a:xfrm>
+                <a:off x="5892621" y="3474522"/>
+                <a:ext cx="349034" cy="276999"/>
+              </a:xfrm>
+              <a:prstGeom prst="rect">
+                <a:avLst/>
+              </a:prstGeom>
+              <a:noFill/>
+            </p:spPr>
+            <p:txBody>
+              <a:bodyPr wrap="square" lIns="0" tIns="0" rIns="0" bIns="0" rtlCol="0">
+                <a:spAutoFit/>
+              </a:bodyPr>
+              <a:lstStyle/>
+              <a:p>
+                <a14:m>
+                  <m:oMathPara xmlns:m="http://schemas.openxmlformats.org/officeDocument/2006/math">
+                    <m:oMathParaPr>
+                      <m:jc m:val="centerGroup"/>
+                    </m:oMathParaPr>
+                    <m:oMath xmlns:m="http://schemas.openxmlformats.org/officeDocument/2006/math">
+                      <m:sSub>
+                        <m:sSubPr>
+                          <m:ctrlPr>
+                            <a:rPr lang="en-US" b="0" i="1" smtClean="0">
+                              <a:latin typeface="Cambria Math" panose="02040503050406030204" pitchFamily="18" charset="0"/>
+                            </a:rPr>
+                          </m:ctrlPr>
+                        </m:sSubPr>
+                        <m:e>
+                          <m:r>
+                            <a:rPr lang="en-US" b="0" i="1" smtClean="0">
+                              <a:latin typeface="Cambria Math" panose="02040503050406030204" pitchFamily="18" charset="0"/>
+                            </a:rPr>
+                            <m:t>𝑆</m:t>
+                          </m:r>
+                        </m:e>
+                        <m:sub>
+                          <m:r>
+                            <a:rPr lang="en-US" b="0" i="1" smtClean="0">
+                              <a:latin typeface="Cambria Math" panose="02040503050406030204" pitchFamily="18" charset="0"/>
+                            </a:rPr>
+                            <m:t>𝑂</m:t>
+                          </m:r>
+                        </m:sub>
+                      </m:sSub>
+                    </m:oMath>
+                  </m:oMathPara>
+                </a14:m>
+                <a:endParaRPr lang="en-US" dirty="0"/>
+              </a:p>
+            </p:txBody>
+          </p:sp>
+        </mc:Choice>
+        <mc:Fallback>
+          <p:sp>
+            <p:nvSpPr>
+              <p:cNvPr id="40" name="TextBox 39">
+                <a:extLst>
+                  <a:ext uri="{FF2B5EF4-FFF2-40B4-BE49-F238E27FC236}">
+                    <a16:creationId xmlns:a16="http://schemas.microsoft.com/office/drawing/2014/main" id="{6B8FF12A-33AB-89CF-0DD8-A19072281315}"/>
+                  </a:ext>
+                </a:extLst>
+              </p:cNvPr>
+              <p:cNvSpPr txBox="1">
+                <a:spLocks noRot="1" noChangeAspect="1" noMove="1" noResize="1" noEditPoints="1" noAdjustHandles="1" noChangeArrowheads="1" noChangeShapeType="1" noTextEdit="1"/>
+              </p:cNvSpPr>
+              <p:nvPr/>
+            </p:nvSpPr>
+            <p:spPr>
+              <a:xfrm>
+                <a:off x="5892621" y="3474522"/>
+                <a:ext cx="349034" cy="276999"/>
+              </a:xfrm>
+              <a:prstGeom prst="rect">
+                <a:avLst/>
+              </a:prstGeom>
+              <a:blipFill>
+                <a:blip r:embed="rId3"/>
+                <a:stretch>
+                  <a:fillRect l="-10714" b="-13043"/>
+                </a:stretch>
+              </a:blipFill>
+            </p:spPr>
+            <p:txBody>
+              <a:bodyPr/>
+              <a:lstStyle/>
+              <a:p>
+                <a:r>
+                  <a:rPr lang="en-US">
+                    <a:noFill/>
+                  </a:rPr>
+                  <a:t> </a:t>
+                </a:r>
+              </a:p>
+            </p:txBody>
+          </p:sp>
+        </mc:Fallback>
+      </mc:AlternateContent>
+      <p:grpSp>
+        <p:nvGrpSpPr>
+          <p:cNvPr id="16" name="Group 15">
+            <a:extLst>
+              <a:ext uri="{FF2B5EF4-FFF2-40B4-BE49-F238E27FC236}">
+                <a16:creationId xmlns:a16="http://schemas.microsoft.com/office/drawing/2014/main" id="{8A51C3C8-BE62-2B2A-9CC8-547ECF5BD23D}"/>
+              </a:ext>
+            </a:extLst>
+          </p:cNvPr>
+          <p:cNvGrpSpPr/>
+          <p:nvPr/>
+        </p:nvGrpSpPr>
+        <p:grpSpPr>
+          <a:xfrm>
+            <a:off x="3755923" y="2531469"/>
+            <a:ext cx="1052051" cy="714171"/>
+            <a:chOff x="3755923" y="2433146"/>
+            <a:chExt cx="1052051" cy="714171"/>
+          </a:xfrm>
+        </p:grpSpPr>
+        <p:sp>
+          <p:nvSpPr>
+            <p:cNvPr id="9" name="Rectangle 8">
+              <a:extLst>
+                <a:ext uri="{FF2B5EF4-FFF2-40B4-BE49-F238E27FC236}">
+                  <a16:creationId xmlns:a16="http://schemas.microsoft.com/office/drawing/2014/main" id="{4EEF1B70-F7ED-8B65-9902-89B4962A0593}"/>
+                </a:ext>
+              </a:extLst>
+            </p:cNvPr>
+            <p:cNvSpPr/>
+            <p:nvPr/>
+          </p:nvSpPr>
+          <p:spPr>
+            <a:xfrm>
+              <a:off x="3755923" y="2433146"/>
+              <a:ext cx="1052051" cy="714171"/>
+            </a:xfrm>
+            <a:prstGeom prst="rect">
+              <a:avLst/>
+            </a:prstGeom>
+          </p:spPr>
+          <p:style>
+            <a:lnRef idx="2">
+              <a:schemeClr val="accent1">
+                <a:shade val="15000"/>
+              </a:schemeClr>
+            </a:lnRef>
+            <a:fillRef idx="1">
+              <a:schemeClr val="accent1"/>
+            </a:fillRef>
+            <a:effectRef idx="0">
+              <a:schemeClr val="accent1"/>
+            </a:effectRef>
+            <a:fontRef idx="minor">
+              <a:schemeClr val="lt1"/>
+            </a:fontRef>
+          </p:style>
+          <p:txBody>
+            <a:bodyPr rtlCol="0" anchor="ctr"/>
+            <a:lstStyle/>
+            <a:p>
+              <a:pPr algn="ctr"/>
+              <a:endParaRPr lang="en-US" dirty="0"/>
+            </a:p>
+          </p:txBody>
+        </p:sp>
+        <mc:AlternateContent xmlns:mc="http://schemas.openxmlformats.org/markup-compatibility/2006">
+          <mc:Choice xmlns:a14="http://schemas.microsoft.com/office/drawing/2010/main" Requires="a14">
+            <p:sp>
+              <p:nvSpPr>
+                <p:cNvPr id="33" name="TextBox 32">
+                  <a:extLst>
+                    <a:ext uri="{FF2B5EF4-FFF2-40B4-BE49-F238E27FC236}">
+                      <a16:creationId xmlns:a16="http://schemas.microsoft.com/office/drawing/2014/main" id="{69E5A26B-0528-09FD-9CCE-29CDD10D9061}"/>
+                    </a:ext>
+                  </a:extLst>
+                </p:cNvPr>
+                <p:cNvSpPr txBox="1"/>
+                <p:nvPr/>
+              </p:nvSpPr>
+              <p:spPr>
+                <a:xfrm>
+                  <a:off x="4048800" y="2470574"/>
+                  <a:ext cx="533608" cy="246221"/>
+                </a:xfrm>
+                <a:prstGeom prst="rect">
+                  <a:avLst/>
+                </a:prstGeom>
+                <a:noFill/>
+              </p:spPr>
+              <p:txBody>
+                <a:bodyPr wrap="none" lIns="0" tIns="0" rIns="0" bIns="0" rtlCol="0">
+                  <a:spAutoFit/>
+                </a:bodyPr>
+                <a:lstStyle/>
+                <a:p>
+                  <a14:m>
+                    <m:oMathPara xmlns:m="http://schemas.openxmlformats.org/officeDocument/2006/math">
+                      <m:oMathParaPr>
+                        <m:jc m:val="centerGroup"/>
+                      </m:oMathParaPr>
+                      <m:oMath xmlns:m="http://schemas.openxmlformats.org/officeDocument/2006/math">
+                        <m:r>
+                          <a:rPr lang="en-US" sz="1600" b="0" i="1" smtClean="0">
+                            <a:solidFill>
+                              <a:schemeClr val="bg1"/>
+                            </a:solidFill>
+                            <a:latin typeface="Cambria Math" panose="02040503050406030204" pitchFamily="18" charset="0"/>
+                          </a:rPr>
+                          <m:t>𝐺</m:t>
+                        </m:r>
+                        <m:r>
+                          <a:rPr lang="en-US" sz="1600" b="0" i="1" baseline="30000" smtClean="0">
+                            <a:solidFill>
+                              <a:schemeClr val="bg1"/>
+                            </a:solidFill>
+                            <a:latin typeface="Cambria Math" panose="02040503050406030204" pitchFamily="18" charset="0"/>
+                          </a:rPr>
+                          <m:t>𝐴</m:t>
+                        </m:r>
+                        <m:r>
+                          <a:rPr lang="en-US" sz="1600" b="0" i="1" smtClean="0">
+                            <a:solidFill>
+                              <a:schemeClr val="bg1"/>
+                            </a:solidFill>
+                            <a:latin typeface="Cambria Math" panose="02040503050406030204" pitchFamily="18" charset="0"/>
+                          </a:rPr>
+                          <m:t>(</m:t>
+                        </m:r>
+                        <m:r>
+                          <a:rPr lang="en-US" sz="1600" b="0" i="1" smtClean="0">
+                            <a:solidFill>
+                              <a:schemeClr val="bg1"/>
+                            </a:solidFill>
+                            <a:latin typeface="Cambria Math" panose="02040503050406030204" pitchFamily="18" charset="0"/>
+                          </a:rPr>
+                          <m:t>𝑠</m:t>
+                        </m:r>
+                        <m:r>
+                          <a:rPr lang="en-US" sz="1600" b="0" i="1" smtClean="0">
+                            <a:solidFill>
+                              <a:schemeClr val="bg1"/>
+                            </a:solidFill>
+                            <a:latin typeface="Cambria Math" panose="02040503050406030204" pitchFamily="18" charset="0"/>
+                          </a:rPr>
+                          <m:t>)</m:t>
+                        </m:r>
+                      </m:oMath>
+                    </m:oMathPara>
+                  </a14:m>
+                  <a:endParaRPr lang="en-US" sz="1600" dirty="0">
+                    <a:solidFill>
+                      <a:schemeClr val="bg1"/>
+                    </a:solidFill>
+                  </a:endParaRPr>
+                </a:p>
+              </p:txBody>
+            </p:sp>
+          </mc:Choice>
+          <mc:Fallback>
+            <p:sp>
+              <p:nvSpPr>
+                <p:cNvPr id="33" name="TextBox 32">
+                  <a:extLst>
+                    <a:ext uri="{FF2B5EF4-FFF2-40B4-BE49-F238E27FC236}">
+                      <a16:creationId xmlns:a16="http://schemas.microsoft.com/office/drawing/2014/main" id="{69E5A26B-0528-09FD-9CCE-29CDD10D9061}"/>
+                    </a:ext>
+                  </a:extLst>
+                </p:cNvPr>
+                <p:cNvSpPr txBox="1">
+                  <a:spLocks noRot="1" noChangeAspect="1" noMove="1" noResize="1" noEditPoints="1" noAdjustHandles="1" noChangeArrowheads="1" noChangeShapeType="1" noTextEdit="1"/>
+                </p:cNvSpPr>
+                <p:nvPr/>
+              </p:nvSpPr>
+              <p:spPr>
+                <a:xfrm>
+                  <a:off x="4048800" y="2470574"/>
+                  <a:ext cx="533608" cy="246221"/>
+                </a:xfrm>
+                <a:prstGeom prst="rect">
+                  <a:avLst/>
+                </a:prstGeom>
+                <a:blipFill>
+                  <a:blip r:embed="rId4"/>
+                  <a:stretch>
+                    <a:fillRect l="-9302" r="-13953" b="-35000"/>
+                  </a:stretch>
+                </a:blipFill>
+              </p:spPr>
+              <p:txBody>
+                <a:bodyPr/>
+                <a:lstStyle/>
+                <a:p>
+                  <a:r>
+                    <a:rPr lang="en-US">
+                      <a:noFill/>
+                    </a:rPr>
+                    <a:t> </a:t>
+                  </a:r>
+                </a:p>
+              </p:txBody>
+            </p:sp>
+          </mc:Fallback>
+        </mc:AlternateContent>
+        <mc:AlternateContent xmlns:mc="http://schemas.openxmlformats.org/markup-compatibility/2006">
+          <mc:Choice xmlns:a14="http://schemas.microsoft.com/office/drawing/2010/main" Requires="a14">
+            <p:sp>
+              <p:nvSpPr>
+                <p:cNvPr id="35" name="TextBox 34">
+                  <a:extLst>
+                    <a:ext uri="{FF2B5EF4-FFF2-40B4-BE49-F238E27FC236}">
+                      <a16:creationId xmlns:a16="http://schemas.microsoft.com/office/drawing/2014/main" id="{9F28B733-4A15-FDFC-D69D-AF0020590042}"/>
+                    </a:ext>
+                  </a:extLst>
+                </p:cNvPr>
+                <p:cNvSpPr txBox="1"/>
+                <p:nvPr/>
+              </p:nvSpPr>
+              <p:spPr>
+                <a:xfrm>
+                  <a:off x="3872045" y="2727268"/>
+                  <a:ext cx="316497" cy="282385"/>
+                </a:xfrm>
+                <a:prstGeom prst="rect">
+                  <a:avLst/>
+                </a:prstGeom>
+                <a:noFill/>
+              </p:spPr>
+              <p:txBody>
+                <a:bodyPr wrap="none" lIns="0" tIns="0" rIns="0" bIns="0" rtlCol="0">
+                  <a:spAutoFit/>
+                </a:bodyPr>
+                <a:lstStyle/>
+                <a:p>
+                  <a14:m>
+                    <m:oMathPara xmlns:m="http://schemas.openxmlformats.org/officeDocument/2006/math">
+                      <m:oMathParaPr>
+                        <m:jc m:val="centerGroup"/>
+                      </m:oMathParaPr>
+                      <m:oMath xmlns:m="http://schemas.openxmlformats.org/officeDocument/2006/math">
+                        <m:sSubSup>
+                          <m:sSubSupPr>
+                            <m:ctrlPr>
+                              <a:rPr lang="en-US" b="0" i="1" smtClean="0">
+                                <a:solidFill>
+                                  <a:schemeClr val="bg1"/>
+                                </a:solidFill>
+                                <a:latin typeface="Cambria Math" panose="02040503050406030204" pitchFamily="18" charset="0"/>
+                              </a:rPr>
+                            </m:ctrlPr>
+                          </m:sSubSupPr>
+                          <m:e>
+                            <m:r>
+                              <a:rPr lang="en-US" b="0" i="1" smtClean="0">
+                                <a:solidFill>
+                                  <a:schemeClr val="bg1"/>
+                                </a:solidFill>
+                                <a:latin typeface="Cambria Math" panose="02040503050406030204" pitchFamily="18" charset="0"/>
+                              </a:rPr>
+                              <m:t>𝑆</m:t>
+                            </m:r>
+                          </m:e>
+                          <m:sub>
+                            <m:r>
+                              <a:rPr lang="en-US" b="0" i="1" smtClean="0">
+                                <a:solidFill>
+                                  <a:schemeClr val="bg1"/>
+                                </a:solidFill>
+                                <a:latin typeface="Cambria Math" panose="02040503050406030204" pitchFamily="18" charset="0"/>
+                              </a:rPr>
+                              <m:t>𝐼</m:t>
+                            </m:r>
+                          </m:sub>
+                          <m:sup>
+                            <m:r>
+                              <a:rPr lang="en-US" b="0" i="1" smtClean="0">
+                                <a:solidFill>
+                                  <a:schemeClr val="bg1"/>
+                                </a:solidFill>
+                                <a:latin typeface="Cambria Math" panose="02040503050406030204" pitchFamily="18" charset="0"/>
+                              </a:rPr>
+                              <m:t>𝐴</m:t>
+                            </m:r>
+                          </m:sup>
+                        </m:sSubSup>
+                      </m:oMath>
+                    </m:oMathPara>
+                  </a14:m>
+                  <a:endParaRPr lang="en-US" dirty="0">
+                    <a:solidFill>
+                      <a:schemeClr val="bg1"/>
+                    </a:solidFill>
+                  </a:endParaRPr>
+                </a:p>
+              </p:txBody>
+            </p:sp>
+          </mc:Choice>
+          <mc:Fallback>
+            <p:sp>
+              <p:nvSpPr>
+                <p:cNvPr id="35" name="TextBox 34">
+                  <a:extLst>
+                    <a:ext uri="{FF2B5EF4-FFF2-40B4-BE49-F238E27FC236}">
+                      <a16:creationId xmlns:a16="http://schemas.microsoft.com/office/drawing/2014/main" id="{9F28B733-4A15-FDFC-D69D-AF0020590042}"/>
+                    </a:ext>
+                  </a:extLst>
+                </p:cNvPr>
+                <p:cNvSpPr txBox="1">
+                  <a:spLocks noRot="1" noChangeAspect="1" noMove="1" noResize="1" noEditPoints="1" noAdjustHandles="1" noChangeArrowheads="1" noChangeShapeType="1" noTextEdit="1"/>
+                </p:cNvSpPr>
+                <p:nvPr/>
+              </p:nvSpPr>
+              <p:spPr>
+                <a:xfrm>
+                  <a:off x="3872045" y="2727268"/>
+                  <a:ext cx="316497" cy="282385"/>
+                </a:xfrm>
+                <a:prstGeom prst="rect">
+                  <a:avLst/>
+                </a:prstGeom>
+                <a:blipFill>
+                  <a:blip r:embed="rId5"/>
+                  <a:stretch>
+                    <a:fillRect l="-15385" r="-7692" b="-13043"/>
+                  </a:stretch>
+                </a:blipFill>
+              </p:spPr>
+              <p:txBody>
+                <a:bodyPr/>
+                <a:lstStyle/>
+                <a:p>
+                  <a:r>
+                    <a:rPr lang="en-US">
+                      <a:noFill/>
+                    </a:rPr>
+                    <a:t> </a:t>
+                  </a:r>
+                </a:p>
+              </p:txBody>
+            </p:sp>
+          </mc:Fallback>
+        </mc:AlternateContent>
+        <mc:AlternateContent xmlns:mc="http://schemas.openxmlformats.org/markup-compatibility/2006">
+          <mc:Choice xmlns:a14="http://schemas.microsoft.com/office/drawing/2010/main" Requires="a14">
+            <p:sp>
+              <p:nvSpPr>
+                <p:cNvPr id="54" name="TextBox 53">
+                  <a:extLst>
+                    <a:ext uri="{FF2B5EF4-FFF2-40B4-BE49-F238E27FC236}">
+                      <a16:creationId xmlns:a16="http://schemas.microsoft.com/office/drawing/2014/main" id="{0D6E3ADB-C3FC-2405-DEB6-CB2BC9B01E51}"/>
+                    </a:ext>
+                  </a:extLst>
+                </p:cNvPr>
+                <p:cNvSpPr txBox="1"/>
+                <p:nvPr/>
+              </p:nvSpPr>
+              <p:spPr>
+                <a:xfrm>
+                  <a:off x="4417735" y="2742016"/>
+                  <a:ext cx="316497" cy="285784"/>
+                </a:xfrm>
+                <a:prstGeom prst="rect">
+                  <a:avLst/>
+                </a:prstGeom>
+                <a:noFill/>
+              </p:spPr>
+              <p:txBody>
+                <a:bodyPr wrap="none" lIns="0" tIns="0" rIns="0" bIns="0" rtlCol="0">
+                  <a:spAutoFit/>
+                </a:bodyPr>
+                <a:lstStyle/>
+                <a:p>
+                  <a14:m>
+                    <m:oMathPara xmlns:m="http://schemas.openxmlformats.org/officeDocument/2006/math">
+                      <m:oMathParaPr>
+                        <m:jc m:val="centerGroup"/>
+                      </m:oMathParaPr>
+                      <m:oMath xmlns:m="http://schemas.openxmlformats.org/officeDocument/2006/math">
+                        <m:sSubSup>
+                          <m:sSubSupPr>
+                            <m:ctrlPr>
+                              <a:rPr lang="en-US" b="0" i="1" smtClean="0">
+                                <a:solidFill>
+                                  <a:schemeClr val="bg1"/>
+                                </a:solidFill>
+                                <a:latin typeface="Cambria Math" panose="02040503050406030204" pitchFamily="18" charset="0"/>
+                              </a:rPr>
+                            </m:ctrlPr>
+                          </m:sSubSupPr>
+                          <m:e>
+                            <m:r>
+                              <a:rPr lang="en-US" b="0" i="1" smtClean="0">
+                                <a:solidFill>
+                                  <a:schemeClr val="bg1"/>
+                                </a:solidFill>
+                                <a:latin typeface="Cambria Math" panose="02040503050406030204" pitchFamily="18" charset="0"/>
+                              </a:rPr>
+                              <m:t>𝑆</m:t>
+                            </m:r>
+                          </m:e>
+                          <m:sub>
+                            <m:r>
+                              <a:rPr lang="en-US" b="0" i="1" smtClean="0">
+                                <a:solidFill>
+                                  <a:schemeClr val="bg1"/>
+                                </a:solidFill>
+                                <a:latin typeface="Cambria Math" panose="02040503050406030204" pitchFamily="18" charset="0"/>
+                              </a:rPr>
+                              <m:t>𝑂</m:t>
+                            </m:r>
+                          </m:sub>
+                          <m:sup>
+                            <m:r>
+                              <a:rPr lang="en-US" b="0" i="1" smtClean="0">
+                                <a:solidFill>
+                                  <a:schemeClr val="bg1"/>
+                                </a:solidFill>
+                                <a:latin typeface="Cambria Math" panose="02040503050406030204" pitchFamily="18" charset="0"/>
+                              </a:rPr>
+                              <m:t>𝐴</m:t>
+                            </m:r>
+                          </m:sup>
+                        </m:sSubSup>
+                      </m:oMath>
+                    </m:oMathPara>
+                  </a14:m>
+                  <a:endParaRPr lang="en-US" dirty="0">
+                    <a:solidFill>
+                      <a:schemeClr val="bg1"/>
+                    </a:solidFill>
+                  </a:endParaRPr>
+                </a:p>
+              </p:txBody>
+            </p:sp>
+          </mc:Choice>
+          <mc:Fallback>
+            <p:sp>
+              <p:nvSpPr>
+                <p:cNvPr id="54" name="TextBox 53">
+                  <a:extLst>
+                    <a:ext uri="{FF2B5EF4-FFF2-40B4-BE49-F238E27FC236}">
+                      <a16:creationId xmlns:a16="http://schemas.microsoft.com/office/drawing/2014/main" id="{0D6E3ADB-C3FC-2405-DEB6-CB2BC9B01E51}"/>
+                    </a:ext>
+                  </a:extLst>
+                </p:cNvPr>
+                <p:cNvSpPr txBox="1">
+                  <a:spLocks noRot="1" noChangeAspect="1" noMove="1" noResize="1" noEditPoints="1" noAdjustHandles="1" noChangeArrowheads="1" noChangeShapeType="1" noTextEdit="1"/>
+                </p:cNvSpPr>
+                <p:nvPr/>
+              </p:nvSpPr>
+              <p:spPr>
+                <a:xfrm>
+                  <a:off x="4417735" y="2742016"/>
+                  <a:ext cx="316497" cy="285784"/>
+                </a:xfrm>
+                <a:prstGeom prst="rect">
+                  <a:avLst/>
+                </a:prstGeom>
+                <a:blipFill>
+                  <a:blip r:embed="rId6"/>
+                  <a:stretch>
+                    <a:fillRect l="-20000" r="-4000" b="-16667"/>
+                  </a:stretch>
+                </a:blipFill>
+              </p:spPr>
+              <p:txBody>
+                <a:bodyPr/>
+                <a:lstStyle/>
+                <a:p>
+                  <a:r>
+                    <a:rPr lang="en-US">
+                      <a:noFill/>
+                    </a:rPr>
+                    <a:t> </a:t>
+                  </a:r>
+                </a:p>
+              </p:txBody>
+            </p:sp>
+          </mc:Fallback>
+        </mc:AlternateContent>
+      </p:grpSp>
+      <mc:AlternateContent xmlns:mc="http://schemas.openxmlformats.org/markup-compatibility/2006">
+        <mc:Choice xmlns:a14="http://schemas.microsoft.com/office/drawing/2010/main" Requires="a14">
+          <p:sp>
+            <p:nvSpPr>
+              <p:cNvPr id="56" name="TextBox 55">
+                <a:extLst>
+                  <a:ext uri="{FF2B5EF4-FFF2-40B4-BE49-F238E27FC236}">
+                    <a16:creationId xmlns:a16="http://schemas.microsoft.com/office/drawing/2014/main" id="{9146D06E-DFD2-5671-BAC4-BB9D597F5A68}"/>
+                  </a:ext>
+                </a:extLst>
+              </p:cNvPr>
+              <p:cNvSpPr txBox="1"/>
+              <p:nvPr/>
+            </p:nvSpPr>
+            <p:spPr>
+              <a:xfrm>
+                <a:off x="5373325" y="2853816"/>
+                <a:ext cx="281552" cy="283667"/>
+              </a:xfrm>
+              <a:prstGeom prst="rect">
+                <a:avLst/>
+              </a:prstGeom>
+              <a:noFill/>
+            </p:spPr>
+            <p:txBody>
+              <a:bodyPr wrap="square" lIns="0" tIns="0" rIns="0" bIns="0" rtlCol="0">
+                <a:spAutoFit/>
+              </a:bodyPr>
+              <a:lstStyle/>
+              <a:p>
+                <a14:m>
+                  <m:oMathPara xmlns:m="http://schemas.openxmlformats.org/officeDocument/2006/math">
+                    <m:oMathParaPr>
+                      <m:jc m:val="centerGroup"/>
+                    </m:oMathParaPr>
+                    <m:oMath xmlns:m="http://schemas.openxmlformats.org/officeDocument/2006/math">
+                      <m:sSubSup>
+                        <m:sSubSupPr>
+                          <m:ctrlPr>
+                            <a:rPr lang="en-US" b="0" i="1" smtClean="0">
+                              <a:latin typeface="Cambria Math" panose="02040503050406030204" pitchFamily="18" charset="0"/>
+                            </a:rPr>
+                          </m:ctrlPr>
+                        </m:sSubSupPr>
+                        <m:e>
+                          <m:r>
+                            <a:rPr lang="en-US" b="0" i="1" smtClean="0">
+                              <a:latin typeface="Cambria Math" panose="02040503050406030204" pitchFamily="18" charset="0"/>
+                            </a:rPr>
+                            <m:t>𝑘</m:t>
+                          </m:r>
+                        </m:e>
+                        <m:sub>
+                          <m:r>
+                            <a:rPr lang="en-US" b="0" i="1" smtClean="0">
+                              <a:latin typeface="Cambria Math" panose="02040503050406030204" pitchFamily="18" charset="0"/>
+                            </a:rPr>
+                            <m:t>2</m:t>
+                          </m:r>
+                        </m:sub>
+                        <m:sup>
+                          <m:r>
+                            <a:rPr lang="en-US" b="0" i="1" smtClean="0">
+                              <a:latin typeface="Cambria Math" panose="02040503050406030204" pitchFamily="18" charset="0"/>
+                            </a:rPr>
+                            <m:t>𝐴</m:t>
+                          </m:r>
+                        </m:sup>
+                      </m:sSubSup>
+                    </m:oMath>
+                  </m:oMathPara>
+                </a14:m>
+                <a:endParaRPr lang="en-US" dirty="0"/>
+              </a:p>
+            </p:txBody>
+          </p:sp>
+        </mc:Choice>
+        <mc:Fallback>
+          <p:sp>
+            <p:nvSpPr>
+              <p:cNvPr id="56" name="TextBox 55">
+                <a:extLst>
+                  <a:ext uri="{FF2B5EF4-FFF2-40B4-BE49-F238E27FC236}">
+                    <a16:creationId xmlns:a16="http://schemas.microsoft.com/office/drawing/2014/main" id="{9146D06E-DFD2-5671-BAC4-BB9D597F5A68}"/>
+                  </a:ext>
+                </a:extLst>
+              </p:cNvPr>
+              <p:cNvSpPr txBox="1">
+                <a:spLocks noRot="1" noChangeAspect="1" noMove="1" noResize="1" noEditPoints="1" noAdjustHandles="1" noChangeArrowheads="1" noChangeShapeType="1" noTextEdit="1"/>
+              </p:cNvSpPr>
+              <p:nvPr/>
+            </p:nvSpPr>
+            <p:spPr>
+              <a:xfrm>
+                <a:off x="5373325" y="2853816"/>
+                <a:ext cx="281552" cy="283667"/>
+              </a:xfrm>
+              <a:prstGeom prst="rect">
+                <a:avLst/>
+              </a:prstGeom>
+              <a:blipFill>
+                <a:blip r:embed="rId7"/>
+                <a:stretch>
+                  <a:fillRect l="-20833" t="-4167" r="-12500" b="-12500"/>
+                </a:stretch>
+              </a:blipFill>
+            </p:spPr>
+            <p:txBody>
+              <a:bodyPr/>
+              <a:lstStyle/>
+              <a:p>
+                <a:r>
+                  <a:rPr lang="en-US">
+                    <a:noFill/>
+                  </a:rPr>
+                  <a:t> </a:t>
+                </a:r>
+              </a:p>
+            </p:txBody>
+          </p:sp>
+        </mc:Fallback>
+      </mc:AlternateContent>
+      <p:sp>
+        <p:nvSpPr>
+          <p:cNvPr id="64" name="Striped Right Arrow 63">
+            <a:extLst>
+              <a:ext uri="{FF2B5EF4-FFF2-40B4-BE49-F238E27FC236}">
+                <a16:creationId xmlns:a16="http://schemas.microsoft.com/office/drawing/2014/main" id="{89D840FD-D9EE-C33F-ED8E-53A7D7C66E12}"/>
+              </a:ext>
+            </a:extLst>
+          </p:cNvPr>
+          <p:cNvSpPr/>
+          <p:nvPr/>
+        </p:nvSpPr>
+        <p:spPr>
+          <a:xfrm>
+            <a:off x="1514166" y="3505711"/>
+            <a:ext cx="585117" cy="142055"/>
+          </a:xfrm>
+          <a:prstGeom prst="stripedRightArrow">
+            <a:avLst/>
+          </a:prstGeom>
+        </p:spPr>
+        <p:style>
+          <a:lnRef idx="2">
+            <a:schemeClr val="accent1">
+              <a:shade val="15000"/>
+            </a:schemeClr>
+          </a:lnRef>
+          <a:fillRef idx="1">
+            <a:schemeClr val="accent1"/>
+          </a:fillRef>
+          <a:effectRef idx="0">
+            <a:schemeClr val="accent1"/>
+          </a:effectRef>
+          <a:fontRef idx="minor">
+            <a:schemeClr val="lt1"/>
+          </a:fontRef>
+        </p:style>
+        <p:txBody>
+          <a:bodyPr rtlCol="0" anchor="ctr"/>
+          <a:lstStyle/>
+          <a:p>
+            <a:pPr algn="ctr"/>
+            <a:endParaRPr lang="en-US"/>
+          </a:p>
+        </p:txBody>
+      </p:sp>
+      <p:sp>
+        <p:nvSpPr>
+          <p:cNvPr id="65" name="Striped Right Arrow 64">
+            <a:extLst>
+              <a:ext uri="{FF2B5EF4-FFF2-40B4-BE49-F238E27FC236}">
+                <a16:creationId xmlns:a16="http://schemas.microsoft.com/office/drawing/2014/main" id="{59686BAC-87CA-92AB-2C70-57D46D1BB9F3}"/>
+              </a:ext>
+            </a:extLst>
+          </p:cNvPr>
+          <p:cNvSpPr/>
+          <p:nvPr/>
+        </p:nvSpPr>
+        <p:spPr>
+          <a:xfrm>
+            <a:off x="6331976" y="3541651"/>
+            <a:ext cx="585117" cy="142055"/>
+          </a:xfrm>
+          <a:prstGeom prst="stripedRightArrow">
+            <a:avLst/>
+          </a:prstGeom>
+        </p:spPr>
+        <p:style>
+          <a:lnRef idx="2">
+            <a:schemeClr val="accent1">
+              <a:shade val="15000"/>
+            </a:schemeClr>
+          </a:lnRef>
+          <a:fillRef idx="1">
+            <a:schemeClr val="accent1"/>
+          </a:fillRef>
+          <a:effectRef idx="0">
+            <a:schemeClr val="accent1"/>
+          </a:effectRef>
+          <a:fontRef idx="minor">
+            <a:schemeClr val="lt1"/>
+          </a:fontRef>
+        </p:style>
+        <p:txBody>
+          <a:bodyPr rtlCol="0" anchor="ctr"/>
+          <a:lstStyle/>
+          <a:p>
+            <a:pPr algn="ctr"/>
+            <a:endParaRPr lang="en-US"/>
+          </a:p>
+        </p:txBody>
+      </p:sp>
+      <mc:AlternateContent xmlns:mc="http://schemas.openxmlformats.org/markup-compatibility/2006">
+        <mc:Choice xmlns:a14="http://schemas.microsoft.com/office/drawing/2010/main" Requires="a14">
+          <p:sp>
+            <p:nvSpPr>
+              <p:cNvPr id="66" name="TextBox 65">
+                <a:extLst>
+                  <a:ext uri="{FF2B5EF4-FFF2-40B4-BE49-F238E27FC236}">
+                    <a16:creationId xmlns:a16="http://schemas.microsoft.com/office/drawing/2014/main" id="{C8A2958B-F7E0-8D43-1E37-2A7AC017332E}"/>
+                  </a:ext>
+                </a:extLst>
+              </p:cNvPr>
+              <p:cNvSpPr txBox="1"/>
+              <p:nvPr/>
+            </p:nvSpPr>
+            <p:spPr>
+              <a:xfrm>
+                <a:off x="2197165" y="3410610"/>
+                <a:ext cx="245195" cy="276999"/>
+              </a:xfrm>
+              <a:prstGeom prst="rect">
+                <a:avLst/>
+              </a:prstGeom>
+              <a:noFill/>
+            </p:spPr>
+            <p:txBody>
+              <a:bodyPr wrap="none" lIns="0" tIns="0" rIns="0" bIns="0" rtlCol="0">
+                <a:spAutoFit/>
+              </a:bodyPr>
+              <a:lstStyle/>
+              <a:p>
+                <a14:m>
+                  <m:oMathPara xmlns:m="http://schemas.openxmlformats.org/officeDocument/2006/math">
+                    <m:oMathParaPr>
+                      <m:jc m:val="centerGroup"/>
+                    </m:oMathParaPr>
+                    <m:oMath xmlns:m="http://schemas.openxmlformats.org/officeDocument/2006/math">
+                      <m:sSub>
+                        <m:sSubPr>
+                          <m:ctrlPr>
+                            <a:rPr lang="en-US" b="0" i="1" smtClean="0">
+                              <a:latin typeface="Cambria Math" panose="02040503050406030204" pitchFamily="18" charset="0"/>
+                            </a:rPr>
+                          </m:ctrlPr>
+                        </m:sSubPr>
+                        <m:e>
+                          <m:r>
+                            <a:rPr lang="en-US" b="0" i="1" smtClean="0">
+                              <a:latin typeface="Cambria Math" panose="02040503050406030204" pitchFamily="18" charset="0"/>
+                            </a:rPr>
+                            <m:t>𝑆</m:t>
+                          </m:r>
+                        </m:e>
+                        <m:sub>
+                          <m:r>
+                            <a:rPr lang="en-US" b="0" i="1" smtClean="0">
+                              <a:latin typeface="Cambria Math" panose="02040503050406030204" pitchFamily="18" charset="0"/>
+                            </a:rPr>
+                            <m:t>𝐼</m:t>
+                          </m:r>
+                        </m:sub>
+                      </m:sSub>
+                    </m:oMath>
+                  </m:oMathPara>
+                </a14:m>
+                <a:endParaRPr lang="en-US" dirty="0"/>
+              </a:p>
+            </p:txBody>
+          </p:sp>
+        </mc:Choice>
+        <mc:Fallback>
+          <p:sp>
+            <p:nvSpPr>
+              <p:cNvPr id="66" name="TextBox 65">
+                <a:extLst>
+                  <a:ext uri="{FF2B5EF4-FFF2-40B4-BE49-F238E27FC236}">
+                    <a16:creationId xmlns:a16="http://schemas.microsoft.com/office/drawing/2014/main" id="{C8A2958B-F7E0-8D43-1E37-2A7AC017332E}"/>
+                  </a:ext>
+                </a:extLst>
+              </p:cNvPr>
+              <p:cNvSpPr txBox="1">
+                <a:spLocks noRot="1" noChangeAspect="1" noMove="1" noResize="1" noEditPoints="1" noAdjustHandles="1" noChangeArrowheads="1" noChangeShapeType="1" noTextEdit="1"/>
+              </p:cNvSpPr>
+              <p:nvPr/>
+            </p:nvSpPr>
+            <p:spPr>
+              <a:xfrm>
+                <a:off x="2197165" y="3410610"/>
+                <a:ext cx="245195" cy="276999"/>
+              </a:xfrm>
+              <a:prstGeom prst="rect">
+                <a:avLst/>
+              </a:prstGeom>
+              <a:blipFill>
+                <a:blip r:embed="rId8"/>
+                <a:stretch>
+                  <a:fillRect l="-19048" r="-4762" b="-13043"/>
+                </a:stretch>
+              </a:blipFill>
+            </p:spPr>
+            <p:txBody>
+              <a:bodyPr/>
+              <a:lstStyle/>
+              <a:p>
+                <a:r>
+                  <a:rPr lang="en-US">
+                    <a:noFill/>
+                  </a:rPr>
+                  <a:t> </a:t>
+                </a:r>
+              </a:p>
+            </p:txBody>
+          </p:sp>
+        </mc:Fallback>
+      </mc:AlternateContent>
+      <p:cxnSp>
+        <p:nvCxnSpPr>
+          <p:cNvPr id="78" name="Straight Arrow Connector 77">
+            <a:extLst>
+              <a:ext uri="{FF2B5EF4-FFF2-40B4-BE49-F238E27FC236}">
+                <a16:creationId xmlns:a16="http://schemas.microsoft.com/office/drawing/2014/main" id="{C37FD6ED-B723-42FF-5B4E-CA928633D11D}"/>
+              </a:ext>
+            </a:extLst>
+          </p:cNvPr>
+          <p:cNvCxnSpPr>
+            <a:cxnSpLocks/>
+            <a:endCxn id="83" idx="0"/>
+          </p:cNvCxnSpPr>
+          <p:nvPr/>
+        </p:nvCxnSpPr>
+        <p:spPr>
+          <a:xfrm>
+            <a:off x="5983192" y="3751521"/>
+            <a:ext cx="0" cy="333789"/>
+          </a:xfrm>
+          <a:prstGeom prst="straightConnector1">
+            <a:avLst/>
+          </a:prstGeom>
+          <a:ln w="19050">
+            <a:solidFill>
+              <a:srgbClr val="0070C0"/>
+            </a:solidFill>
+            <a:tailEnd type="triangle"/>
+          </a:ln>
+        </p:spPr>
+        <p:style>
+          <a:lnRef idx="1">
+            <a:schemeClr val="accent1"/>
+          </a:lnRef>
+          <a:fillRef idx="0">
+            <a:schemeClr val="accent1"/>
+          </a:fillRef>
+          <a:effectRef idx="0">
+            <a:schemeClr val="accent1"/>
+          </a:effectRef>
+          <a:fontRef idx="minor">
+            <a:schemeClr val="tx1"/>
+          </a:fontRef>
+        </p:style>
+      </p:cxnSp>
+      <mc:AlternateContent xmlns:mc="http://schemas.openxmlformats.org/markup-compatibility/2006">
+        <mc:Choice xmlns:a14="http://schemas.microsoft.com/office/drawing/2010/main" Requires="a14">
+          <p:sp>
+            <p:nvSpPr>
+              <p:cNvPr id="83" name="TextBox 82">
+                <a:extLst>
+                  <a:ext uri="{FF2B5EF4-FFF2-40B4-BE49-F238E27FC236}">
+                    <a16:creationId xmlns:a16="http://schemas.microsoft.com/office/drawing/2014/main" id="{A333496A-DB0F-838C-DC04-9CC4FA4B87E1}"/>
+                  </a:ext>
+                </a:extLst>
+              </p:cNvPr>
+              <p:cNvSpPr txBox="1"/>
+              <p:nvPr/>
+            </p:nvSpPr>
+            <p:spPr>
+              <a:xfrm>
+                <a:off x="5884607" y="4085310"/>
+                <a:ext cx="197169" cy="276999"/>
+              </a:xfrm>
+              <a:prstGeom prst="rect">
+                <a:avLst/>
+              </a:prstGeom>
+              <a:noFill/>
+            </p:spPr>
+            <p:txBody>
+              <a:bodyPr wrap="none" lIns="0" tIns="0" rIns="0" bIns="0" rtlCol="0">
+                <a:spAutoFit/>
+              </a:bodyPr>
+              <a:lstStyle/>
+              <a:p>
+                <a14:m>
+                  <m:oMathPara xmlns:m="http://schemas.openxmlformats.org/officeDocument/2006/math">
+                    <m:oMathParaPr>
+                      <m:jc m:val="centerGroup"/>
+                    </m:oMathParaPr>
+                    <m:oMath xmlns:m="http://schemas.openxmlformats.org/officeDocument/2006/math">
+                      <m:r>
+                        <a:rPr lang="en-US" i="1" smtClean="0">
+                          <a:latin typeface="Cambria Math" panose="02040503050406030204" pitchFamily="18" charset="0"/>
+                          <a:ea typeface="Cambria Math" panose="02040503050406030204" pitchFamily="18" charset="0"/>
+                        </a:rPr>
+                        <m:t>∅</m:t>
+                      </m:r>
+                    </m:oMath>
+                  </m:oMathPara>
+                </a14:m>
+                <a:endParaRPr lang="en-US" dirty="0"/>
+              </a:p>
+            </p:txBody>
+          </p:sp>
+        </mc:Choice>
+        <mc:Fallback>
+          <p:sp>
+            <p:nvSpPr>
+              <p:cNvPr id="83" name="TextBox 82">
+                <a:extLst>
+                  <a:ext uri="{FF2B5EF4-FFF2-40B4-BE49-F238E27FC236}">
+                    <a16:creationId xmlns:a16="http://schemas.microsoft.com/office/drawing/2014/main" id="{A333496A-DB0F-838C-DC04-9CC4FA4B87E1}"/>
+                  </a:ext>
+                </a:extLst>
+              </p:cNvPr>
+              <p:cNvSpPr txBox="1">
+                <a:spLocks noRot="1" noChangeAspect="1" noMove="1" noResize="1" noEditPoints="1" noAdjustHandles="1" noChangeArrowheads="1" noChangeShapeType="1" noTextEdit="1"/>
+              </p:cNvSpPr>
+              <p:nvPr/>
+            </p:nvSpPr>
+            <p:spPr>
+              <a:xfrm>
+                <a:off x="5884607" y="4085310"/>
+                <a:ext cx="197169" cy="276999"/>
+              </a:xfrm>
+              <a:prstGeom prst="rect">
+                <a:avLst/>
+              </a:prstGeom>
+              <a:blipFill>
+                <a:blip r:embed="rId9"/>
+                <a:stretch>
+                  <a:fillRect l="-35294" r="-29412" b="-21739"/>
+                </a:stretch>
+              </a:blipFill>
+            </p:spPr>
+            <p:txBody>
+              <a:bodyPr/>
+              <a:lstStyle/>
+              <a:p>
+                <a:r>
+                  <a:rPr lang="en-US">
+                    <a:noFill/>
+                  </a:rPr>
+                  <a:t> </a:t>
+                </a:r>
+              </a:p>
+            </p:txBody>
+          </p:sp>
+        </mc:Fallback>
+      </mc:AlternateContent>
+      <mc:AlternateContent xmlns:mc="http://schemas.openxmlformats.org/markup-compatibility/2006">
+        <mc:Choice xmlns:a14="http://schemas.microsoft.com/office/drawing/2010/main" Requires="a14">
+          <p:sp>
+            <p:nvSpPr>
+              <p:cNvPr id="84" name="TextBox 83">
+                <a:extLst>
+                  <a:ext uri="{FF2B5EF4-FFF2-40B4-BE49-F238E27FC236}">
+                    <a16:creationId xmlns:a16="http://schemas.microsoft.com/office/drawing/2014/main" id="{1EB25DCB-6FB6-E5A0-B790-6A52A16EE832}"/>
+                  </a:ext>
+                </a:extLst>
+              </p:cNvPr>
+              <p:cNvSpPr txBox="1"/>
+              <p:nvPr/>
+            </p:nvSpPr>
+            <p:spPr>
+              <a:xfrm>
+                <a:off x="6041917" y="3753471"/>
+                <a:ext cx="281552" cy="276999"/>
+              </a:xfrm>
+              <a:prstGeom prst="rect">
+                <a:avLst/>
+              </a:prstGeom>
+              <a:noFill/>
+            </p:spPr>
+            <p:txBody>
+              <a:bodyPr wrap="square" lIns="0" tIns="0" rIns="0" bIns="0" rtlCol="0">
+                <a:spAutoFit/>
+              </a:bodyPr>
+              <a:lstStyle/>
+              <a:p>
+                <a14:m>
+                  <m:oMathPara xmlns:m="http://schemas.openxmlformats.org/officeDocument/2006/math">
+                    <m:oMathParaPr>
+                      <m:jc m:val="centerGroup"/>
+                    </m:oMathParaPr>
+                    <m:oMath xmlns:m="http://schemas.openxmlformats.org/officeDocument/2006/math">
+                      <m:sSub>
+                        <m:sSubPr>
+                          <m:ctrlPr>
+                            <a:rPr lang="en-US" b="0" i="1" smtClean="0">
+                              <a:latin typeface="Cambria Math" panose="02040503050406030204" pitchFamily="18" charset="0"/>
+                            </a:rPr>
+                          </m:ctrlPr>
+                        </m:sSubPr>
+                        <m:e>
+                          <m:r>
+                            <a:rPr lang="en-US" b="0" i="1" smtClean="0">
+                              <a:latin typeface="Cambria Math" panose="02040503050406030204" pitchFamily="18" charset="0"/>
+                            </a:rPr>
+                            <m:t>𝑘</m:t>
+                          </m:r>
+                        </m:e>
+                        <m:sub>
+                          <m:r>
+                            <a:rPr lang="en-US" b="0" i="1" smtClean="0">
+                              <a:latin typeface="Cambria Math" panose="02040503050406030204" pitchFamily="18" charset="0"/>
+                            </a:rPr>
+                            <m:t>3</m:t>
+                          </m:r>
+                        </m:sub>
+                      </m:sSub>
+                    </m:oMath>
+                  </m:oMathPara>
+                </a14:m>
+                <a:endParaRPr lang="en-US" dirty="0"/>
+              </a:p>
+            </p:txBody>
+          </p:sp>
+        </mc:Choice>
+        <mc:Fallback>
+          <p:sp>
+            <p:nvSpPr>
+              <p:cNvPr id="84" name="TextBox 83">
+                <a:extLst>
+                  <a:ext uri="{FF2B5EF4-FFF2-40B4-BE49-F238E27FC236}">
+                    <a16:creationId xmlns:a16="http://schemas.microsoft.com/office/drawing/2014/main" id="{1EB25DCB-6FB6-E5A0-B790-6A52A16EE832}"/>
+                  </a:ext>
+                </a:extLst>
+              </p:cNvPr>
+              <p:cNvSpPr txBox="1">
+                <a:spLocks noRot="1" noChangeAspect="1" noMove="1" noResize="1" noEditPoints="1" noAdjustHandles="1" noChangeArrowheads="1" noChangeShapeType="1" noTextEdit="1"/>
+              </p:cNvSpPr>
+              <p:nvPr/>
+            </p:nvSpPr>
+            <p:spPr>
+              <a:xfrm>
+                <a:off x="6041917" y="3753471"/>
+                <a:ext cx="281552" cy="276999"/>
+              </a:xfrm>
+              <a:prstGeom prst="rect">
+                <a:avLst/>
+              </a:prstGeom>
+              <a:blipFill>
+                <a:blip r:embed="rId10"/>
+                <a:stretch>
+                  <a:fillRect l="-21739" r="-8696" b="-13043"/>
+                </a:stretch>
+              </a:blipFill>
+            </p:spPr>
+            <p:txBody>
+              <a:bodyPr/>
+              <a:lstStyle/>
+              <a:p>
+                <a:r>
+                  <a:rPr lang="en-US">
+                    <a:noFill/>
+                  </a:rPr>
+                  <a:t> </a:t>
+                </a:r>
+              </a:p>
+            </p:txBody>
+          </p:sp>
+        </mc:Fallback>
+      </mc:AlternateContent>
+      <p:sp>
+        <p:nvSpPr>
+          <p:cNvPr id="86" name="Title 85">
+            <a:extLst>
+              <a:ext uri="{FF2B5EF4-FFF2-40B4-BE49-F238E27FC236}">
+                <a16:creationId xmlns:a16="http://schemas.microsoft.com/office/drawing/2014/main" id="{52A30558-4A7C-340E-B8A4-599A1D03098C}"/>
+              </a:ext>
+            </a:extLst>
+          </p:cNvPr>
+          <p:cNvSpPr>
+            <a:spLocks noGrp="1"/>
+          </p:cNvSpPr>
+          <p:nvPr>
+            <p:ph type="title"/>
+          </p:nvPr>
+        </p:nvSpPr>
+        <p:spPr/>
+        <p:txBody>
+          <a:bodyPr/>
+          <a:lstStyle/>
+          <a:p>
+            <a:r>
+              <a:rPr lang="en-US" dirty="0"/>
+              <a:t>Fork-Join Rev 2</a:t>
+            </a:r>
+          </a:p>
+        </p:txBody>
+      </p:sp>
+      <p:cxnSp>
+        <p:nvCxnSpPr>
+          <p:cNvPr id="95" name="Straight Arrow Connector 94">
+            <a:extLst>
+              <a:ext uri="{FF2B5EF4-FFF2-40B4-BE49-F238E27FC236}">
+                <a16:creationId xmlns:a16="http://schemas.microsoft.com/office/drawing/2014/main" id="{368B1C18-C27E-F3E2-DB68-01E3D2FBEA9B}"/>
+              </a:ext>
+            </a:extLst>
+          </p:cNvPr>
+          <p:cNvCxnSpPr>
+            <a:cxnSpLocks/>
+            <a:stCxn id="66" idx="3"/>
+          </p:cNvCxnSpPr>
+          <p:nvPr/>
+        </p:nvCxnSpPr>
+        <p:spPr>
+          <a:xfrm>
+            <a:off x="2442360" y="3549110"/>
+            <a:ext cx="1174814" cy="752164"/>
+          </a:xfrm>
+          <a:prstGeom prst="straightConnector1">
+            <a:avLst/>
+          </a:prstGeom>
+          <a:ln w="19050">
+            <a:solidFill>
+              <a:srgbClr val="0070C0"/>
+            </a:solidFill>
+            <a:tailEnd type="triangle"/>
+          </a:ln>
+        </p:spPr>
+        <p:style>
+          <a:lnRef idx="1">
+            <a:schemeClr val="accent1"/>
+          </a:lnRef>
+          <a:fillRef idx="0">
+            <a:schemeClr val="accent1"/>
+          </a:fillRef>
+          <a:effectRef idx="0">
+            <a:schemeClr val="accent1"/>
+          </a:effectRef>
+          <a:fontRef idx="minor">
+            <a:schemeClr val="tx1"/>
+          </a:fontRef>
+        </p:style>
+      </p:cxnSp>
+      <mc:AlternateContent xmlns:mc="http://schemas.openxmlformats.org/markup-compatibility/2006">
+        <mc:Choice xmlns:a14="http://schemas.microsoft.com/office/drawing/2010/main" Requires="a14">
+          <p:sp>
+            <p:nvSpPr>
+              <p:cNvPr id="98" name="TextBox 97">
+                <a:extLst>
+                  <a:ext uri="{FF2B5EF4-FFF2-40B4-BE49-F238E27FC236}">
+                    <a16:creationId xmlns:a16="http://schemas.microsoft.com/office/drawing/2014/main" id="{C460A637-B205-D2DF-34B6-BBD86031CE3C}"/>
+                  </a:ext>
+                </a:extLst>
+              </p:cNvPr>
+              <p:cNvSpPr txBox="1"/>
+              <p:nvPr/>
+            </p:nvSpPr>
+            <p:spPr>
+              <a:xfrm>
+                <a:off x="3003739" y="4048440"/>
+                <a:ext cx="281552" cy="280846"/>
+              </a:xfrm>
+              <a:prstGeom prst="rect">
+                <a:avLst/>
+              </a:prstGeom>
+              <a:noFill/>
+            </p:spPr>
+            <p:txBody>
+              <a:bodyPr wrap="square" lIns="0" tIns="0" rIns="0" bIns="0" rtlCol="0">
+                <a:spAutoFit/>
+              </a:bodyPr>
+              <a:lstStyle/>
+              <a:p>
+                <a14:m>
+                  <m:oMathPara xmlns:m="http://schemas.openxmlformats.org/officeDocument/2006/math">
+                    <m:oMathParaPr>
+                      <m:jc m:val="centerGroup"/>
+                    </m:oMathParaPr>
+                    <m:oMath xmlns:m="http://schemas.openxmlformats.org/officeDocument/2006/math">
+                      <m:sSubSup>
+                        <m:sSubSupPr>
+                          <m:ctrlPr>
+                            <a:rPr lang="en-US" b="0" i="1" smtClean="0">
+                              <a:latin typeface="Cambria Math" panose="02040503050406030204" pitchFamily="18" charset="0"/>
+                            </a:rPr>
+                          </m:ctrlPr>
+                        </m:sSubSupPr>
+                        <m:e>
+                          <m:r>
+                            <a:rPr lang="en-US" b="0" i="1" smtClean="0">
+                              <a:latin typeface="Cambria Math" panose="02040503050406030204" pitchFamily="18" charset="0"/>
+                            </a:rPr>
+                            <m:t>𝑘</m:t>
+                          </m:r>
+                        </m:e>
+                        <m:sub>
+                          <m:r>
+                            <a:rPr lang="en-US" b="0" i="1" smtClean="0">
+                              <a:latin typeface="Cambria Math" panose="02040503050406030204" pitchFamily="18" charset="0"/>
+                            </a:rPr>
+                            <m:t>1</m:t>
+                          </m:r>
+                        </m:sub>
+                        <m:sup>
+                          <m:r>
+                            <a:rPr lang="en-US" b="0" i="1" smtClean="0">
+                              <a:latin typeface="Cambria Math" panose="02040503050406030204" pitchFamily="18" charset="0"/>
+                            </a:rPr>
+                            <m:t>𝐵</m:t>
+                          </m:r>
+                        </m:sup>
+                      </m:sSubSup>
+                    </m:oMath>
+                  </m:oMathPara>
+                </a14:m>
+                <a:endParaRPr lang="en-US" dirty="0"/>
+              </a:p>
+            </p:txBody>
+          </p:sp>
+        </mc:Choice>
+        <mc:Fallback>
+          <p:sp>
+            <p:nvSpPr>
+              <p:cNvPr id="98" name="TextBox 97">
+                <a:extLst>
+                  <a:ext uri="{FF2B5EF4-FFF2-40B4-BE49-F238E27FC236}">
+                    <a16:creationId xmlns:a16="http://schemas.microsoft.com/office/drawing/2014/main" id="{C460A637-B205-D2DF-34B6-BBD86031CE3C}"/>
+                  </a:ext>
+                </a:extLst>
+              </p:cNvPr>
+              <p:cNvSpPr txBox="1">
+                <a:spLocks noRot="1" noChangeAspect="1" noMove="1" noResize="1" noEditPoints="1" noAdjustHandles="1" noChangeArrowheads="1" noChangeShapeType="1" noTextEdit="1"/>
+              </p:cNvSpPr>
+              <p:nvPr/>
+            </p:nvSpPr>
+            <p:spPr>
+              <a:xfrm>
+                <a:off x="3003739" y="4048440"/>
+                <a:ext cx="281552" cy="280846"/>
+              </a:xfrm>
+              <a:prstGeom prst="rect">
+                <a:avLst/>
+              </a:prstGeom>
+              <a:blipFill>
+                <a:blip r:embed="rId11"/>
+                <a:stretch>
+                  <a:fillRect l="-26087" r="-13043" b="-17391"/>
+                </a:stretch>
+              </a:blipFill>
+            </p:spPr>
+            <p:txBody>
+              <a:bodyPr/>
+              <a:lstStyle/>
+              <a:p>
+                <a:r>
+                  <a:rPr lang="en-US">
+                    <a:noFill/>
+                  </a:rPr>
+                  <a:t> </a:t>
+                </a:r>
+              </a:p>
+            </p:txBody>
+          </p:sp>
+        </mc:Fallback>
+      </mc:AlternateContent>
+      <p:cxnSp>
+        <p:nvCxnSpPr>
+          <p:cNvPr id="100" name="Straight Arrow Connector 99">
+            <a:extLst>
+              <a:ext uri="{FF2B5EF4-FFF2-40B4-BE49-F238E27FC236}">
+                <a16:creationId xmlns:a16="http://schemas.microsoft.com/office/drawing/2014/main" id="{1622531B-AE69-090E-54B0-9F56EAEBBCD9}"/>
+              </a:ext>
+            </a:extLst>
+          </p:cNvPr>
+          <p:cNvCxnSpPr>
+            <a:cxnSpLocks/>
+            <a:stCxn id="18" idx="3"/>
+            <a:endCxn id="40" idx="1"/>
+          </p:cNvCxnSpPr>
+          <p:nvPr/>
+        </p:nvCxnSpPr>
+        <p:spPr>
+          <a:xfrm flipV="1">
+            <a:off x="4727949" y="3613022"/>
+            <a:ext cx="1164672" cy="710968"/>
+          </a:xfrm>
+          <a:prstGeom prst="straightConnector1">
+            <a:avLst/>
+          </a:prstGeom>
+          <a:ln w="19050">
+            <a:solidFill>
+              <a:srgbClr val="0070C0"/>
+            </a:solidFill>
+            <a:tailEnd type="triangle"/>
+          </a:ln>
+        </p:spPr>
+        <p:style>
+          <a:lnRef idx="1">
+            <a:schemeClr val="accent1"/>
+          </a:lnRef>
+          <a:fillRef idx="0">
+            <a:schemeClr val="accent1"/>
+          </a:fillRef>
+          <a:effectRef idx="0">
+            <a:schemeClr val="accent1"/>
+          </a:effectRef>
+          <a:fontRef idx="minor">
+            <a:schemeClr val="tx1"/>
+          </a:fontRef>
+        </p:style>
+      </p:cxnSp>
+      <mc:AlternateContent xmlns:mc="http://schemas.openxmlformats.org/markup-compatibility/2006">
+        <mc:Choice xmlns:a14="http://schemas.microsoft.com/office/drawing/2010/main" Requires="a14">
+          <p:sp>
+            <p:nvSpPr>
+              <p:cNvPr id="103" name="TextBox 102">
+                <a:extLst>
+                  <a:ext uri="{FF2B5EF4-FFF2-40B4-BE49-F238E27FC236}">
+                    <a16:creationId xmlns:a16="http://schemas.microsoft.com/office/drawing/2014/main" id="{85FB74B0-116C-7ECB-1600-0C612BE3F084}"/>
+                  </a:ext>
+                </a:extLst>
+              </p:cNvPr>
+              <p:cNvSpPr txBox="1"/>
+              <p:nvPr/>
+            </p:nvSpPr>
+            <p:spPr>
+              <a:xfrm>
+                <a:off x="5388072" y="4077934"/>
+                <a:ext cx="281552" cy="283667"/>
+              </a:xfrm>
+              <a:prstGeom prst="rect">
+                <a:avLst/>
+              </a:prstGeom>
+              <a:noFill/>
+            </p:spPr>
+            <p:txBody>
+              <a:bodyPr wrap="square" lIns="0" tIns="0" rIns="0" bIns="0" rtlCol="0">
+                <a:spAutoFit/>
+              </a:bodyPr>
+              <a:lstStyle/>
+              <a:p>
+                <a14:m>
+                  <m:oMathPara xmlns:m="http://schemas.openxmlformats.org/officeDocument/2006/math">
+                    <m:oMathParaPr>
+                      <m:jc m:val="centerGroup"/>
+                    </m:oMathParaPr>
+                    <m:oMath xmlns:m="http://schemas.openxmlformats.org/officeDocument/2006/math">
+                      <m:sSubSup>
+                        <m:sSubSupPr>
+                          <m:ctrlPr>
+                            <a:rPr lang="en-US" b="0" i="1" smtClean="0">
+                              <a:latin typeface="Cambria Math" panose="02040503050406030204" pitchFamily="18" charset="0"/>
+                            </a:rPr>
+                          </m:ctrlPr>
+                        </m:sSubSupPr>
+                        <m:e>
+                          <m:r>
+                            <a:rPr lang="en-US" b="0" i="1" smtClean="0">
+                              <a:latin typeface="Cambria Math" panose="02040503050406030204" pitchFamily="18" charset="0"/>
+                            </a:rPr>
+                            <m:t>𝑘</m:t>
+                          </m:r>
+                        </m:e>
+                        <m:sub>
+                          <m:r>
+                            <a:rPr lang="en-US" b="0" i="1" smtClean="0">
+                              <a:latin typeface="Cambria Math" panose="02040503050406030204" pitchFamily="18" charset="0"/>
+                            </a:rPr>
+                            <m:t>2</m:t>
+                          </m:r>
+                        </m:sub>
+                        <m:sup>
+                          <m:r>
+                            <a:rPr lang="en-US" b="0" i="1" smtClean="0">
+                              <a:latin typeface="Cambria Math" panose="02040503050406030204" pitchFamily="18" charset="0"/>
+                            </a:rPr>
+                            <m:t>𝐵</m:t>
+                          </m:r>
+                        </m:sup>
+                      </m:sSubSup>
+                    </m:oMath>
+                  </m:oMathPara>
+                </a14:m>
+                <a:endParaRPr lang="en-US" dirty="0"/>
+              </a:p>
+            </p:txBody>
+          </p:sp>
+        </mc:Choice>
+        <mc:Fallback>
+          <p:sp>
+            <p:nvSpPr>
+              <p:cNvPr id="103" name="TextBox 102">
+                <a:extLst>
+                  <a:ext uri="{FF2B5EF4-FFF2-40B4-BE49-F238E27FC236}">
+                    <a16:creationId xmlns:a16="http://schemas.microsoft.com/office/drawing/2014/main" id="{85FB74B0-116C-7ECB-1600-0C612BE3F084}"/>
+                  </a:ext>
+                </a:extLst>
+              </p:cNvPr>
+              <p:cNvSpPr txBox="1">
+                <a:spLocks noRot="1" noChangeAspect="1" noMove="1" noResize="1" noEditPoints="1" noAdjustHandles="1" noChangeArrowheads="1" noChangeShapeType="1" noTextEdit="1"/>
+              </p:cNvSpPr>
+              <p:nvPr/>
+            </p:nvSpPr>
+            <p:spPr>
+              <a:xfrm>
+                <a:off x="5388072" y="4077934"/>
+                <a:ext cx="281552" cy="283667"/>
+              </a:xfrm>
+              <a:prstGeom prst="rect">
+                <a:avLst/>
+              </a:prstGeom>
+              <a:blipFill>
+                <a:blip r:embed="rId12"/>
+                <a:stretch>
+                  <a:fillRect l="-26087" r="-8696" b="-13043"/>
+                </a:stretch>
+              </a:blipFill>
+            </p:spPr>
+            <p:txBody>
+              <a:bodyPr/>
+              <a:lstStyle/>
+              <a:p>
+                <a:r>
+                  <a:rPr lang="en-US">
+                    <a:noFill/>
+                  </a:rPr>
+                  <a:t> </a:t>
+                </a:r>
+              </a:p>
+            </p:txBody>
+          </p:sp>
+        </mc:Fallback>
+      </mc:AlternateContent>
+      <p:grpSp>
+        <p:nvGrpSpPr>
+          <p:cNvPr id="17" name="Group 16">
+            <a:extLst>
+              <a:ext uri="{FF2B5EF4-FFF2-40B4-BE49-F238E27FC236}">
+                <a16:creationId xmlns:a16="http://schemas.microsoft.com/office/drawing/2014/main" id="{97F2F9B3-4E4B-10B5-7A1D-604320DB255C}"/>
+              </a:ext>
+            </a:extLst>
+          </p:cNvPr>
+          <p:cNvGrpSpPr/>
+          <p:nvPr/>
+        </p:nvGrpSpPr>
+        <p:grpSpPr>
+          <a:xfrm>
+            <a:off x="3675898" y="3966904"/>
+            <a:ext cx="1052051" cy="714171"/>
+            <a:chOff x="3755923" y="2433146"/>
+            <a:chExt cx="1052051" cy="714171"/>
+          </a:xfrm>
+        </p:grpSpPr>
+        <p:sp>
+          <p:nvSpPr>
+            <p:cNvPr id="18" name="Rectangle 17">
+              <a:extLst>
+                <a:ext uri="{FF2B5EF4-FFF2-40B4-BE49-F238E27FC236}">
+                  <a16:creationId xmlns:a16="http://schemas.microsoft.com/office/drawing/2014/main" id="{C0A8295F-80FB-5C5C-54B3-F12F5C7EE227}"/>
+                </a:ext>
+              </a:extLst>
+            </p:cNvPr>
+            <p:cNvSpPr/>
+            <p:nvPr/>
+          </p:nvSpPr>
+          <p:spPr>
+            <a:xfrm>
+              <a:off x="3755923" y="2433146"/>
+              <a:ext cx="1052051" cy="714171"/>
+            </a:xfrm>
+            <a:prstGeom prst="rect">
+              <a:avLst/>
+            </a:prstGeom>
+          </p:spPr>
+          <p:style>
+            <a:lnRef idx="2">
+              <a:schemeClr val="accent1">
+                <a:shade val="15000"/>
+              </a:schemeClr>
+            </a:lnRef>
+            <a:fillRef idx="1">
+              <a:schemeClr val="accent1"/>
+            </a:fillRef>
+            <a:effectRef idx="0">
+              <a:schemeClr val="accent1"/>
+            </a:effectRef>
+            <a:fontRef idx="minor">
+              <a:schemeClr val="lt1"/>
+            </a:fontRef>
+          </p:style>
+          <p:txBody>
+            <a:bodyPr rtlCol="0" anchor="ctr"/>
+            <a:lstStyle/>
+            <a:p>
+              <a:pPr algn="ctr"/>
+              <a:endParaRPr lang="en-US" dirty="0"/>
+            </a:p>
+          </p:txBody>
+        </p:sp>
+        <mc:AlternateContent xmlns:mc="http://schemas.openxmlformats.org/markup-compatibility/2006">
+          <mc:Choice xmlns:a14="http://schemas.microsoft.com/office/drawing/2010/main" Requires="a14">
+            <p:sp>
+              <p:nvSpPr>
+                <p:cNvPr id="19" name="TextBox 18">
+                  <a:extLst>
+                    <a:ext uri="{FF2B5EF4-FFF2-40B4-BE49-F238E27FC236}">
+                      <a16:creationId xmlns:a16="http://schemas.microsoft.com/office/drawing/2014/main" id="{957F1ADF-49A1-F74B-FE4F-63F6B0ACEF31}"/>
+                    </a:ext>
+                  </a:extLst>
+                </p:cNvPr>
+                <p:cNvSpPr txBox="1"/>
+                <p:nvPr/>
+              </p:nvSpPr>
+              <p:spPr>
+                <a:xfrm>
+                  <a:off x="4048800" y="2470574"/>
+                  <a:ext cx="571182" cy="246221"/>
+                </a:xfrm>
+                <a:prstGeom prst="rect">
+                  <a:avLst/>
+                </a:prstGeom>
+                <a:noFill/>
+              </p:spPr>
+              <p:txBody>
+                <a:bodyPr wrap="none" lIns="0" tIns="0" rIns="0" bIns="0" rtlCol="0">
+                  <a:spAutoFit/>
+                </a:bodyPr>
+                <a:lstStyle/>
+                <a:p>
+                  <a14:m>
+                    <m:oMathPara xmlns:m="http://schemas.openxmlformats.org/officeDocument/2006/math">
+                      <m:oMathParaPr>
+                        <m:jc m:val="centerGroup"/>
+                      </m:oMathParaPr>
+                      <m:oMath xmlns:m="http://schemas.openxmlformats.org/officeDocument/2006/math">
+                        <m:sSup>
+                          <m:sSupPr>
+                            <m:ctrlPr>
+                              <a:rPr lang="en-US" sz="1600" b="0" i="1" smtClean="0">
+                                <a:solidFill>
+                                  <a:schemeClr val="bg1"/>
+                                </a:solidFill>
+                                <a:latin typeface="Cambria Math" panose="02040503050406030204" pitchFamily="18" charset="0"/>
+                              </a:rPr>
+                            </m:ctrlPr>
+                          </m:sSupPr>
+                          <m:e>
+                            <m:r>
+                              <a:rPr lang="en-US" sz="1600" b="0" i="1" smtClean="0">
+                                <a:solidFill>
+                                  <a:schemeClr val="bg1"/>
+                                </a:solidFill>
+                                <a:latin typeface="Cambria Math" panose="02040503050406030204" pitchFamily="18" charset="0"/>
+                              </a:rPr>
+                              <m:t>𝐺</m:t>
+                            </m:r>
+                          </m:e>
+                          <m:sup>
+                            <m:r>
+                              <a:rPr lang="en-US" sz="1600" b="0" i="1" smtClean="0">
+                                <a:solidFill>
+                                  <a:schemeClr val="bg1"/>
+                                </a:solidFill>
+                                <a:latin typeface="Cambria Math" panose="02040503050406030204" pitchFamily="18" charset="0"/>
+                              </a:rPr>
+                              <m:t>𝐵</m:t>
+                            </m:r>
+                          </m:sup>
+                        </m:sSup>
+                        <m:r>
+                          <a:rPr lang="en-US" sz="1600" b="0" i="1" smtClean="0">
+                            <a:solidFill>
+                              <a:schemeClr val="bg1"/>
+                            </a:solidFill>
+                            <a:latin typeface="Cambria Math" panose="02040503050406030204" pitchFamily="18" charset="0"/>
+                          </a:rPr>
+                          <m:t>(</m:t>
+                        </m:r>
+                        <m:r>
+                          <a:rPr lang="en-US" sz="1600" b="0" i="1" smtClean="0">
+                            <a:solidFill>
+                              <a:schemeClr val="bg1"/>
+                            </a:solidFill>
+                            <a:latin typeface="Cambria Math" panose="02040503050406030204" pitchFamily="18" charset="0"/>
+                          </a:rPr>
+                          <m:t>𝑠</m:t>
+                        </m:r>
+                        <m:r>
+                          <a:rPr lang="en-US" sz="1600" b="0" i="1" smtClean="0">
+                            <a:solidFill>
+                              <a:schemeClr val="bg1"/>
+                            </a:solidFill>
+                            <a:latin typeface="Cambria Math" panose="02040503050406030204" pitchFamily="18" charset="0"/>
+                          </a:rPr>
+                          <m:t>)</m:t>
+                        </m:r>
+                      </m:oMath>
+                    </m:oMathPara>
+                  </a14:m>
+                  <a:endParaRPr lang="en-US" sz="1600" dirty="0">
+                    <a:solidFill>
+                      <a:schemeClr val="bg1"/>
+                    </a:solidFill>
+                  </a:endParaRPr>
+                </a:p>
+              </p:txBody>
+            </p:sp>
+          </mc:Choice>
+          <mc:Fallback>
+            <p:sp>
+              <p:nvSpPr>
+                <p:cNvPr id="19" name="TextBox 18">
+                  <a:extLst>
+                    <a:ext uri="{FF2B5EF4-FFF2-40B4-BE49-F238E27FC236}">
+                      <a16:creationId xmlns:a16="http://schemas.microsoft.com/office/drawing/2014/main" id="{957F1ADF-49A1-F74B-FE4F-63F6B0ACEF31}"/>
+                    </a:ext>
+                  </a:extLst>
+                </p:cNvPr>
+                <p:cNvSpPr txBox="1">
+                  <a:spLocks noRot="1" noChangeAspect="1" noMove="1" noResize="1" noEditPoints="1" noAdjustHandles="1" noChangeArrowheads="1" noChangeShapeType="1" noTextEdit="1"/>
+                </p:cNvSpPr>
+                <p:nvPr/>
+              </p:nvSpPr>
+              <p:spPr>
+                <a:xfrm>
+                  <a:off x="4048800" y="2470574"/>
+                  <a:ext cx="571182" cy="246221"/>
+                </a:xfrm>
+                <a:prstGeom prst="rect">
+                  <a:avLst/>
+                </a:prstGeom>
+                <a:blipFill>
+                  <a:blip r:embed="rId13"/>
+                  <a:stretch>
+                    <a:fillRect l="-8696" t="-5000" r="-13043" b="-40000"/>
+                  </a:stretch>
+                </a:blipFill>
+              </p:spPr>
+              <p:txBody>
+                <a:bodyPr/>
+                <a:lstStyle/>
+                <a:p>
+                  <a:r>
+                    <a:rPr lang="en-US">
+                      <a:noFill/>
+                    </a:rPr>
+                    <a:t> </a:t>
+                  </a:r>
+                </a:p>
+              </p:txBody>
+            </p:sp>
+          </mc:Fallback>
+        </mc:AlternateContent>
+        <mc:AlternateContent xmlns:mc="http://schemas.openxmlformats.org/markup-compatibility/2006">
+          <mc:Choice xmlns:a14="http://schemas.microsoft.com/office/drawing/2010/main" Requires="a14">
+            <p:sp>
+              <p:nvSpPr>
+                <p:cNvPr id="20" name="TextBox 19">
+                  <a:extLst>
+                    <a:ext uri="{FF2B5EF4-FFF2-40B4-BE49-F238E27FC236}">
+                      <a16:creationId xmlns:a16="http://schemas.microsoft.com/office/drawing/2014/main" id="{97DBCAA9-9509-1469-66EC-61473DB899D4}"/>
+                    </a:ext>
+                  </a:extLst>
+                </p:cNvPr>
+                <p:cNvSpPr txBox="1"/>
+                <p:nvPr/>
+              </p:nvSpPr>
+              <p:spPr>
+                <a:xfrm>
+                  <a:off x="3872045" y="2727268"/>
+                  <a:ext cx="314381" cy="280974"/>
+                </a:xfrm>
+                <a:prstGeom prst="rect">
+                  <a:avLst/>
+                </a:prstGeom>
+                <a:noFill/>
+              </p:spPr>
+              <p:txBody>
+                <a:bodyPr wrap="none" lIns="0" tIns="0" rIns="0" bIns="0" rtlCol="0">
+                  <a:spAutoFit/>
+                </a:bodyPr>
+                <a:lstStyle/>
+                <a:p>
+                  <a14:m>
+                    <m:oMathPara xmlns:m="http://schemas.openxmlformats.org/officeDocument/2006/math">
+                      <m:oMathParaPr>
+                        <m:jc m:val="centerGroup"/>
+                      </m:oMathParaPr>
+                      <m:oMath xmlns:m="http://schemas.openxmlformats.org/officeDocument/2006/math">
+                        <m:sSubSup>
+                          <m:sSubSupPr>
+                            <m:ctrlPr>
+                              <a:rPr lang="en-US" b="0" i="1" smtClean="0">
+                                <a:solidFill>
+                                  <a:schemeClr val="bg1"/>
+                                </a:solidFill>
+                                <a:latin typeface="Cambria Math" panose="02040503050406030204" pitchFamily="18" charset="0"/>
+                              </a:rPr>
+                            </m:ctrlPr>
+                          </m:sSubSupPr>
+                          <m:e>
+                            <m:r>
+                              <a:rPr lang="en-US" b="0" i="1" smtClean="0">
+                                <a:solidFill>
+                                  <a:schemeClr val="bg1"/>
+                                </a:solidFill>
+                                <a:latin typeface="Cambria Math" panose="02040503050406030204" pitchFamily="18" charset="0"/>
+                              </a:rPr>
+                              <m:t>𝑆</m:t>
+                            </m:r>
+                          </m:e>
+                          <m:sub>
+                            <m:r>
+                              <a:rPr lang="en-US" b="0" i="1" smtClean="0">
+                                <a:solidFill>
+                                  <a:schemeClr val="bg1"/>
+                                </a:solidFill>
+                                <a:latin typeface="Cambria Math" panose="02040503050406030204" pitchFamily="18" charset="0"/>
+                              </a:rPr>
+                              <m:t>𝐼</m:t>
+                            </m:r>
+                          </m:sub>
+                          <m:sup>
+                            <m:r>
+                              <a:rPr lang="en-US" b="0" i="1" smtClean="0">
+                                <a:solidFill>
+                                  <a:schemeClr val="bg1"/>
+                                </a:solidFill>
+                                <a:latin typeface="Cambria Math" panose="02040503050406030204" pitchFamily="18" charset="0"/>
+                              </a:rPr>
+                              <m:t>𝐵</m:t>
+                            </m:r>
+                          </m:sup>
+                        </m:sSubSup>
+                      </m:oMath>
+                    </m:oMathPara>
+                  </a14:m>
+                  <a:endParaRPr lang="en-US" dirty="0">
+                    <a:solidFill>
+                      <a:schemeClr val="bg1"/>
+                    </a:solidFill>
+                  </a:endParaRPr>
+                </a:p>
+              </p:txBody>
+            </p:sp>
+          </mc:Choice>
+          <mc:Fallback>
+            <p:sp>
+              <p:nvSpPr>
+                <p:cNvPr id="20" name="TextBox 19">
+                  <a:extLst>
+                    <a:ext uri="{FF2B5EF4-FFF2-40B4-BE49-F238E27FC236}">
+                      <a16:creationId xmlns:a16="http://schemas.microsoft.com/office/drawing/2014/main" id="{97DBCAA9-9509-1469-66EC-61473DB899D4}"/>
+                    </a:ext>
+                  </a:extLst>
+                </p:cNvPr>
+                <p:cNvSpPr txBox="1">
+                  <a:spLocks noRot="1" noChangeAspect="1" noMove="1" noResize="1" noEditPoints="1" noAdjustHandles="1" noChangeArrowheads="1" noChangeShapeType="1" noTextEdit="1"/>
+                </p:cNvSpPr>
+                <p:nvPr/>
+              </p:nvSpPr>
+              <p:spPr>
+                <a:xfrm>
+                  <a:off x="3872045" y="2727268"/>
+                  <a:ext cx="314381" cy="280974"/>
+                </a:xfrm>
+                <a:prstGeom prst="rect">
+                  <a:avLst/>
+                </a:prstGeom>
+                <a:blipFill>
+                  <a:blip r:embed="rId14"/>
+                  <a:stretch>
+                    <a:fillRect l="-15385" r="-3846" b="-13043"/>
+                  </a:stretch>
+                </a:blipFill>
+              </p:spPr>
+              <p:txBody>
+                <a:bodyPr/>
+                <a:lstStyle/>
+                <a:p>
+                  <a:r>
+                    <a:rPr lang="en-US">
+                      <a:noFill/>
+                    </a:rPr>
+                    <a:t> </a:t>
+                  </a:r>
+                </a:p>
+              </p:txBody>
+            </p:sp>
+          </mc:Fallback>
+        </mc:AlternateContent>
+        <mc:AlternateContent xmlns:mc="http://schemas.openxmlformats.org/markup-compatibility/2006">
+          <mc:Choice xmlns:a14="http://schemas.microsoft.com/office/drawing/2010/main" Requires="a14">
+            <p:sp>
+              <p:nvSpPr>
+                <p:cNvPr id="21" name="TextBox 20">
+                  <a:extLst>
+                    <a:ext uri="{FF2B5EF4-FFF2-40B4-BE49-F238E27FC236}">
+                      <a16:creationId xmlns:a16="http://schemas.microsoft.com/office/drawing/2014/main" id="{CF12D8DC-EDAB-0AED-DD3E-355FB27D0906}"/>
+                    </a:ext>
+                  </a:extLst>
+                </p:cNvPr>
+                <p:cNvSpPr txBox="1"/>
+                <p:nvPr/>
+              </p:nvSpPr>
+              <p:spPr>
+                <a:xfrm>
+                  <a:off x="4417735" y="2742016"/>
+                  <a:ext cx="314381" cy="284373"/>
+                </a:xfrm>
+                <a:prstGeom prst="rect">
+                  <a:avLst/>
+                </a:prstGeom>
+                <a:noFill/>
+              </p:spPr>
+              <p:txBody>
+                <a:bodyPr wrap="none" lIns="0" tIns="0" rIns="0" bIns="0" rtlCol="0">
+                  <a:spAutoFit/>
+                </a:bodyPr>
+                <a:lstStyle/>
+                <a:p>
+                  <a14:m>
+                    <m:oMathPara xmlns:m="http://schemas.openxmlformats.org/officeDocument/2006/math">
+                      <m:oMathParaPr>
+                        <m:jc m:val="centerGroup"/>
+                      </m:oMathParaPr>
+                      <m:oMath xmlns:m="http://schemas.openxmlformats.org/officeDocument/2006/math">
+                        <m:sSubSup>
+                          <m:sSubSupPr>
+                            <m:ctrlPr>
+                              <a:rPr lang="en-US" b="0" i="1" smtClean="0">
+                                <a:solidFill>
+                                  <a:schemeClr val="bg1"/>
+                                </a:solidFill>
+                                <a:latin typeface="Cambria Math" panose="02040503050406030204" pitchFamily="18" charset="0"/>
+                              </a:rPr>
+                            </m:ctrlPr>
+                          </m:sSubSupPr>
+                          <m:e>
+                            <m:r>
+                              <a:rPr lang="en-US" b="0" i="1" smtClean="0">
+                                <a:solidFill>
+                                  <a:schemeClr val="bg1"/>
+                                </a:solidFill>
+                                <a:latin typeface="Cambria Math" panose="02040503050406030204" pitchFamily="18" charset="0"/>
+                              </a:rPr>
+                              <m:t>𝑆</m:t>
+                            </m:r>
+                          </m:e>
+                          <m:sub>
+                            <m:r>
+                              <a:rPr lang="en-US" b="0" i="1" smtClean="0">
+                                <a:solidFill>
+                                  <a:schemeClr val="bg1"/>
+                                </a:solidFill>
+                                <a:latin typeface="Cambria Math" panose="02040503050406030204" pitchFamily="18" charset="0"/>
+                              </a:rPr>
+                              <m:t>𝑂</m:t>
+                            </m:r>
+                          </m:sub>
+                          <m:sup>
+                            <m:r>
+                              <a:rPr lang="en-US" b="0" i="1" smtClean="0">
+                                <a:solidFill>
+                                  <a:schemeClr val="bg1"/>
+                                </a:solidFill>
+                                <a:latin typeface="Cambria Math" panose="02040503050406030204" pitchFamily="18" charset="0"/>
+                              </a:rPr>
+                              <m:t>𝐵</m:t>
+                            </m:r>
+                          </m:sup>
+                        </m:sSubSup>
+                      </m:oMath>
+                    </m:oMathPara>
+                  </a14:m>
+                  <a:endParaRPr lang="en-US" dirty="0">
+                    <a:solidFill>
+                      <a:schemeClr val="bg1"/>
+                    </a:solidFill>
+                  </a:endParaRPr>
+                </a:p>
+              </p:txBody>
+            </p:sp>
+          </mc:Choice>
+          <mc:Fallback>
+            <p:sp>
+              <p:nvSpPr>
+                <p:cNvPr id="21" name="TextBox 20">
+                  <a:extLst>
+                    <a:ext uri="{FF2B5EF4-FFF2-40B4-BE49-F238E27FC236}">
+                      <a16:creationId xmlns:a16="http://schemas.microsoft.com/office/drawing/2014/main" id="{CF12D8DC-EDAB-0AED-DD3E-355FB27D0906}"/>
+                    </a:ext>
+                  </a:extLst>
+                </p:cNvPr>
+                <p:cNvSpPr txBox="1">
+                  <a:spLocks noRot="1" noChangeAspect="1" noMove="1" noResize="1" noEditPoints="1" noAdjustHandles="1" noChangeArrowheads="1" noChangeShapeType="1" noTextEdit="1"/>
+                </p:cNvSpPr>
+                <p:nvPr/>
+              </p:nvSpPr>
+              <p:spPr>
+                <a:xfrm>
+                  <a:off x="4417735" y="2742016"/>
+                  <a:ext cx="314381" cy="284373"/>
+                </a:xfrm>
+                <a:prstGeom prst="rect">
+                  <a:avLst/>
+                </a:prstGeom>
+                <a:blipFill>
+                  <a:blip r:embed="rId15"/>
+                  <a:stretch>
+                    <a:fillRect l="-15385" r="-3846" b="-16667"/>
+                  </a:stretch>
+                </a:blipFill>
+              </p:spPr>
+              <p:txBody>
+                <a:bodyPr/>
+                <a:lstStyle/>
+                <a:p>
+                  <a:r>
+                    <a:rPr lang="en-US">
+                      <a:noFill/>
+                    </a:rPr>
+                    <a:t> </a:t>
+                  </a:r>
+                </a:p>
+              </p:txBody>
+            </p:sp>
+          </mc:Fallback>
+        </mc:AlternateContent>
+      </p:grpSp>
+    </p:spTree>
+    <p:extLst>
+      <p:ext uri="{BB962C8B-B14F-4D97-AF65-F5344CB8AC3E}">
+        <p14:creationId xmlns:p14="http://schemas.microsoft.com/office/powerpoint/2010/main" val="837755517"/>
+      </p:ext>
+    </p:extLst>
+  </p:cSld>
+  <p:clrMapOvr>
+    <a:masterClrMapping/>
+  </p:clrMapOvr>
+</p:sld>
+</file>
+
+<file path=ppt/slides/slide4.xml><?xml version="1.0" encoding="utf-8"?>
+<p:sld xmlns:a="http://schemas.openxmlformats.org/drawingml/2006/main" xmlns:r="http://schemas.openxmlformats.org/officeDocument/2006/relationships" xmlns:p="http://schemas.openxmlformats.org/presentationml/2006/main">
+  <p:cSld>
+    <p:spTree>
+      <p:nvGrpSpPr>
+        <p:cNvPr id="1" name=""/>
+        <p:cNvGrpSpPr/>
+        <p:nvPr/>
+      </p:nvGrpSpPr>
+      <p:grpSpPr>
+        <a:xfrm>
+          <a:off x="0" y="0"/>
+          <a:ext cx="0" cy="0"/>
+          <a:chOff x="0" y="0"/>
+          <a:chExt cx="0" cy="0"/>
+        </a:xfrm>
+      </p:grpSpPr>
       <p:sp>
         <p:nvSpPr>
           <p:cNvPr id="9" name="Rectangle 8">

--- a/docs/figures.pptx
+++ b/docs/figures.pptx
@@ -6,9 +6,10 @@
   </p:sldMasterIdLst>
   <p:sldIdLst>
     <p:sldId id="256" r:id="rId2"/>
-    <p:sldId id="257" r:id="rId3"/>
-    <p:sldId id="259" r:id="rId4"/>
-    <p:sldId id="258" r:id="rId5"/>
+    <p:sldId id="259" r:id="rId3"/>
+    <p:sldId id="258" r:id="rId4"/>
+    <p:sldId id="260" r:id="rId5"/>
+    <p:sldId id="257" r:id="rId6"/>
   </p:sldIdLst>
   <p:sldSz cx="12192000" cy="6858000"/>
   <p:notesSz cx="6858000" cy="9144000"/>
@@ -3407,2843 +3408,6 @@
           <a:chExt cx="0" cy="0"/>
         </a:xfrm>
       </p:grpSpPr>
-      <p:sp>
-        <p:nvSpPr>
-          <p:cNvPr id="9" name="Rectangle 8">
-            <a:extLst>
-              <a:ext uri="{FF2B5EF4-FFF2-40B4-BE49-F238E27FC236}">
-                <a16:creationId xmlns:a16="http://schemas.microsoft.com/office/drawing/2014/main" id="{4EEF1B70-F7ED-8B65-9902-89B4962A0593}"/>
-              </a:ext>
-            </a:extLst>
-          </p:cNvPr>
-          <p:cNvSpPr/>
-          <p:nvPr/>
-        </p:nvSpPr>
-        <p:spPr>
-          <a:xfrm>
-            <a:off x="3595177" y="2423312"/>
-            <a:ext cx="1361346" cy="914400"/>
-          </a:xfrm>
-          <a:prstGeom prst="rect">
-            <a:avLst/>
-          </a:prstGeom>
-        </p:spPr>
-        <p:style>
-          <a:lnRef idx="2">
-            <a:schemeClr val="accent1">
-              <a:shade val="15000"/>
-            </a:schemeClr>
-          </a:lnRef>
-          <a:fillRef idx="1">
-            <a:schemeClr val="accent1"/>
-          </a:fillRef>
-          <a:effectRef idx="0">
-            <a:schemeClr val="accent1"/>
-          </a:effectRef>
-          <a:fontRef idx="minor">
-            <a:schemeClr val="lt1"/>
-          </a:fontRef>
-        </p:style>
-        <p:txBody>
-          <a:bodyPr rtlCol="0" anchor="ctr"/>
-          <a:lstStyle/>
-          <a:p>
-            <a:pPr algn="ctr"/>
-            <a:endParaRPr lang="en-US" dirty="0"/>
-          </a:p>
-        </p:txBody>
-      </p:sp>
-      <p:cxnSp>
-        <p:nvCxnSpPr>
-          <p:cNvPr id="12" name="Straight Arrow Connector 11">
-            <a:extLst>
-              <a:ext uri="{FF2B5EF4-FFF2-40B4-BE49-F238E27FC236}">
-                <a16:creationId xmlns:a16="http://schemas.microsoft.com/office/drawing/2014/main" id="{12C497F3-5450-199E-ADFE-23F06A623934}"/>
-              </a:ext>
-            </a:extLst>
-          </p:cNvPr>
-          <p:cNvCxnSpPr>
-            <a:cxnSpLocks/>
-            <a:stCxn id="54" idx="3"/>
-            <a:endCxn id="40" idx="1"/>
-          </p:cNvCxnSpPr>
-          <p:nvPr/>
-        </p:nvCxnSpPr>
-        <p:spPr>
-          <a:xfrm>
-            <a:off x="4979423" y="2880516"/>
-            <a:ext cx="736217" cy="732506"/>
-          </a:xfrm>
-          <a:prstGeom prst="straightConnector1">
-            <a:avLst/>
-          </a:prstGeom>
-          <a:ln w="19050">
-            <a:solidFill>
-              <a:srgbClr val="0070C0"/>
-            </a:solidFill>
-            <a:tailEnd type="triangle"/>
-          </a:ln>
-        </p:spPr>
-        <p:style>
-          <a:lnRef idx="1">
-            <a:schemeClr val="accent1"/>
-          </a:lnRef>
-          <a:fillRef idx="0">
-            <a:schemeClr val="accent1"/>
-          </a:fillRef>
-          <a:effectRef idx="0">
-            <a:schemeClr val="accent1"/>
-          </a:effectRef>
-          <a:fontRef idx="minor">
-            <a:schemeClr val="tx1"/>
-          </a:fontRef>
-        </p:style>
-      </p:cxnSp>
-      <mc:AlternateContent xmlns:mc="http://schemas.openxmlformats.org/markup-compatibility/2006">
-        <mc:Choice xmlns:a14="http://schemas.microsoft.com/office/drawing/2010/main" Requires="a14">
-          <p:sp>
-            <p:nvSpPr>
-              <p:cNvPr id="33" name="TextBox 32">
-                <a:extLst>
-                  <a:ext uri="{FF2B5EF4-FFF2-40B4-BE49-F238E27FC236}">
-                    <a16:creationId xmlns:a16="http://schemas.microsoft.com/office/drawing/2014/main" id="{69E5A26B-0528-09FD-9CCE-29CDD10D9061}"/>
-                  </a:ext>
-                </a:extLst>
-              </p:cNvPr>
-              <p:cNvSpPr txBox="1"/>
-              <p:nvPr/>
-            </p:nvSpPr>
-            <p:spPr>
-              <a:xfrm>
-                <a:off x="4048800" y="2470574"/>
-                <a:ext cx="533608" cy="246221"/>
-              </a:xfrm>
-              <a:prstGeom prst="rect">
-                <a:avLst/>
-              </a:prstGeom>
-              <a:noFill/>
-            </p:spPr>
-            <p:txBody>
-              <a:bodyPr wrap="none" lIns="0" tIns="0" rIns="0" bIns="0" rtlCol="0">
-                <a:spAutoFit/>
-              </a:bodyPr>
-              <a:lstStyle/>
-              <a:p>
-                <a14:m>
-                  <m:oMathPara xmlns:m="http://schemas.openxmlformats.org/officeDocument/2006/math">
-                    <m:oMathParaPr>
-                      <m:jc m:val="centerGroup"/>
-                    </m:oMathParaPr>
-                    <m:oMath xmlns:m="http://schemas.openxmlformats.org/officeDocument/2006/math">
-                      <m:r>
-                        <a:rPr lang="en-US" sz="1600" b="0" i="1" smtClean="0">
-                          <a:solidFill>
-                            <a:schemeClr val="bg1"/>
-                          </a:solidFill>
-                          <a:latin typeface="Cambria Math" panose="02040503050406030204" pitchFamily="18" charset="0"/>
-                        </a:rPr>
-                        <m:t>𝐺</m:t>
-                      </m:r>
-                      <m:r>
-                        <a:rPr lang="en-US" sz="1600" b="0" i="1" baseline="30000" smtClean="0">
-                          <a:solidFill>
-                            <a:schemeClr val="bg1"/>
-                          </a:solidFill>
-                          <a:latin typeface="Cambria Math" panose="02040503050406030204" pitchFamily="18" charset="0"/>
-                        </a:rPr>
-                        <m:t>𝐴</m:t>
-                      </m:r>
-                      <m:r>
-                        <a:rPr lang="en-US" sz="1600" b="0" i="1" smtClean="0">
-                          <a:solidFill>
-                            <a:schemeClr val="bg1"/>
-                          </a:solidFill>
-                          <a:latin typeface="Cambria Math" panose="02040503050406030204" pitchFamily="18" charset="0"/>
-                        </a:rPr>
-                        <m:t>(</m:t>
-                      </m:r>
-                      <m:r>
-                        <a:rPr lang="en-US" sz="1600" b="0" i="1" smtClean="0">
-                          <a:solidFill>
-                            <a:schemeClr val="bg1"/>
-                          </a:solidFill>
-                          <a:latin typeface="Cambria Math" panose="02040503050406030204" pitchFamily="18" charset="0"/>
-                        </a:rPr>
-                        <m:t>𝑠</m:t>
-                      </m:r>
-                      <m:r>
-                        <a:rPr lang="en-US" sz="1600" b="0" i="1" smtClean="0">
-                          <a:solidFill>
-                            <a:schemeClr val="bg1"/>
-                          </a:solidFill>
-                          <a:latin typeface="Cambria Math" panose="02040503050406030204" pitchFamily="18" charset="0"/>
-                        </a:rPr>
-                        <m:t>)</m:t>
-                      </m:r>
-                    </m:oMath>
-                  </m:oMathPara>
-                </a14:m>
-                <a:endParaRPr lang="en-US" sz="1600" dirty="0">
-                  <a:solidFill>
-                    <a:schemeClr val="bg1"/>
-                  </a:solidFill>
-                </a:endParaRPr>
-              </a:p>
-            </p:txBody>
-          </p:sp>
-        </mc:Choice>
-        <mc:Fallback>
-          <p:sp>
-            <p:nvSpPr>
-              <p:cNvPr id="33" name="TextBox 32">
-                <a:extLst>
-                  <a:ext uri="{FF2B5EF4-FFF2-40B4-BE49-F238E27FC236}">
-                    <a16:creationId xmlns:a16="http://schemas.microsoft.com/office/drawing/2014/main" id="{69E5A26B-0528-09FD-9CCE-29CDD10D9061}"/>
-                  </a:ext>
-                </a:extLst>
-              </p:cNvPr>
-              <p:cNvSpPr txBox="1">
-                <a:spLocks noRot="1" noChangeAspect="1" noMove="1" noResize="1" noEditPoints="1" noAdjustHandles="1" noChangeArrowheads="1" noChangeShapeType="1" noTextEdit="1"/>
-              </p:cNvSpPr>
-              <p:nvPr/>
-            </p:nvSpPr>
-            <p:spPr>
-              <a:xfrm>
-                <a:off x="4048800" y="2470574"/>
-                <a:ext cx="533608" cy="246221"/>
-              </a:xfrm>
-              <a:prstGeom prst="rect">
-                <a:avLst/>
-              </a:prstGeom>
-              <a:blipFill>
-                <a:blip r:embed="rId2"/>
-                <a:stretch>
-                  <a:fillRect l="-9302" r="-13953" b="-33333"/>
-                </a:stretch>
-              </a:blipFill>
-            </p:spPr>
-            <p:txBody>
-              <a:bodyPr/>
-              <a:lstStyle/>
-              <a:p>
-                <a:r>
-                  <a:rPr lang="en-US">
-                    <a:noFill/>
-                  </a:rPr>
-                  <a:t> </a:t>
-                </a:r>
-              </a:p>
-            </p:txBody>
-          </p:sp>
-        </mc:Fallback>
-      </mc:AlternateContent>
-      <mc:AlternateContent xmlns:mc="http://schemas.openxmlformats.org/markup-compatibility/2006">
-        <mc:Choice xmlns:a14="http://schemas.microsoft.com/office/drawing/2010/main" Requires="a14">
-          <p:sp>
-            <p:nvSpPr>
-              <p:cNvPr id="34" name="TextBox 33">
-                <a:extLst>
-                  <a:ext uri="{FF2B5EF4-FFF2-40B4-BE49-F238E27FC236}">
-                    <a16:creationId xmlns:a16="http://schemas.microsoft.com/office/drawing/2014/main" id="{F57212D3-2CD6-683B-E86A-9281C30FD144}"/>
-                  </a:ext>
-                </a:extLst>
-              </p:cNvPr>
-              <p:cNvSpPr txBox="1"/>
-              <p:nvPr/>
-            </p:nvSpPr>
-            <p:spPr>
-              <a:xfrm>
-                <a:off x="2683864" y="3415526"/>
-                <a:ext cx="272447" cy="276999"/>
-              </a:xfrm>
-              <a:prstGeom prst="rect">
-                <a:avLst/>
-              </a:prstGeom>
-              <a:noFill/>
-            </p:spPr>
-            <p:txBody>
-              <a:bodyPr wrap="none" lIns="0" tIns="0" rIns="0" bIns="0" rtlCol="0">
-                <a:spAutoFit/>
-              </a:bodyPr>
-              <a:lstStyle/>
-              <a:p>
-                <a14:m>
-                  <m:oMathPara xmlns:m="http://schemas.openxmlformats.org/officeDocument/2006/math">
-                    <m:oMathParaPr>
-                      <m:jc m:val="centerGroup"/>
-                    </m:oMathParaPr>
-                    <m:oMath xmlns:m="http://schemas.openxmlformats.org/officeDocument/2006/math">
-                      <m:sSub>
-                        <m:sSubPr>
-                          <m:ctrlPr>
-                            <a:rPr lang="en-US" b="0" i="1" smtClean="0">
-                              <a:latin typeface="Cambria Math" panose="02040503050406030204" pitchFamily="18" charset="0"/>
-                            </a:rPr>
-                          </m:ctrlPr>
-                        </m:sSubPr>
-                        <m:e>
-                          <m:r>
-                            <a:rPr lang="en-US" b="0" i="1" smtClean="0">
-                              <a:latin typeface="Cambria Math" panose="02040503050406030204" pitchFamily="18" charset="0"/>
-                            </a:rPr>
-                            <m:t>𝑋</m:t>
-                          </m:r>
-                        </m:e>
-                        <m:sub>
-                          <m:r>
-                            <a:rPr lang="en-US" b="0" i="1" smtClean="0">
-                              <a:latin typeface="Cambria Math" panose="02040503050406030204" pitchFamily="18" charset="0"/>
-                            </a:rPr>
-                            <m:t>𝐼</m:t>
-                          </m:r>
-                        </m:sub>
-                      </m:sSub>
-                    </m:oMath>
-                  </m:oMathPara>
-                </a14:m>
-                <a:endParaRPr lang="en-US" dirty="0"/>
-              </a:p>
-            </p:txBody>
-          </p:sp>
-        </mc:Choice>
-        <mc:Fallback>
-          <p:sp>
-            <p:nvSpPr>
-              <p:cNvPr id="34" name="TextBox 33">
-                <a:extLst>
-                  <a:ext uri="{FF2B5EF4-FFF2-40B4-BE49-F238E27FC236}">
-                    <a16:creationId xmlns:a16="http://schemas.microsoft.com/office/drawing/2014/main" id="{F57212D3-2CD6-683B-E86A-9281C30FD144}"/>
-                  </a:ext>
-                </a:extLst>
-              </p:cNvPr>
-              <p:cNvSpPr txBox="1">
-                <a:spLocks noRot="1" noChangeAspect="1" noMove="1" noResize="1" noEditPoints="1" noAdjustHandles="1" noChangeArrowheads="1" noChangeShapeType="1" noTextEdit="1"/>
-              </p:cNvSpPr>
-              <p:nvPr/>
-            </p:nvSpPr>
-            <p:spPr>
-              <a:xfrm>
-                <a:off x="2683864" y="3415526"/>
-                <a:ext cx="272447" cy="276999"/>
-              </a:xfrm>
-              <a:prstGeom prst="rect">
-                <a:avLst/>
-              </a:prstGeom>
-              <a:blipFill>
-                <a:blip r:embed="rId3"/>
-                <a:stretch>
-                  <a:fillRect l="-18182" r="-4545" b="-13043"/>
-                </a:stretch>
-              </a:blipFill>
-            </p:spPr>
-            <p:txBody>
-              <a:bodyPr/>
-              <a:lstStyle/>
-              <a:p>
-                <a:r>
-                  <a:rPr lang="en-US">
-                    <a:noFill/>
-                  </a:rPr>
-                  <a:t> </a:t>
-                </a:r>
-              </a:p>
-            </p:txBody>
-          </p:sp>
-        </mc:Fallback>
-      </mc:AlternateContent>
-      <mc:AlternateContent xmlns:mc="http://schemas.openxmlformats.org/markup-compatibility/2006">
-        <mc:Choice xmlns:a14="http://schemas.microsoft.com/office/drawing/2010/main" Requires="a14">
-          <p:sp>
-            <p:nvSpPr>
-              <p:cNvPr id="35" name="TextBox 34">
-                <a:extLst>
-                  <a:ext uri="{FF2B5EF4-FFF2-40B4-BE49-F238E27FC236}">
-                    <a16:creationId xmlns:a16="http://schemas.microsoft.com/office/drawing/2014/main" id="{9F28B733-4A15-FDFC-D69D-AF0020590042}"/>
-                  </a:ext>
-                </a:extLst>
-              </p:cNvPr>
-              <p:cNvSpPr txBox="1"/>
-              <p:nvPr/>
-            </p:nvSpPr>
-            <p:spPr>
-              <a:xfrm>
-                <a:off x="3636070" y="2727268"/>
-                <a:ext cx="600100" cy="276999"/>
-              </a:xfrm>
-              <a:prstGeom prst="rect">
-                <a:avLst/>
-              </a:prstGeom>
-              <a:noFill/>
-            </p:spPr>
-            <p:txBody>
-              <a:bodyPr wrap="none" lIns="0" tIns="0" rIns="0" bIns="0" rtlCol="0">
-                <a:spAutoFit/>
-              </a:bodyPr>
-              <a:lstStyle/>
-              <a:p>
-                <a14:m>
-                  <m:oMathPara xmlns:m="http://schemas.openxmlformats.org/officeDocument/2006/math">
-                    <m:oMathParaPr>
-                      <m:jc m:val="centerGroup"/>
-                    </m:oMathParaPr>
-                    <m:oMath xmlns:m="http://schemas.openxmlformats.org/officeDocument/2006/math">
-                      <m:sSub>
-                        <m:sSubPr>
-                          <m:ctrlPr>
-                            <a:rPr lang="en-US" b="0" i="1" smtClean="0">
-                              <a:solidFill>
-                                <a:schemeClr val="bg1"/>
-                              </a:solidFill>
-                              <a:latin typeface="Cambria Math" panose="02040503050406030204" pitchFamily="18" charset="0"/>
-                            </a:rPr>
-                          </m:ctrlPr>
-                        </m:sSubPr>
-                        <m:e>
-                          <m:r>
-                            <a:rPr lang="en-US" b="0" i="1" smtClean="0">
-                              <a:solidFill>
-                                <a:schemeClr val="bg1"/>
-                              </a:solidFill>
-                              <a:latin typeface="Cambria Math" panose="02040503050406030204" pitchFamily="18" charset="0"/>
-                            </a:rPr>
-                            <m:t>𝑁</m:t>
-                          </m:r>
-                          <m:r>
-                            <a:rPr lang="en-US" b="0" i="1" baseline="30000" smtClean="0">
-                              <a:solidFill>
-                                <a:schemeClr val="bg1"/>
-                              </a:solidFill>
-                              <a:latin typeface="Cambria Math" panose="02040503050406030204" pitchFamily="18" charset="0"/>
-                            </a:rPr>
-                            <m:t>𝐴</m:t>
-                          </m:r>
-                          <m:r>
-                            <a:rPr lang="en-US" b="0" i="1" smtClean="0">
-                              <a:solidFill>
-                                <a:schemeClr val="bg1"/>
-                              </a:solidFill>
-                              <a:latin typeface="Cambria Math" panose="02040503050406030204" pitchFamily="18" charset="0"/>
-                            </a:rPr>
-                            <m:t>.</m:t>
-                          </m:r>
-                          <m:r>
-                            <a:rPr lang="en-US" b="0" i="1" smtClean="0">
-                              <a:solidFill>
-                                <a:schemeClr val="bg1"/>
-                              </a:solidFill>
-                              <a:latin typeface="Cambria Math" panose="02040503050406030204" pitchFamily="18" charset="0"/>
-                            </a:rPr>
-                            <m:t>𝑆</m:t>
-                          </m:r>
-                        </m:e>
-                        <m:sub>
-                          <m:r>
-                            <a:rPr lang="en-US" b="0" i="1" smtClean="0">
-                              <a:solidFill>
-                                <a:schemeClr val="bg1"/>
-                              </a:solidFill>
-                              <a:latin typeface="Cambria Math" panose="02040503050406030204" pitchFamily="18" charset="0"/>
-                            </a:rPr>
-                            <m:t>𝐼</m:t>
-                          </m:r>
-                        </m:sub>
-                      </m:sSub>
-                    </m:oMath>
-                  </m:oMathPara>
-                </a14:m>
-                <a:endParaRPr lang="en-US" dirty="0">
-                  <a:solidFill>
-                    <a:schemeClr val="bg1"/>
-                  </a:solidFill>
-                </a:endParaRPr>
-              </a:p>
-            </p:txBody>
-          </p:sp>
-        </mc:Choice>
-        <mc:Fallback>
-          <p:sp>
-            <p:nvSpPr>
-              <p:cNvPr id="35" name="TextBox 34">
-                <a:extLst>
-                  <a:ext uri="{FF2B5EF4-FFF2-40B4-BE49-F238E27FC236}">
-                    <a16:creationId xmlns:a16="http://schemas.microsoft.com/office/drawing/2014/main" id="{9F28B733-4A15-FDFC-D69D-AF0020590042}"/>
-                  </a:ext>
-                </a:extLst>
-              </p:cNvPr>
-              <p:cNvSpPr txBox="1">
-                <a:spLocks noRot="1" noChangeAspect="1" noMove="1" noResize="1" noEditPoints="1" noAdjustHandles="1" noChangeArrowheads="1" noChangeShapeType="1" noTextEdit="1"/>
-              </p:cNvSpPr>
-              <p:nvPr/>
-            </p:nvSpPr>
-            <p:spPr>
-              <a:xfrm>
-                <a:off x="3636070" y="2727268"/>
-                <a:ext cx="600100" cy="276999"/>
-              </a:xfrm>
-              <a:prstGeom prst="rect">
-                <a:avLst/>
-              </a:prstGeom>
-              <a:blipFill>
-                <a:blip r:embed="rId4"/>
-                <a:stretch>
-                  <a:fillRect l="-8333" r="-2083" b="-13043"/>
-                </a:stretch>
-              </a:blipFill>
-            </p:spPr>
-            <p:txBody>
-              <a:bodyPr/>
-              <a:lstStyle/>
-              <a:p>
-                <a:r>
-                  <a:rPr lang="en-US">
-                    <a:noFill/>
-                  </a:rPr>
-                  <a:t> </a:t>
-                </a:r>
-              </a:p>
-            </p:txBody>
-          </p:sp>
-        </mc:Fallback>
-      </mc:AlternateContent>
-      <p:cxnSp>
-        <p:nvCxnSpPr>
-          <p:cNvPr id="36" name="Straight Arrow Connector 35">
-            <a:extLst>
-              <a:ext uri="{FF2B5EF4-FFF2-40B4-BE49-F238E27FC236}">
-                <a16:creationId xmlns:a16="http://schemas.microsoft.com/office/drawing/2014/main" id="{B94E69BF-29BC-2F37-1F0C-D9F9D0A48382}"/>
-              </a:ext>
-            </a:extLst>
-          </p:cNvPr>
-          <p:cNvCxnSpPr>
-            <a:cxnSpLocks/>
-            <a:stCxn id="34" idx="3"/>
-            <a:endCxn id="9" idx="1"/>
-          </p:cNvCxnSpPr>
-          <p:nvPr/>
-        </p:nvCxnSpPr>
-        <p:spPr>
-          <a:xfrm flipV="1">
-            <a:off x="2956311" y="2880512"/>
-            <a:ext cx="638866" cy="673514"/>
-          </a:xfrm>
-          <a:prstGeom prst="straightConnector1">
-            <a:avLst/>
-          </a:prstGeom>
-          <a:ln w="19050">
-            <a:solidFill>
-              <a:srgbClr val="0070C0"/>
-            </a:solidFill>
-            <a:tailEnd type="triangle"/>
-          </a:ln>
-        </p:spPr>
-        <p:style>
-          <a:lnRef idx="1">
-            <a:schemeClr val="accent1"/>
-          </a:lnRef>
-          <a:fillRef idx="0">
-            <a:schemeClr val="accent1"/>
-          </a:fillRef>
-          <a:effectRef idx="0">
-            <a:schemeClr val="accent1"/>
-          </a:effectRef>
-          <a:fontRef idx="minor">
-            <a:schemeClr val="tx1"/>
-          </a:fontRef>
-        </p:style>
-      </p:cxnSp>
-      <mc:AlternateContent xmlns:mc="http://schemas.openxmlformats.org/markup-compatibility/2006">
-        <mc:Choice xmlns:a14="http://schemas.microsoft.com/office/drawing/2010/main" Requires="a14">
-          <p:sp>
-            <p:nvSpPr>
-              <p:cNvPr id="37" name="TextBox 36">
-                <a:extLst>
-                  <a:ext uri="{FF2B5EF4-FFF2-40B4-BE49-F238E27FC236}">
-                    <a16:creationId xmlns:a16="http://schemas.microsoft.com/office/drawing/2014/main" id="{5C45D2CA-7E84-A0D4-F174-D0DB4E03D65F}"/>
-                  </a:ext>
-                </a:extLst>
-              </p:cNvPr>
-              <p:cNvSpPr txBox="1"/>
-              <p:nvPr/>
-            </p:nvSpPr>
-            <p:spPr>
-              <a:xfrm>
-                <a:off x="3018489" y="2902980"/>
-                <a:ext cx="281552" cy="282257"/>
-              </a:xfrm>
-              <a:prstGeom prst="rect">
-                <a:avLst/>
-              </a:prstGeom>
-              <a:noFill/>
-            </p:spPr>
-            <p:txBody>
-              <a:bodyPr wrap="square" lIns="0" tIns="0" rIns="0" bIns="0" rtlCol="0">
-                <a:spAutoFit/>
-              </a:bodyPr>
-              <a:lstStyle/>
-              <a:p>
-                <a14:m>
-                  <m:oMathPara xmlns:m="http://schemas.openxmlformats.org/officeDocument/2006/math">
-                    <m:oMathParaPr>
-                      <m:jc m:val="centerGroup"/>
-                    </m:oMathParaPr>
-                    <m:oMath xmlns:m="http://schemas.openxmlformats.org/officeDocument/2006/math">
-                      <m:sSubSup>
-                        <m:sSubSupPr>
-                          <m:ctrlPr>
-                            <a:rPr lang="en-US" b="0" i="1" smtClean="0">
-                              <a:latin typeface="Cambria Math" panose="02040503050406030204" pitchFamily="18" charset="0"/>
-                            </a:rPr>
-                          </m:ctrlPr>
-                        </m:sSubSupPr>
-                        <m:e>
-                          <m:r>
-                            <a:rPr lang="en-US" b="0" i="1" smtClean="0">
-                              <a:latin typeface="Cambria Math" panose="02040503050406030204" pitchFamily="18" charset="0"/>
-                            </a:rPr>
-                            <m:t>𝑘</m:t>
-                          </m:r>
-                        </m:e>
-                        <m:sub>
-                          <m:r>
-                            <a:rPr lang="en-US" b="0" i="1" smtClean="0">
-                              <a:latin typeface="Cambria Math" panose="02040503050406030204" pitchFamily="18" charset="0"/>
-                            </a:rPr>
-                            <m:t>2</m:t>
-                          </m:r>
-                        </m:sub>
-                        <m:sup>
-                          <m:r>
-                            <a:rPr lang="en-US" b="0" i="1" smtClean="0">
-                              <a:latin typeface="Cambria Math" panose="02040503050406030204" pitchFamily="18" charset="0"/>
-                            </a:rPr>
-                            <m:t>𝐴</m:t>
-                          </m:r>
-                        </m:sup>
-                      </m:sSubSup>
-                    </m:oMath>
-                  </m:oMathPara>
-                </a14:m>
-                <a:endParaRPr lang="en-US" dirty="0"/>
-              </a:p>
-            </p:txBody>
-          </p:sp>
-        </mc:Choice>
-        <mc:Fallback>
-          <p:sp>
-            <p:nvSpPr>
-              <p:cNvPr id="37" name="TextBox 36">
-                <a:extLst>
-                  <a:ext uri="{FF2B5EF4-FFF2-40B4-BE49-F238E27FC236}">
-                    <a16:creationId xmlns:a16="http://schemas.microsoft.com/office/drawing/2014/main" id="{5C45D2CA-7E84-A0D4-F174-D0DB4E03D65F}"/>
-                  </a:ext>
-                </a:extLst>
-              </p:cNvPr>
-              <p:cNvSpPr txBox="1">
-                <a:spLocks noRot="1" noChangeAspect="1" noMove="1" noResize="1" noEditPoints="1" noAdjustHandles="1" noChangeArrowheads="1" noChangeShapeType="1" noTextEdit="1"/>
-              </p:cNvSpPr>
-              <p:nvPr/>
-            </p:nvSpPr>
-            <p:spPr>
-              <a:xfrm>
-                <a:off x="3018489" y="2902980"/>
-                <a:ext cx="281552" cy="282257"/>
-              </a:xfrm>
-              <a:prstGeom prst="rect">
-                <a:avLst/>
-              </a:prstGeom>
-              <a:blipFill>
-                <a:blip r:embed="rId5"/>
-                <a:stretch>
-                  <a:fillRect l="-26087" t="-4167" r="-17391" b="-8333"/>
-                </a:stretch>
-              </a:blipFill>
-            </p:spPr>
-            <p:txBody>
-              <a:bodyPr/>
-              <a:lstStyle/>
-              <a:p>
-                <a:r>
-                  <a:rPr lang="en-US">
-                    <a:noFill/>
-                  </a:rPr>
-                  <a:t> </a:t>
-                </a:r>
-              </a:p>
-            </p:txBody>
-          </p:sp>
-        </mc:Fallback>
-      </mc:AlternateContent>
-      <mc:AlternateContent xmlns:mc="http://schemas.openxmlformats.org/markup-compatibility/2006">
-        <mc:Choice xmlns:a14="http://schemas.microsoft.com/office/drawing/2010/main" Requires="a14">
-          <p:sp>
-            <p:nvSpPr>
-              <p:cNvPr id="40" name="TextBox 39">
-                <a:extLst>
-                  <a:ext uri="{FF2B5EF4-FFF2-40B4-BE49-F238E27FC236}">
-                    <a16:creationId xmlns:a16="http://schemas.microsoft.com/office/drawing/2014/main" id="{6B8FF12A-33AB-89CF-0DD8-A19072281315}"/>
-                  </a:ext>
-                </a:extLst>
-              </p:cNvPr>
-              <p:cNvSpPr txBox="1"/>
-              <p:nvPr/>
-            </p:nvSpPr>
-            <p:spPr>
-              <a:xfrm>
-                <a:off x="5715640" y="3474522"/>
-                <a:ext cx="349034" cy="276999"/>
-              </a:xfrm>
-              <a:prstGeom prst="rect">
-                <a:avLst/>
-              </a:prstGeom>
-              <a:noFill/>
-            </p:spPr>
-            <p:txBody>
-              <a:bodyPr wrap="square" lIns="0" tIns="0" rIns="0" bIns="0" rtlCol="0">
-                <a:spAutoFit/>
-              </a:bodyPr>
-              <a:lstStyle/>
-              <a:p>
-                <a14:m>
-                  <m:oMathPara xmlns:m="http://schemas.openxmlformats.org/officeDocument/2006/math">
-                    <m:oMathParaPr>
-                      <m:jc m:val="centerGroup"/>
-                    </m:oMathParaPr>
-                    <m:oMath xmlns:m="http://schemas.openxmlformats.org/officeDocument/2006/math">
-                      <m:sSub>
-                        <m:sSubPr>
-                          <m:ctrlPr>
-                            <a:rPr lang="en-US" b="0" i="1" smtClean="0">
-                              <a:latin typeface="Cambria Math" panose="02040503050406030204" pitchFamily="18" charset="0"/>
-                            </a:rPr>
-                          </m:ctrlPr>
-                        </m:sSubPr>
-                        <m:e>
-                          <m:r>
-                            <a:rPr lang="en-US" b="0" i="1" smtClean="0">
-                              <a:latin typeface="Cambria Math" panose="02040503050406030204" pitchFamily="18" charset="0"/>
-                            </a:rPr>
-                            <m:t>𝑋</m:t>
-                          </m:r>
-                        </m:e>
-                        <m:sub>
-                          <m:r>
-                            <a:rPr lang="en-US" b="0" i="1" smtClean="0">
-                              <a:latin typeface="Cambria Math" panose="02040503050406030204" pitchFamily="18" charset="0"/>
-                            </a:rPr>
-                            <m:t>𝑂</m:t>
-                          </m:r>
-                        </m:sub>
-                      </m:sSub>
-                    </m:oMath>
-                  </m:oMathPara>
-                </a14:m>
-                <a:endParaRPr lang="en-US" dirty="0"/>
-              </a:p>
-            </p:txBody>
-          </p:sp>
-        </mc:Choice>
-        <mc:Fallback>
-          <p:sp>
-            <p:nvSpPr>
-              <p:cNvPr id="40" name="TextBox 39">
-                <a:extLst>
-                  <a:ext uri="{FF2B5EF4-FFF2-40B4-BE49-F238E27FC236}">
-                    <a16:creationId xmlns:a16="http://schemas.microsoft.com/office/drawing/2014/main" id="{6B8FF12A-33AB-89CF-0DD8-A19072281315}"/>
-                  </a:ext>
-                </a:extLst>
-              </p:cNvPr>
-              <p:cNvSpPr txBox="1">
-                <a:spLocks noRot="1" noChangeAspect="1" noMove="1" noResize="1" noEditPoints="1" noAdjustHandles="1" noChangeArrowheads="1" noChangeShapeType="1" noTextEdit="1"/>
-              </p:cNvSpPr>
-              <p:nvPr/>
-            </p:nvSpPr>
-            <p:spPr>
-              <a:xfrm>
-                <a:off x="5715640" y="3474522"/>
-                <a:ext cx="349034" cy="276999"/>
-              </a:xfrm>
-              <a:prstGeom prst="rect">
-                <a:avLst/>
-              </a:prstGeom>
-              <a:blipFill>
-                <a:blip r:embed="rId6"/>
-                <a:stretch>
-                  <a:fillRect l="-14286" b="-13043"/>
-                </a:stretch>
-              </a:blipFill>
-            </p:spPr>
-            <p:txBody>
-              <a:bodyPr/>
-              <a:lstStyle/>
-              <a:p>
-                <a:r>
-                  <a:rPr lang="en-US">
-                    <a:noFill/>
-                  </a:rPr>
-                  <a:t> </a:t>
-                </a:r>
-              </a:p>
-            </p:txBody>
-          </p:sp>
-        </mc:Fallback>
-      </mc:AlternateContent>
-      <mc:AlternateContent xmlns:mc="http://schemas.openxmlformats.org/markup-compatibility/2006">
-        <mc:Choice xmlns:a14="http://schemas.microsoft.com/office/drawing/2010/main" Requires="a14">
-          <p:sp>
-            <p:nvSpPr>
-              <p:cNvPr id="54" name="TextBox 53">
-                <a:extLst>
-                  <a:ext uri="{FF2B5EF4-FFF2-40B4-BE49-F238E27FC236}">
-                    <a16:creationId xmlns:a16="http://schemas.microsoft.com/office/drawing/2014/main" id="{0D6E3ADB-C3FC-2405-DEB6-CB2BC9B01E51}"/>
-                  </a:ext>
-                </a:extLst>
-              </p:cNvPr>
-              <p:cNvSpPr txBox="1"/>
-              <p:nvPr/>
-            </p:nvSpPr>
-            <p:spPr>
-              <a:xfrm>
-                <a:off x="4329245" y="2742016"/>
-                <a:ext cx="650178" cy="276999"/>
-              </a:xfrm>
-              <a:prstGeom prst="rect">
-                <a:avLst/>
-              </a:prstGeom>
-              <a:noFill/>
-            </p:spPr>
-            <p:txBody>
-              <a:bodyPr wrap="none" lIns="0" tIns="0" rIns="0" bIns="0" rtlCol="0">
-                <a:spAutoFit/>
-              </a:bodyPr>
-              <a:lstStyle/>
-              <a:p>
-                <a14:m>
-                  <m:oMathPara xmlns:m="http://schemas.openxmlformats.org/officeDocument/2006/math">
-                    <m:oMathParaPr>
-                      <m:jc m:val="centerGroup"/>
-                    </m:oMathParaPr>
-                    <m:oMath xmlns:m="http://schemas.openxmlformats.org/officeDocument/2006/math">
-                      <m:sSub>
-                        <m:sSubPr>
-                          <m:ctrlPr>
-                            <a:rPr lang="en-US" b="0" i="1" smtClean="0">
-                              <a:solidFill>
-                                <a:schemeClr val="bg1"/>
-                              </a:solidFill>
-                              <a:latin typeface="Cambria Math" panose="02040503050406030204" pitchFamily="18" charset="0"/>
-                            </a:rPr>
-                          </m:ctrlPr>
-                        </m:sSubPr>
-                        <m:e>
-                          <m:r>
-                            <a:rPr lang="en-US" b="0" i="1" smtClean="0">
-                              <a:solidFill>
-                                <a:schemeClr val="bg1"/>
-                              </a:solidFill>
-                              <a:latin typeface="Cambria Math" panose="02040503050406030204" pitchFamily="18" charset="0"/>
-                            </a:rPr>
-                            <m:t>𝑁</m:t>
-                          </m:r>
-                          <m:r>
-                            <a:rPr lang="en-US" b="0" i="1" baseline="30000" smtClean="0">
-                              <a:solidFill>
-                                <a:schemeClr val="bg1"/>
-                              </a:solidFill>
-                              <a:latin typeface="Cambria Math" panose="02040503050406030204" pitchFamily="18" charset="0"/>
-                            </a:rPr>
-                            <m:t>𝐴</m:t>
-                          </m:r>
-                          <m:r>
-                            <a:rPr lang="en-US" b="0" i="1" smtClean="0">
-                              <a:solidFill>
-                                <a:schemeClr val="bg1"/>
-                              </a:solidFill>
-                              <a:latin typeface="Cambria Math" panose="02040503050406030204" pitchFamily="18" charset="0"/>
-                            </a:rPr>
-                            <m:t>.</m:t>
-                          </m:r>
-                          <m:r>
-                            <a:rPr lang="en-US" b="0" i="1" smtClean="0">
-                              <a:solidFill>
-                                <a:schemeClr val="bg1"/>
-                              </a:solidFill>
-                              <a:latin typeface="Cambria Math" panose="02040503050406030204" pitchFamily="18" charset="0"/>
-                            </a:rPr>
-                            <m:t>𝑆</m:t>
-                          </m:r>
-                        </m:e>
-                        <m:sub>
-                          <m:r>
-                            <a:rPr lang="en-US" b="0" i="1" smtClean="0">
-                              <a:solidFill>
-                                <a:schemeClr val="bg1"/>
-                              </a:solidFill>
-                              <a:latin typeface="Cambria Math" panose="02040503050406030204" pitchFamily="18" charset="0"/>
-                            </a:rPr>
-                            <m:t>𝑂</m:t>
-                          </m:r>
-                        </m:sub>
-                      </m:sSub>
-                    </m:oMath>
-                  </m:oMathPara>
-                </a14:m>
-                <a:endParaRPr lang="en-US" dirty="0">
-                  <a:solidFill>
-                    <a:schemeClr val="bg1"/>
-                  </a:solidFill>
-                </a:endParaRPr>
-              </a:p>
-            </p:txBody>
-          </p:sp>
-        </mc:Choice>
-        <mc:Fallback>
-          <p:sp>
-            <p:nvSpPr>
-              <p:cNvPr id="54" name="TextBox 53">
-                <a:extLst>
-                  <a:ext uri="{FF2B5EF4-FFF2-40B4-BE49-F238E27FC236}">
-                    <a16:creationId xmlns:a16="http://schemas.microsoft.com/office/drawing/2014/main" id="{0D6E3ADB-C3FC-2405-DEB6-CB2BC9B01E51}"/>
-                  </a:ext>
-                </a:extLst>
-              </p:cNvPr>
-              <p:cNvSpPr txBox="1">
-                <a:spLocks noRot="1" noChangeAspect="1" noMove="1" noResize="1" noEditPoints="1" noAdjustHandles="1" noChangeArrowheads="1" noChangeShapeType="1" noTextEdit="1"/>
-              </p:cNvSpPr>
-              <p:nvPr/>
-            </p:nvSpPr>
-            <p:spPr>
-              <a:xfrm>
-                <a:off x="4329245" y="2742016"/>
-                <a:ext cx="650178" cy="276999"/>
-              </a:xfrm>
-              <a:prstGeom prst="rect">
-                <a:avLst/>
-              </a:prstGeom>
-              <a:blipFill>
-                <a:blip r:embed="rId7"/>
-                <a:stretch>
-                  <a:fillRect l="-7547" r="-1887" b="-13636"/>
-                </a:stretch>
-              </a:blipFill>
-            </p:spPr>
-            <p:txBody>
-              <a:bodyPr/>
-              <a:lstStyle/>
-              <a:p>
-                <a:r>
-                  <a:rPr lang="en-US">
-                    <a:noFill/>
-                  </a:rPr>
-                  <a:t> </a:t>
-                </a:r>
-              </a:p>
-            </p:txBody>
-          </p:sp>
-        </mc:Fallback>
-      </mc:AlternateContent>
-      <mc:AlternateContent xmlns:mc="http://schemas.openxmlformats.org/markup-compatibility/2006">
-        <mc:Choice xmlns:a14="http://schemas.microsoft.com/office/drawing/2010/main" Requires="a14">
-          <p:sp>
-            <p:nvSpPr>
-              <p:cNvPr id="56" name="TextBox 55">
-                <a:extLst>
-                  <a:ext uri="{FF2B5EF4-FFF2-40B4-BE49-F238E27FC236}">
-                    <a16:creationId xmlns:a16="http://schemas.microsoft.com/office/drawing/2014/main" id="{9146D06E-DFD2-5671-BAC4-BB9D597F5A68}"/>
-                  </a:ext>
-                </a:extLst>
-              </p:cNvPr>
-              <p:cNvSpPr txBox="1"/>
-              <p:nvPr/>
-            </p:nvSpPr>
-            <p:spPr>
-              <a:xfrm>
-                <a:off x="5373325" y="2853816"/>
-                <a:ext cx="281552" cy="283667"/>
-              </a:xfrm>
-              <a:prstGeom prst="rect">
-                <a:avLst/>
-              </a:prstGeom>
-              <a:noFill/>
-            </p:spPr>
-            <p:txBody>
-              <a:bodyPr wrap="square" lIns="0" tIns="0" rIns="0" bIns="0" rtlCol="0">
-                <a:spAutoFit/>
-              </a:bodyPr>
-              <a:lstStyle/>
-              <a:p>
-                <a14:m>
-                  <m:oMathPara xmlns:m="http://schemas.openxmlformats.org/officeDocument/2006/math">
-                    <m:oMathParaPr>
-                      <m:jc m:val="centerGroup"/>
-                    </m:oMathParaPr>
-                    <m:oMath xmlns:m="http://schemas.openxmlformats.org/officeDocument/2006/math">
-                      <m:sSubSup>
-                        <m:sSubSupPr>
-                          <m:ctrlPr>
-                            <a:rPr lang="en-US" b="0" i="1" smtClean="0">
-                              <a:latin typeface="Cambria Math" panose="02040503050406030204" pitchFamily="18" charset="0"/>
-                            </a:rPr>
-                          </m:ctrlPr>
-                        </m:sSubSupPr>
-                        <m:e>
-                          <m:r>
-                            <a:rPr lang="en-US" b="0" i="1" smtClean="0">
-                              <a:latin typeface="Cambria Math" panose="02040503050406030204" pitchFamily="18" charset="0"/>
-                            </a:rPr>
-                            <m:t>𝑘</m:t>
-                          </m:r>
-                        </m:e>
-                        <m:sub>
-                          <m:r>
-                            <a:rPr lang="en-US" b="0" i="1" smtClean="0">
-                              <a:latin typeface="Cambria Math" panose="02040503050406030204" pitchFamily="18" charset="0"/>
-                            </a:rPr>
-                            <m:t>3</m:t>
-                          </m:r>
-                        </m:sub>
-                        <m:sup>
-                          <m:r>
-                            <a:rPr lang="en-US" b="0" i="1" smtClean="0">
-                              <a:latin typeface="Cambria Math" panose="02040503050406030204" pitchFamily="18" charset="0"/>
-                            </a:rPr>
-                            <m:t>𝐴</m:t>
-                          </m:r>
-                        </m:sup>
-                      </m:sSubSup>
-                    </m:oMath>
-                  </m:oMathPara>
-                </a14:m>
-                <a:endParaRPr lang="en-US" dirty="0"/>
-              </a:p>
-            </p:txBody>
-          </p:sp>
-        </mc:Choice>
-        <mc:Fallback>
-          <p:sp>
-            <p:nvSpPr>
-              <p:cNvPr id="56" name="TextBox 55">
-                <a:extLst>
-                  <a:ext uri="{FF2B5EF4-FFF2-40B4-BE49-F238E27FC236}">
-                    <a16:creationId xmlns:a16="http://schemas.microsoft.com/office/drawing/2014/main" id="{9146D06E-DFD2-5671-BAC4-BB9D597F5A68}"/>
-                  </a:ext>
-                </a:extLst>
-              </p:cNvPr>
-              <p:cNvSpPr txBox="1">
-                <a:spLocks noRot="1" noChangeAspect="1" noMove="1" noResize="1" noEditPoints="1" noAdjustHandles="1" noChangeArrowheads="1" noChangeShapeType="1" noTextEdit="1"/>
-              </p:cNvSpPr>
-              <p:nvPr/>
-            </p:nvSpPr>
-            <p:spPr>
-              <a:xfrm>
-                <a:off x="5373325" y="2853816"/>
-                <a:ext cx="281552" cy="283667"/>
-              </a:xfrm>
-              <a:prstGeom prst="rect">
-                <a:avLst/>
-              </a:prstGeom>
-              <a:blipFill>
-                <a:blip r:embed="rId8"/>
-                <a:stretch>
-                  <a:fillRect l="-20833" r="-12500" b="-16667"/>
-                </a:stretch>
-              </a:blipFill>
-            </p:spPr>
-            <p:txBody>
-              <a:bodyPr/>
-              <a:lstStyle/>
-              <a:p>
-                <a:r>
-                  <a:rPr lang="en-US">
-                    <a:noFill/>
-                  </a:rPr>
-                  <a:t> </a:t>
-                </a:r>
-              </a:p>
-            </p:txBody>
-          </p:sp>
-        </mc:Fallback>
-      </mc:AlternateContent>
-      <p:sp>
-        <p:nvSpPr>
-          <p:cNvPr id="64" name="Striped Right Arrow 63">
-            <a:extLst>
-              <a:ext uri="{FF2B5EF4-FFF2-40B4-BE49-F238E27FC236}">
-                <a16:creationId xmlns:a16="http://schemas.microsoft.com/office/drawing/2014/main" id="{89D840FD-D9EE-C33F-ED8E-53A7D7C66E12}"/>
-              </a:ext>
-            </a:extLst>
-          </p:cNvPr>
-          <p:cNvSpPr/>
-          <p:nvPr/>
-        </p:nvSpPr>
-        <p:spPr>
-          <a:xfrm>
-            <a:off x="1514166" y="3505711"/>
-            <a:ext cx="585117" cy="142055"/>
-          </a:xfrm>
-          <a:prstGeom prst="stripedRightArrow">
-            <a:avLst/>
-          </a:prstGeom>
-        </p:spPr>
-        <p:style>
-          <a:lnRef idx="2">
-            <a:schemeClr val="accent1">
-              <a:shade val="15000"/>
-            </a:schemeClr>
-          </a:lnRef>
-          <a:fillRef idx="1">
-            <a:schemeClr val="accent1"/>
-          </a:fillRef>
-          <a:effectRef idx="0">
-            <a:schemeClr val="accent1"/>
-          </a:effectRef>
-          <a:fontRef idx="minor">
-            <a:schemeClr val="lt1"/>
-          </a:fontRef>
-        </p:style>
-        <p:txBody>
-          <a:bodyPr rtlCol="0" anchor="ctr"/>
-          <a:lstStyle/>
-          <a:p>
-            <a:pPr algn="ctr"/>
-            <a:endParaRPr lang="en-US"/>
-          </a:p>
-        </p:txBody>
-      </p:sp>
-      <p:sp>
-        <p:nvSpPr>
-          <p:cNvPr id="65" name="Striped Right Arrow 64">
-            <a:extLst>
-              <a:ext uri="{FF2B5EF4-FFF2-40B4-BE49-F238E27FC236}">
-                <a16:creationId xmlns:a16="http://schemas.microsoft.com/office/drawing/2014/main" id="{59686BAC-87CA-92AB-2C70-57D46D1BB9F3}"/>
-              </a:ext>
-            </a:extLst>
-          </p:cNvPr>
-          <p:cNvSpPr/>
-          <p:nvPr/>
-        </p:nvSpPr>
-        <p:spPr>
-          <a:xfrm>
-            <a:off x="6754763" y="3541651"/>
-            <a:ext cx="585117" cy="142055"/>
-          </a:xfrm>
-          <a:prstGeom prst="stripedRightArrow">
-            <a:avLst/>
-          </a:prstGeom>
-        </p:spPr>
-        <p:style>
-          <a:lnRef idx="2">
-            <a:schemeClr val="accent1">
-              <a:shade val="15000"/>
-            </a:schemeClr>
-          </a:lnRef>
-          <a:fillRef idx="1">
-            <a:schemeClr val="accent1"/>
-          </a:fillRef>
-          <a:effectRef idx="0">
-            <a:schemeClr val="accent1"/>
-          </a:effectRef>
-          <a:fontRef idx="minor">
-            <a:schemeClr val="lt1"/>
-          </a:fontRef>
-        </p:style>
-        <p:txBody>
-          <a:bodyPr rtlCol="0" anchor="ctr"/>
-          <a:lstStyle/>
-          <a:p>
-            <a:pPr algn="ctr"/>
-            <a:endParaRPr lang="en-US"/>
-          </a:p>
-        </p:txBody>
-      </p:sp>
-      <mc:AlternateContent xmlns:mc="http://schemas.openxmlformats.org/markup-compatibility/2006">
-        <mc:Choice xmlns:a14="http://schemas.microsoft.com/office/drawing/2010/main" Requires="a14">
-          <p:sp>
-            <p:nvSpPr>
-              <p:cNvPr id="66" name="TextBox 65">
-                <a:extLst>
-                  <a:ext uri="{FF2B5EF4-FFF2-40B4-BE49-F238E27FC236}">
-                    <a16:creationId xmlns:a16="http://schemas.microsoft.com/office/drawing/2014/main" id="{C8A2958B-F7E0-8D43-1E37-2A7AC017332E}"/>
-                  </a:ext>
-                </a:extLst>
-              </p:cNvPr>
-              <p:cNvSpPr txBox="1"/>
-              <p:nvPr/>
-            </p:nvSpPr>
-            <p:spPr>
-              <a:xfrm>
-                <a:off x="2197165" y="3410610"/>
-                <a:ext cx="245195" cy="276999"/>
-              </a:xfrm>
-              <a:prstGeom prst="rect">
-                <a:avLst/>
-              </a:prstGeom>
-              <a:noFill/>
-            </p:spPr>
-            <p:txBody>
-              <a:bodyPr wrap="none" lIns="0" tIns="0" rIns="0" bIns="0" rtlCol="0">
-                <a:spAutoFit/>
-              </a:bodyPr>
-              <a:lstStyle/>
-              <a:p>
-                <a14:m>
-                  <m:oMathPara xmlns:m="http://schemas.openxmlformats.org/officeDocument/2006/math">
-                    <m:oMathParaPr>
-                      <m:jc m:val="centerGroup"/>
-                    </m:oMathParaPr>
-                    <m:oMath xmlns:m="http://schemas.openxmlformats.org/officeDocument/2006/math">
-                      <m:sSub>
-                        <m:sSubPr>
-                          <m:ctrlPr>
-                            <a:rPr lang="en-US" b="0" i="1" smtClean="0">
-                              <a:latin typeface="Cambria Math" panose="02040503050406030204" pitchFamily="18" charset="0"/>
-                            </a:rPr>
-                          </m:ctrlPr>
-                        </m:sSubPr>
-                        <m:e>
-                          <m:r>
-                            <a:rPr lang="en-US" b="0" i="1" smtClean="0">
-                              <a:latin typeface="Cambria Math" panose="02040503050406030204" pitchFamily="18" charset="0"/>
-                            </a:rPr>
-                            <m:t>𝑆</m:t>
-                          </m:r>
-                        </m:e>
-                        <m:sub>
-                          <m:r>
-                            <a:rPr lang="en-US" b="0" i="1" smtClean="0">
-                              <a:latin typeface="Cambria Math" panose="02040503050406030204" pitchFamily="18" charset="0"/>
-                            </a:rPr>
-                            <m:t>𝐼</m:t>
-                          </m:r>
-                        </m:sub>
-                      </m:sSub>
-                    </m:oMath>
-                  </m:oMathPara>
-                </a14:m>
-                <a:endParaRPr lang="en-US" dirty="0"/>
-              </a:p>
-            </p:txBody>
-          </p:sp>
-        </mc:Choice>
-        <mc:Fallback>
-          <p:sp>
-            <p:nvSpPr>
-              <p:cNvPr id="66" name="TextBox 65">
-                <a:extLst>
-                  <a:ext uri="{FF2B5EF4-FFF2-40B4-BE49-F238E27FC236}">
-                    <a16:creationId xmlns:a16="http://schemas.microsoft.com/office/drawing/2014/main" id="{C8A2958B-F7E0-8D43-1E37-2A7AC017332E}"/>
-                  </a:ext>
-                </a:extLst>
-              </p:cNvPr>
-              <p:cNvSpPr txBox="1">
-                <a:spLocks noRot="1" noChangeAspect="1" noMove="1" noResize="1" noEditPoints="1" noAdjustHandles="1" noChangeArrowheads="1" noChangeShapeType="1" noTextEdit="1"/>
-              </p:cNvSpPr>
-              <p:nvPr/>
-            </p:nvSpPr>
-            <p:spPr>
-              <a:xfrm>
-                <a:off x="2197165" y="3410610"/>
-                <a:ext cx="245195" cy="276999"/>
-              </a:xfrm>
-              <a:prstGeom prst="rect">
-                <a:avLst/>
-              </a:prstGeom>
-              <a:blipFill>
-                <a:blip r:embed="rId9"/>
-                <a:stretch>
-                  <a:fillRect l="-19048" r="-4762" b="-13043"/>
-                </a:stretch>
-              </a:blipFill>
-            </p:spPr>
-            <p:txBody>
-              <a:bodyPr/>
-              <a:lstStyle/>
-              <a:p>
-                <a:r>
-                  <a:rPr lang="en-US">
-                    <a:noFill/>
-                  </a:rPr>
-                  <a:t> </a:t>
-                </a:r>
-              </a:p>
-            </p:txBody>
-          </p:sp>
-        </mc:Fallback>
-      </mc:AlternateContent>
-      <mc:AlternateContent xmlns:mc="http://schemas.openxmlformats.org/markup-compatibility/2006">
-        <mc:Choice xmlns:a14="http://schemas.microsoft.com/office/drawing/2010/main" Requires="a14">
-          <p:sp>
-            <p:nvSpPr>
-              <p:cNvPr id="68" name="TextBox 67">
-                <a:extLst>
-                  <a:ext uri="{FF2B5EF4-FFF2-40B4-BE49-F238E27FC236}">
-                    <a16:creationId xmlns:a16="http://schemas.microsoft.com/office/drawing/2014/main" id="{0BFA971C-BA8E-FFB7-FA69-CA3EDE55367A}"/>
-                  </a:ext>
-                </a:extLst>
-              </p:cNvPr>
-              <p:cNvSpPr txBox="1"/>
-              <p:nvPr/>
-            </p:nvSpPr>
-            <p:spPr>
-              <a:xfrm>
-                <a:off x="6344211" y="3474522"/>
-                <a:ext cx="295274" cy="276999"/>
-              </a:xfrm>
-              <a:prstGeom prst="rect">
-                <a:avLst/>
-              </a:prstGeom>
-              <a:noFill/>
-            </p:spPr>
-            <p:txBody>
-              <a:bodyPr wrap="none" lIns="0" tIns="0" rIns="0" bIns="0" rtlCol="0">
-                <a:spAutoFit/>
-              </a:bodyPr>
-              <a:lstStyle/>
-              <a:p>
-                <a14:m>
-                  <m:oMathPara xmlns:m="http://schemas.openxmlformats.org/officeDocument/2006/math">
-                    <m:oMathParaPr>
-                      <m:jc m:val="centerGroup"/>
-                    </m:oMathParaPr>
-                    <m:oMath xmlns:m="http://schemas.openxmlformats.org/officeDocument/2006/math">
-                      <m:sSub>
-                        <m:sSubPr>
-                          <m:ctrlPr>
-                            <a:rPr lang="en-US" b="0" i="1" smtClean="0">
-                              <a:latin typeface="Cambria Math" panose="02040503050406030204" pitchFamily="18" charset="0"/>
-                            </a:rPr>
-                          </m:ctrlPr>
-                        </m:sSubPr>
-                        <m:e>
-                          <m:r>
-                            <a:rPr lang="en-US" b="0" i="1" smtClean="0">
-                              <a:latin typeface="Cambria Math" panose="02040503050406030204" pitchFamily="18" charset="0"/>
-                            </a:rPr>
-                            <m:t>𝑆</m:t>
-                          </m:r>
-                        </m:e>
-                        <m:sub>
-                          <m:r>
-                            <a:rPr lang="en-US" b="0" i="1" smtClean="0">
-                              <a:latin typeface="Cambria Math" panose="02040503050406030204" pitchFamily="18" charset="0"/>
-                            </a:rPr>
-                            <m:t>𝑂</m:t>
-                          </m:r>
-                        </m:sub>
-                      </m:sSub>
-                    </m:oMath>
-                  </m:oMathPara>
-                </a14:m>
-                <a:endParaRPr lang="en-US" dirty="0"/>
-              </a:p>
-            </p:txBody>
-          </p:sp>
-        </mc:Choice>
-        <mc:Fallback>
-          <p:sp>
-            <p:nvSpPr>
-              <p:cNvPr id="68" name="TextBox 67">
-                <a:extLst>
-                  <a:ext uri="{FF2B5EF4-FFF2-40B4-BE49-F238E27FC236}">
-                    <a16:creationId xmlns:a16="http://schemas.microsoft.com/office/drawing/2014/main" id="{0BFA971C-BA8E-FFB7-FA69-CA3EDE55367A}"/>
-                  </a:ext>
-                </a:extLst>
-              </p:cNvPr>
-              <p:cNvSpPr txBox="1">
-                <a:spLocks noRot="1" noChangeAspect="1" noMove="1" noResize="1" noEditPoints="1" noAdjustHandles="1" noChangeArrowheads="1" noChangeShapeType="1" noTextEdit="1"/>
-              </p:cNvSpPr>
-              <p:nvPr/>
-            </p:nvSpPr>
-            <p:spPr>
-              <a:xfrm>
-                <a:off x="6344211" y="3474522"/>
-                <a:ext cx="295274" cy="276999"/>
-              </a:xfrm>
-              <a:prstGeom prst="rect">
-                <a:avLst/>
-              </a:prstGeom>
-              <a:blipFill>
-                <a:blip r:embed="rId10"/>
-                <a:stretch>
-                  <a:fillRect l="-16667" r="-4167" b="-13043"/>
-                </a:stretch>
-              </a:blipFill>
-            </p:spPr>
-            <p:txBody>
-              <a:bodyPr/>
-              <a:lstStyle/>
-              <a:p>
-                <a:r>
-                  <a:rPr lang="en-US">
-                    <a:noFill/>
-                  </a:rPr>
-                  <a:t> </a:t>
-                </a:r>
-              </a:p>
-            </p:txBody>
-          </p:sp>
-        </mc:Fallback>
-      </mc:AlternateContent>
-      <p:cxnSp>
-        <p:nvCxnSpPr>
-          <p:cNvPr id="69" name="Straight Arrow Connector 68">
-            <a:extLst>
-              <a:ext uri="{FF2B5EF4-FFF2-40B4-BE49-F238E27FC236}">
-                <a16:creationId xmlns:a16="http://schemas.microsoft.com/office/drawing/2014/main" id="{6B73C28D-92D6-29E9-997E-5CB7A6547EE9}"/>
-              </a:ext>
-            </a:extLst>
-          </p:cNvPr>
-          <p:cNvCxnSpPr>
-            <a:cxnSpLocks/>
-            <a:stCxn id="66" idx="3"/>
-            <a:endCxn id="34" idx="1"/>
-          </p:cNvCxnSpPr>
-          <p:nvPr/>
-        </p:nvCxnSpPr>
-        <p:spPr>
-          <a:xfrm>
-            <a:off x="2442360" y="3549110"/>
-            <a:ext cx="241504" cy="4916"/>
-          </a:xfrm>
-          <a:prstGeom prst="straightConnector1">
-            <a:avLst/>
-          </a:prstGeom>
-          <a:ln w="19050">
-            <a:solidFill>
-              <a:srgbClr val="0070C0"/>
-            </a:solidFill>
-            <a:tailEnd type="triangle"/>
-          </a:ln>
-        </p:spPr>
-        <p:style>
-          <a:lnRef idx="1">
-            <a:schemeClr val="accent1"/>
-          </a:lnRef>
-          <a:fillRef idx="0">
-            <a:schemeClr val="accent1"/>
-          </a:fillRef>
-          <a:effectRef idx="0">
-            <a:schemeClr val="accent1"/>
-          </a:effectRef>
-          <a:fontRef idx="minor">
-            <a:schemeClr val="tx1"/>
-          </a:fontRef>
-        </p:style>
-      </p:cxnSp>
-      <p:cxnSp>
-        <p:nvCxnSpPr>
-          <p:cNvPr id="72" name="Straight Arrow Connector 71">
-            <a:extLst>
-              <a:ext uri="{FF2B5EF4-FFF2-40B4-BE49-F238E27FC236}">
-                <a16:creationId xmlns:a16="http://schemas.microsoft.com/office/drawing/2014/main" id="{FD10E9B4-5A00-F415-559F-6BEB39870207}"/>
-              </a:ext>
-            </a:extLst>
-          </p:cNvPr>
-          <p:cNvCxnSpPr>
-            <a:cxnSpLocks/>
-            <a:stCxn id="40" idx="3"/>
-            <a:endCxn id="68" idx="1"/>
-          </p:cNvCxnSpPr>
-          <p:nvPr/>
-        </p:nvCxnSpPr>
-        <p:spPr>
-          <a:xfrm>
-            <a:off x="6064674" y="3613022"/>
-            <a:ext cx="279537" cy="0"/>
-          </a:xfrm>
-          <a:prstGeom prst="straightConnector1">
-            <a:avLst/>
-          </a:prstGeom>
-          <a:ln w="19050">
-            <a:solidFill>
-              <a:srgbClr val="0070C0"/>
-            </a:solidFill>
-            <a:tailEnd type="triangle"/>
-          </a:ln>
-        </p:spPr>
-        <p:style>
-          <a:lnRef idx="1">
-            <a:schemeClr val="accent1"/>
-          </a:lnRef>
-          <a:fillRef idx="0">
-            <a:schemeClr val="accent1"/>
-          </a:fillRef>
-          <a:effectRef idx="0">
-            <a:schemeClr val="accent1"/>
-          </a:effectRef>
-          <a:fontRef idx="minor">
-            <a:schemeClr val="tx1"/>
-          </a:fontRef>
-        </p:style>
-      </p:cxnSp>
-      <mc:AlternateContent xmlns:mc="http://schemas.openxmlformats.org/markup-compatibility/2006">
-        <mc:Choice xmlns:a14="http://schemas.microsoft.com/office/drawing/2010/main" Requires="a14">
-          <p:sp>
-            <p:nvSpPr>
-              <p:cNvPr id="76" name="TextBox 75">
-                <a:extLst>
-                  <a:ext uri="{FF2B5EF4-FFF2-40B4-BE49-F238E27FC236}">
-                    <a16:creationId xmlns:a16="http://schemas.microsoft.com/office/drawing/2014/main" id="{6A17FF63-9BFC-DDBE-6E67-B48CA90BBD94}"/>
-                  </a:ext>
-                </a:extLst>
-              </p:cNvPr>
-              <p:cNvSpPr txBox="1"/>
-              <p:nvPr/>
-            </p:nvSpPr>
-            <p:spPr>
-              <a:xfrm>
-                <a:off x="2423637" y="3227442"/>
-                <a:ext cx="281552" cy="276999"/>
-              </a:xfrm>
-              <a:prstGeom prst="rect">
-                <a:avLst/>
-              </a:prstGeom>
-              <a:noFill/>
-            </p:spPr>
-            <p:txBody>
-              <a:bodyPr wrap="square" lIns="0" tIns="0" rIns="0" bIns="0" rtlCol="0">
-                <a:spAutoFit/>
-              </a:bodyPr>
-              <a:lstStyle/>
-              <a:p>
-                <a14:m>
-                  <m:oMathPara xmlns:m="http://schemas.openxmlformats.org/officeDocument/2006/math">
-                    <m:oMathParaPr>
-                      <m:jc m:val="centerGroup"/>
-                    </m:oMathParaPr>
-                    <m:oMath xmlns:m="http://schemas.openxmlformats.org/officeDocument/2006/math">
-                      <m:sSub>
-                        <m:sSubPr>
-                          <m:ctrlPr>
-                            <a:rPr lang="en-US" b="0" i="1" smtClean="0">
-                              <a:latin typeface="Cambria Math" panose="02040503050406030204" pitchFamily="18" charset="0"/>
-                            </a:rPr>
-                          </m:ctrlPr>
-                        </m:sSubPr>
-                        <m:e>
-                          <m:r>
-                            <a:rPr lang="en-US" b="0" i="1" smtClean="0">
-                              <a:latin typeface="Cambria Math" panose="02040503050406030204" pitchFamily="18" charset="0"/>
-                            </a:rPr>
-                            <m:t>𝑘</m:t>
-                          </m:r>
-                        </m:e>
-                        <m:sub>
-                          <m:r>
-                            <a:rPr lang="en-US" b="0" i="1" smtClean="0">
-                              <a:latin typeface="Cambria Math" panose="02040503050406030204" pitchFamily="18" charset="0"/>
-                            </a:rPr>
-                            <m:t>1</m:t>
-                          </m:r>
-                        </m:sub>
-                      </m:sSub>
-                    </m:oMath>
-                  </m:oMathPara>
-                </a14:m>
-                <a:endParaRPr lang="en-US" dirty="0"/>
-              </a:p>
-            </p:txBody>
-          </p:sp>
-        </mc:Choice>
-        <mc:Fallback>
-          <p:sp>
-            <p:nvSpPr>
-              <p:cNvPr id="76" name="TextBox 75">
-                <a:extLst>
-                  <a:ext uri="{FF2B5EF4-FFF2-40B4-BE49-F238E27FC236}">
-                    <a16:creationId xmlns:a16="http://schemas.microsoft.com/office/drawing/2014/main" id="{6A17FF63-9BFC-DDBE-6E67-B48CA90BBD94}"/>
-                  </a:ext>
-                </a:extLst>
-              </p:cNvPr>
-              <p:cNvSpPr txBox="1">
-                <a:spLocks noRot="1" noChangeAspect="1" noMove="1" noResize="1" noEditPoints="1" noAdjustHandles="1" noChangeArrowheads="1" noChangeShapeType="1" noTextEdit="1"/>
-              </p:cNvSpPr>
-              <p:nvPr/>
-            </p:nvSpPr>
-            <p:spPr>
-              <a:xfrm>
-                <a:off x="2423637" y="3227442"/>
-                <a:ext cx="281552" cy="276999"/>
-              </a:xfrm>
-              <a:prstGeom prst="rect">
-                <a:avLst/>
-              </a:prstGeom>
-              <a:blipFill>
-                <a:blip r:embed="rId11"/>
-                <a:stretch>
-                  <a:fillRect l="-21739" r="-4348" b="-13043"/>
-                </a:stretch>
-              </a:blipFill>
-            </p:spPr>
-            <p:txBody>
-              <a:bodyPr/>
-              <a:lstStyle/>
-              <a:p>
-                <a:r>
-                  <a:rPr lang="en-US">
-                    <a:noFill/>
-                  </a:rPr>
-                  <a:t> </a:t>
-                </a:r>
-              </a:p>
-            </p:txBody>
-          </p:sp>
-        </mc:Fallback>
-      </mc:AlternateContent>
-      <mc:AlternateContent xmlns:mc="http://schemas.openxmlformats.org/markup-compatibility/2006">
-        <mc:Choice xmlns:a14="http://schemas.microsoft.com/office/drawing/2010/main" Requires="a14">
-          <p:sp>
-            <p:nvSpPr>
-              <p:cNvPr id="77" name="TextBox 76">
-                <a:extLst>
-                  <a:ext uri="{FF2B5EF4-FFF2-40B4-BE49-F238E27FC236}">
-                    <a16:creationId xmlns:a16="http://schemas.microsoft.com/office/drawing/2014/main" id="{DEAC5CAB-5835-E0F9-D8FF-3ACA985C2E46}"/>
-                  </a:ext>
-                </a:extLst>
-              </p:cNvPr>
-              <p:cNvSpPr txBox="1"/>
-              <p:nvPr/>
-            </p:nvSpPr>
-            <p:spPr>
-              <a:xfrm>
-                <a:off x="6066500" y="3266774"/>
-                <a:ext cx="281552" cy="276999"/>
-              </a:xfrm>
-              <a:prstGeom prst="rect">
-                <a:avLst/>
-              </a:prstGeom>
-              <a:noFill/>
-            </p:spPr>
-            <p:txBody>
-              <a:bodyPr wrap="square" lIns="0" tIns="0" rIns="0" bIns="0" rtlCol="0">
-                <a:spAutoFit/>
-              </a:bodyPr>
-              <a:lstStyle/>
-              <a:p>
-                <a14:m>
-                  <m:oMathPara xmlns:m="http://schemas.openxmlformats.org/officeDocument/2006/math">
-                    <m:oMathParaPr>
-                      <m:jc m:val="centerGroup"/>
-                    </m:oMathParaPr>
-                    <m:oMath xmlns:m="http://schemas.openxmlformats.org/officeDocument/2006/math">
-                      <m:sSub>
-                        <m:sSubPr>
-                          <m:ctrlPr>
-                            <a:rPr lang="en-US" b="0" i="1" smtClean="0">
-                              <a:latin typeface="Cambria Math" panose="02040503050406030204" pitchFamily="18" charset="0"/>
-                            </a:rPr>
-                          </m:ctrlPr>
-                        </m:sSubPr>
-                        <m:e>
-                          <m:r>
-                            <a:rPr lang="en-US" b="0" i="1" smtClean="0">
-                              <a:latin typeface="Cambria Math" panose="02040503050406030204" pitchFamily="18" charset="0"/>
-                            </a:rPr>
-                            <m:t>𝑘</m:t>
-                          </m:r>
-                        </m:e>
-                        <m:sub>
-                          <m:r>
-                            <a:rPr lang="en-US" b="0" i="1" smtClean="0">
-                              <a:latin typeface="Cambria Math" panose="02040503050406030204" pitchFamily="18" charset="0"/>
-                            </a:rPr>
-                            <m:t>4</m:t>
-                          </m:r>
-                        </m:sub>
-                      </m:sSub>
-                    </m:oMath>
-                  </m:oMathPara>
-                </a14:m>
-                <a:endParaRPr lang="en-US" dirty="0"/>
-              </a:p>
-            </p:txBody>
-          </p:sp>
-        </mc:Choice>
-        <mc:Fallback>
-          <p:sp>
-            <p:nvSpPr>
-              <p:cNvPr id="77" name="TextBox 76">
-                <a:extLst>
-                  <a:ext uri="{FF2B5EF4-FFF2-40B4-BE49-F238E27FC236}">
-                    <a16:creationId xmlns:a16="http://schemas.microsoft.com/office/drawing/2014/main" id="{DEAC5CAB-5835-E0F9-D8FF-3ACA985C2E46}"/>
-                  </a:ext>
-                </a:extLst>
-              </p:cNvPr>
-              <p:cNvSpPr txBox="1">
-                <a:spLocks noRot="1" noChangeAspect="1" noMove="1" noResize="1" noEditPoints="1" noAdjustHandles="1" noChangeArrowheads="1" noChangeShapeType="1" noTextEdit="1"/>
-              </p:cNvSpPr>
-              <p:nvPr/>
-            </p:nvSpPr>
-            <p:spPr>
-              <a:xfrm>
-                <a:off x="6066500" y="3266774"/>
-                <a:ext cx="281552" cy="276999"/>
-              </a:xfrm>
-              <a:prstGeom prst="rect">
-                <a:avLst/>
-              </a:prstGeom>
-              <a:blipFill>
-                <a:blip r:embed="rId12"/>
-                <a:stretch>
-                  <a:fillRect l="-21739" r="-8696" b="-18182"/>
-                </a:stretch>
-              </a:blipFill>
-            </p:spPr>
-            <p:txBody>
-              <a:bodyPr/>
-              <a:lstStyle/>
-              <a:p>
-                <a:r>
-                  <a:rPr lang="en-US">
-                    <a:noFill/>
-                  </a:rPr>
-                  <a:t> </a:t>
-                </a:r>
-              </a:p>
-            </p:txBody>
-          </p:sp>
-        </mc:Fallback>
-      </mc:AlternateContent>
-      <p:cxnSp>
-        <p:nvCxnSpPr>
-          <p:cNvPr id="78" name="Straight Arrow Connector 77">
-            <a:extLst>
-              <a:ext uri="{FF2B5EF4-FFF2-40B4-BE49-F238E27FC236}">
-                <a16:creationId xmlns:a16="http://schemas.microsoft.com/office/drawing/2014/main" id="{C37FD6ED-B723-42FF-5B4E-CA928633D11D}"/>
-              </a:ext>
-            </a:extLst>
-          </p:cNvPr>
-          <p:cNvCxnSpPr>
-            <a:cxnSpLocks/>
-            <a:stCxn id="68" idx="2"/>
-            <a:endCxn id="83" idx="0"/>
-          </p:cNvCxnSpPr>
-          <p:nvPr/>
-        </p:nvCxnSpPr>
-        <p:spPr>
-          <a:xfrm>
-            <a:off x="6491848" y="3751521"/>
-            <a:ext cx="2623" cy="304293"/>
-          </a:xfrm>
-          <a:prstGeom prst="straightConnector1">
-            <a:avLst/>
-          </a:prstGeom>
-          <a:ln w="19050">
-            <a:solidFill>
-              <a:srgbClr val="0070C0"/>
-            </a:solidFill>
-            <a:tailEnd type="triangle"/>
-          </a:ln>
-        </p:spPr>
-        <p:style>
-          <a:lnRef idx="1">
-            <a:schemeClr val="accent1"/>
-          </a:lnRef>
-          <a:fillRef idx="0">
-            <a:schemeClr val="accent1"/>
-          </a:fillRef>
-          <a:effectRef idx="0">
-            <a:schemeClr val="accent1"/>
-          </a:effectRef>
-          <a:fontRef idx="minor">
-            <a:schemeClr val="tx1"/>
-          </a:fontRef>
-        </p:style>
-      </p:cxnSp>
-      <mc:AlternateContent xmlns:mc="http://schemas.openxmlformats.org/markup-compatibility/2006">
-        <mc:Choice xmlns:a14="http://schemas.microsoft.com/office/drawing/2010/main" Requires="a14">
-          <p:sp>
-            <p:nvSpPr>
-              <p:cNvPr id="83" name="TextBox 82">
-                <a:extLst>
-                  <a:ext uri="{FF2B5EF4-FFF2-40B4-BE49-F238E27FC236}">
-                    <a16:creationId xmlns:a16="http://schemas.microsoft.com/office/drawing/2014/main" id="{A333496A-DB0F-838C-DC04-9CC4FA4B87E1}"/>
-                  </a:ext>
-                </a:extLst>
-              </p:cNvPr>
-              <p:cNvSpPr txBox="1"/>
-              <p:nvPr/>
-            </p:nvSpPr>
-            <p:spPr>
-              <a:xfrm>
-                <a:off x="6395886" y="4055814"/>
-                <a:ext cx="197169" cy="276999"/>
-              </a:xfrm>
-              <a:prstGeom prst="rect">
-                <a:avLst/>
-              </a:prstGeom>
-              <a:noFill/>
-            </p:spPr>
-            <p:txBody>
-              <a:bodyPr wrap="none" lIns="0" tIns="0" rIns="0" bIns="0" rtlCol="0">
-                <a:spAutoFit/>
-              </a:bodyPr>
-              <a:lstStyle/>
-              <a:p>
-                <a14:m>
-                  <m:oMathPara xmlns:m="http://schemas.openxmlformats.org/officeDocument/2006/math">
-                    <m:oMathParaPr>
-                      <m:jc m:val="centerGroup"/>
-                    </m:oMathParaPr>
-                    <m:oMath xmlns:m="http://schemas.openxmlformats.org/officeDocument/2006/math">
-                      <m:r>
-                        <a:rPr lang="en-US" i="1" smtClean="0">
-                          <a:latin typeface="Cambria Math" panose="02040503050406030204" pitchFamily="18" charset="0"/>
-                          <a:ea typeface="Cambria Math" panose="02040503050406030204" pitchFamily="18" charset="0"/>
-                        </a:rPr>
-                        <m:t>∅</m:t>
-                      </m:r>
-                    </m:oMath>
-                  </m:oMathPara>
-                </a14:m>
-                <a:endParaRPr lang="en-US" dirty="0"/>
-              </a:p>
-            </p:txBody>
-          </p:sp>
-        </mc:Choice>
-        <mc:Fallback>
-          <p:sp>
-            <p:nvSpPr>
-              <p:cNvPr id="83" name="TextBox 82">
-                <a:extLst>
-                  <a:ext uri="{FF2B5EF4-FFF2-40B4-BE49-F238E27FC236}">
-                    <a16:creationId xmlns:a16="http://schemas.microsoft.com/office/drawing/2014/main" id="{A333496A-DB0F-838C-DC04-9CC4FA4B87E1}"/>
-                  </a:ext>
-                </a:extLst>
-              </p:cNvPr>
-              <p:cNvSpPr txBox="1">
-                <a:spLocks noRot="1" noChangeAspect="1" noMove="1" noResize="1" noEditPoints="1" noAdjustHandles="1" noChangeArrowheads="1" noChangeShapeType="1" noTextEdit="1"/>
-              </p:cNvSpPr>
-              <p:nvPr/>
-            </p:nvSpPr>
-            <p:spPr>
-              <a:xfrm>
-                <a:off x="6395886" y="4055814"/>
-                <a:ext cx="197169" cy="276999"/>
-              </a:xfrm>
-              <a:prstGeom prst="rect">
-                <a:avLst/>
-              </a:prstGeom>
-              <a:blipFill>
-                <a:blip r:embed="rId13"/>
-                <a:stretch>
-                  <a:fillRect l="-35294" r="-29412" b="-21739"/>
-                </a:stretch>
-              </a:blipFill>
-            </p:spPr>
-            <p:txBody>
-              <a:bodyPr/>
-              <a:lstStyle/>
-              <a:p>
-                <a:r>
-                  <a:rPr lang="en-US">
-                    <a:noFill/>
-                  </a:rPr>
-                  <a:t> </a:t>
-                </a:r>
-              </a:p>
-            </p:txBody>
-          </p:sp>
-        </mc:Fallback>
-      </mc:AlternateContent>
-      <mc:AlternateContent xmlns:mc="http://schemas.openxmlformats.org/markup-compatibility/2006">
-        <mc:Choice xmlns:a14="http://schemas.microsoft.com/office/drawing/2010/main" Requires="a14">
-          <p:sp>
-            <p:nvSpPr>
-              <p:cNvPr id="84" name="TextBox 83">
-                <a:extLst>
-                  <a:ext uri="{FF2B5EF4-FFF2-40B4-BE49-F238E27FC236}">
-                    <a16:creationId xmlns:a16="http://schemas.microsoft.com/office/drawing/2014/main" id="{1EB25DCB-6FB6-E5A0-B790-6A52A16EE832}"/>
-                  </a:ext>
-                </a:extLst>
-              </p:cNvPr>
-              <p:cNvSpPr txBox="1"/>
-              <p:nvPr/>
-            </p:nvSpPr>
-            <p:spPr>
-              <a:xfrm>
-                <a:off x="6553196" y="3723975"/>
-                <a:ext cx="281552" cy="276999"/>
-              </a:xfrm>
-              <a:prstGeom prst="rect">
-                <a:avLst/>
-              </a:prstGeom>
-              <a:noFill/>
-            </p:spPr>
-            <p:txBody>
-              <a:bodyPr wrap="square" lIns="0" tIns="0" rIns="0" bIns="0" rtlCol="0">
-                <a:spAutoFit/>
-              </a:bodyPr>
-              <a:lstStyle/>
-              <a:p>
-                <a14:m>
-                  <m:oMathPara xmlns:m="http://schemas.openxmlformats.org/officeDocument/2006/math">
-                    <m:oMathParaPr>
-                      <m:jc m:val="centerGroup"/>
-                    </m:oMathParaPr>
-                    <m:oMath xmlns:m="http://schemas.openxmlformats.org/officeDocument/2006/math">
-                      <m:sSub>
-                        <m:sSubPr>
-                          <m:ctrlPr>
-                            <a:rPr lang="en-US" b="0" i="1" smtClean="0">
-                              <a:latin typeface="Cambria Math" panose="02040503050406030204" pitchFamily="18" charset="0"/>
-                            </a:rPr>
-                          </m:ctrlPr>
-                        </m:sSubPr>
-                        <m:e>
-                          <m:r>
-                            <a:rPr lang="en-US" b="0" i="1" smtClean="0">
-                              <a:latin typeface="Cambria Math" panose="02040503050406030204" pitchFamily="18" charset="0"/>
-                            </a:rPr>
-                            <m:t>𝑘</m:t>
-                          </m:r>
-                        </m:e>
-                        <m:sub>
-                          <m:r>
-                            <a:rPr lang="en-US" b="0" i="1" smtClean="0">
-                              <a:latin typeface="Cambria Math" panose="02040503050406030204" pitchFamily="18" charset="0"/>
-                            </a:rPr>
-                            <m:t>6</m:t>
-                          </m:r>
-                        </m:sub>
-                      </m:sSub>
-                    </m:oMath>
-                  </m:oMathPara>
-                </a14:m>
-                <a:endParaRPr lang="en-US" dirty="0"/>
-              </a:p>
-            </p:txBody>
-          </p:sp>
-        </mc:Choice>
-        <mc:Fallback>
-          <p:sp>
-            <p:nvSpPr>
-              <p:cNvPr id="84" name="TextBox 83">
-                <a:extLst>
-                  <a:ext uri="{FF2B5EF4-FFF2-40B4-BE49-F238E27FC236}">
-                    <a16:creationId xmlns:a16="http://schemas.microsoft.com/office/drawing/2014/main" id="{1EB25DCB-6FB6-E5A0-B790-6A52A16EE832}"/>
-                  </a:ext>
-                </a:extLst>
-              </p:cNvPr>
-              <p:cNvSpPr txBox="1">
-                <a:spLocks noRot="1" noChangeAspect="1" noMove="1" noResize="1" noEditPoints="1" noAdjustHandles="1" noChangeArrowheads="1" noChangeShapeType="1" noTextEdit="1"/>
-              </p:cNvSpPr>
-              <p:nvPr/>
-            </p:nvSpPr>
-            <p:spPr>
-              <a:xfrm>
-                <a:off x="6553196" y="3723975"/>
-                <a:ext cx="281552" cy="276999"/>
-              </a:xfrm>
-              <a:prstGeom prst="rect">
-                <a:avLst/>
-              </a:prstGeom>
-              <a:blipFill>
-                <a:blip r:embed="rId14"/>
-                <a:stretch>
-                  <a:fillRect l="-21739" r="-4348" b="-18182"/>
-                </a:stretch>
-              </a:blipFill>
-            </p:spPr>
-            <p:txBody>
-              <a:bodyPr/>
-              <a:lstStyle/>
-              <a:p>
-                <a:r>
-                  <a:rPr lang="en-US">
-                    <a:noFill/>
-                  </a:rPr>
-                  <a:t> </a:t>
-                </a:r>
-              </a:p>
-            </p:txBody>
-          </p:sp>
-        </mc:Fallback>
-      </mc:AlternateContent>
-      <p:sp>
-        <p:nvSpPr>
-          <p:cNvPr id="86" name="Title 85">
-            <a:extLst>
-              <a:ext uri="{FF2B5EF4-FFF2-40B4-BE49-F238E27FC236}">
-                <a16:creationId xmlns:a16="http://schemas.microsoft.com/office/drawing/2014/main" id="{52A30558-4A7C-340E-B8A4-599A1D03098C}"/>
-              </a:ext>
-            </a:extLst>
-          </p:cNvPr>
-          <p:cNvSpPr>
-            <a:spLocks noGrp="1"/>
-          </p:cNvSpPr>
-          <p:nvPr>
-            <p:ph type="title"/>
-          </p:nvPr>
-        </p:nvSpPr>
-        <p:spPr/>
-        <p:txBody>
-          <a:bodyPr/>
-          <a:lstStyle/>
-          <a:p>
-            <a:r>
-              <a:rPr lang="en-US" dirty="0"/>
-              <a:t>Fork-Join</a:t>
-            </a:r>
-          </a:p>
-        </p:txBody>
-      </p:sp>
-      <p:sp>
-        <p:nvSpPr>
-          <p:cNvPr id="88" name="Rectangle 87">
-            <a:extLst>
-              <a:ext uri="{FF2B5EF4-FFF2-40B4-BE49-F238E27FC236}">
-                <a16:creationId xmlns:a16="http://schemas.microsoft.com/office/drawing/2014/main" id="{8DAC947B-86BB-4773-5341-D1C3A5D55604}"/>
-              </a:ext>
-            </a:extLst>
-          </p:cNvPr>
-          <p:cNvSpPr/>
-          <p:nvPr/>
-        </p:nvSpPr>
-        <p:spPr>
-          <a:xfrm>
-            <a:off x="3590260" y="3844074"/>
-            <a:ext cx="1361346" cy="914400"/>
-          </a:xfrm>
-          <a:prstGeom prst="rect">
-            <a:avLst/>
-          </a:prstGeom>
-        </p:spPr>
-        <p:style>
-          <a:lnRef idx="2">
-            <a:schemeClr val="accent1">
-              <a:shade val="15000"/>
-            </a:schemeClr>
-          </a:lnRef>
-          <a:fillRef idx="1">
-            <a:schemeClr val="accent1"/>
-          </a:fillRef>
-          <a:effectRef idx="0">
-            <a:schemeClr val="accent1"/>
-          </a:effectRef>
-          <a:fontRef idx="minor">
-            <a:schemeClr val="lt1"/>
-          </a:fontRef>
-        </p:style>
-        <p:txBody>
-          <a:bodyPr rtlCol="0" anchor="ctr"/>
-          <a:lstStyle/>
-          <a:p>
-            <a:pPr algn="ctr"/>
-            <a:endParaRPr lang="en-US" dirty="0"/>
-          </a:p>
-        </p:txBody>
-      </p:sp>
-      <mc:AlternateContent xmlns:mc="http://schemas.openxmlformats.org/markup-compatibility/2006">
-        <mc:Choice xmlns:a14="http://schemas.microsoft.com/office/drawing/2010/main" Requires="a14">
-          <p:sp>
-            <p:nvSpPr>
-              <p:cNvPr id="89" name="TextBox 88">
-                <a:extLst>
-                  <a:ext uri="{FF2B5EF4-FFF2-40B4-BE49-F238E27FC236}">
-                    <a16:creationId xmlns:a16="http://schemas.microsoft.com/office/drawing/2014/main" id="{35C3B2DD-31B9-9E6D-CC0B-33EC85B6777B}"/>
-                  </a:ext>
-                </a:extLst>
-              </p:cNvPr>
-              <p:cNvSpPr txBox="1"/>
-              <p:nvPr/>
-            </p:nvSpPr>
-            <p:spPr>
-              <a:xfrm>
-                <a:off x="4043883" y="3891336"/>
-                <a:ext cx="540340" cy="246221"/>
-              </a:xfrm>
-              <a:prstGeom prst="rect">
-                <a:avLst/>
-              </a:prstGeom>
-              <a:noFill/>
-            </p:spPr>
-            <p:txBody>
-              <a:bodyPr wrap="none" lIns="0" tIns="0" rIns="0" bIns="0" rtlCol="0">
-                <a:spAutoFit/>
-              </a:bodyPr>
-              <a:lstStyle/>
-              <a:p>
-                <a14:m>
-                  <m:oMathPara xmlns:m="http://schemas.openxmlformats.org/officeDocument/2006/math">
-                    <m:oMathParaPr>
-                      <m:jc m:val="centerGroup"/>
-                    </m:oMathParaPr>
-                    <m:oMath xmlns:m="http://schemas.openxmlformats.org/officeDocument/2006/math">
-                      <m:r>
-                        <a:rPr lang="en-US" sz="1600" b="0" i="1" smtClean="0">
-                          <a:solidFill>
-                            <a:schemeClr val="bg1"/>
-                          </a:solidFill>
-                          <a:latin typeface="Cambria Math" panose="02040503050406030204" pitchFamily="18" charset="0"/>
-                        </a:rPr>
-                        <m:t>𝐺</m:t>
-                      </m:r>
-                      <m:r>
-                        <a:rPr lang="en-US" sz="1600" b="0" i="1" baseline="30000" smtClean="0">
-                          <a:solidFill>
-                            <a:schemeClr val="bg1"/>
-                          </a:solidFill>
-                          <a:latin typeface="Cambria Math" panose="02040503050406030204" pitchFamily="18" charset="0"/>
-                        </a:rPr>
-                        <m:t>𝐵</m:t>
-                      </m:r>
-                      <m:r>
-                        <a:rPr lang="en-US" sz="1600" b="0" i="1" smtClean="0">
-                          <a:solidFill>
-                            <a:schemeClr val="bg1"/>
-                          </a:solidFill>
-                          <a:latin typeface="Cambria Math" panose="02040503050406030204" pitchFamily="18" charset="0"/>
-                        </a:rPr>
-                        <m:t>(</m:t>
-                      </m:r>
-                      <m:r>
-                        <a:rPr lang="en-US" sz="1600" b="0" i="1" smtClean="0">
-                          <a:solidFill>
-                            <a:schemeClr val="bg1"/>
-                          </a:solidFill>
-                          <a:latin typeface="Cambria Math" panose="02040503050406030204" pitchFamily="18" charset="0"/>
-                        </a:rPr>
-                        <m:t>𝑠</m:t>
-                      </m:r>
-                      <m:r>
-                        <a:rPr lang="en-US" sz="1600" b="0" i="1" smtClean="0">
-                          <a:solidFill>
-                            <a:schemeClr val="bg1"/>
-                          </a:solidFill>
-                          <a:latin typeface="Cambria Math" panose="02040503050406030204" pitchFamily="18" charset="0"/>
-                        </a:rPr>
-                        <m:t>)</m:t>
-                      </m:r>
-                    </m:oMath>
-                  </m:oMathPara>
-                </a14:m>
-                <a:endParaRPr lang="en-US" sz="1600" dirty="0">
-                  <a:solidFill>
-                    <a:schemeClr val="bg1"/>
-                  </a:solidFill>
-                </a:endParaRPr>
-              </a:p>
-            </p:txBody>
-          </p:sp>
-        </mc:Choice>
-        <mc:Fallback>
-          <p:sp>
-            <p:nvSpPr>
-              <p:cNvPr id="89" name="TextBox 88">
-                <a:extLst>
-                  <a:ext uri="{FF2B5EF4-FFF2-40B4-BE49-F238E27FC236}">
-                    <a16:creationId xmlns:a16="http://schemas.microsoft.com/office/drawing/2014/main" id="{35C3B2DD-31B9-9E6D-CC0B-33EC85B6777B}"/>
-                  </a:ext>
-                </a:extLst>
-              </p:cNvPr>
-              <p:cNvSpPr txBox="1">
-                <a:spLocks noRot="1" noChangeAspect="1" noMove="1" noResize="1" noEditPoints="1" noAdjustHandles="1" noChangeArrowheads="1" noChangeShapeType="1" noTextEdit="1"/>
-              </p:cNvSpPr>
-              <p:nvPr/>
-            </p:nvSpPr>
-            <p:spPr>
-              <a:xfrm>
-                <a:off x="4043883" y="3891336"/>
-                <a:ext cx="540340" cy="246221"/>
-              </a:xfrm>
-              <a:prstGeom prst="rect">
-                <a:avLst/>
-              </a:prstGeom>
-              <a:blipFill>
-                <a:blip r:embed="rId15"/>
-                <a:stretch>
-                  <a:fillRect l="-9302" r="-13953" b="-40000"/>
-                </a:stretch>
-              </a:blipFill>
-            </p:spPr>
-            <p:txBody>
-              <a:bodyPr/>
-              <a:lstStyle/>
-              <a:p>
-                <a:r>
-                  <a:rPr lang="en-US">
-                    <a:noFill/>
-                  </a:rPr>
-                  <a:t> </a:t>
-                </a:r>
-              </a:p>
-            </p:txBody>
-          </p:sp>
-        </mc:Fallback>
-      </mc:AlternateContent>
-      <mc:AlternateContent xmlns:mc="http://schemas.openxmlformats.org/markup-compatibility/2006">
-        <mc:Choice xmlns:a14="http://schemas.microsoft.com/office/drawing/2010/main" Requires="a14">
-          <p:sp>
-            <p:nvSpPr>
-              <p:cNvPr id="90" name="TextBox 89">
-                <a:extLst>
-                  <a:ext uri="{FF2B5EF4-FFF2-40B4-BE49-F238E27FC236}">
-                    <a16:creationId xmlns:a16="http://schemas.microsoft.com/office/drawing/2014/main" id="{88C7885D-72B5-BA4C-D147-3FE58E0AE428}"/>
-                  </a:ext>
-                </a:extLst>
-              </p:cNvPr>
-              <p:cNvSpPr txBox="1"/>
-              <p:nvPr/>
-            </p:nvSpPr>
-            <p:spPr>
-              <a:xfrm>
-                <a:off x="3631153" y="4148030"/>
-                <a:ext cx="607281" cy="276999"/>
-              </a:xfrm>
-              <a:prstGeom prst="rect">
-                <a:avLst/>
-              </a:prstGeom>
-              <a:noFill/>
-            </p:spPr>
-            <p:txBody>
-              <a:bodyPr wrap="none" lIns="0" tIns="0" rIns="0" bIns="0" rtlCol="0">
-                <a:spAutoFit/>
-              </a:bodyPr>
-              <a:lstStyle/>
-              <a:p>
-                <a14:m>
-                  <m:oMathPara xmlns:m="http://schemas.openxmlformats.org/officeDocument/2006/math">
-                    <m:oMathParaPr>
-                      <m:jc m:val="centerGroup"/>
-                    </m:oMathParaPr>
-                    <m:oMath xmlns:m="http://schemas.openxmlformats.org/officeDocument/2006/math">
-                      <m:sSub>
-                        <m:sSubPr>
-                          <m:ctrlPr>
-                            <a:rPr lang="en-US" b="0" i="1" smtClean="0">
-                              <a:solidFill>
-                                <a:schemeClr val="bg1"/>
-                              </a:solidFill>
-                              <a:latin typeface="Cambria Math" panose="02040503050406030204" pitchFamily="18" charset="0"/>
-                            </a:rPr>
-                          </m:ctrlPr>
-                        </m:sSubPr>
-                        <m:e>
-                          <m:r>
-                            <a:rPr lang="en-US" b="0" i="1" smtClean="0">
-                              <a:solidFill>
-                                <a:schemeClr val="bg1"/>
-                              </a:solidFill>
-                              <a:latin typeface="Cambria Math" panose="02040503050406030204" pitchFamily="18" charset="0"/>
-                            </a:rPr>
-                            <m:t>𝑁</m:t>
-                          </m:r>
-                          <m:r>
-                            <a:rPr lang="en-US" b="0" i="1" baseline="30000" smtClean="0">
-                              <a:solidFill>
-                                <a:schemeClr val="bg1"/>
-                              </a:solidFill>
-                              <a:latin typeface="Cambria Math" panose="02040503050406030204" pitchFamily="18" charset="0"/>
-                            </a:rPr>
-                            <m:t>𝐵</m:t>
-                          </m:r>
-                          <m:r>
-                            <a:rPr lang="en-US" b="0" i="1" smtClean="0">
-                              <a:solidFill>
-                                <a:schemeClr val="bg1"/>
-                              </a:solidFill>
-                              <a:latin typeface="Cambria Math" panose="02040503050406030204" pitchFamily="18" charset="0"/>
-                            </a:rPr>
-                            <m:t>.</m:t>
-                          </m:r>
-                          <m:r>
-                            <a:rPr lang="en-US" b="0" i="1" smtClean="0">
-                              <a:solidFill>
-                                <a:schemeClr val="bg1"/>
-                              </a:solidFill>
-                              <a:latin typeface="Cambria Math" panose="02040503050406030204" pitchFamily="18" charset="0"/>
-                            </a:rPr>
-                            <m:t>𝑆</m:t>
-                          </m:r>
-                        </m:e>
-                        <m:sub>
-                          <m:r>
-                            <a:rPr lang="en-US" b="0" i="1" smtClean="0">
-                              <a:solidFill>
-                                <a:schemeClr val="bg1"/>
-                              </a:solidFill>
-                              <a:latin typeface="Cambria Math" panose="02040503050406030204" pitchFamily="18" charset="0"/>
-                            </a:rPr>
-                            <m:t>𝐼</m:t>
-                          </m:r>
-                        </m:sub>
-                      </m:sSub>
-                    </m:oMath>
-                  </m:oMathPara>
-                </a14:m>
-                <a:endParaRPr lang="en-US" dirty="0">
-                  <a:solidFill>
-                    <a:schemeClr val="bg1"/>
-                  </a:solidFill>
-                </a:endParaRPr>
-              </a:p>
-            </p:txBody>
-          </p:sp>
-        </mc:Choice>
-        <mc:Fallback>
-          <p:sp>
-            <p:nvSpPr>
-              <p:cNvPr id="90" name="TextBox 89">
-                <a:extLst>
-                  <a:ext uri="{FF2B5EF4-FFF2-40B4-BE49-F238E27FC236}">
-                    <a16:creationId xmlns:a16="http://schemas.microsoft.com/office/drawing/2014/main" id="{88C7885D-72B5-BA4C-D147-3FE58E0AE428}"/>
-                  </a:ext>
-                </a:extLst>
-              </p:cNvPr>
-              <p:cNvSpPr txBox="1">
-                <a:spLocks noRot="1" noChangeAspect="1" noMove="1" noResize="1" noEditPoints="1" noAdjustHandles="1" noChangeArrowheads="1" noChangeShapeType="1" noTextEdit="1"/>
-              </p:cNvSpPr>
-              <p:nvPr/>
-            </p:nvSpPr>
-            <p:spPr>
-              <a:xfrm>
-                <a:off x="3631153" y="4148030"/>
-                <a:ext cx="607281" cy="276999"/>
-              </a:xfrm>
-              <a:prstGeom prst="rect">
-                <a:avLst/>
-              </a:prstGeom>
-              <a:blipFill>
-                <a:blip r:embed="rId16"/>
-                <a:stretch>
-                  <a:fillRect l="-10417" r="-2083" b="-13043"/>
-                </a:stretch>
-              </a:blipFill>
-            </p:spPr>
-            <p:txBody>
-              <a:bodyPr/>
-              <a:lstStyle/>
-              <a:p>
-                <a:r>
-                  <a:rPr lang="en-US">
-                    <a:noFill/>
-                  </a:rPr>
-                  <a:t> </a:t>
-                </a:r>
-              </a:p>
-            </p:txBody>
-          </p:sp>
-        </mc:Fallback>
-      </mc:AlternateContent>
-      <mc:AlternateContent xmlns:mc="http://schemas.openxmlformats.org/markup-compatibility/2006">
-        <mc:Choice xmlns:a14="http://schemas.microsoft.com/office/drawing/2010/main" Requires="a14">
-          <p:sp>
-            <p:nvSpPr>
-              <p:cNvPr id="91" name="TextBox 90">
-                <a:extLst>
-                  <a:ext uri="{FF2B5EF4-FFF2-40B4-BE49-F238E27FC236}">
-                    <a16:creationId xmlns:a16="http://schemas.microsoft.com/office/drawing/2014/main" id="{09183DA1-6364-F35C-46DB-D1C138DCDDA1}"/>
-                  </a:ext>
-                </a:extLst>
-              </p:cNvPr>
-              <p:cNvSpPr txBox="1"/>
-              <p:nvPr/>
-            </p:nvSpPr>
-            <p:spPr>
-              <a:xfrm>
-                <a:off x="4324328" y="4162778"/>
-                <a:ext cx="657359" cy="276999"/>
-              </a:xfrm>
-              <a:prstGeom prst="rect">
-                <a:avLst/>
-              </a:prstGeom>
-              <a:noFill/>
-            </p:spPr>
-            <p:txBody>
-              <a:bodyPr wrap="none" lIns="0" tIns="0" rIns="0" bIns="0" rtlCol="0">
-                <a:spAutoFit/>
-              </a:bodyPr>
-              <a:lstStyle/>
-              <a:p>
-                <a14:m>
-                  <m:oMathPara xmlns:m="http://schemas.openxmlformats.org/officeDocument/2006/math">
-                    <m:oMathParaPr>
-                      <m:jc m:val="centerGroup"/>
-                    </m:oMathParaPr>
-                    <m:oMath xmlns:m="http://schemas.openxmlformats.org/officeDocument/2006/math">
-                      <m:sSub>
-                        <m:sSubPr>
-                          <m:ctrlPr>
-                            <a:rPr lang="en-US" b="0" i="1" smtClean="0">
-                              <a:solidFill>
-                                <a:schemeClr val="bg1"/>
-                              </a:solidFill>
-                              <a:latin typeface="Cambria Math" panose="02040503050406030204" pitchFamily="18" charset="0"/>
-                            </a:rPr>
-                          </m:ctrlPr>
-                        </m:sSubPr>
-                        <m:e>
-                          <m:r>
-                            <a:rPr lang="en-US" b="0" i="1" smtClean="0">
-                              <a:solidFill>
-                                <a:schemeClr val="bg1"/>
-                              </a:solidFill>
-                              <a:latin typeface="Cambria Math" panose="02040503050406030204" pitchFamily="18" charset="0"/>
-                            </a:rPr>
-                            <m:t>𝑁</m:t>
-                          </m:r>
-                          <m:r>
-                            <a:rPr lang="en-US" b="0" i="1" baseline="30000" smtClean="0">
-                              <a:solidFill>
-                                <a:schemeClr val="bg1"/>
-                              </a:solidFill>
-                              <a:latin typeface="Cambria Math" panose="02040503050406030204" pitchFamily="18" charset="0"/>
-                            </a:rPr>
-                            <m:t>𝐵</m:t>
-                          </m:r>
-                          <m:r>
-                            <a:rPr lang="en-US" b="0" i="1" smtClean="0">
-                              <a:solidFill>
-                                <a:schemeClr val="bg1"/>
-                              </a:solidFill>
-                              <a:latin typeface="Cambria Math" panose="02040503050406030204" pitchFamily="18" charset="0"/>
-                            </a:rPr>
-                            <m:t>.</m:t>
-                          </m:r>
-                          <m:r>
-                            <a:rPr lang="en-US" b="0" i="1" smtClean="0">
-                              <a:solidFill>
-                                <a:schemeClr val="bg1"/>
-                              </a:solidFill>
-                              <a:latin typeface="Cambria Math" panose="02040503050406030204" pitchFamily="18" charset="0"/>
-                            </a:rPr>
-                            <m:t>𝑆</m:t>
-                          </m:r>
-                        </m:e>
-                        <m:sub>
-                          <m:r>
-                            <a:rPr lang="en-US" b="0" i="1" smtClean="0">
-                              <a:solidFill>
-                                <a:schemeClr val="bg1"/>
-                              </a:solidFill>
-                              <a:latin typeface="Cambria Math" panose="02040503050406030204" pitchFamily="18" charset="0"/>
-                            </a:rPr>
-                            <m:t>𝑂</m:t>
-                          </m:r>
-                        </m:sub>
-                      </m:sSub>
-                    </m:oMath>
-                  </m:oMathPara>
-                </a14:m>
-                <a:endParaRPr lang="en-US" dirty="0">
-                  <a:solidFill>
-                    <a:schemeClr val="bg1"/>
-                  </a:solidFill>
-                </a:endParaRPr>
-              </a:p>
-            </p:txBody>
-          </p:sp>
-        </mc:Choice>
-        <mc:Fallback>
-          <p:sp>
-            <p:nvSpPr>
-              <p:cNvPr id="91" name="TextBox 90">
-                <a:extLst>
-                  <a:ext uri="{FF2B5EF4-FFF2-40B4-BE49-F238E27FC236}">
-                    <a16:creationId xmlns:a16="http://schemas.microsoft.com/office/drawing/2014/main" id="{09183DA1-6364-F35C-46DB-D1C138DCDDA1}"/>
-                  </a:ext>
-                </a:extLst>
-              </p:cNvPr>
-              <p:cNvSpPr txBox="1">
-                <a:spLocks noRot="1" noChangeAspect="1" noMove="1" noResize="1" noEditPoints="1" noAdjustHandles="1" noChangeArrowheads="1" noChangeShapeType="1" noTextEdit="1"/>
-              </p:cNvSpPr>
-              <p:nvPr/>
-            </p:nvSpPr>
-            <p:spPr>
-              <a:xfrm>
-                <a:off x="4324328" y="4162778"/>
-                <a:ext cx="657359" cy="276999"/>
-              </a:xfrm>
-              <a:prstGeom prst="rect">
-                <a:avLst/>
-              </a:prstGeom>
-              <a:blipFill>
-                <a:blip r:embed="rId17"/>
-                <a:stretch>
-                  <a:fillRect l="-7547" r="-1887" b="-13043"/>
-                </a:stretch>
-              </a:blipFill>
-            </p:spPr>
-            <p:txBody>
-              <a:bodyPr/>
-              <a:lstStyle/>
-              <a:p>
-                <a:r>
-                  <a:rPr lang="en-US">
-                    <a:noFill/>
-                  </a:rPr>
-                  <a:t> </a:t>
-                </a:r>
-              </a:p>
-            </p:txBody>
-          </p:sp>
-        </mc:Fallback>
-      </mc:AlternateContent>
-      <p:cxnSp>
-        <p:nvCxnSpPr>
-          <p:cNvPr id="95" name="Straight Arrow Connector 94">
-            <a:extLst>
-              <a:ext uri="{FF2B5EF4-FFF2-40B4-BE49-F238E27FC236}">
-                <a16:creationId xmlns:a16="http://schemas.microsoft.com/office/drawing/2014/main" id="{368B1C18-C27E-F3E2-DB68-01E3D2FBEA9B}"/>
-              </a:ext>
-            </a:extLst>
-          </p:cNvPr>
-          <p:cNvCxnSpPr>
-            <a:cxnSpLocks/>
-            <a:stCxn id="34" idx="3"/>
-            <a:endCxn id="88" idx="1"/>
-          </p:cNvCxnSpPr>
-          <p:nvPr/>
-        </p:nvCxnSpPr>
-        <p:spPr>
-          <a:xfrm>
-            <a:off x="2956311" y="3554026"/>
-            <a:ext cx="633949" cy="747248"/>
-          </a:xfrm>
-          <a:prstGeom prst="straightConnector1">
-            <a:avLst/>
-          </a:prstGeom>
-          <a:ln w="19050">
-            <a:solidFill>
-              <a:srgbClr val="0070C0"/>
-            </a:solidFill>
-            <a:tailEnd type="triangle"/>
-          </a:ln>
-        </p:spPr>
-        <p:style>
-          <a:lnRef idx="1">
-            <a:schemeClr val="accent1"/>
-          </a:lnRef>
-          <a:fillRef idx="0">
-            <a:schemeClr val="accent1"/>
-          </a:fillRef>
-          <a:effectRef idx="0">
-            <a:schemeClr val="accent1"/>
-          </a:effectRef>
-          <a:fontRef idx="minor">
-            <a:schemeClr val="tx1"/>
-          </a:fontRef>
-        </p:style>
-      </p:cxnSp>
-      <mc:AlternateContent xmlns:mc="http://schemas.openxmlformats.org/markup-compatibility/2006">
-        <mc:Choice xmlns:a14="http://schemas.microsoft.com/office/drawing/2010/main" Requires="a14">
-          <p:sp>
-            <p:nvSpPr>
-              <p:cNvPr id="98" name="TextBox 97">
-                <a:extLst>
-                  <a:ext uri="{FF2B5EF4-FFF2-40B4-BE49-F238E27FC236}">
-                    <a16:creationId xmlns:a16="http://schemas.microsoft.com/office/drawing/2014/main" id="{C460A637-B205-D2DF-34B6-BBD86031CE3C}"/>
-                  </a:ext>
-                </a:extLst>
-              </p:cNvPr>
-              <p:cNvSpPr txBox="1"/>
-              <p:nvPr/>
-            </p:nvSpPr>
-            <p:spPr>
-              <a:xfrm>
-                <a:off x="3003739" y="4048440"/>
-                <a:ext cx="281552" cy="280846"/>
-              </a:xfrm>
-              <a:prstGeom prst="rect">
-                <a:avLst/>
-              </a:prstGeom>
-              <a:noFill/>
-            </p:spPr>
-            <p:txBody>
-              <a:bodyPr wrap="square" lIns="0" tIns="0" rIns="0" bIns="0" rtlCol="0">
-                <a:spAutoFit/>
-              </a:bodyPr>
-              <a:lstStyle/>
-              <a:p>
-                <a14:m>
-                  <m:oMathPara xmlns:m="http://schemas.openxmlformats.org/officeDocument/2006/math">
-                    <m:oMathParaPr>
-                      <m:jc m:val="centerGroup"/>
-                    </m:oMathParaPr>
-                    <m:oMath xmlns:m="http://schemas.openxmlformats.org/officeDocument/2006/math">
-                      <m:sSubSup>
-                        <m:sSubSupPr>
-                          <m:ctrlPr>
-                            <a:rPr lang="en-US" b="0" i="1" smtClean="0">
-                              <a:latin typeface="Cambria Math" panose="02040503050406030204" pitchFamily="18" charset="0"/>
-                            </a:rPr>
-                          </m:ctrlPr>
-                        </m:sSubSupPr>
-                        <m:e>
-                          <m:r>
-                            <a:rPr lang="en-US" b="0" i="1" smtClean="0">
-                              <a:latin typeface="Cambria Math" panose="02040503050406030204" pitchFamily="18" charset="0"/>
-                            </a:rPr>
-                            <m:t>𝑘</m:t>
-                          </m:r>
-                        </m:e>
-                        <m:sub>
-                          <m:r>
-                            <a:rPr lang="en-US" b="0" i="1" smtClean="0">
-                              <a:latin typeface="Cambria Math" panose="02040503050406030204" pitchFamily="18" charset="0"/>
-                            </a:rPr>
-                            <m:t>2</m:t>
-                          </m:r>
-                        </m:sub>
-                        <m:sup>
-                          <m:r>
-                            <a:rPr lang="en-US" b="0" i="1" smtClean="0">
-                              <a:latin typeface="Cambria Math" panose="02040503050406030204" pitchFamily="18" charset="0"/>
-                            </a:rPr>
-                            <m:t>𝐵</m:t>
-                          </m:r>
-                        </m:sup>
-                      </m:sSubSup>
-                    </m:oMath>
-                  </m:oMathPara>
-                </a14:m>
-                <a:endParaRPr lang="en-US" dirty="0"/>
-              </a:p>
-            </p:txBody>
-          </p:sp>
-        </mc:Choice>
-        <mc:Fallback>
-          <p:sp>
-            <p:nvSpPr>
-              <p:cNvPr id="98" name="TextBox 97">
-                <a:extLst>
-                  <a:ext uri="{FF2B5EF4-FFF2-40B4-BE49-F238E27FC236}">
-                    <a16:creationId xmlns:a16="http://schemas.microsoft.com/office/drawing/2014/main" id="{C460A637-B205-D2DF-34B6-BBD86031CE3C}"/>
-                  </a:ext>
-                </a:extLst>
-              </p:cNvPr>
-              <p:cNvSpPr txBox="1">
-                <a:spLocks noRot="1" noChangeAspect="1" noMove="1" noResize="1" noEditPoints="1" noAdjustHandles="1" noChangeArrowheads="1" noChangeShapeType="1" noTextEdit="1"/>
-              </p:cNvSpPr>
-              <p:nvPr/>
-            </p:nvSpPr>
-            <p:spPr>
-              <a:xfrm>
-                <a:off x="3003739" y="4048440"/>
-                <a:ext cx="281552" cy="280846"/>
-              </a:xfrm>
-              <a:prstGeom prst="rect">
-                <a:avLst/>
-              </a:prstGeom>
-              <a:blipFill>
-                <a:blip r:embed="rId18"/>
-                <a:stretch>
-                  <a:fillRect l="-26087" r="-13043" b="-17391"/>
-                </a:stretch>
-              </a:blipFill>
-            </p:spPr>
-            <p:txBody>
-              <a:bodyPr/>
-              <a:lstStyle/>
-              <a:p>
-                <a:r>
-                  <a:rPr lang="en-US">
-                    <a:noFill/>
-                  </a:rPr>
-                  <a:t> </a:t>
-                </a:r>
-              </a:p>
-            </p:txBody>
-          </p:sp>
-        </mc:Fallback>
-      </mc:AlternateContent>
-      <p:cxnSp>
-        <p:nvCxnSpPr>
-          <p:cNvPr id="100" name="Straight Arrow Connector 99">
-            <a:extLst>
-              <a:ext uri="{FF2B5EF4-FFF2-40B4-BE49-F238E27FC236}">
-                <a16:creationId xmlns:a16="http://schemas.microsoft.com/office/drawing/2014/main" id="{1622531B-AE69-090E-54B0-9F56EAEBBCD9}"/>
-              </a:ext>
-            </a:extLst>
-          </p:cNvPr>
-          <p:cNvCxnSpPr>
-            <a:cxnSpLocks/>
-            <a:stCxn id="91" idx="3"/>
-          </p:cNvCxnSpPr>
-          <p:nvPr/>
-        </p:nvCxnSpPr>
-        <p:spPr>
-          <a:xfrm flipV="1">
-            <a:off x="4981687" y="3723975"/>
-            <a:ext cx="718466" cy="577303"/>
-          </a:xfrm>
-          <a:prstGeom prst="straightConnector1">
-            <a:avLst/>
-          </a:prstGeom>
-          <a:ln w="19050">
-            <a:solidFill>
-              <a:srgbClr val="0070C0"/>
-            </a:solidFill>
-            <a:tailEnd type="triangle"/>
-          </a:ln>
-        </p:spPr>
-        <p:style>
-          <a:lnRef idx="1">
-            <a:schemeClr val="accent1"/>
-          </a:lnRef>
-          <a:fillRef idx="0">
-            <a:schemeClr val="accent1"/>
-          </a:fillRef>
-          <a:effectRef idx="0">
-            <a:schemeClr val="accent1"/>
-          </a:effectRef>
-          <a:fontRef idx="minor">
-            <a:schemeClr val="tx1"/>
-          </a:fontRef>
-        </p:style>
-      </p:cxnSp>
-      <mc:AlternateContent xmlns:mc="http://schemas.openxmlformats.org/markup-compatibility/2006">
-        <mc:Choice xmlns:a14="http://schemas.microsoft.com/office/drawing/2010/main" Requires="a14">
-          <p:sp>
-            <p:nvSpPr>
-              <p:cNvPr id="103" name="TextBox 102">
-                <a:extLst>
-                  <a:ext uri="{FF2B5EF4-FFF2-40B4-BE49-F238E27FC236}">
-                    <a16:creationId xmlns:a16="http://schemas.microsoft.com/office/drawing/2014/main" id="{85FB74B0-116C-7ECB-1600-0C612BE3F084}"/>
-                  </a:ext>
-                </a:extLst>
-              </p:cNvPr>
-              <p:cNvSpPr txBox="1"/>
-              <p:nvPr/>
-            </p:nvSpPr>
-            <p:spPr>
-              <a:xfrm>
-                <a:off x="5388072" y="4077934"/>
-                <a:ext cx="281552" cy="283667"/>
-              </a:xfrm>
-              <a:prstGeom prst="rect">
-                <a:avLst/>
-              </a:prstGeom>
-              <a:noFill/>
-            </p:spPr>
-            <p:txBody>
-              <a:bodyPr wrap="square" lIns="0" tIns="0" rIns="0" bIns="0" rtlCol="0">
-                <a:spAutoFit/>
-              </a:bodyPr>
-              <a:lstStyle/>
-              <a:p>
-                <a14:m>
-                  <m:oMathPara xmlns:m="http://schemas.openxmlformats.org/officeDocument/2006/math">
-                    <m:oMathParaPr>
-                      <m:jc m:val="centerGroup"/>
-                    </m:oMathParaPr>
-                    <m:oMath xmlns:m="http://schemas.openxmlformats.org/officeDocument/2006/math">
-                      <m:sSubSup>
-                        <m:sSubSupPr>
-                          <m:ctrlPr>
-                            <a:rPr lang="en-US" b="0" i="1" smtClean="0">
-                              <a:latin typeface="Cambria Math" panose="02040503050406030204" pitchFamily="18" charset="0"/>
-                            </a:rPr>
-                          </m:ctrlPr>
-                        </m:sSubSupPr>
-                        <m:e>
-                          <m:r>
-                            <a:rPr lang="en-US" b="0" i="1" smtClean="0">
-                              <a:latin typeface="Cambria Math" panose="02040503050406030204" pitchFamily="18" charset="0"/>
-                            </a:rPr>
-                            <m:t>𝑘</m:t>
-                          </m:r>
-                        </m:e>
-                        <m:sub>
-                          <m:r>
-                            <a:rPr lang="en-US" b="0" i="1" smtClean="0">
-                              <a:latin typeface="Cambria Math" panose="02040503050406030204" pitchFamily="18" charset="0"/>
-                            </a:rPr>
-                            <m:t>3</m:t>
-                          </m:r>
-                        </m:sub>
-                        <m:sup>
-                          <m:r>
-                            <a:rPr lang="en-US" b="0" i="1" smtClean="0">
-                              <a:latin typeface="Cambria Math" panose="02040503050406030204" pitchFamily="18" charset="0"/>
-                            </a:rPr>
-                            <m:t>𝐵</m:t>
-                          </m:r>
-                        </m:sup>
-                      </m:sSubSup>
-                    </m:oMath>
-                  </m:oMathPara>
-                </a14:m>
-                <a:endParaRPr lang="en-US" dirty="0"/>
-              </a:p>
-            </p:txBody>
-          </p:sp>
-        </mc:Choice>
-        <mc:Fallback>
-          <p:sp>
-            <p:nvSpPr>
-              <p:cNvPr id="103" name="TextBox 102">
-                <a:extLst>
-                  <a:ext uri="{FF2B5EF4-FFF2-40B4-BE49-F238E27FC236}">
-                    <a16:creationId xmlns:a16="http://schemas.microsoft.com/office/drawing/2014/main" id="{85FB74B0-116C-7ECB-1600-0C612BE3F084}"/>
-                  </a:ext>
-                </a:extLst>
-              </p:cNvPr>
-              <p:cNvSpPr txBox="1">
-                <a:spLocks noRot="1" noChangeAspect="1" noMove="1" noResize="1" noEditPoints="1" noAdjustHandles="1" noChangeArrowheads="1" noChangeShapeType="1" noTextEdit="1"/>
-              </p:cNvSpPr>
-              <p:nvPr/>
-            </p:nvSpPr>
-            <p:spPr>
-              <a:xfrm>
-                <a:off x="5388072" y="4077934"/>
-                <a:ext cx="281552" cy="283667"/>
-              </a:xfrm>
-              <a:prstGeom prst="rect">
-                <a:avLst/>
-              </a:prstGeom>
-              <a:blipFill>
-                <a:blip r:embed="rId19"/>
-                <a:stretch>
-                  <a:fillRect l="-26087" r="-8696" b="-13043"/>
-                </a:stretch>
-              </a:blipFill>
-            </p:spPr>
-            <p:txBody>
-              <a:bodyPr/>
-              <a:lstStyle/>
-              <a:p>
-                <a:r>
-                  <a:rPr lang="en-US">
-                    <a:noFill/>
-                  </a:rPr>
-                  <a:t> </a:t>
-                </a:r>
-              </a:p>
-            </p:txBody>
-          </p:sp>
-        </mc:Fallback>
-      </mc:AlternateContent>
-    </p:spTree>
-    <p:extLst>
-      <p:ext uri="{BB962C8B-B14F-4D97-AF65-F5344CB8AC3E}">
-        <p14:creationId xmlns:p14="http://schemas.microsoft.com/office/powerpoint/2010/main" val="201085716"/>
-      </p:ext>
-    </p:extLst>
-  </p:cSld>
-  <p:clrMapOvr>
-    <a:masterClrMapping/>
-  </p:clrMapOvr>
-</p:sld>
-</file>
-
-<file path=ppt/slides/slide3.xml><?xml version="1.0" encoding="utf-8"?>
-<p:sld xmlns:a="http://schemas.openxmlformats.org/drawingml/2006/main" xmlns:r="http://schemas.openxmlformats.org/officeDocument/2006/relationships" xmlns:p="http://schemas.openxmlformats.org/presentationml/2006/main">
-  <p:cSld>
-    <p:spTree>
-      <p:nvGrpSpPr>
-        <p:cNvPr id="1" name=""/>
-        <p:cNvGrpSpPr/>
-        <p:nvPr/>
-      </p:nvGrpSpPr>
-      <p:grpSpPr>
-        <a:xfrm>
-          <a:off x="0" y="0"/>
-          <a:ext cx="0" cy="0"/>
-          <a:chOff x="0" y="0"/>
-          <a:chExt cx="0" cy="0"/>
-        </a:xfrm>
-      </p:grpSpPr>
       <p:cxnSp>
         <p:nvCxnSpPr>
           <p:cNvPr id="12" name="Straight Arrow Connector 11">
@@ -6308,8 +3472,8 @@
         </p:nvCxnSpPr>
         <p:spPr>
           <a:xfrm flipV="1">
-            <a:off x="2442360" y="2888555"/>
-            <a:ext cx="1313563" cy="660555"/>
+            <a:off x="2707832" y="2888555"/>
+            <a:ext cx="1048091" cy="660555"/>
           </a:xfrm>
           <a:prstGeom prst="straightConnector1">
             <a:avLst/>
@@ -7189,7 +4353,7 @@
         </p:nvSpPr>
         <p:spPr>
           <a:xfrm>
-            <a:off x="1514166" y="3505711"/>
+            <a:off x="1769807" y="3505711"/>
             <a:ext cx="585117" cy="142055"/>
           </a:xfrm>
           <a:prstGeom prst="stripedRightArrow">
@@ -7235,7 +4399,7 @@
         </p:nvSpPr>
         <p:spPr>
           <a:xfrm>
-            <a:off x="6331976" y="3541651"/>
+            <a:off x="6302480" y="3541651"/>
             <a:ext cx="585117" cy="142055"/>
           </a:xfrm>
           <a:prstGeom prst="stripedRightArrow">
@@ -7283,7 +4447,7 @@
             </p:nvSpPr>
             <p:spPr>
               <a:xfrm>
-                <a:off x="2197165" y="3410610"/>
+                <a:off x="2462637" y="3410610"/>
                 <a:ext cx="245195" cy="276999"/>
               </a:xfrm>
               <a:prstGeom prst="rect">
@@ -7353,7 +4517,7 @@
             </p:nvSpPr>
             <p:spPr>
               <a:xfrm>
-                <a:off x="2197165" y="3410610"/>
+                <a:off x="2462637" y="3410610"/>
                 <a:ext cx="245195" cy="276999"/>
               </a:xfrm>
               <a:prstGeom prst="rect">
@@ -7658,9 +4822,10 @@
           <a:lstStyle/>
           <a:p>
             <a:r>
-              <a:rPr lang="en-US" dirty="0"/>
-              <a:t>Fork-Join Rev 2</a:t>
+              <a:rPr lang="en-US" dirty="0" err="1"/>
+              <a:t>Branchjoin</a:t>
             </a:r>
+            <a:endParaRPr lang="en-US" dirty="0"/>
           </a:p>
         </p:txBody>
       </p:sp>
@@ -7676,13 +4841,14 @@
           <p:cNvCxnSpPr>
             <a:cxnSpLocks/>
             <a:stCxn id="66" idx="3"/>
+            <a:endCxn id="18" idx="1"/>
           </p:cNvCxnSpPr>
           <p:nvPr/>
         </p:nvCxnSpPr>
         <p:spPr>
           <a:xfrm>
-            <a:off x="2442360" y="3549110"/>
-            <a:ext cx="1174814" cy="752164"/>
+            <a:off x="2707832" y="3549110"/>
+            <a:ext cx="968066" cy="774880"/>
           </a:xfrm>
           <a:prstGeom prst="straightConnector1">
             <a:avLst/>
@@ -8509,7 +5675,7 @@
 </p:sld>
 </file>
 
-<file path=ppt/slides/slide4.xml><?xml version="1.0" encoding="utf-8"?>
+<file path=ppt/slides/slide3.xml><?xml version="1.0" encoding="utf-8"?>
 <p:sld xmlns:a="http://schemas.openxmlformats.org/drawingml/2006/main" xmlns:r="http://schemas.openxmlformats.org/officeDocument/2006/relationships" xmlns:p="http://schemas.openxmlformats.org/presentationml/2006/main">
   <p:cSld>
     <p:spTree>
@@ -10624,6 +7790,2901 @@
     <p:extLst>
       <p:ext uri="{BB962C8B-B14F-4D97-AF65-F5344CB8AC3E}">
         <p14:creationId xmlns:p14="http://schemas.microsoft.com/office/powerpoint/2010/main" val="3727905321"/>
+      </p:ext>
+    </p:extLst>
+  </p:cSld>
+  <p:clrMapOvr>
+    <a:masterClrMapping/>
+  </p:clrMapOvr>
+</p:sld>
+</file>
+
+<file path=ppt/slides/slide4.xml><?xml version="1.0" encoding="utf-8"?>
+<p:sld xmlns:a="http://schemas.openxmlformats.org/drawingml/2006/main" xmlns:r="http://schemas.openxmlformats.org/officeDocument/2006/relationships" xmlns:p="http://schemas.openxmlformats.org/presentationml/2006/main">
+  <p:cSld>
+    <p:spTree>
+      <p:nvGrpSpPr>
+        <p:cNvPr id="1" name=""/>
+        <p:cNvGrpSpPr/>
+        <p:nvPr/>
+      </p:nvGrpSpPr>
+      <p:grpSpPr>
+        <a:xfrm>
+          <a:off x="0" y="0"/>
+          <a:ext cx="0" cy="0"/>
+          <a:chOff x="0" y="0"/>
+          <a:chExt cx="0" cy="0"/>
+        </a:xfrm>
+      </p:grpSpPr>
+      <p:sp>
+        <p:nvSpPr>
+          <p:cNvPr id="2" name="Title 1">
+            <a:extLst>
+              <a:ext uri="{FF2B5EF4-FFF2-40B4-BE49-F238E27FC236}">
+                <a16:creationId xmlns:a16="http://schemas.microsoft.com/office/drawing/2014/main" id="{A705523B-A8E4-3B41-0DDC-0DDFD080B2EB}"/>
+              </a:ext>
+            </a:extLst>
+          </p:cNvPr>
+          <p:cNvSpPr>
+            <a:spLocks noGrp="1"/>
+          </p:cNvSpPr>
+          <p:nvPr>
+            <p:ph type="title"/>
+          </p:nvPr>
+        </p:nvSpPr>
+        <p:spPr/>
+        <p:txBody>
+          <a:bodyPr/>
+          <a:lstStyle/>
+          <a:p>
+            <a:r>
+              <a:rPr lang="en-US" dirty="0"/>
+              <a:t>BACKUP</a:t>
+            </a:r>
+          </a:p>
+        </p:txBody>
+      </p:sp>
+    </p:spTree>
+    <p:extLst>
+      <p:ext uri="{BB962C8B-B14F-4D97-AF65-F5344CB8AC3E}">
+        <p14:creationId xmlns:p14="http://schemas.microsoft.com/office/powerpoint/2010/main" val="4275299456"/>
+      </p:ext>
+    </p:extLst>
+  </p:cSld>
+  <p:clrMapOvr>
+    <a:masterClrMapping/>
+  </p:clrMapOvr>
+</p:sld>
+</file>
+
+<file path=ppt/slides/slide5.xml><?xml version="1.0" encoding="utf-8"?>
+<p:sld xmlns:a="http://schemas.openxmlformats.org/drawingml/2006/main" xmlns:r="http://schemas.openxmlformats.org/officeDocument/2006/relationships" xmlns:p="http://schemas.openxmlformats.org/presentationml/2006/main">
+  <p:cSld>
+    <p:spTree>
+      <p:nvGrpSpPr>
+        <p:cNvPr id="1" name=""/>
+        <p:cNvGrpSpPr/>
+        <p:nvPr/>
+      </p:nvGrpSpPr>
+      <p:grpSpPr>
+        <a:xfrm>
+          <a:off x="0" y="0"/>
+          <a:ext cx="0" cy="0"/>
+          <a:chOff x="0" y="0"/>
+          <a:chExt cx="0" cy="0"/>
+        </a:xfrm>
+      </p:grpSpPr>
+      <p:sp>
+        <p:nvSpPr>
+          <p:cNvPr id="9" name="Rectangle 8">
+            <a:extLst>
+              <a:ext uri="{FF2B5EF4-FFF2-40B4-BE49-F238E27FC236}">
+                <a16:creationId xmlns:a16="http://schemas.microsoft.com/office/drawing/2014/main" id="{4EEF1B70-F7ED-8B65-9902-89B4962A0593}"/>
+              </a:ext>
+            </a:extLst>
+          </p:cNvPr>
+          <p:cNvSpPr/>
+          <p:nvPr/>
+        </p:nvSpPr>
+        <p:spPr>
+          <a:xfrm>
+            <a:off x="3595177" y="2423312"/>
+            <a:ext cx="1361346" cy="914400"/>
+          </a:xfrm>
+          <a:prstGeom prst="rect">
+            <a:avLst/>
+          </a:prstGeom>
+        </p:spPr>
+        <p:style>
+          <a:lnRef idx="2">
+            <a:schemeClr val="accent1">
+              <a:shade val="15000"/>
+            </a:schemeClr>
+          </a:lnRef>
+          <a:fillRef idx="1">
+            <a:schemeClr val="accent1"/>
+          </a:fillRef>
+          <a:effectRef idx="0">
+            <a:schemeClr val="accent1"/>
+          </a:effectRef>
+          <a:fontRef idx="minor">
+            <a:schemeClr val="lt1"/>
+          </a:fontRef>
+        </p:style>
+        <p:txBody>
+          <a:bodyPr rtlCol="0" anchor="ctr"/>
+          <a:lstStyle/>
+          <a:p>
+            <a:pPr algn="ctr"/>
+            <a:endParaRPr lang="en-US" dirty="0"/>
+          </a:p>
+        </p:txBody>
+      </p:sp>
+      <p:cxnSp>
+        <p:nvCxnSpPr>
+          <p:cNvPr id="12" name="Straight Arrow Connector 11">
+            <a:extLst>
+              <a:ext uri="{FF2B5EF4-FFF2-40B4-BE49-F238E27FC236}">
+                <a16:creationId xmlns:a16="http://schemas.microsoft.com/office/drawing/2014/main" id="{12C497F3-5450-199E-ADFE-23F06A623934}"/>
+              </a:ext>
+            </a:extLst>
+          </p:cNvPr>
+          <p:cNvCxnSpPr>
+            <a:cxnSpLocks/>
+            <a:stCxn id="54" idx="3"/>
+            <a:endCxn id="40" idx="1"/>
+          </p:cNvCxnSpPr>
+          <p:nvPr/>
+        </p:nvCxnSpPr>
+        <p:spPr>
+          <a:xfrm>
+            <a:off x="4979423" y="2880516"/>
+            <a:ext cx="736217" cy="732506"/>
+          </a:xfrm>
+          <a:prstGeom prst="straightConnector1">
+            <a:avLst/>
+          </a:prstGeom>
+          <a:ln w="19050">
+            <a:solidFill>
+              <a:srgbClr val="0070C0"/>
+            </a:solidFill>
+            <a:tailEnd type="triangle"/>
+          </a:ln>
+        </p:spPr>
+        <p:style>
+          <a:lnRef idx="1">
+            <a:schemeClr val="accent1"/>
+          </a:lnRef>
+          <a:fillRef idx="0">
+            <a:schemeClr val="accent1"/>
+          </a:fillRef>
+          <a:effectRef idx="0">
+            <a:schemeClr val="accent1"/>
+          </a:effectRef>
+          <a:fontRef idx="minor">
+            <a:schemeClr val="tx1"/>
+          </a:fontRef>
+        </p:style>
+      </p:cxnSp>
+      <mc:AlternateContent xmlns:mc="http://schemas.openxmlformats.org/markup-compatibility/2006">
+        <mc:Choice xmlns:a14="http://schemas.microsoft.com/office/drawing/2010/main" Requires="a14">
+          <p:sp>
+            <p:nvSpPr>
+              <p:cNvPr id="33" name="TextBox 32">
+                <a:extLst>
+                  <a:ext uri="{FF2B5EF4-FFF2-40B4-BE49-F238E27FC236}">
+                    <a16:creationId xmlns:a16="http://schemas.microsoft.com/office/drawing/2014/main" id="{69E5A26B-0528-09FD-9CCE-29CDD10D9061}"/>
+                  </a:ext>
+                </a:extLst>
+              </p:cNvPr>
+              <p:cNvSpPr txBox="1"/>
+              <p:nvPr/>
+            </p:nvSpPr>
+            <p:spPr>
+              <a:xfrm>
+                <a:off x="4048800" y="2470574"/>
+                <a:ext cx="533608" cy="246221"/>
+              </a:xfrm>
+              <a:prstGeom prst="rect">
+                <a:avLst/>
+              </a:prstGeom>
+              <a:noFill/>
+            </p:spPr>
+            <p:txBody>
+              <a:bodyPr wrap="none" lIns="0" tIns="0" rIns="0" bIns="0" rtlCol="0">
+                <a:spAutoFit/>
+              </a:bodyPr>
+              <a:lstStyle/>
+              <a:p>
+                <a14:m>
+                  <m:oMathPara xmlns:m="http://schemas.openxmlformats.org/officeDocument/2006/math">
+                    <m:oMathParaPr>
+                      <m:jc m:val="centerGroup"/>
+                    </m:oMathParaPr>
+                    <m:oMath xmlns:m="http://schemas.openxmlformats.org/officeDocument/2006/math">
+                      <m:r>
+                        <a:rPr lang="en-US" sz="1600" b="0" i="1" smtClean="0">
+                          <a:solidFill>
+                            <a:schemeClr val="bg1"/>
+                          </a:solidFill>
+                          <a:latin typeface="Cambria Math" panose="02040503050406030204" pitchFamily="18" charset="0"/>
+                        </a:rPr>
+                        <m:t>𝐺</m:t>
+                      </m:r>
+                      <m:r>
+                        <a:rPr lang="en-US" sz="1600" b="0" i="1" baseline="30000" smtClean="0">
+                          <a:solidFill>
+                            <a:schemeClr val="bg1"/>
+                          </a:solidFill>
+                          <a:latin typeface="Cambria Math" panose="02040503050406030204" pitchFamily="18" charset="0"/>
+                        </a:rPr>
+                        <m:t>𝐴</m:t>
+                      </m:r>
+                      <m:r>
+                        <a:rPr lang="en-US" sz="1600" b="0" i="1" smtClean="0">
+                          <a:solidFill>
+                            <a:schemeClr val="bg1"/>
+                          </a:solidFill>
+                          <a:latin typeface="Cambria Math" panose="02040503050406030204" pitchFamily="18" charset="0"/>
+                        </a:rPr>
+                        <m:t>(</m:t>
+                      </m:r>
+                      <m:r>
+                        <a:rPr lang="en-US" sz="1600" b="0" i="1" smtClean="0">
+                          <a:solidFill>
+                            <a:schemeClr val="bg1"/>
+                          </a:solidFill>
+                          <a:latin typeface="Cambria Math" panose="02040503050406030204" pitchFamily="18" charset="0"/>
+                        </a:rPr>
+                        <m:t>𝑠</m:t>
+                      </m:r>
+                      <m:r>
+                        <a:rPr lang="en-US" sz="1600" b="0" i="1" smtClean="0">
+                          <a:solidFill>
+                            <a:schemeClr val="bg1"/>
+                          </a:solidFill>
+                          <a:latin typeface="Cambria Math" panose="02040503050406030204" pitchFamily="18" charset="0"/>
+                        </a:rPr>
+                        <m:t>)</m:t>
+                      </m:r>
+                    </m:oMath>
+                  </m:oMathPara>
+                </a14:m>
+                <a:endParaRPr lang="en-US" sz="1600" dirty="0">
+                  <a:solidFill>
+                    <a:schemeClr val="bg1"/>
+                  </a:solidFill>
+                </a:endParaRPr>
+              </a:p>
+            </p:txBody>
+          </p:sp>
+        </mc:Choice>
+        <mc:Fallback>
+          <p:sp>
+            <p:nvSpPr>
+              <p:cNvPr id="33" name="TextBox 32">
+                <a:extLst>
+                  <a:ext uri="{FF2B5EF4-FFF2-40B4-BE49-F238E27FC236}">
+                    <a16:creationId xmlns:a16="http://schemas.microsoft.com/office/drawing/2014/main" id="{69E5A26B-0528-09FD-9CCE-29CDD10D9061}"/>
+                  </a:ext>
+                </a:extLst>
+              </p:cNvPr>
+              <p:cNvSpPr txBox="1">
+                <a:spLocks noRot="1" noChangeAspect="1" noMove="1" noResize="1" noEditPoints="1" noAdjustHandles="1" noChangeArrowheads="1" noChangeShapeType="1" noTextEdit="1"/>
+              </p:cNvSpPr>
+              <p:nvPr/>
+            </p:nvSpPr>
+            <p:spPr>
+              <a:xfrm>
+                <a:off x="4048800" y="2470574"/>
+                <a:ext cx="533608" cy="246221"/>
+              </a:xfrm>
+              <a:prstGeom prst="rect">
+                <a:avLst/>
+              </a:prstGeom>
+              <a:blipFill>
+                <a:blip r:embed="rId2"/>
+                <a:stretch>
+                  <a:fillRect l="-9302" r="-13953" b="-33333"/>
+                </a:stretch>
+              </a:blipFill>
+            </p:spPr>
+            <p:txBody>
+              <a:bodyPr/>
+              <a:lstStyle/>
+              <a:p>
+                <a:r>
+                  <a:rPr lang="en-US">
+                    <a:noFill/>
+                  </a:rPr>
+                  <a:t> </a:t>
+                </a:r>
+              </a:p>
+            </p:txBody>
+          </p:sp>
+        </mc:Fallback>
+      </mc:AlternateContent>
+      <mc:AlternateContent xmlns:mc="http://schemas.openxmlformats.org/markup-compatibility/2006">
+        <mc:Choice xmlns:a14="http://schemas.microsoft.com/office/drawing/2010/main" Requires="a14">
+          <p:sp>
+            <p:nvSpPr>
+              <p:cNvPr id="34" name="TextBox 33">
+                <a:extLst>
+                  <a:ext uri="{FF2B5EF4-FFF2-40B4-BE49-F238E27FC236}">
+                    <a16:creationId xmlns:a16="http://schemas.microsoft.com/office/drawing/2014/main" id="{F57212D3-2CD6-683B-E86A-9281C30FD144}"/>
+                  </a:ext>
+                </a:extLst>
+              </p:cNvPr>
+              <p:cNvSpPr txBox="1"/>
+              <p:nvPr/>
+            </p:nvSpPr>
+            <p:spPr>
+              <a:xfrm>
+                <a:off x="2683864" y="3415526"/>
+                <a:ext cx="272447" cy="276999"/>
+              </a:xfrm>
+              <a:prstGeom prst="rect">
+                <a:avLst/>
+              </a:prstGeom>
+              <a:noFill/>
+            </p:spPr>
+            <p:txBody>
+              <a:bodyPr wrap="none" lIns="0" tIns="0" rIns="0" bIns="0" rtlCol="0">
+                <a:spAutoFit/>
+              </a:bodyPr>
+              <a:lstStyle/>
+              <a:p>
+                <a14:m>
+                  <m:oMathPara xmlns:m="http://schemas.openxmlformats.org/officeDocument/2006/math">
+                    <m:oMathParaPr>
+                      <m:jc m:val="centerGroup"/>
+                    </m:oMathParaPr>
+                    <m:oMath xmlns:m="http://schemas.openxmlformats.org/officeDocument/2006/math">
+                      <m:sSub>
+                        <m:sSubPr>
+                          <m:ctrlPr>
+                            <a:rPr lang="en-US" b="0" i="1" smtClean="0">
+                              <a:latin typeface="Cambria Math" panose="02040503050406030204" pitchFamily="18" charset="0"/>
+                            </a:rPr>
+                          </m:ctrlPr>
+                        </m:sSubPr>
+                        <m:e>
+                          <m:r>
+                            <a:rPr lang="en-US" b="0" i="1" smtClean="0">
+                              <a:latin typeface="Cambria Math" panose="02040503050406030204" pitchFamily="18" charset="0"/>
+                            </a:rPr>
+                            <m:t>𝑋</m:t>
+                          </m:r>
+                        </m:e>
+                        <m:sub>
+                          <m:r>
+                            <a:rPr lang="en-US" b="0" i="1" smtClean="0">
+                              <a:latin typeface="Cambria Math" panose="02040503050406030204" pitchFamily="18" charset="0"/>
+                            </a:rPr>
+                            <m:t>𝐼</m:t>
+                          </m:r>
+                        </m:sub>
+                      </m:sSub>
+                    </m:oMath>
+                  </m:oMathPara>
+                </a14:m>
+                <a:endParaRPr lang="en-US" dirty="0"/>
+              </a:p>
+            </p:txBody>
+          </p:sp>
+        </mc:Choice>
+        <mc:Fallback>
+          <p:sp>
+            <p:nvSpPr>
+              <p:cNvPr id="34" name="TextBox 33">
+                <a:extLst>
+                  <a:ext uri="{FF2B5EF4-FFF2-40B4-BE49-F238E27FC236}">
+                    <a16:creationId xmlns:a16="http://schemas.microsoft.com/office/drawing/2014/main" id="{F57212D3-2CD6-683B-E86A-9281C30FD144}"/>
+                  </a:ext>
+                </a:extLst>
+              </p:cNvPr>
+              <p:cNvSpPr txBox="1">
+                <a:spLocks noRot="1" noChangeAspect="1" noMove="1" noResize="1" noEditPoints="1" noAdjustHandles="1" noChangeArrowheads="1" noChangeShapeType="1" noTextEdit="1"/>
+              </p:cNvSpPr>
+              <p:nvPr/>
+            </p:nvSpPr>
+            <p:spPr>
+              <a:xfrm>
+                <a:off x="2683864" y="3415526"/>
+                <a:ext cx="272447" cy="276999"/>
+              </a:xfrm>
+              <a:prstGeom prst="rect">
+                <a:avLst/>
+              </a:prstGeom>
+              <a:blipFill>
+                <a:blip r:embed="rId3"/>
+                <a:stretch>
+                  <a:fillRect l="-18182" r="-4545" b="-13043"/>
+                </a:stretch>
+              </a:blipFill>
+            </p:spPr>
+            <p:txBody>
+              <a:bodyPr/>
+              <a:lstStyle/>
+              <a:p>
+                <a:r>
+                  <a:rPr lang="en-US">
+                    <a:noFill/>
+                  </a:rPr>
+                  <a:t> </a:t>
+                </a:r>
+              </a:p>
+            </p:txBody>
+          </p:sp>
+        </mc:Fallback>
+      </mc:AlternateContent>
+      <mc:AlternateContent xmlns:mc="http://schemas.openxmlformats.org/markup-compatibility/2006">
+        <mc:Choice xmlns:a14="http://schemas.microsoft.com/office/drawing/2010/main" Requires="a14">
+          <p:sp>
+            <p:nvSpPr>
+              <p:cNvPr id="35" name="TextBox 34">
+                <a:extLst>
+                  <a:ext uri="{FF2B5EF4-FFF2-40B4-BE49-F238E27FC236}">
+                    <a16:creationId xmlns:a16="http://schemas.microsoft.com/office/drawing/2014/main" id="{9F28B733-4A15-FDFC-D69D-AF0020590042}"/>
+                  </a:ext>
+                </a:extLst>
+              </p:cNvPr>
+              <p:cNvSpPr txBox="1"/>
+              <p:nvPr/>
+            </p:nvSpPr>
+            <p:spPr>
+              <a:xfrm>
+                <a:off x="3636070" y="2727268"/>
+                <a:ext cx="600100" cy="276999"/>
+              </a:xfrm>
+              <a:prstGeom prst="rect">
+                <a:avLst/>
+              </a:prstGeom>
+              <a:noFill/>
+            </p:spPr>
+            <p:txBody>
+              <a:bodyPr wrap="none" lIns="0" tIns="0" rIns="0" bIns="0" rtlCol="0">
+                <a:spAutoFit/>
+              </a:bodyPr>
+              <a:lstStyle/>
+              <a:p>
+                <a14:m>
+                  <m:oMathPara xmlns:m="http://schemas.openxmlformats.org/officeDocument/2006/math">
+                    <m:oMathParaPr>
+                      <m:jc m:val="centerGroup"/>
+                    </m:oMathParaPr>
+                    <m:oMath xmlns:m="http://schemas.openxmlformats.org/officeDocument/2006/math">
+                      <m:sSub>
+                        <m:sSubPr>
+                          <m:ctrlPr>
+                            <a:rPr lang="en-US" b="0" i="1" smtClean="0">
+                              <a:solidFill>
+                                <a:schemeClr val="bg1"/>
+                              </a:solidFill>
+                              <a:latin typeface="Cambria Math" panose="02040503050406030204" pitchFamily="18" charset="0"/>
+                            </a:rPr>
+                          </m:ctrlPr>
+                        </m:sSubPr>
+                        <m:e>
+                          <m:r>
+                            <a:rPr lang="en-US" b="0" i="1" smtClean="0">
+                              <a:solidFill>
+                                <a:schemeClr val="bg1"/>
+                              </a:solidFill>
+                              <a:latin typeface="Cambria Math" panose="02040503050406030204" pitchFamily="18" charset="0"/>
+                            </a:rPr>
+                            <m:t>𝑁</m:t>
+                          </m:r>
+                          <m:r>
+                            <a:rPr lang="en-US" b="0" i="1" baseline="30000" smtClean="0">
+                              <a:solidFill>
+                                <a:schemeClr val="bg1"/>
+                              </a:solidFill>
+                              <a:latin typeface="Cambria Math" panose="02040503050406030204" pitchFamily="18" charset="0"/>
+                            </a:rPr>
+                            <m:t>𝐴</m:t>
+                          </m:r>
+                          <m:r>
+                            <a:rPr lang="en-US" b="0" i="1" smtClean="0">
+                              <a:solidFill>
+                                <a:schemeClr val="bg1"/>
+                              </a:solidFill>
+                              <a:latin typeface="Cambria Math" panose="02040503050406030204" pitchFamily="18" charset="0"/>
+                            </a:rPr>
+                            <m:t>.</m:t>
+                          </m:r>
+                          <m:r>
+                            <a:rPr lang="en-US" b="0" i="1" smtClean="0">
+                              <a:solidFill>
+                                <a:schemeClr val="bg1"/>
+                              </a:solidFill>
+                              <a:latin typeface="Cambria Math" panose="02040503050406030204" pitchFamily="18" charset="0"/>
+                            </a:rPr>
+                            <m:t>𝑆</m:t>
+                          </m:r>
+                        </m:e>
+                        <m:sub>
+                          <m:r>
+                            <a:rPr lang="en-US" b="0" i="1" smtClean="0">
+                              <a:solidFill>
+                                <a:schemeClr val="bg1"/>
+                              </a:solidFill>
+                              <a:latin typeface="Cambria Math" panose="02040503050406030204" pitchFamily="18" charset="0"/>
+                            </a:rPr>
+                            <m:t>𝐼</m:t>
+                          </m:r>
+                        </m:sub>
+                      </m:sSub>
+                    </m:oMath>
+                  </m:oMathPara>
+                </a14:m>
+                <a:endParaRPr lang="en-US" dirty="0">
+                  <a:solidFill>
+                    <a:schemeClr val="bg1"/>
+                  </a:solidFill>
+                </a:endParaRPr>
+              </a:p>
+            </p:txBody>
+          </p:sp>
+        </mc:Choice>
+        <mc:Fallback>
+          <p:sp>
+            <p:nvSpPr>
+              <p:cNvPr id="35" name="TextBox 34">
+                <a:extLst>
+                  <a:ext uri="{FF2B5EF4-FFF2-40B4-BE49-F238E27FC236}">
+                    <a16:creationId xmlns:a16="http://schemas.microsoft.com/office/drawing/2014/main" id="{9F28B733-4A15-FDFC-D69D-AF0020590042}"/>
+                  </a:ext>
+                </a:extLst>
+              </p:cNvPr>
+              <p:cNvSpPr txBox="1">
+                <a:spLocks noRot="1" noChangeAspect="1" noMove="1" noResize="1" noEditPoints="1" noAdjustHandles="1" noChangeArrowheads="1" noChangeShapeType="1" noTextEdit="1"/>
+              </p:cNvSpPr>
+              <p:nvPr/>
+            </p:nvSpPr>
+            <p:spPr>
+              <a:xfrm>
+                <a:off x="3636070" y="2727268"/>
+                <a:ext cx="600100" cy="276999"/>
+              </a:xfrm>
+              <a:prstGeom prst="rect">
+                <a:avLst/>
+              </a:prstGeom>
+              <a:blipFill>
+                <a:blip r:embed="rId4"/>
+                <a:stretch>
+                  <a:fillRect l="-8333" r="-2083" b="-13043"/>
+                </a:stretch>
+              </a:blipFill>
+            </p:spPr>
+            <p:txBody>
+              <a:bodyPr/>
+              <a:lstStyle/>
+              <a:p>
+                <a:r>
+                  <a:rPr lang="en-US">
+                    <a:noFill/>
+                  </a:rPr>
+                  <a:t> </a:t>
+                </a:r>
+              </a:p>
+            </p:txBody>
+          </p:sp>
+        </mc:Fallback>
+      </mc:AlternateContent>
+      <p:cxnSp>
+        <p:nvCxnSpPr>
+          <p:cNvPr id="36" name="Straight Arrow Connector 35">
+            <a:extLst>
+              <a:ext uri="{FF2B5EF4-FFF2-40B4-BE49-F238E27FC236}">
+                <a16:creationId xmlns:a16="http://schemas.microsoft.com/office/drawing/2014/main" id="{B94E69BF-29BC-2F37-1F0C-D9F9D0A48382}"/>
+              </a:ext>
+            </a:extLst>
+          </p:cNvPr>
+          <p:cNvCxnSpPr>
+            <a:cxnSpLocks/>
+            <a:stCxn id="34" idx="3"/>
+            <a:endCxn id="9" idx="1"/>
+          </p:cNvCxnSpPr>
+          <p:nvPr/>
+        </p:nvCxnSpPr>
+        <p:spPr>
+          <a:xfrm flipV="1">
+            <a:off x="2956311" y="2880512"/>
+            <a:ext cx="638866" cy="673514"/>
+          </a:xfrm>
+          <a:prstGeom prst="straightConnector1">
+            <a:avLst/>
+          </a:prstGeom>
+          <a:ln w="19050">
+            <a:solidFill>
+              <a:srgbClr val="0070C0"/>
+            </a:solidFill>
+            <a:tailEnd type="triangle"/>
+          </a:ln>
+        </p:spPr>
+        <p:style>
+          <a:lnRef idx="1">
+            <a:schemeClr val="accent1"/>
+          </a:lnRef>
+          <a:fillRef idx="0">
+            <a:schemeClr val="accent1"/>
+          </a:fillRef>
+          <a:effectRef idx="0">
+            <a:schemeClr val="accent1"/>
+          </a:effectRef>
+          <a:fontRef idx="minor">
+            <a:schemeClr val="tx1"/>
+          </a:fontRef>
+        </p:style>
+      </p:cxnSp>
+      <mc:AlternateContent xmlns:mc="http://schemas.openxmlformats.org/markup-compatibility/2006">
+        <mc:Choice xmlns:a14="http://schemas.microsoft.com/office/drawing/2010/main" Requires="a14">
+          <p:sp>
+            <p:nvSpPr>
+              <p:cNvPr id="37" name="TextBox 36">
+                <a:extLst>
+                  <a:ext uri="{FF2B5EF4-FFF2-40B4-BE49-F238E27FC236}">
+                    <a16:creationId xmlns:a16="http://schemas.microsoft.com/office/drawing/2014/main" id="{5C45D2CA-7E84-A0D4-F174-D0DB4E03D65F}"/>
+                  </a:ext>
+                </a:extLst>
+              </p:cNvPr>
+              <p:cNvSpPr txBox="1"/>
+              <p:nvPr/>
+            </p:nvSpPr>
+            <p:spPr>
+              <a:xfrm>
+                <a:off x="3018489" y="2902980"/>
+                <a:ext cx="281552" cy="282257"/>
+              </a:xfrm>
+              <a:prstGeom prst="rect">
+                <a:avLst/>
+              </a:prstGeom>
+              <a:noFill/>
+            </p:spPr>
+            <p:txBody>
+              <a:bodyPr wrap="square" lIns="0" tIns="0" rIns="0" bIns="0" rtlCol="0">
+                <a:spAutoFit/>
+              </a:bodyPr>
+              <a:lstStyle/>
+              <a:p>
+                <a14:m>
+                  <m:oMathPara xmlns:m="http://schemas.openxmlformats.org/officeDocument/2006/math">
+                    <m:oMathParaPr>
+                      <m:jc m:val="centerGroup"/>
+                    </m:oMathParaPr>
+                    <m:oMath xmlns:m="http://schemas.openxmlformats.org/officeDocument/2006/math">
+                      <m:sSubSup>
+                        <m:sSubSupPr>
+                          <m:ctrlPr>
+                            <a:rPr lang="en-US" b="0" i="1" smtClean="0">
+                              <a:latin typeface="Cambria Math" panose="02040503050406030204" pitchFamily="18" charset="0"/>
+                            </a:rPr>
+                          </m:ctrlPr>
+                        </m:sSubSupPr>
+                        <m:e>
+                          <m:r>
+                            <a:rPr lang="en-US" b="0" i="1" smtClean="0">
+                              <a:latin typeface="Cambria Math" panose="02040503050406030204" pitchFamily="18" charset="0"/>
+                            </a:rPr>
+                            <m:t>𝑘</m:t>
+                          </m:r>
+                        </m:e>
+                        <m:sub>
+                          <m:r>
+                            <a:rPr lang="en-US" b="0" i="1" smtClean="0">
+                              <a:latin typeface="Cambria Math" panose="02040503050406030204" pitchFamily="18" charset="0"/>
+                            </a:rPr>
+                            <m:t>2</m:t>
+                          </m:r>
+                        </m:sub>
+                        <m:sup>
+                          <m:r>
+                            <a:rPr lang="en-US" b="0" i="1" smtClean="0">
+                              <a:latin typeface="Cambria Math" panose="02040503050406030204" pitchFamily="18" charset="0"/>
+                            </a:rPr>
+                            <m:t>𝐴</m:t>
+                          </m:r>
+                        </m:sup>
+                      </m:sSubSup>
+                    </m:oMath>
+                  </m:oMathPara>
+                </a14:m>
+                <a:endParaRPr lang="en-US" dirty="0"/>
+              </a:p>
+            </p:txBody>
+          </p:sp>
+        </mc:Choice>
+        <mc:Fallback>
+          <p:sp>
+            <p:nvSpPr>
+              <p:cNvPr id="37" name="TextBox 36">
+                <a:extLst>
+                  <a:ext uri="{FF2B5EF4-FFF2-40B4-BE49-F238E27FC236}">
+                    <a16:creationId xmlns:a16="http://schemas.microsoft.com/office/drawing/2014/main" id="{5C45D2CA-7E84-A0D4-F174-D0DB4E03D65F}"/>
+                  </a:ext>
+                </a:extLst>
+              </p:cNvPr>
+              <p:cNvSpPr txBox="1">
+                <a:spLocks noRot="1" noChangeAspect="1" noMove="1" noResize="1" noEditPoints="1" noAdjustHandles="1" noChangeArrowheads="1" noChangeShapeType="1" noTextEdit="1"/>
+              </p:cNvSpPr>
+              <p:nvPr/>
+            </p:nvSpPr>
+            <p:spPr>
+              <a:xfrm>
+                <a:off x="3018489" y="2902980"/>
+                <a:ext cx="281552" cy="282257"/>
+              </a:xfrm>
+              <a:prstGeom prst="rect">
+                <a:avLst/>
+              </a:prstGeom>
+              <a:blipFill>
+                <a:blip r:embed="rId5"/>
+                <a:stretch>
+                  <a:fillRect l="-26087" t="-4167" r="-17391" b="-8333"/>
+                </a:stretch>
+              </a:blipFill>
+            </p:spPr>
+            <p:txBody>
+              <a:bodyPr/>
+              <a:lstStyle/>
+              <a:p>
+                <a:r>
+                  <a:rPr lang="en-US">
+                    <a:noFill/>
+                  </a:rPr>
+                  <a:t> </a:t>
+                </a:r>
+              </a:p>
+            </p:txBody>
+          </p:sp>
+        </mc:Fallback>
+      </mc:AlternateContent>
+      <mc:AlternateContent xmlns:mc="http://schemas.openxmlformats.org/markup-compatibility/2006">
+        <mc:Choice xmlns:a14="http://schemas.microsoft.com/office/drawing/2010/main" Requires="a14">
+          <p:sp>
+            <p:nvSpPr>
+              <p:cNvPr id="40" name="TextBox 39">
+                <a:extLst>
+                  <a:ext uri="{FF2B5EF4-FFF2-40B4-BE49-F238E27FC236}">
+                    <a16:creationId xmlns:a16="http://schemas.microsoft.com/office/drawing/2014/main" id="{6B8FF12A-33AB-89CF-0DD8-A19072281315}"/>
+                  </a:ext>
+                </a:extLst>
+              </p:cNvPr>
+              <p:cNvSpPr txBox="1"/>
+              <p:nvPr/>
+            </p:nvSpPr>
+            <p:spPr>
+              <a:xfrm>
+                <a:off x="5715640" y="3474522"/>
+                <a:ext cx="349034" cy="276999"/>
+              </a:xfrm>
+              <a:prstGeom prst="rect">
+                <a:avLst/>
+              </a:prstGeom>
+              <a:noFill/>
+            </p:spPr>
+            <p:txBody>
+              <a:bodyPr wrap="square" lIns="0" tIns="0" rIns="0" bIns="0" rtlCol="0">
+                <a:spAutoFit/>
+              </a:bodyPr>
+              <a:lstStyle/>
+              <a:p>
+                <a14:m>
+                  <m:oMathPara xmlns:m="http://schemas.openxmlformats.org/officeDocument/2006/math">
+                    <m:oMathParaPr>
+                      <m:jc m:val="centerGroup"/>
+                    </m:oMathParaPr>
+                    <m:oMath xmlns:m="http://schemas.openxmlformats.org/officeDocument/2006/math">
+                      <m:sSub>
+                        <m:sSubPr>
+                          <m:ctrlPr>
+                            <a:rPr lang="en-US" b="0" i="1" smtClean="0">
+                              <a:latin typeface="Cambria Math" panose="02040503050406030204" pitchFamily="18" charset="0"/>
+                            </a:rPr>
+                          </m:ctrlPr>
+                        </m:sSubPr>
+                        <m:e>
+                          <m:r>
+                            <a:rPr lang="en-US" b="0" i="1" smtClean="0">
+                              <a:latin typeface="Cambria Math" panose="02040503050406030204" pitchFamily="18" charset="0"/>
+                            </a:rPr>
+                            <m:t>𝑋</m:t>
+                          </m:r>
+                        </m:e>
+                        <m:sub>
+                          <m:r>
+                            <a:rPr lang="en-US" b="0" i="1" smtClean="0">
+                              <a:latin typeface="Cambria Math" panose="02040503050406030204" pitchFamily="18" charset="0"/>
+                            </a:rPr>
+                            <m:t>𝑂</m:t>
+                          </m:r>
+                        </m:sub>
+                      </m:sSub>
+                    </m:oMath>
+                  </m:oMathPara>
+                </a14:m>
+                <a:endParaRPr lang="en-US" dirty="0"/>
+              </a:p>
+            </p:txBody>
+          </p:sp>
+        </mc:Choice>
+        <mc:Fallback>
+          <p:sp>
+            <p:nvSpPr>
+              <p:cNvPr id="40" name="TextBox 39">
+                <a:extLst>
+                  <a:ext uri="{FF2B5EF4-FFF2-40B4-BE49-F238E27FC236}">
+                    <a16:creationId xmlns:a16="http://schemas.microsoft.com/office/drawing/2014/main" id="{6B8FF12A-33AB-89CF-0DD8-A19072281315}"/>
+                  </a:ext>
+                </a:extLst>
+              </p:cNvPr>
+              <p:cNvSpPr txBox="1">
+                <a:spLocks noRot="1" noChangeAspect="1" noMove="1" noResize="1" noEditPoints="1" noAdjustHandles="1" noChangeArrowheads="1" noChangeShapeType="1" noTextEdit="1"/>
+              </p:cNvSpPr>
+              <p:nvPr/>
+            </p:nvSpPr>
+            <p:spPr>
+              <a:xfrm>
+                <a:off x="5715640" y="3474522"/>
+                <a:ext cx="349034" cy="276999"/>
+              </a:xfrm>
+              <a:prstGeom prst="rect">
+                <a:avLst/>
+              </a:prstGeom>
+              <a:blipFill>
+                <a:blip r:embed="rId6"/>
+                <a:stretch>
+                  <a:fillRect l="-14286" b="-13043"/>
+                </a:stretch>
+              </a:blipFill>
+            </p:spPr>
+            <p:txBody>
+              <a:bodyPr/>
+              <a:lstStyle/>
+              <a:p>
+                <a:r>
+                  <a:rPr lang="en-US">
+                    <a:noFill/>
+                  </a:rPr>
+                  <a:t> </a:t>
+                </a:r>
+              </a:p>
+            </p:txBody>
+          </p:sp>
+        </mc:Fallback>
+      </mc:AlternateContent>
+      <mc:AlternateContent xmlns:mc="http://schemas.openxmlformats.org/markup-compatibility/2006">
+        <mc:Choice xmlns:a14="http://schemas.microsoft.com/office/drawing/2010/main" Requires="a14">
+          <p:sp>
+            <p:nvSpPr>
+              <p:cNvPr id="54" name="TextBox 53">
+                <a:extLst>
+                  <a:ext uri="{FF2B5EF4-FFF2-40B4-BE49-F238E27FC236}">
+                    <a16:creationId xmlns:a16="http://schemas.microsoft.com/office/drawing/2014/main" id="{0D6E3ADB-C3FC-2405-DEB6-CB2BC9B01E51}"/>
+                  </a:ext>
+                </a:extLst>
+              </p:cNvPr>
+              <p:cNvSpPr txBox="1"/>
+              <p:nvPr/>
+            </p:nvSpPr>
+            <p:spPr>
+              <a:xfrm>
+                <a:off x="4329245" y="2742016"/>
+                <a:ext cx="650178" cy="276999"/>
+              </a:xfrm>
+              <a:prstGeom prst="rect">
+                <a:avLst/>
+              </a:prstGeom>
+              <a:noFill/>
+            </p:spPr>
+            <p:txBody>
+              <a:bodyPr wrap="none" lIns="0" tIns="0" rIns="0" bIns="0" rtlCol="0">
+                <a:spAutoFit/>
+              </a:bodyPr>
+              <a:lstStyle/>
+              <a:p>
+                <a14:m>
+                  <m:oMathPara xmlns:m="http://schemas.openxmlformats.org/officeDocument/2006/math">
+                    <m:oMathParaPr>
+                      <m:jc m:val="centerGroup"/>
+                    </m:oMathParaPr>
+                    <m:oMath xmlns:m="http://schemas.openxmlformats.org/officeDocument/2006/math">
+                      <m:sSub>
+                        <m:sSubPr>
+                          <m:ctrlPr>
+                            <a:rPr lang="en-US" b="0" i="1" smtClean="0">
+                              <a:solidFill>
+                                <a:schemeClr val="bg1"/>
+                              </a:solidFill>
+                              <a:latin typeface="Cambria Math" panose="02040503050406030204" pitchFamily="18" charset="0"/>
+                            </a:rPr>
+                          </m:ctrlPr>
+                        </m:sSubPr>
+                        <m:e>
+                          <m:r>
+                            <a:rPr lang="en-US" b="0" i="1" smtClean="0">
+                              <a:solidFill>
+                                <a:schemeClr val="bg1"/>
+                              </a:solidFill>
+                              <a:latin typeface="Cambria Math" panose="02040503050406030204" pitchFamily="18" charset="0"/>
+                            </a:rPr>
+                            <m:t>𝑁</m:t>
+                          </m:r>
+                          <m:r>
+                            <a:rPr lang="en-US" b="0" i="1" baseline="30000" smtClean="0">
+                              <a:solidFill>
+                                <a:schemeClr val="bg1"/>
+                              </a:solidFill>
+                              <a:latin typeface="Cambria Math" panose="02040503050406030204" pitchFamily="18" charset="0"/>
+                            </a:rPr>
+                            <m:t>𝐴</m:t>
+                          </m:r>
+                          <m:r>
+                            <a:rPr lang="en-US" b="0" i="1" smtClean="0">
+                              <a:solidFill>
+                                <a:schemeClr val="bg1"/>
+                              </a:solidFill>
+                              <a:latin typeface="Cambria Math" panose="02040503050406030204" pitchFamily="18" charset="0"/>
+                            </a:rPr>
+                            <m:t>.</m:t>
+                          </m:r>
+                          <m:r>
+                            <a:rPr lang="en-US" b="0" i="1" smtClean="0">
+                              <a:solidFill>
+                                <a:schemeClr val="bg1"/>
+                              </a:solidFill>
+                              <a:latin typeface="Cambria Math" panose="02040503050406030204" pitchFamily="18" charset="0"/>
+                            </a:rPr>
+                            <m:t>𝑆</m:t>
+                          </m:r>
+                        </m:e>
+                        <m:sub>
+                          <m:r>
+                            <a:rPr lang="en-US" b="0" i="1" smtClean="0">
+                              <a:solidFill>
+                                <a:schemeClr val="bg1"/>
+                              </a:solidFill>
+                              <a:latin typeface="Cambria Math" panose="02040503050406030204" pitchFamily="18" charset="0"/>
+                            </a:rPr>
+                            <m:t>𝑂</m:t>
+                          </m:r>
+                        </m:sub>
+                      </m:sSub>
+                    </m:oMath>
+                  </m:oMathPara>
+                </a14:m>
+                <a:endParaRPr lang="en-US" dirty="0">
+                  <a:solidFill>
+                    <a:schemeClr val="bg1"/>
+                  </a:solidFill>
+                </a:endParaRPr>
+              </a:p>
+            </p:txBody>
+          </p:sp>
+        </mc:Choice>
+        <mc:Fallback>
+          <p:sp>
+            <p:nvSpPr>
+              <p:cNvPr id="54" name="TextBox 53">
+                <a:extLst>
+                  <a:ext uri="{FF2B5EF4-FFF2-40B4-BE49-F238E27FC236}">
+                    <a16:creationId xmlns:a16="http://schemas.microsoft.com/office/drawing/2014/main" id="{0D6E3ADB-C3FC-2405-DEB6-CB2BC9B01E51}"/>
+                  </a:ext>
+                </a:extLst>
+              </p:cNvPr>
+              <p:cNvSpPr txBox="1">
+                <a:spLocks noRot="1" noChangeAspect="1" noMove="1" noResize="1" noEditPoints="1" noAdjustHandles="1" noChangeArrowheads="1" noChangeShapeType="1" noTextEdit="1"/>
+              </p:cNvSpPr>
+              <p:nvPr/>
+            </p:nvSpPr>
+            <p:spPr>
+              <a:xfrm>
+                <a:off x="4329245" y="2742016"/>
+                <a:ext cx="650178" cy="276999"/>
+              </a:xfrm>
+              <a:prstGeom prst="rect">
+                <a:avLst/>
+              </a:prstGeom>
+              <a:blipFill>
+                <a:blip r:embed="rId7"/>
+                <a:stretch>
+                  <a:fillRect l="-7547" r="-1887" b="-13636"/>
+                </a:stretch>
+              </a:blipFill>
+            </p:spPr>
+            <p:txBody>
+              <a:bodyPr/>
+              <a:lstStyle/>
+              <a:p>
+                <a:r>
+                  <a:rPr lang="en-US">
+                    <a:noFill/>
+                  </a:rPr>
+                  <a:t> </a:t>
+                </a:r>
+              </a:p>
+            </p:txBody>
+          </p:sp>
+        </mc:Fallback>
+      </mc:AlternateContent>
+      <mc:AlternateContent xmlns:mc="http://schemas.openxmlformats.org/markup-compatibility/2006">
+        <mc:Choice xmlns:a14="http://schemas.microsoft.com/office/drawing/2010/main" Requires="a14">
+          <p:sp>
+            <p:nvSpPr>
+              <p:cNvPr id="56" name="TextBox 55">
+                <a:extLst>
+                  <a:ext uri="{FF2B5EF4-FFF2-40B4-BE49-F238E27FC236}">
+                    <a16:creationId xmlns:a16="http://schemas.microsoft.com/office/drawing/2014/main" id="{9146D06E-DFD2-5671-BAC4-BB9D597F5A68}"/>
+                  </a:ext>
+                </a:extLst>
+              </p:cNvPr>
+              <p:cNvSpPr txBox="1"/>
+              <p:nvPr/>
+            </p:nvSpPr>
+            <p:spPr>
+              <a:xfrm>
+                <a:off x="5373325" y="2853816"/>
+                <a:ext cx="281552" cy="283667"/>
+              </a:xfrm>
+              <a:prstGeom prst="rect">
+                <a:avLst/>
+              </a:prstGeom>
+              <a:noFill/>
+            </p:spPr>
+            <p:txBody>
+              <a:bodyPr wrap="square" lIns="0" tIns="0" rIns="0" bIns="0" rtlCol="0">
+                <a:spAutoFit/>
+              </a:bodyPr>
+              <a:lstStyle/>
+              <a:p>
+                <a14:m>
+                  <m:oMathPara xmlns:m="http://schemas.openxmlformats.org/officeDocument/2006/math">
+                    <m:oMathParaPr>
+                      <m:jc m:val="centerGroup"/>
+                    </m:oMathParaPr>
+                    <m:oMath xmlns:m="http://schemas.openxmlformats.org/officeDocument/2006/math">
+                      <m:sSubSup>
+                        <m:sSubSupPr>
+                          <m:ctrlPr>
+                            <a:rPr lang="en-US" b="0" i="1" smtClean="0">
+                              <a:latin typeface="Cambria Math" panose="02040503050406030204" pitchFamily="18" charset="0"/>
+                            </a:rPr>
+                          </m:ctrlPr>
+                        </m:sSubSupPr>
+                        <m:e>
+                          <m:r>
+                            <a:rPr lang="en-US" b="0" i="1" smtClean="0">
+                              <a:latin typeface="Cambria Math" panose="02040503050406030204" pitchFamily="18" charset="0"/>
+                            </a:rPr>
+                            <m:t>𝑘</m:t>
+                          </m:r>
+                        </m:e>
+                        <m:sub>
+                          <m:r>
+                            <a:rPr lang="en-US" b="0" i="1" smtClean="0">
+                              <a:latin typeface="Cambria Math" panose="02040503050406030204" pitchFamily="18" charset="0"/>
+                            </a:rPr>
+                            <m:t>3</m:t>
+                          </m:r>
+                        </m:sub>
+                        <m:sup>
+                          <m:r>
+                            <a:rPr lang="en-US" b="0" i="1" smtClean="0">
+                              <a:latin typeface="Cambria Math" panose="02040503050406030204" pitchFamily="18" charset="0"/>
+                            </a:rPr>
+                            <m:t>𝐴</m:t>
+                          </m:r>
+                        </m:sup>
+                      </m:sSubSup>
+                    </m:oMath>
+                  </m:oMathPara>
+                </a14:m>
+                <a:endParaRPr lang="en-US" dirty="0"/>
+              </a:p>
+            </p:txBody>
+          </p:sp>
+        </mc:Choice>
+        <mc:Fallback>
+          <p:sp>
+            <p:nvSpPr>
+              <p:cNvPr id="56" name="TextBox 55">
+                <a:extLst>
+                  <a:ext uri="{FF2B5EF4-FFF2-40B4-BE49-F238E27FC236}">
+                    <a16:creationId xmlns:a16="http://schemas.microsoft.com/office/drawing/2014/main" id="{9146D06E-DFD2-5671-BAC4-BB9D597F5A68}"/>
+                  </a:ext>
+                </a:extLst>
+              </p:cNvPr>
+              <p:cNvSpPr txBox="1">
+                <a:spLocks noRot="1" noChangeAspect="1" noMove="1" noResize="1" noEditPoints="1" noAdjustHandles="1" noChangeArrowheads="1" noChangeShapeType="1" noTextEdit="1"/>
+              </p:cNvSpPr>
+              <p:nvPr/>
+            </p:nvSpPr>
+            <p:spPr>
+              <a:xfrm>
+                <a:off x="5373325" y="2853816"/>
+                <a:ext cx="281552" cy="283667"/>
+              </a:xfrm>
+              <a:prstGeom prst="rect">
+                <a:avLst/>
+              </a:prstGeom>
+              <a:blipFill>
+                <a:blip r:embed="rId8"/>
+                <a:stretch>
+                  <a:fillRect l="-20833" r="-12500" b="-16667"/>
+                </a:stretch>
+              </a:blipFill>
+            </p:spPr>
+            <p:txBody>
+              <a:bodyPr/>
+              <a:lstStyle/>
+              <a:p>
+                <a:r>
+                  <a:rPr lang="en-US">
+                    <a:noFill/>
+                  </a:rPr>
+                  <a:t> </a:t>
+                </a:r>
+              </a:p>
+            </p:txBody>
+          </p:sp>
+        </mc:Fallback>
+      </mc:AlternateContent>
+      <p:sp>
+        <p:nvSpPr>
+          <p:cNvPr id="64" name="Striped Right Arrow 63">
+            <a:extLst>
+              <a:ext uri="{FF2B5EF4-FFF2-40B4-BE49-F238E27FC236}">
+                <a16:creationId xmlns:a16="http://schemas.microsoft.com/office/drawing/2014/main" id="{89D840FD-D9EE-C33F-ED8E-53A7D7C66E12}"/>
+              </a:ext>
+            </a:extLst>
+          </p:cNvPr>
+          <p:cNvSpPr/>
+          <p:nvPr/>
+        </p:nvSpPr>
+        <p:spPr>
+          <a:xfrm>
+            <a:off x="1514166" y="3505711"/>
+            <a:ext cx="585117" cy="142055"/>
+          </a:xfrm>
+          <a:prstGeom prst="stripedRightArrow">
+            <a:avLst/>
+          </a:prstGeom>
+        </p:spPr>
+        <p:style>
+          <a:lnRef idx="2">
+            <a:schemeClr val="accent1">
+              <a:shade val="15000"/>
+            </a:schemeClr>
+          </a:lnRef>
+          <a:fillRef idx="1">
+            <a:schemeClr val="accent1"/>
+          </a:fillRef>
+          <a:effectRef idx="0">
+            <a:schemeClr val="accent1"/>
+          </a:effectRef>
+          <a:fontRef idx="minor">
+            <a:schemeClr val="lt1"/>
+          </a:fontRef>
+        </p:style>
+        <p:txBody>
+          <a:bodyPr rtlCol="0" anchor="ctr"/>
+          <a:lstStyle/>
+          <a:p>
+            <a:pPr algn="ctr"/>
+            <a:endParaRPr lang="en-US"/>
+          </a:p>
+        </p:txBody>
+      </p:sp>
+      <p:sp>
+        <p:nvSpPr>
+          <p:cNvPr id="65" name="Striped Right Arrow 64">
+            <a:extLst>
+              <a:ext uri="{FF2B5EF4-FFF2-40B4-BE49-F238E27FC236}">
+                <a16:creationId xmlns:a16="http://schemas.microsoft.com/office/drawing/2014/main" id="{59686BAC-87CA-92AB-2C70-57D46D1BB9F3}"/>
+              </a:ext>
+            </a:extLst>
+          </p:cNvPr>
+          <p:cNvSpPr/>
+          <p:nvPr/>
+        </p:nvSpPr>
+        <p:spPr>
+          <a:xfrm>
+            <a:off x="6754763" y="3541651"/>
+            <a:ext cx="585117" cy="142055"/>
+          </a:xfrm>
+          <a:prstGeom prst="stripedRightArrow">
+            <a:avLst/>
+          </a:prstGeom>
+        </p:spPr>
+        <p:style>
+          <a:lnRef idx="2">
+            <a:schemeClr val="accent1">
+              <a:shade val="15000"/>
+            </a:schemeClr>
+          </a:lnRef>
+          <a:fillRef idx="1">
+            <a:schemeClr val="accent1"/>
+          </a:fillRef>
+          <a:effectRef idx="0">
+            <a:schemeClr val="accent1"/>
+          </a:effectRef>
+          <a:fontRef idx="minor">
+            <a:schemeClr val="lt1"/>
+          </a:fontRef>
+        </p:style>
+        <p:txBody>
+          <a:bodyPr rtlCol="0" anchor="ctr"/>
+          <a:lstStyle/>
+          <a:p>
+            <a:pPr algn="ctr"/>
+            <a:endParaRPr lang="en-US"/>
+          </a:p>
+        </p:txBody>
+      </p:sp>
+      <mc:AlternateContent xmlns:mc="http://schemas.openxmlformats.org/markup-compatibility/2006">
+        <mc:Choice xmlns:a14="http://schemas.microsoft.com/office/drawing/2010/main" Requires="a14">
+          <p:sp>
+            <p:nvSpPr>
+              <p:cNvPr id="66" name="TextBox 65">
+                <a:extLst>
+                  <a:ext uri="{FF2B5EF4-FFF2-40B4-BE49-F238E27FC236}">
+                    <a16:creationId xmlns:a16="http://schemas.microsoft.com/office/drawing/2014/main" id="{C8A2958B-F7E0-8D43-1E37-2A7AC017332E}"/>
+                  </a:ext>
+                </a:extLst>
+              </p:cNvPr>
+              <p:cNvSpPr txBox="1"/>
+              <p:nvPr/>
+            </p:nvSpPr>
+            <p:spPr>
+              <a:xfrm>
+                <a:off x="2197165" y="3410610"/>
+                <a:ext cx="245195" cy="276999"/>
+              </a:xfrm>
+              <a:prstGeom prst="rect">
+                <a:avLst/>
+              </a:prstGeom>
+              <a:noFill/>
+            </p:spPr>
+            <p:txBody>
+              <a:bodyPr wrap="none" lIns="0" tIns="0" rIns="0" bIns="0" rtlCol="0">
+                <a:spAutoFit/>
+              </a:bodyPr>
+              <a:lstStyle/>
+              <a:p>
+                <a14:m>
+                  <m:oMathPara xmlns:m="http://schemas.openxmlformats.org/officeDocument/2006/math">
+                    <m:oMathParaPr>
+                      <m:jc m:val="centerGroup"/>
+                    </m:oMathParaPr>
+                    <m:oMath xmlns:m="http://schemas.openxmlformats.org/officeDocument/2006/math">
+                      <m:sSub>
+                        <m:sSubPr>
+                          <m:ctrlPr>
+                            <a:rPr lang="en-US" b="0" i="1" smtClean="0">
+                              <a:latin typeface="Cambria Math" panose="02040503050406030204" pitchFamily="18" charset="0"/>
+                            </a:rPr>
+                          </m:ctrlPr>
+                        </m:sSubPr>
+                        <m:e>
+                          <m:r>
+                            <a:rPr lang="en-US" b="0" i="1" smtClean="0">
+                              <a:latin typeface="Cambria Math" panose="02040503050406030204" pitchFamily="18" charset="0"/>
+                            </a:rPr>
+                            <m:t>𝑆</m:t>
+                          </m:r>
+                        </m:e>
+                        <m:sub>
+                          <m:r>
+                            <a:rPr lang="en-US" b="0" i="1" smtClean="0">
+                              <a:latin typeface="Cambria Math" panose="02040503050406030204" pitchFamily="18" charset="0"/>
+                            </a:rPr>
+                            <m:t>𝐼</m:t>
+                          </m:r>
+                        </m:sub>
+                      </m:sSub>
+                    </m:oMath>
+                  </m:oMathPara>
+                </a14:m>
+                <a:endParaRPr lang="en-US" dirty="0"/>
+              </a:p>
+            </p:txBody>
+          </p:sp>
+        </mc:Choice>
+        <mc:Fallback>
+          <p:sp>
+            <p:nvSpPr>
+              <p:cNvPr id="66" name="TextBox 65">
+                <a:extLst>
+                  <a:ext uri="{FF2B5EF4-FFF2-40B4-BE49-F238E27FC236}">
+                    <a16:creationId xmlns:a16="http://schemas.microsoft.com/office/drawing/2014/main" id="{C8A2958B-F7E0-8D43-1E37-2A7AC017332E}"/>
+                  </a:ext>
+                </a:extLst>
+              </p:cNvPr>
+              <p:cNvSpPr txBox="1">
+                <a:spLocks noRot="1" noChangeAspect="1" noMove="1" noResize="1" noEditPoints="1" noAdjustHandles="1" noChangeArrowheads="1" noChangeShapeType="1" noTextEdit="1"/>
+              </p:cNvSpPr>
+              <p:nvPr/>
+            </p:nvSpPr>
+            <p:spPr>
+              <a:xfrm>
+                <a:off x="2197165" y="3410610"/>
+                <a:ext cx="245195" cy="276999"/>
+              </a:xfrm>
+              <a:prstGeom prst="rect">
+                <a:avLst/>
+              </a:prstGeom>
+              <a:blipFill>
+                <a:blip r:embed="rId9"/>
+                <a:stretch>
+                  <a:fillRect l="-19048" r="-4762" b="-13043"/>
+                </a:stretch>
+              </a:blipFill>
+            </p:spPr>
+            <p:txBody>
+              <a:bodyPr/>
+              <a:lstStyle/>
+              <a:p>
+                <a:r>
+                  <a:rPr lang="en-US">
+                    <a:noFill/>
+                  </a:rPr>
+                  <a:t> </a:t>
+                </a:r>
+              </a:p>
+            </p:txBody>
+          </p:sp>
+        </mc:Fallback>
+      </mc:AlternateContent>
+      <mc:AlternateContent xmlns:mc="http://schemas.openxmlformats.org/markup-compatibility/2006">
+        <mc:Choice xmlns:a14="http://schemas.microsoft.com/office/drawing/2010/main" Requires="a14">
+          <p:sp>
+            <p:nvSpPr>
+              <p:cNvPr id="68" name="TextBox 67">
+                <a:extLst>
+                  <a:ext uri="{FF2B5EF4-FFF2-40B4-BE49-F238E27FC236}">
+                    <a16:creationId xmlns:a16="http://schemas.microsoft.com/office/drawing/2014/main" id="{0BFA971C-BA8E-FFB7-FA69-CA3EDE55367A}"/>
+                  </a:ext>
+                </a:extLst>
+              </p:cNvPr>
+              <p:cNvSpPr txBox="1"/>
+              <p:nvPr/>
+            </p:nvSpPr>
+            <p:spPr>
+              <a:xfrm>
+                <a:off x="6344211" y="3474522"/>
+                <a:ext cx="295274" cy="276999"/>
+              </a:xfrm>
+              <a:prstGeom prst="rect">
+                <a:avLst/>
+              </a:prstGeom>
+              <a:noFill/>
+            </p:spPr>
+            <p:txBody>
+              <a:bodyPr wrap="none" lIns="0" tIns="0" rIns="0" bIns="0" rtlCol="0">
+                <a:spAutoFit/>
+              </a:bodyPr>
+              <a:lstStyle/>
+              <a:p>
+                <a14:m>
+                  <m:oMathPara xmlns:m="http://schemas.openxmlformats.org/officeDocument/2006/math">
+                    <m:oMathParaPr>
+                      <m:jc m:val="centerGroup"/>
+                    </m:oMathParaPr>
+                    <m:oMath xmlns:m="http://schemas.openxmlformats.org/officeDocument/2006/math">
+                      <m:sSub>
+                        <m:sSubPr>
+                          <m:ctrlPr>
+                            <a:rPr lang="en-US" b="0" i="1" smtClean="0">
+                              <a:latin typeface="Cambria Math" panose="02040503050406030204" pitchFamily="18" charset="0"/>
+                            </a:rPr>
+                          </m:ctrlPr>
+                        </m:sSubPr>
+                        <m:e>
+                          <m:r>
+                            <a:rPr lang="en-US" b="0" i="1" smtClean="0">
+                              <a:latin typeface="Cambria Math" panose="02040503050406030204" pitchFamily="18" charset="0"/>
+                            </a:rPr>
+                            <m:t>𝑆</m:t>
+                          </m:r>
+                        </m:e>
+                        <m:sub>
+                          <m:r>
+                            <a:rPr lang="en-US" b="0" i="1" smtClean="0">
+                              <a:latin typeface="Cambria Math" panose="02040503050406030204" pitchFamily="18" charset="0"/>
+                            </a:rPr>
+                            <m:t>𝑂</m:t>
+                          </m:r>
+                        </m:sub>
+                      </m:sSub>
+                    </m:oMath>
+                  </m:oMathPara>
+                </a14:m>
+                <a:endParaRPr lang="en-US" dirty="0"/>
+              </a:p>
+            </p:txBody>
+          </p:sp>
+        </mc:Choice>
+        <mc:Fallback>
+          <p:sp>
+            <p:nvSpPr>
+              <p:cNvPr id="68" name="TextBox 67">
+                <a:extLst>
+                  <a:ext uri="{FF2B5EF4-FFF2-40B4-BE49-F238E27FC236}">
+                    <a16:creationId xmlns:a16="http://schemas.microsoft.com/office/drawing/2014/main" id="{0BFA971C-BA8E-FFB7-FA69-CA3EDE55367A}"/>
+                  </a:ext>
+                </a:extLst>
+              </p:cNvPr>
+              <p:cNvSpPr txBox="1">
+                <a:spLocks noRot="1" noChangeAspect="1" noMove="1" noResize="1" noEditPoints="1" noAdjustHandles="1" noChangeArrowheads="1" noChangeShapeType="1" noTextEdit="1"/>
+              </p:cNvSpPr>
+              <p:nvPr/>
+            </p:nvSpPr>
+            <p:spPr>
+              <a:xfrm>
+                <a:off x="6344211" y="3474522"/>
+                <a:ext cx="295274" cy="276999"/>
+              </a:xfrm>
+              <a:prstGeom prst="rect">
+                <a:avLst/>
+              </a:prstGeom>
+              <a:blipFill>
+                <a:blip r:embed="rId10"/>
+                <a:stretch>
+                  <a:fillRect l="-16667" r="-4167" b="-13043"/>
+                </a:stretch>
+              </a:blipFill>
+            </p:spPr>
+            <p:txBody>
+              <a:bodyPr/>
+              <a:lstStyle/>
+              <a:p>
+                <a:r>
+                  <a:rPr lang="en-US">
+                    <a:noFill/>
+                  </a:rPr>
+                  <a:t> </a:t>
+                </a:r>
+              </a:p>
+            </p:txBody>
+          </p:sp>
+        </mc:Fallback>
+      </mc:AlternateContent>
+      <p:cxnSp>
+        <p:nvCxnSpPr>
+          <p:cNvPr id="69" name="Straight Arrow Connector 68">
+            <a:extLst>
+              <a:ext uri="{FF2B5EF4-FFF2-40B4-BE49-F238E27FC236}">
+                <a16:creationId xmlns:a16="http://schemas.microsoft.com/office/drawing/2014/main" id="{6B73C28D-92D6-29E9-997E-5CB7A6547EE9}"/>
+              </a:ext>
+            </a:extLst>
+          </p:cNvPr>
+          <p:cNvCxnSpPr>
+            <a:cxnSpLocks/>
+            <a:stCxn id="66" idx="3"/>
+            <a:endCxn id="34" idx="1"/>
+          </p:cNvCxnSpPr>
+          <p:nvPr/>
+        </p:nvCxnSpPr>
+        <p:spPr>
+          <a:xfrm>
+            <a:off x="2442360" y="3549110"/>
+            <a:ext cx="241504" cy="4916"/>
+          </a:xfrm>
+          <a:prstGeom prst="straightConnector1">
+            <a:avLst/>
+          </a:prstGeom>
+          <a:ln w="19050">
+            <a:solidFill>
+              <a:srgbClr val="0070C0"/>
+            </a:solidFill>
+            <a:tailEnd type="triangle"/>
+          </a:ln>
+        </p:spPr>
+        <p:style>
+          <a:lnRef idx="1">
+            <a:schemeClr val="accent1"/>
+          </a:lnRef>
+          <a:fillRef idx="0">
+            <a:schemeClr val="accent1"/>
+          </a:fillRef>
+          <a:effectRef idx="0">
+            <a:schemeClr val="accent1"/>
+          </a:effectRef>
+          <a:fontRef idx="minor">
+            <a:schemeClr val="tx1"/>
+          </a:fontRef>
+        </p:style>
+      </p:cxnSp>
+      <p:cxnSp>
+        <p:nvCxnSpPr>
+          <p:cNvPr id="72" name="Straight Arrow Connector 71">
+            <a:extLst>
+              <a:ext uri="{FF2B5EF4-FFF2-40B4-BE49-F238E27FC236}">
+                <a16:creationId xmlns:a16="http://schemas.microsoft.com/office/drawing/2014/main" id="{FD10E9B4-5A00-F415-559F-6BEB39870207}"/>
+              </a:ext>
+            </a:extLst>
+          </p:cNvPr>
+          <p:cNvCxnSpPr>
+            <a:cxnSpLocks/>
+            <a:stCxn id="40" idx="3"/>
+            <a:endCxn id="68" idx="1"/>
+          </p:cNvCxnSpPr>
+          <p:nvPr/>
+        </p:nvCxnSpPr>
+        <p:spPr>
+          <a:xfrm>
+            <a:off x="6064674" y="3613022"/>
+            <a:ext cx="279537" cy="0"/>
+          </a:xfrm>
+          <a:prstGeom prst="straightConnector1">
+            <a:avLst/>
+          </a:prstGeom>
+          <a:ln w="19050">
+            <a:solidFill>
+              <a:srgbClr val="0070C0"/>
+            </a:solidFill>
+            <a:tailEnd type="triangle"/>
+          </a:ln>
+        </p:spPr>
+        <p:style>
+          <a:lnRef idx="1">
+            <a:schemeClr val="accent1"/>
+          </a:lnRef>
+          <a:fillRef idx="0">
+            <a:schemeClr val="accent1"/>
+          </a:fillRef>
+          <a:effectRef idx="0">
+            <a:schemeClr val="accent1"/>
+          </a:effectRef>
+          <a:fontRef idx="minor">
+            <a:schemeClr val="tx1"/>
+          </a:fontRef>
+        </p:style>
+      </p:cxnSp>
+      <mc:AlternateContent xmlns:mc="http://schemas.openxmlformats.org/markup-compatibility/2006">
+        <mc:Choice xmlns:a14="http://schemas.microsoft.com/office/drawing/2010/main" Requires="a14">
+          <p:sp>
+            <p:nvSpPr>
+              <p:cNvPr id="76" name="TextBox 75">
+                <a:extLst>
+                  <a:ext uri="{FF2B5EF4-FFF2-40B4-BE49-F238E27FC236}">
+                    <a16:creationId xmlns:a16="http://schemas.microsoft.com/office/drawing/2014/main" id="{6A17FF63-9BFC-DDBE-6E67-B48CA90BBD94}"/>
+                  </a:ext>
+                </a:extLst>
+              </p:cNvPr>
+              <p:cNvSpPr txBox="1"/>
+              <p:nvPr/>
+            </p:nvSpPr>
+            <p:spPr>
+              <a:xfrm>
+                <a:off x="2423637" y="3227442"/>
+                <a:ext cx="281552" cy="276999"/>
+              </a:xfrm>
+              <a:prstGeom prst="rect">
+                <a:avLst/>
+              </a:prstGeom>
+              <a:noFill/>
+            </p:spPr>
+            <p:txBody>
+              <a:bodyPr wrap="square" lIns="0" tIns="0" rIns="0" bIns="0" rtlCol="0">
+                <a:spAutoFit/>
+              </a:bodyPr>
+              <a:lstStyle/>
+              <a:p>
+                <a14:m>
+                  <m:oMathPara xmlns:m="http://schemas.openxmlformats.org/officeDocument/2006/math">
+                    <m:oMathParaPr>
+                      <m:jc m:val="centerGroup"/>
+                    </m:oMathParaPr>
+                    <m:oMath xmlns:m="http://schemas.openxmlformats.org/officeDocument/2006/math">
+                      <m:sSub>
+                        <m:sSubPr>
+                          <m:ctrlPr>
+                            <a:rPr lang="en-US" b="0" i="1" smtClean="0">
+                              <a:latin typeface="Cambria Math" panose="02040503050406030204" pitchFamily="18" charset="0"/>
+                            </a:rPr>
+                          </m:ctrlPr>
+                        </m:sSubPr>
+                        <m:e>
+                          <m:r>
+                            <a:rPr lang="en-US" b="0" i="1" smtClean="0">
+                              <a:latin typeface="Cambria Math" panose="02040503050406030204" pitchFamily="18" charset="0"/>
+                            </a:rPr>
+                            <m:t>𝑘</m:t>
+                          </m:r>
+                        </m:e>
+                        <m:sub>
+                          <m:r>
+                            <a:rPr lang="en-US" b="0" i="1" smtClean="0">
+                              <a:latin typeface="Cambria Math" panose="02040503050406030204" pitchFamily="18" charset="0"/>
+                            </a:rPr>
+                            <m:t>1</m:t>
+                          </m:r>
+                        </m:sub>
+                      </m:sSub>
+                    </m:oMath>
+                  </m:oMathPara>
+                </a14:m>
+                <a:endParaRPr lang="en-US" dirty="0"/>
+              </a:p>
+            </p:txBody>
+          </p:sp>
+        </mc:Choice>
+        <mc:Fallback>
+          <p:sp>
+            <p:nvSpPr>
+              <p:cNvPr id="76" name="TextBox 75">
+                <a:extLst>
+                  <a:ext uri="{FF2B5EF4-FFF2-40B4-BE49-F238E27FC236}">
+                    <a16:creationId xmlns:a16="http://schemas.microsoft.com/office/drawing/2014/main" id="{6A17FF63-9BFC-DDBE-6E67-B48CA90BBD94}"/>
+                  </a:ext>
+                </a:extLst>
+              </p:cNvPr>
+              <p:cNvSpPr txBox="1">
+                <a:spLocks noRot="1" noChangeAspect="1" noMove="1" noResize="1" noEditPoints="1" noAdjustHandles="1" noChangeArrowheads="1" noChangeShapeType="1" noTextEdit="1"/>
+              </p:cNvSpPr>
+              <p:nvPr/>
+            </p:nvSpPr>
+            <p:spPr>
+              <a:xfrm>
+                <a:off x="2423637" y="3227442"/>
+                <a:ext cx="281552" cy="276999"/>
+              </a:xfrm>
+              <a:prstGeom prst="rect">
+                <a:avLst/>
+              </a:prstGeom>
+              <a:blipFill>
+                <a:blip r:embed="rId11"/>
+                <a:stretch>
+                  <a:fillRect l="-21739" r="-4348" b="-13043"/>
+                </a:stretch>
+              </a:blipFill>
+            </p:spPr>
+            <p:txBody>
+              <a:bodyPr/>
+              <a:lstStyle/>
+              <a:p>
+                <a:r>
+                  <a:rPr lang="en-US">
+                    <a:noFill/>
+                  </a:rPr>
+                  <a:t> </a:t>
+                </a:r>
+              </a:p>
+            </p:txBody>
+          </p:sp>
+        </mc:Fallback>
+      </mc:AlternateContent>
+      <mc:AlternateContent xmlns:mc="http://schemas.openxmlformats.org/markup-compatibility/2006">
+        <mc:Choice xmlns:a14="http://schemas.microsoft.com/office/drawing/2010/main" Requires="a14">
+          <p:sp>
+            <p:nvSpPr>
+              <p:cNvPr id="77" name="TextBox 76">
+                <a:extLst>
+                  <a:ext uri="{FF2B5EF4-FFF2-40B4-BE49-F238E27FC236}">
+                    <a16:creationId xmlns:a16="http://schemas.microsoft.com/office/drawing/2014/main" id="{DEAC5CAB-5835-E0F9-D8FF-3ACA985C2E46}"/>
+                  </a:ext>
+                </a:extLst>
+              </p:cNvPr>
+              <p:cNvSpPr txBox="1"/>
+              <p:nvPr/>
+            </p:nvSpPr>
+            <p:spPr>
+              <a:xfrm>
+                <a:off x="6066500" y="3266774"/>
+                <a:ext cx="281552" cy="276999"/>
+              </a:xfrm>
+              <a:prstGeom prst="rect">
+                <a:avLst/>
+              </a:prstGeom>
+              <a:noFill/>
+            </p:spPr>
+            <p:txBody>
+              <a:bodyPr wrap="square" lIns="0" tIns="0" rIns="0" bIns="0" rtlCol="0">
+                <a:spAutoFit/>
+              </a:bodyPr>
+              <a:lstStyle/>
+              <a:p>
+                <a14:m>
+                  <m:oMathPara xmlns:m="http://schemas.openxmlformats.org/officeDocument/2006/math">
+                    <m:oMathParaPr>
+                      <m:jc m:val="centerGroup"/>
+                    </m:oMathParaPr>
+                    <m:oMath xmlns:m="http://schemas.openxmlformats.org/officeDocument/2006/math">
+                      <m:sSub>
+                        <m:sSubPr>
+                          <m:ctrlPr>
+                            <a:rPr lang="en-US" b="0" i="1" smtClean="0">
+                              <a:latin typeface="Cambria Math" panose="02040503050406030204" pitchFamily="18" charset="0"/>
+                            </a:rPr>
+                          </m:ctrlPr>
+                        </m:sSubPr>
+                        <m:e>
+                          <m:r>
+                            <a:rPr lang="en-US" b="0" i="1" smtClean="0">
+                              <a:latin typeface="Cambria Math" panose="02040503050406030204" pitchFamily="18" charset="0"/>
+                            </a:rPr>
+                            <m:t>𝑘</m:t>
+                          </m:r>
+                        </m:e>
+                        <m:sub>
+                          <m:r>
+                            <a:rPr lang="en-US" b="0" i="1" smtClean="0">
+                              <a:latin typeface="Cambria Math" panose="02040503050406030204" pitchFamily="18" charset="0"/>
+                            </a:rPr>
+                            <m:t>4</m:t>
+                          </m:r>
+                        </m:sub>
+                      </m:sSub>
+                    </m:oMath>
+                  </m:oMathPara>
+                </a14:m>
+                <a:endParaRPr lang="en-US" dirty="0"/>
+              </a:p>
+            </p:txBody>
+          </p:sp>
+        </mc:Choice>
+        <mc:Fallback>
+          <p:sp>
+            <p:nvSpPr>
+              <p:cNvPr id="77" name="TextBox 76">
+                <a:extLst>
+                  <a:ext uri="{FF2B5EF4-FFF2-40B4-BE49-F238E27FC236}">
+                    <a16:creationId xmlns:a16="http://schemas.microsoft.com/office/drawing/2014/main" id="{DEAC5CAB-5835-E0F9-D8FF-3ACA985C2E46}"/>
+                  </a:ext>
+                </a:extLst>
+              </p:cNvPr>
+              <p:cNvSpPr txBox="1">
+                <a:spLocks noRot="1" noChangeAspect="1" noMove="1" noResize="1" noEditPoints="1" noAdjustHandles="1" noChangeArrowheads="1" noChangeShapeType="1" noTextEdit="1"/>
+              </p:cNvSpPr>
+              <p:nvPr/>
+            </p:nvSpPr>
+            <p:spPr>
+              <a:xfrm>
+                <a:off x="6066500" y="3266774"/>
+                <a:ext cx="281552" cy="276999"/>
+              </a:xfrm>
+              <a:prstGeom prst="rect">
+                <a:avLst/>
+              </a:prstGeom>
+              <a:blipFill>
+                <a:blip r:embed="rId12"/>
+                <a:stretch>
+                  <a:fillRect l="-21739" r="-8696" b="-18182"/>
+                </a:stretch>
+              </a:blipFill>
+            </p:spPr>
+            <p:txBody>
+              <a:bodyPr/>
+              <a:lstStyle/>
+              <a:p>
+                <a:r>
+                  <a:rPr lang="en-US">
+                    <a:noFill/>
+                  </a:rPr>
+                  <a:t> </a:t>
+                </a:r>
+              </a:p>
+            </p:txBody>
+          </p:sp>
+        </mc:Fallback>
+      </mc:AlternateContent>
+      <p:cxnSp>
+        <p:nvCxnSpPr>
+          <p:cNvPr id="78" name="Straight Arrow Connector 77">
+            <a:extLst>
+              <a:ext uri="{FF2B5EF4-FFF2-40B4-BE49-F238E27FC236}">
+                <a16:creationId xmlns:a16="http://schemas.microsoft.com/office/drawing/2014/main" id="{C37FD6ED-B723-42FF-5B4E-CA928633D11D}"/>
+              </a:ext>
+            </a:extLst>
+          </p:cNvPr>
+          <p:cNvCxnSpPr>
+            <a:cxnSpLocks/>
+            <a:stCxn id="68" idx="2"/>
+            <a:endCxn id="83" idx="0"/>
+          </p:cNvCxnSpPr>
+          <p:nvPr/>
+        </p:nvCxnSpPr>
+        <p:spPr>
+          <a:xfrm>
+            <a:off x="6491848" y="3751521"/>
+            <a:ext cx="2623" cy="304293"/>
+          </a:xfrm>
+          <a:prstGeom prst="straightConnector1">
+            <a:avLst/>
+          </a:prstGeom>
+          <a:ln w="19050">
+            <a:solidFill>
+              <a:srgbClr val="0070C0"/>
+            </a:solidFill>
+            <a:tailEnd type="triangle"/>
+          </a:ln>
+        </p:spPr>
+        <p:style>
+          <a:lnRef idx="1">
+            <a:schemeClr val="accent1"/>
+          </a:lnRef>
+          <a:fillRef idx="0">
+            <a:schemeClr val="accent1"/>
+          </a:fillRef>
+          <a:effectRef idx="0">
+            <a:schemeClr val="accent1"/>
+          </a:effectRef>
+          <a:fontRef idx="minor">
+            <a:schemeClr val="tx1"/>
+          </a:fontRef>
+        </p:style>
+      </p:cxnSp>
+      <mc:AlternateContent xmlns:mc="http://schemas.openxmlformats.org/markup-compatibility/2006">
+        <mc:Choice xmlns:a14="http://schemas.microsoft.com/office/drawing/2010/main" Requires="a14">
+          <p:sp>
+            <p:nvSpPr>
+              <p:cNvPr id="83" name="TextBox 82">
+                <a:extLst>
+                  <a:ext uri="{FF2B5EF4-FFF2-40B4-BE49-F238E27FC236}">
+                    <a16:creationId xmlns:a16="http://schemas.microsoft.com/office/drawing/2014/main" id="{A333496A-DB0F-838C-DC04-9CC4FA4B87E1}"/>
+                  </a:ext>
+                </a:extLst>
+              </p:cNvPr>
+              <p:cNvSpPr txBox="1"/>
+              <p:nvPr/>
+            </p:nvSpPr>
+            <p:spPr>
+              <a:xfrm>
+                <a:off x="6395886" y="4055814"/>
+                <a:ext cx="197169" cy="276999"/>
+              </a:xfrm>
+              <a:prstGeom prst="rect">
+                <a:avLst/>
+              </a:prstGeom>
+              <a:noFill/>
+            </p:spPr>
+            <p:txBody>
+              <a:bodyPr wrap="none" lIns="0" tIns="0" rIns="0" bIns="0" rtlCol="0">
+                <a:spAutoFit/>
+              </a:bodyPr>
+              <a:lstStyle/>
+              <a:p>
+                <a14:m>
+                  <m:oMathPara xmlns:m="http://schemas.openxmlformats.org/officeDocument/2006/math">
+                    <m:oMathParaPr>
+                      <m:jc m:val="centerGroup"/>
+                    </m:oMathParaPr>
+                    <m:oMath xmlns:m="http://schemas.openxmlformats.org/officeDocument/2006/math">
+                      <m:r>
+                        <a:rPr lang="en-US" i="1" smtClean="0">
+                          <a:latin typeface="Cambria Math" panose="02040503050406030204" pitchFamily="18" charset="0"/>
+                          <a:ea typeface="Cambria Math" panose="02040503050406030204" pitchFamily="18" charset="0"/>
+                        </a:rPr>
+                        <m:t>∅</m:t>
+                      </m:r>
+                    </m:oMath>
+                  </m:oMathPara>
+                </a14:m>
+                <a:endParaRPr lang="en-US" dirty="0"/>
+              </a:p>
+            </p:txBody>
+          </p:sp>
+        </mc:Choice>
+        <mc:Fallback>
+          <p:sp>
+            <p:nvSpPr>
+              <p:cNvPr id="83" name="TextBox 82">
+                <a:extLst>
+                  <a:ext uri="{FF2B5EF4-FFF2-40B4-BE49-F238E27FC236}">
+                    <a16:creationId xmlns:a16="http://schemas.microsoft.com/office/drawing/2014/main" id="{A333496A-DB0F-838C-DC04-9CC4FA4B87E1}"/>
+                  </a:ext>
+                </a:extLst>
+              </p:cNvPr>
+              <p:cNvSpPr txBox="1">
+                <a:spLocks noRot="1" noChangeAspect="1" noMove="1" noResize="1" noEditPoints="1" noAdjustHandles="1" noChangeArrowheads="1" noChangeShapeType="1" noTextEdit="1"/>
+              </p:cNvSpPr>
+              <p:nvPr/>
+            </p:nvSpPr>
+            <p:spPr>
+              <a:xfrm>
+                <a:off x="6395886" y="4055814"/>
+                <a:ext cx="197169" cy="276999"/>
+              </a:xfrm>
+              <a:prstGeom prst="rect">
+                <a:avLst/>
+              </a:prstGeom>
+              <a:blipFill>
+                <a:blip r:embed="rId13"/>
+                <a:stretch>
+                  <a:fillRect l="-35294" r="-29412" b="-21739"/>
+                </a:stretch>
+              </a:blipFill>
+            </p:spPr>
+            <p:txBody>
+              <a:bodyPr/>
+              <a:lstStyle/>
+              <a:p>
+                <a:r>
+                  <a:rPr lang="en-US">
+                    <a:noFill/>
+                  </a:rPr>
+                  <a:t> </a:t>
+                </a:r>
+              </a:p>
+            </p:txBody>
+          </p:sp>
+        </mc:Fallback>
+      </mc:AlternateContent>
+      <mc:AlternateContent xmlns:mc="http://schemas.openxmlformats.org/markup-compatibility/2006">
+        <mc:Choice xmlns:a14="http://schemas.microsoft.com/office/drawing/2010/main" Requires="a14">
+          <p:sp>
+            <p:nvSpPr>
+              <p:cNvPr id="84" name="TextBox 83">
+                <a:extLst>
+                  <a:ext uri="{FF2B5EF4-FFF2-40B4-BE49-F238E27FC236}">
+                    <a16:creationId xmlns:a16="http://schemas.microsoft.com/office/drawing/2014/main" id="{1EB25DCB-6FB6-E5A0-B790-6A52A16EE832}"/>
+                  </a:ext>
+                </a:extLst>
+              </p:cNvPr>
+              <p:cNvSpPr txBox="1"/>
+              <p:nvPr/>
+            </p:nvSpPr>
+            <p:spPr>
+              <a:xfrm>
+                <a:off x="6553196" y="3723975"/>
+                <a:ext cx="281552" cy="276999"/>
+              </a:xfrm>
+              <a:prstGeom prst="rect">
+                <a:avLst/>
+              </a:prstGeom>
+              <a:noFill/>
+            </p:spPr>
+            <p:txBody>
+              <a:bodyPr wrap="square" lIns="0" tIns="0" rIns="0" bIns="0" rtlCol="0">
+                <a:spAutoFit/>
+              </a:bodyPr>
+              <a:lstStyle/>
+              <a:p>
+                <a14:m>
+                  <m:oMathPara xmlns:m="http://schemas.openxmlformats.org/officeDocument/2006/math">
+                    <m:oMathParaPr>
+                      <m:jc m:val="centerGroup"/>
+                    </m:oMathParaPr>
+                    <m:oMath xmlns:m="http://schemas.openxmlformats.org/officeDocument/2006/math">
+                      <m:sSub>
+                        <m:sSubPr>
+                          <m:ctrlPr>
+                            <a:rPr lang="en-US" b="0" i="1" smtClean="0">
+                              <a:latin typeface="Cambria Math" panose="02040503050406030204" pitchFamily="18" charset="0"/>
+                            </a:rPr>
+                          </m:ctrlPr>
+                        </m:sSubPr>
+                        <m:e>
+                          <m:r>
+                            <a:rPr lang="en-US" b="0" i="1" smtClean="0">
+                              <a:latin typeface="Cambria Math" panose="02040503050406030204" pitchFamily="18" charset="0"/>
+                            </a:rPr>
+                            <m:t>𝑘</m:t>
+                          </m:r>
+                        </m:e>
+                        <m:sub>
+                          <m:r>
+                            <a:rPr lang="en-US" b="0" i="1" smtClean="0">
+                              <a:latin typeface="Cambria Math" panose="02040503050406030204" pitchFamily="18" charset="0"/>
+                            </a:rPr>
+                            <m:t>6</m:t>
+                          </m:r>
+                        </m:sub>
+                      </m:sSub>
+                    </m:oMath>
+                  </m:oMathPara>
+                </a14:m>
+                <a:endParaRPr lang="en-US" dirty="0"/>
+              </a:p>
+            </p:txBody>
+          </p:sp>
+        </mc:Choice>
+        <mc:Fallback>
+          <p:sp>
+            <p:nvSpPr>
+              <p:cNvPr id="84" name="TextBox 83">
+                <a:extLst>
+                  <a:ext uri="{FF2B5EF4-FFF2-40B4-BE49-F238E27FC236}">
+                    <a16:creationId xmlns:a16="http://schemas.microsoft.com/office/drawing/2014/main" id="{1EB25DCB-6FB6-E5A0-B790-6A52A16EE832}"/>
+                  </a:ext>
+                </a:extLst>
+              </p:cNvPr>
+              <p:cNvSpPr txBox="1">
+                <a:spLocks noRot="1" noChangeAspect="1" noMove="1" noResize="1" noEditPoints="1" noAdjustHandles="1" noChangeArrowheads="1" noChangeShapeType="1" noTextEdit="1"/>
+              </p:cNvSpPr>
+              <p:nvPr/>
+            </p:nvSpPr>
+            <p:spPr>
+              <a:xfrm>
+                <a:off x="6553196" y="3723975"/>
+                <a:ext cx="281552" cy="276999"/>
+              </a:xfrm>
+              <a:prstGeom prst="rect">
+                <a:avLst/>
+              </a:prstGeom>
+              <a:blipFill>
+                <a:blip r:embed="rId14"/>
+                <a:stretch>
+                  <a:fillRect l="-21739" r="-4348" b="-18182"/>
+                </a:stretch>
+              </a:blipFill>
+            </p:spPr>
+            <p:txBody>
+              <a:bodyPr/>
+              <a:lstStyle/>
+              <a:p>
+                <a:r>
+                  <a:rPr lang="en-US">
+                    <a:noFill/>
+                  </a:rPr>
+                  <a:t> </a:t>
+                </a:r>
+              </a:p>
+            </p:txBody>
+          </p:sp>
+        </mc:Fallback>
+      </mc:AlternateContent>
+      <p:sp>
+        <p:nvSpPr>
+          <p:cNvPr id="86" name="Title 85">
+            <a:extLst>
+              <a:ext uri="{FF2B5EF4-FFF2-40B4-BE49-F238E27FC236}">
+                <a16:creationId xmlns:a16="http://schemas.microsoft.com/office/drawing/2014/main" id="{52A30558-4A7C-340E-B8A4-599A1D03098C}"/>
+              </a:ext>
+            </a:extLst>
+          </p:cNvPr>
+          <p:cNvSpPr>
+            <a:spLocks noGrp="1"/>
+          </p:cNvSpPr>
+          <p:nvPr>
+            <p:ph type="title"/>
+          </p:nvPr>
+        </p:nvSpPr>
+        <p:spPr/>
+        <p:txBody>
+          <a:bodyPr/>
+          <a:lstStyle/>
+          <a:p>
+            <a:r>
+              <a:rPr lang="en-US" dirty="0"/>
+              <a:t>Fork-Join</a:t>
+            </a:r>
+          </a:p>
+        </p:txBody>
+      </p:sp>
+      <p:sp>
+        <p:nvSpPr>
+          <p:cNvPr id="88" name="Rectangle 87">
+            <a:extLst>
+              <a:ext uri="{FF2B5EF4-FFF2-40B4-BE49-F238E27FC236}">
+                <a16:creationId xmlns:a16="http://schemas.microsoft.com/office/drawing/2014/main" id="{8DAC947B-86BB-4773-5341-D1C3A5D55604}"/>
+              </a:ext>
+            </a:extLst>
+          </p:cNvPr>
+          <p:cNvSpPr/>
+          <p:nvPr/>
+        </p:nvSpPr>
+        <p:spPr>
+          <a:xfrm>
+            <a:off x="3590260" y="3844074"/>
+            <a:ext cx="1361346" cy="914400"/>
+          </a:xfrm>
+          <a:prstGeom prst="rect">
+            <a:avLst/>
+          </a:prstGeom>
+        </p:spPr>
+        <p:style>
+          <a:lnRef idx="2">
+            <a:schemeClr val="accent1">
+              <a:shade val="15000"/>
+            </a:schemeClr>
+          </a:lnRef>
+          <a:fillRef idx="1">
+            <a:schemeClr val="accent1"/>
+          </a:fillRef>
+          <a:effectRef idx="0">
+            <a:schemeClr val="accent1"/>
+          </a:effectRef>
+          <a:fontRef idx="minor">
+            <a:schemeClr val="lt1"/>
+          </a:fontRef>
+        </p:style>
+        <p:txBody>
+          <a:bodyPr rtlCol="0" anchor="ctr"/>
+          <a:lstStyle/>
+          <a:p>
+            <a:pPr algn="ctr"/>
+            <a:endParaRPr lang="en-US" dirty="0"/>
+          </a:p>
+        </p:txBody>
+      </p:sp>
+      <mc:AlternateContent xmlns:mc="http://schemas.openxmlformats.org/markup-compatibility/2006">
+        <mc:Choice xmlns:a14="http://schemas.microsoft.com/office/drawing/2010/main" Requires="a14">
+          <p:sp>
+            <p:nvSpPr>
+              <p:cNvPr id="89" name="TextBox 88">
+                <a:extLst>
+                  <a:ext uri="{FF2B5EF4-FFF2-40B4-BE49-F238E27FC236}">
+                    <a16:creationId xmlns:a16="http://schemas.microsoft.com/office/drawing/2014/main" id="{35C3B2DD-31B9-9E6D-CC0B-33EC85B6777B}"/>
+                  </a:ext>
+                </a:extLst>
+              </p:cNvPr>
+              <p:cNvSpPr txBox="1"/>
+              <p:nvPr/>
+            </p:nvSpPr>
+            <p:spPr>
+              <a:xfrm>
+                <a:off x="4043883" y="3891336"/>
+                <a:ext cx="540340" cy="246221"/>
+              </a:xfrm>
+              <a:prstGeom prst="rect">
+                <a:avLst/>
+              </a:prstGeom>
+              <a:noFill/>
+            </p:spPr>
+            <p:txBody>
+              <a:bodyPr wrap="none" lIns="0" tIns="0" rIns="0" bIns="0" rtlCol="0">
+                <a:spAutoFit/>
+              </a:bodyPr>
+              <a:lstStyle/>
+              <a:p>
+                <a14:m>
+                  <m:oMathPara xmlns:m="http://schemas.openxmlformats.org/officeDocument/2006/math">
+                    <m:oMathParaPr>
+                      <m:jc m:val="centerGroup"/>
+                    </m:oMathParaPr>
+                    <m:oMath xmlns:m="http://schemas.openxmlformats.org/officeDocument/2006/math">
+                      <m:r>
+                        <a:rPr lang="en-US" sz="1600" b="0" i="1" smtClean="0">
+                          <a:solidFill>
+                            <a:schemeClr val="bg1"/>
+                          </a:solidFill>
+                          <a:latin typeface="Cambria Math" panose="02040503050406030204" pitchFamily="18" charset="0"/>
+                        </a:rPr>
+                        <m:t>𝐺</m:t>
+                      </m:r>
+                      <m:r>
+                        <a:rPr lang="en-US" sz="1600" b="0" i="1" baseline="30000" smtClean="0">
+                          <a:solidFill>
+                            <a:schemeClr val="bg1"/>
+                          </a:solidFill>
+                          <a:latin typeface="Cambria Math" panose="02040503050406030204" pitchFamily="18" charset="0"/>
+                        </a:rPr>
+                        <m:t>𝐵</m:t>
+                      </m:r>
+                      <m:r>
+                        <a:rPr lang="en-US" sz="1600" b="0" i="1" smtClean="0">
+                          <a:solidFill>
+                            <a:schemeClr val="bg1"/>
+                          </a:solidFill>
+                          <a:latin typeface="Cambria Math" panose="02040503050406030204" pitchFamily="18" charset="0"/>
+                        </a:rPr>
+                        <m:t>(</m:t>
+                      </m:r>
+                      <m:r>
+                        <a:rPr lang="en-US" sz="1600" b="0" i="1" smtClean="0">
+                          <a:solidFill>
+                            <a:schemeClr val="bg1"/>
+                          </a:solidFill>
+                          <a:latin typeface="Cambria Math" panose="02040503050406030204" pitchFamily="18" charset="0"/>
+                        </a:rPr>
+                        <m:t>𝑠</m:t>
+                      </m:r>
+                      <m:r>
+                        <a:rPr lang="en-US" sz="1600" b="0" i="1" smtClean="0">
+                          <a:solidFill>
+                            <a:schemeClr val="bg1"/>
+                          </a:solidFill>
+                          <a:latin typeface="Cambria Math" panose="02040503050406030204" pitchFamily="18" charset="0"/>
+                        </a:rPr>
+                        <m:t>)</m:t>
+                      </m:r>
+                    </m:oMath>
+                  </m:oMathPara>
+                </a14:m>
+                <a:endParaRPr lang="en-US" sz="1600" dirty="0">
+                  <a:solidFill>
+                    <a:schemeClr val="bg1"/>
+                  </a:solidFill>
+                </a:endParaRPr>
+              </a:p>
+            </p:txBody>
+          </p:sp>
+        </mc:Choice>
+        <mc:Fallback>
+          <p:sp>
+            <p:nvSpPr>
+              <p:cNvPr id="89" name="TextBox 88">
+                <a:extLst>
+                  <a:ext uri="{FF2B5EF4-FFF2-40B4-BE49-F238E27FC236}">
+                    <a16:creationId xmlns:a16="http://schemas.microsoft.com/office/drawing/2014/main" id="{35C3B2DD-31B9-9E6D-CC0B-33EC85B6777B}"/>
+                  </a:ext>
+                </a:extLst>
+              </p:cNvPr>
+              <p:cNvSpPr txBox="1">
+                <a:spLocks noRot="1" noChangeAspect="1" noMove="1" noResize="1" noEditPoints="1" noAdjustHandles="1" noChangeArrowheads="1" noChangeShapeType="1" noTextEdit="1"/>
+              </p:cNvSpPr>
+              <p:nvPr/>
+            </p:nvSpPr>
+            <p:spPr>
+              <a:xfrm>
+                <a:off x="4043883" y="3891336"/>
+                <a:ext cx="540340" cy="246221"/>
+              </a:xfrm>
+              <a:prstGeom prst="rect">
+                <a:avLst/>
+              </a:prstGeom>
+              <a:blipFill>
+                <a:blip r:embed="rId15"/>
+                <a:stretch>
+                  <a:fillRect l="-9302" r="-13953" b="-40000"/>
+                </a:stretch>
+              </a:blipFill>
+            </p:spPr>
+            <p:txBody>
+              <a:bodyPr/>
+              <a:lstStyle/>
+              <a:p>
+                <a:r>
+                  <a:rPr lang="en-US">
+                    <a:noFill/>
+                  </a:rPr>
+                  <a:t> </a:t>
+                </a:r>
+              </a:p>
+            </p:txBody>
+          </p:sp>
+        </mc:Fallback>
+      </mc:AlternateContent>
+      <mc:AlternateContent xmlns:mc="http://schemas.openxmlformats.org/markup-compatibility/2006">
+        <mc:Choice xmlns:a14="http://schemas.microsoft.com/office/drawing/2010/main" Requires="a14">
+          <p:sp>
+            <p:nvSpPr>
+              <p:cNvPr id="90" name="TextBox 89">
+                <a:extLst>
+                  <a:ext uri="{FF2B5EF4-FFF2-40B4-BE49-F238E27FC236}">
+                    <a16:creationId xmlns:a16="http://schemas.microsoft.com/office/drawing/2014/main" id="{88C7885D-72B5-BA4C-D147-3FE58E0AE428}"/>
+                  </a:ext>
+                </a:extLst>
+              </p:cNvPr>
+              <p:cNvSpPr txBox="1"/>
+              <p:nvPr/>
+            </p:nvSpPr>
+            <p:spPr>
+              <a:xfrm>
+                <a:off x="3631153" y="4148030"/>
+                <a:ext cx="607281" cy="276999"/>
+              </a:xfrm>
+              <a:prstGeom prst="rect">
+                <a:avLst/>
+              </a:prstGeom>
+              <a:noFill/>
+            </p:spPr>
+            <p:txBody>
+              <a:bodyPr wrap="none" lIns="0" tIns="0" rIns="0" bIns="0" rtlCol="0">
+                <a:spAutoFit/>
+              </a:bodyPr>
+              <a:lstStyle/>
+              <a:p>
+                <a14:m>
+                  <m:oMathPara xmlns:m="http://schemas.openxmlformats.org/officeDocument/2006/math">
+                    <m:oMathParaPr>
+                      <m:jc m:val="centerGroup"/>
+                    </m:oMathParaPr>
+                    <m:oMath xmlns:m="http://schemas.openxmlformats.org/officeDocument/2006/math">
+                      <m:sSub>
+                        <m:sSubPr>
+                          <m:ctrlPr>
+                            <a:rPr lang="en-US" b="0" i="1" smtClean="0">
+                              <a:solidFill>
+                                <a:schemeClr val="bg1"/>
+                              </a:solidFill>
+                              <a:latin typeface="Cambria Math" panose="02040503050406030204" pitchFamily="18" charset="0"/>
+                            </a:rPr>
+                          </m:ctrlPr>
+                        </m:sSubPr>
+                        <m:e>
+                          <m:r>
+                            <a:rPr lang="en-US" b="0" i="1" smtClean="0">
+                              <a:solidFill>
+                                <a:schemeClr val="bg1"/>
+                              </a:solidFill>
+                              <a:latin typeface="Cambria Math" panose="02040503050406030204" pitchFamily="18" charset="0"/>
+                            </a:rPr>
+                            <m:t>𝑁</m:t>
+                          </m:r>
+                          <m:r>
+                            <a:rPr lang="en-US" b="0" i="1" baseline="30000" smtClean="0">
+                              <a:solidFill>
+                                <a:schemeClr val="bg1"/>
+                              </a:solidFill>
+                              <a:latin typeface="Cambria Math" panose="02040503050406030204" pitchFamily="18" charset="0"/>
+                            </a:rPr>
+                            <m:t>𝐵</m:t>
+                          </m:r>
+                          <m:r>
+                            <a:rPr lang="en-US" b="0" i="1" smtClean="0">
+                              <a:solidFill>
+                                <a:schemeClr val="bg1"/>
+                              </a:solidFill>
+                              <a:latin typeface="Cambria Math" panose="02040503050406030204" pitchFamily="18" charset="0"/>
+                            </a:rPr>
+                            <m:t>.</m:t>
+                          </m:r>
+                          <m:r>
+                            <a:rPr lang="en-US" b="0" i="1" smtClean="0">
+                              <a:solidFill>
+                                <a:schemeClr val="bg1"/>
+                              </a:solidFill>
+                              <a:latin typeface="Cambria Math" panose="02040503050406030204" pitchFamily="18" charset="0"/>
+                            </a:rPr>
+                            <m:t>𝑆</m:t>
+                          </m:r>
+                        </m:e>
+                        <m:sub>
+                          <m:r>
+                            <a:rPr lang="en-US" b="0" i="1" smtClean="0">
+                              <a:solidFill>
+                                <a:schemeClr val="bg1"/>
+                              </a:solidFill>
+                              <a:latin typeface="Cambria Math" panose="02040503050406030204" pitchFamily="18" charset="0"/>
+                            </a:rPr>
+                            <m:t>𝐼</m:t>
+                          </m:r>
+                        </m:sub>
+                      </m:sSub>
+                    </m:oMath>
+                  </m:oMathPara>
+                </a14:m>
+                <a:endParaRPr lang="en-US" dirty="0">
+                  <a:solidFill>
+                    <a:schemeClr val="bg1"/>
+                  </a:solidFill>
+                </a:endParaRPr>
+              </a:p>
+            </p:txBody>
+          </p:sp>
+        </mc:Choice>
+        <mc:Fallback>
+          <p:sp>
+            <p:nvSpPr>
+              <p:cNvPr id="90" name="TextBox 89">
+                <a:extLst>
+                  <a:ext uri="{FF2B5EF4-FFF2-40B4-BE49-F238E27FC236}">
+                    <a16:creationId xmlns:a16="http://schemas.microsoft.com/office/drawing/2014/main" id="{88C7885D-72B5-BA4C-D147-3FE58E0AE428}"/>
+                  </a:ext>
+                </a:extLst>
+              </p:cNvPr>
+              <p:cNvSpPr txBox="1">
+                <a:spLocks noRot="1" noChangeAspect="1" noMove="1" noResize="1" noEditPoints="1" noAdjustHandles="1" noChangeArrowheads="1" noChangeShapeType="1" noTextEdit="1"/>
+              </p:cNvSpPr>
+              <p:nvPr/>
+            </p:nvSpPr>
+            <p:spPr>
+              <a:xfrm>
+                <a:off x="3631153" y="4148030"/>
+                <a:ext cx="607281" cy="276999"/>
+              </a:xfrm>
+              <a:prstGeom prst="rect">
+                <a:avLst/>
+              </a:prstGeom>
+              <a:blipFill>
+                <a:blip r:embed="rId16"/>
+                <a:stretch>
+                  <a:fillRect l="-10417" r="-2083" b="-13043"/>
+                </a:stretch>
+              </a:blipFill>
+            </p:spPr>
+            <p:txBody>
+              <a:bodyPr/>
+              <a:lstStyle/>
+              <a:p>
+                <a:r>
+                  <a:rPr lang="en-US">
+                    <a:noFill/>
+                  </a:rPr>
+                  <a:t> </a:t>
+                </a:r>
+              </a:p>
+            </p:txBody>
+          </p:sp>
+        </mc:Fallback>
+      </mc:AlternateContent>
+      <mc:AlternateContent xmlns:mc="http://schemas.openxmlformats.org/markup-compatibility/2006">
+        <mc:Choice xmlns:a14="http://schemas.microsoft.com/office/drawing/2010/main" Requires="a14">
+          <p:sp>
+            <p:nvSpPr>
+              <p:cNvPr id="91" name="TextBox 90">
+                <a:extLst>
+                  <a:ext uri="{FF2B5EF4-FFF2-40B4-BE49-F238E27FC236}">
+                    <a16:creationId xmlns:a16="http://schemas.microsoft.com/office/drawing/2014/main" id="{09183DA1-6364-F35C-46DB-D1C138DCDDA1}"/>
+                  </a:ext>
+                </a:extLst>
+              </p:cNvPr>
+              <p:cNvSpPr txBox="1"/>
+              <p:nvPr/>
+            </p:nvSpPr>
+            <p:spPr>
+              <a:xfrm>
+                <a:off x="4324328" y="4162778"/>
+                <a:ext cx="657359" cy="276999"/>
+              </a:xfrm>
+              <a:prstGeom prst="rect">
+                <a:avLst/>
+              </a:prstGeom>
+              <a:noFill/>
+            </p:spPr>
+            <p:txBody>
+              <a:bodyPr wrap="none" lIns="0" tIns="0" rIns="0" bIns="0" rtlCol="0">
+                <a:spAutoFit/>
+              </a:bodyPr>
+              <a:lstStyle/>
+              <a:p>
+                <a14:m>
+                  <m:oMathPara xmlns:m="http://schemas.openxmlformats.org/officeDocument/2006/math">
+                    <m:oMathParaPr>
+                      <m:jc m:val="centerGroup"/>
+                    </m:oMathParaPr>
+                    <m:oMath xmlns:m="http://schemas.openxmlformats.org/officeDocument/2006/math">
+                      <m:sSub>
+                        <m:sSubPr>
+                          <m:ctrlPr>
+                            <a:rPr lang="en-US" b="0" i="1" smtClean="0">
+                              <a:solidFill>
+                                <a:schemeClr val="bg1"/>
+                              </a:solidFill>
+                              <a:latin typeface="Cambria Math" panose="02040503050406030204" pitchFamily="18" charset="0"/>
+                            </a:rPr>
+                          </m:ctrlPr>
+                        </m:sSubPr>
+                        <m:e>
+                          <m:r>
+                            <a:rPr lang="en-US" b="0" i="1" smtClean="0">
+                              <a:solidFill>
+                                <a:schemeClr val="bg1"/>
+                              </a:solidFill>
+                              <a:latin typeface="Cambria Math" panose="02040503050406030204" pitchFamily="18" charset="0"/>
+                            </a:rPr>
+                            <m:t>𝑁</m:t>
+                          </m:r>
+                          <m:r>
+                            <a:rPr lang="en-US" b="0" i="1" baseline="30000" smtClean="0">
+                              <a:solidFill>
+                                <a:schemeClr val="bg1"/>
+                              </a:solidFill>
+                              <a:latin typeface="Cambria Math" panose="02040503050406030204" pitchFamily="18" charset="0"/>
+                            </a:rPr>
+                            <m:t>𝐵</m:t>
+                          </m:r>
+                          <m:r>
+                            <a:rPr lang="en-US" b="0" i="1" smtClean="0">
+                              <a:solidFill>
+                                <a:schemeClr val="bg1"/>
+                              </a:solidFill>
+                              <a:latin typeface="Cambria Math" panose="02040503050406030204" pitchFamily="18" charset="0"/>
+                            </a:rPr>
+                            <m:t>.</m:t>
+                          </m:r>
+                          <m:r>
+                            <a:rPr lang="en-US" b="0" i="1" smtClean="0">
+                              <a:solidFill>
+                                <a:schemeClr val="bg1"/>
+                              </a:solidFill>
+                              <a:latin typeface="Cambria Math" panose="02040503050406030204" pitchFamily="18" charset="0"/>
+                            </a:rPr>
+                            <m:t>𝑆</m:t>
+                          </m:r>
+                        </m:e>
+                        <m:sub>
+                          <m:r>
+                            <a:rPr lang="en-US" b="0" i="1" smtClean="0">
+                              <a:solidFill>
+                                <a:schemeClr val="bg1"/>
+                              </a:solidFill>
+                              <a:latin typeface="Cambria Math" panose="02040503050406030204" pitchFamily="18" charset="0"/>
+                            </a:rPr>
+                            <m:t>𝑂</m:t>
+                          </m:r>
+                        </m:sub>
+                      </m:sSub>
+                    </m:oMath>
+                  </m:oMathPara>
+                </a14:m>
+                <a:endParaRPr lang="en-US" dirty="0">
+                  <a:solidFill>
+                    <a:schemeClr val="bg1"/>
+                  </a:solidFill>
+                </a:endParaRPr>
+              </a:p>
+            </p:txBody>
+          </p:sp>
+        </mc:Choice>
+        <mc:Fallback>
+          <p:sp>
+            <p:nvSpPr>
+              <p:cNvPr id="91" name="TextBox 90">
+                <a:extLst>
+                  <a:ext uri="{FF2B5EF4-FFF2-40B4-BE49-F238E27FC236}">
+                    <a16:creationId xmlns:a16="http://schemas.microsoft.com/office/drawing/2014/main" id="{09183DA1-6364-F35C-46DB-D1C138DCDDA1}"/>
+                  </a:ext>
+                </a:extLst>
+              </p:cNvPr>
+              <p:cNvSpPr txBox="1">
+                <a:spLocks noRot="1" noChangeAspect="1" noMove="1" noResize="1" noEditPoints="1" noAdjustHandles="1" noChangeArrowheads="1" noChangeShapeType="1" noTextEdit="1"/>
+              </p:cNvSpPr>
+              <p:nvPr/>
+            </p:nvSpPr>
+            <p:spPr>
+              <a:xfrm>
+                <a:off x="4324328" y="4162778"/>
+                <a:ext cx="657359" cy="276999"/>
+              </a:xfrm>
+              <a:prstGeom prst="rect">
+                <a:avLst/>
+              </a:prstGeom>
+              <a:blipFill>
+                <a:blip r:embed="rId17"/>
+                <a:stretch>
+                  <a:fillRect l="-7547" r="-1887" b="-13043"/>
+                </a:stretch>
+              </a:blipFill>
+            </p:spPr>
+            <p:txBody>
+              <a:bodyPr/>
+              <a:lstStyle/>
+              <a:p>
+                <a:r>
+                  <a:rPr lang="en-US">
+                    <a:noFill/>
+                  </a:rPr>
+                  <a:t> </a:t>
+                </a:r>
+              </a:p>
+            </p:txBody>
+          </p:sp>
+        </mc:Fallback>
+      </mc:AlternateContent>
+      <p:cxnSp>
+        <p:nvCxnSpPr>
+          <p:cNvPr id="95" name="Straight Arrow Connector 94">
+            <a:extLst>
+              <a:ext uri="{FF2B5EF4-FFF2-40B4-BE49-F238E27FC236}">
+                <a16:creationId xmlns:a16="http://schemas.microsoft.com/office/drawing/2014/main" id="{368B1C18-C27E-F3E2-DB68-01E3D2FBEA9B}"/>
+              </a:ext>
+            </a:extLst>
+          </p:cNvPr>
+          <p:cNvCxnSpPr>
+            <a:cxnSpLocks/>
+            <a:stCxn id="34" idx="3"/>
+            <a:endCxn id="88" idx="1"/>
+          </p:cNvCxnSpPr>
+          <p:nvPr/>
+        </p:nvCxnSpPr>
+        <p:spPr>
+          <a:xfrm>
+            <a:off x="2956311" y="3554026"/>
+            <a:ext cx="633949" cy="747248"/>
+          </a:xfrm>
+          <a:prstGeom prst="straightConnector1">
+            <a:avLst/>
+          </a:prstGeom>
+          <a:ln w="19050">
+            <a:solidFill>
+              <a:srgbClr val="0070C0"/>
+            </a:solidFill>
+            <a:tailEnd type="triangle"/>
+          </a:ln>
+        </p:spPr>
+        <p:style>
+          <a:lnRef idx="1">
+            <a:schemeClr val="accent1"/>
+          </a:lnRef>
+          <a:fillRef idx="0">
+            <a:schemeClr val="accent1"/>
+          </a:fillRef>
+          <a:effectRef idx="0">
+            <a:schemeClr val="accent1"/>
+          </a:effectRef>
+          <a:fontRef idx="minor">
+            <a:schemeClr val="tx1"/>
+          </a:fontRef>
+        </p:style>
+      </p:cxnSp>
+      <mc:AlternateContent xmlns:mc="http://schemas.openxmlformats.org/markup-compatibility/2006">
+        <mc:Choice xmlns:a14="http://schemas.microsoft.com/office/drawing/2010/main" Requires="a14">
+          <p:sp>
+            <p:nvSpPr>
+              <p:cNvPr id="98" name="TextBox 97">
+                <a:extLst>
+                  <a:ext uri="{FF2B5EF4-FFF2-40B4-BE49-F238E27FC236}">
+                    <a16:creationId xmlns:a16="http://schemas.microsoft.com/office/drawing/2014/main" id="{C460A637-B205-D2DF-34B6-BBD86031CE3C}"/>
+                  </a:ext>
+                </a:extLst>
+              </p:cNvPr>
+              <p:cNvSpPr txBox="1"/>
+              <p:nvPr/>
+            </p:nvSpPr>
+            <p:spPr>
+              <a:xfrm>
+                <a:off x="3003739" y="4048440"/>
+                <a:ext cx="281552" cy="280846"/>
+              </a:xfrm>
+              <a:prstGeom prst="rect">
+                <a:avLst/>
+              </a:prstGeom>
+              <a:noFill/>
+            </p:spPr>
+            <p:txBody>
+              <a:bodyPr wrap="square" lIns="0" tIns="0" rIns="0" bIns="0" rtlCol="0">
+                <a:spAutoFit/>
+              </a:bodyPr>
+              <a:lstStyle/>
+              <a:p>
+                <a14:m>
+                  <m:oMathPara xmlns:m="http://schemas.openxmlformats.org/officeDocument/2006/math">
+                    <m:oMathParaPr>
+                      <m:jc m:val="centerGroup"/>
+                    </m:oMathParaPr>
+                    <m:oMath xmlns:m="http://schemas.openxmlformats.org/officeDocument/2006/math">
+                      <m:sSubSup>
+                        <m:sSubSupPr>
+                          <m:ctrlPr>
+                            <a:rPr lang="en-US" b="0" i="1" smtClean="0">
+                              <a:latin typeface="Cambria Math" panose="02040503050406030204" pitchFamily="18" charset="0"/>
+                            </a:rPr>
+                          </m:ctrlPr>
+                        </m:sSubSupPr>
+                        <m:e>
+                          <m:r>
+                            <a:rPr lang="en-US" b="0" i="1" smtClean="0">
+                              <a:latin typeface="Cambria Math" panose="02040503050406030204" pitchFamily="18" charset="0"/>
+                            </a:rPr>
+                            <m:t>𝑘</m:t>
+                          </m:r>
+                        </m:e>
+                        <m:sub>
+                          <m:r>
+                            <a:rPr lang="en-US" b="0" i="1" smtClean="0">
+                              <a:latin typeface="Cambria Math" panose="02040503050406030204" pitchFamily="18" charset="0"/>
+                            </a:rPr>
+                            <m:t>2</m:t>
+                          </m:r>
+                        </m:sub>
+                        <m:sup>
+                          <m:r>
+                            <a:rPr lang="en-US" b="0" i="1" smtClean="0">
+                              <a:latin typeface="Cambria Math" panose="02040503050406030204" pitchFamily="18" charset="0"/>
+                            </a:rPr>
+                            <m:t>𝐵</m:t>
+                          </m:r>
+                        </m:sup>
+                      </m:sSubSup>
+                    </m:oMath>
+                  </m:oMathPara>
+                </a14:m>
+                <a:endParaRPr lang="en-US" dirty="0"/>
+              </a:p>
+            </p:txBody>
+          </p:sp>
+        </mc:Choice>
+        <mc:Fallback>
+          <p:sp>
+            <p:nvSpPr>
+              <p:cNvPr id="98" name="TextBox 97">
+                <a:extLst>
+                  <a:ext uri="{FF2B5EF4-FFF2-40B4-BE49-F238E27FC236}">
+                    <a16:creationId xmlns:a16="http://schemas.microsoft.com/office/drawing/2014/main" id="{C460A637-B205-D2DF-34B6-BBD86031CE3C}"/>
+                  </a:ext>
+                </a:extLst>
+              </p:cNvPr>
+              <p:cNvSpPr txBox="1">
+                <a:spLocks noRot="1" noChangeAspect="1" noMove="1" noResize="1" noEditPoints="1" noAdjustHandles="1" noChangeArrowheads="1" noChangeShapeType="1" noTextEdit="1"/>
+              </p:cNvSpPr>
+              <p:nvPr/>
+            </p:nvSpPr>
+            <p:spPr>
+              <a:xfrm>
+                <a:off x="3003739" y="4048440"/>
+                <a:ext cx="281552" cy="280846"/>
+              </a:xfrm>
+              <a:prstGeom prst="rect">
+                <a:avLst/>
+              </a:prstGeom>
+              <a:blipFill>
+                <a:blip r:embed="rId18"/>
+                <a:stretch>
+                  <a:fillRect l="-26087" r="-13043" b="-17391"/>
+                </a:stretch>
+              </a:blipFill>
+            </p:spPr>
+            <p:txBody>
+              <a:bodyPr/>
+              <a:lstStyle/>
+              <a:p>
+                <a:r>
+                  <a:rPr lang="en-US">
+                    <a:noFill/>
+                  </a:rPr>
+                  <a:t> </a:t>
+                </a:r>
+              </a:p>
+            </p:txBody>
+          </p:sp>
+        </mc:Fallback>
+      </mc:AlternateContent>
+      <p:cxnSp>
+        <p:nvCxnSpPr>
+          <p:cNvPr id="100" name="Straight Arrow Connector 99">
+            <a:extLst>
+              <a:ext uri="{FF2B5EF4-FFF2-40B4-BE49-F238E27FC236}">
+                <a16:creationId xmlns:a16="http://schemas.microsoft.com/office/drawing/2014/main" id="{1622531B-AE69-090E-54B0-9F56EAEBBCD9}"/>
+              </a:ext>
+            </a:extLst>
+          </p:cNvPr>
+          <p:cNvCxnSpPr>
+            <a:cxnSpLocks/>
+            <a:stCxn id="91" idx="3"/>
+          </p:cNvCxnSpPr>
+          <p:nvPr/>
+        </p:nvCxnSpPr>
+        <p:spPr>
+          <a:xfrm flipV="1">
+            <a:off x="4981687" y="3723975"/>
+            <a:ext cx="718466" cy="577303"/>
+          </a:xfrm>
+          <a:prstGeom prst="straightConnector1">
+            <a:avLst/>
+          </a:prstGeom>
+          <a:ln w="19050">
+            <a:solidFill>
+              <a:srgbClr val="0070C0"/>
+            </a:solidFill>
+            <a:tailEnd type="triangle"/>
+          </a:ln>
+        </p:spPr>
+        <p:style>
+          <a:lnRef idx="1">
+            <a:schemeClr val="accent1"/>
+          </a:lnRef>
+          <a:fillRef idx="0">
+            <a:schemeClr val="accent1"/>
+          </a:fillRef>
+          <a:effectRef idx="0">
+            <a:schemeClr val="accent1"/>
+          </a:effectRef>
+          <a:fontRef idx="minor">
+            <a:schemeClr val="tx1"/>
+          </a:fontRef>
+        </p:style>
+      </p:cxnSp>
+      <mc:AlternateContent xmlns:mc="http://schemas.openxmlformats.org/markup-compatibility/2006">
+        <mc:Choice xmlns:a14="http://schemas.microsoft.com/office/drawing/2010/main" Requires="a14">
+          <p:sp>
+            <p:nvSpPr>
+              <p:cNvPr id="103" name="TextBox 102">
+                <a:extLst>
+                  <a:ext uri="{FF2B5EF4-FFF2-40B4-BE49-F238E27FC236}">
+                    <a16:creationId xmlns:a16="http://schemas.microsoft.com/office/drawing/2014/main" id="{85FB74B0-116C-7ECB-1600-0C612BE3F084}"/>
+                  </a:ext>
+                </a:extLst>
+              </p:cNvPr>
+              <p:cNvSpPr txBox="1"/>
+              <p:nvPr/>
+            </p:nvSpPr>
+            <p:spPr>
+              <a:xfrm>
+                <a:off x="5388072" y="4077934"/>
+                <a:ext cx="281552" cy="283667"/>
+              </a:xfrm>
+              <a:prstGeom prst="rect">
+                <a:avLst/>
+              </a:prstGeom>
+              <a:noFill/>
+            </p:spPr>
+            <p:txBody>
+              <a:bodyPr wrap="square" lIns="0" tIns="0" rIns="0" bIns="0" rtlCol="0">
+                <a:spAutoFit/>
+              </a:bodyPr>
+              <a:lstStyle/>
+              <a:p>
+                <a14:m>
+                  <m:oMathPara xmlns:m="http://schemas.openxmlformats.org/officeDocument/2006/math">
+                    <m:oMathParaPr>
+                      <m:jc m:val="centerGroup"/>
+                    </m:oMathParaPr>
+                    <m:oMath xmlns:m="http://schemas.openxmlformats.org/officeDocument/2006/math">
+                      <m:sSubSup>
+                        <m:sSubSupPr>
+                          <m:ctrlPr>
+                            <a:rPr lang="en-US" b="0" i="1" smtClean="0">
+                              <a:latin typeface="Cambria Math" panose="02040503050406030204" pitchFamily="18" charset="0"/>
+                            </a:rPr>
+                          </m:ctrlPr>
+                        </m:sSubSupPr>
+                        <m:e>
+                          <m:r>
+                            <a:rPr lang="en-US" b="0" i="1" smtClean="0">
+                              <a:latin typeface="Cambria Math" panose="02040503050406030204" pitchFamily="18" charset="0"/>
+                            </a:rPr>
+                            <m:t>𝑘</m:t>
+                          </m:r>
+                        </m:e>
+                        <m:sub>
+                          <m:r>
+                            <a:rPr lang="en-US" b="0" i="1" smtClean="0">
+                              <a:latin typeface="Cambria Math" panose="02040503050406030204" pitchFamily="18" charset="0"/>
+                            </a:rPr>
+                            <m:t>3</m:t>
+                          </m:r>
+                        </m:sub>
+                        <m:sup>
+                          <m:r>
+                            <a:rPr lang="en-US" b="0" i="1" smtClean="0">
+                              <a:latin typeface="Cambria Math" panose="02040503050406030204" pitchFamily="18" charset="0"/>
+                            </a:rPr>
+                            <m:t>𝐵</m:t>
+                          </m:r>
+                        </m:sup>
+                      </m:sSubSup>
+                    </m:oMath>
+                  </m:oMathPara>
+                </a14:m>
+                <a:endParaRPr lang="en-US" dirty="0"/>
+              </a:p>
+            </p:txBody>
+          </p:sp>
+        </mc:Choice>
+        <mc:Fallback>
+          <p:sp>
+            <p:nvSpPr>
+              <p:cNvPr id="103" name="TextBox 102">
+                <a:extLst>
+                  <a:ext uri="{FF2B5EF4-FFF2-40B4-BE49-F238E27FC236}">
+                    <a16:creationId xmlns:a16="http://schemas.microsoft.com/office/drawing/2014/main" id="{85FB74B0-116C-7ECB-1600-0C612BE3F084}"/>
+                  </a:ext>
+                </a:extLst>
+              </p:cNvPr>
+              <p:cNvSpPr txBox="1">
+                <a:spLocks noRot="1" noChangeAspect="1" noMove="1" noResize="1" noEditPoints="1" noAdjustHandles="1" noChangeArrowheads="1" noChangeShapeType="1" noTextEdit="1"/>
+              </p:cNvSpPr>
+              <p:nvPr/>
+            </p:nvSpPr>
+            <p:spPr>
+              <a:xfrm>
+                <a:off x="5388072" y="4077934"/>
+                <a:ext cx="281552" cy="283667"/>
+              </a:xfrm>
+              <a:prstGeom prst="rect">
+                <a:avLst/>
+              </a:prstGeom>
+              <a:blipFill>
+                <a:blip r:embed="rId19"/>
+                <a:stretch>
+                  <a:fillRect l="-26087" r="-8696" b="-13043"/>
+                </a:stretch>
+              </a:blipFill>
+            </p:spPr>
+            <p:txBody>
+              <a:bodyPr/>
+              <a:lstStyle/>
+              <a:p>
+                <a:r>
+                  <a:rPr lang="en-US">
+                    <a:noFill/>
+                  </a:rPr>
+                  <a:t> </a:t>
+                </a:r>
+              </a:p>
+            </p:txBody>
+          </p:sp>
+        </mc:Fallback>
+      </mc:AlternateContent>
+    </p:spTree>
+    <p:extLst>
+      <p:ext uri="{BB962C8B-B14F-4D97-AF65-F5344CB8AC3E}">
+        <p14:creationId xmlns:p14="http://schemas.microsoft.com/office/powerpoint/2010/main" val="201085716"/>
       </p:ext>
     </p:extLst>
   </p:cSld>

--- a/docs/figures.pptx
+++ b/docs/figures.pptx
@@ -8,8 +8,9 @@
     <p:sldId id="256" r:id="rId2"/>
     <p:sldId id="259" r:id="rId3"/>
     <p:sldId id="258" r:id="rId4"/>
-    <p:sldId id="260" r:id="rId5"/>
-    <p:sldId id="257" r:id="rId6"/>
+    <p:sldId id="261" r:id="rId5"/>
+    <p:sldId id="260" r:id="rId6"/>
+    <p:sldId id="257" r:id="rId7"/>
   </p:sldIdLst>
   <p:sldSz cx="12192000" cy="6858000"/>
   <p:notesSz cx="6858000" cy="9144000"/>
@@ -5692,6 +5693,2690 @@
           <a:chExt cx="0" cy="0"/>
         </a:xfrm>
       </p:grpSpPr>
+      <mc:AlternateContent xmlns:mc="http://schemas.openxmlformats.org/markup-compatibility/2006">
+        <mc:Choice xmlns:a14="http://schemas.microsoft.com/office/drawing/2010/main" Requires="a14">
+          <p:sp>
+            <p:nvSpPr>
+              <p:cNvPr id="33" name="TextBox 32">
+                <a:extLst>
+                  <a:ext uri="{FF2B5EF4-FFF2-40B4-BE49-F238E27FC236}">
+                    <a16:creationId xmlns:a16="http://schemas.microsoft.com/office/drawing/2014/main" id="{69E5A26B-0528-09FD-9CCE-29CDD10D9061}"/>
+                  </a:ext>
+                </a:extLst>
+              </p:cNvPr>
+              <p:cNvSpPr txBox="1"/>
+              <p:nvPr/>
+            </p:nvSpPr>
+            <p:spPr>
+              <a:xfrm>
+                <a:off x="4048800" y="2018290"/>
+                <a:ext cx="454099" cy="246221"/>
+              </a:xfrm>
+              <a:prstGeom prst="rect">
+                <a:avLst/>
+              </a:prstGeom>
+              <a:noFill/>
+            </p:spPr>
+            <p:txBody>
+              <a:bodyPr wrap="none" lIns="0" tIns="0" rIns="0" bIns="0" rtlCol="0">
+                <a:spAutoFit/>
+              </a:bodyPr>
+              <a:lstStyle/>
+              <a:p>
+                <a14:m>
+                  <m:oMathPara xmlns:m="http://schemas.openxmlformats.org/officeDocument/2006/math">
+                    <m:oMathParaPr>
+                      <m:jc m:val="centerGroup"/>
+                    </m:oMathParaPr>
+                    <m:oMath xmlns:m="http://schemas.openxmlformats.org/officeDocument/2006/math">
+                      <m:r>
+                        <a:rPr lang="en-US" sz="1600" b="0" i="1" smtClean="0">
+                          <a:solidFill>
+                            <a:schemeClr val="bg1"/>
+                          </a:solidFill>
+                          <a:latin typeface="Cambria Math" panose="02040503050406030204" pitchFamily="18" charset="0"/>
+                        </a:rPr>
+                        <m:t>𝐺</m:t>
+                      </m:r>
+                      <m:r>
+                        <a:rPr lang="en-US" sz="1600" b="0" i="1" smtClean="0">
+                          <a:solidFill>
+                            <a:schemeClr val="bg1"/>
+                          </a:solidFill>
+                          <a:latin typeface="Cambria Math" panose="02040503050406030204" pitchFamily="18" charset="0"/>
+                        </a:rPr>
+                        <m:t>(</m:t>
+                      </m:r>
+                      <m:r>
+                        <a:rPr lang="en-US" sz="1600" b="0" i="1" smtClean="0">
+                          <a:solidFill>
+                            <a:schemeClr val="bg1"/>
+                          </a:solidFill>
+                          <a:latin typeface="Cambria Math" panose="02040503050406030204" pitchFamily="18" charset="0"/>
+                        </a:rPr>
+                        <m:t>𝑠</m:t>
+                      </m:r>
+                      <m:r>
+                        <a:rPr lang="en-US" sz="1600" b="0" i="1" smtClean="0">
+                          <a:solidFill>
+                            <a:schemeClr val="bg1"/>
+                          </a:solidFill>
+                          <a:latin typeface="Cambria Math" panose="02040503050406030204" pitchFamily="18" charset="0"/>
+                        </a:rPr>
+                        <m:t>)</m:t>
+                      </m:r>
+                    </m:oMath>
+                  </m:oMathPara>
+                </a14:m>
+                <a:endParaRPr lang="en-US" sz="1600" dirty="0">
+                  <a:solidFill>
+                    <a:schemeClr val="bg1"/>
+                  </a:solidFill>
+                </a:endParaRPr>
+              </a:p>
+            </p:txBody>
+          </p:sp>
+        </mc:Choice>
+        <mc:Fallback>
+          <p:sp>
+            <p:nvSpPr>
+              <p:cNvPr id="33" name="TextBox 32">
+                <a:extLst>
+                  <a:ext uri="{FF2B5EF4-FFF2-40B4-BE49-F238E27FC236}">
+                    <a16:creationId xmlns:a16="http://schemas.microsoft.com/office/drawing/2014/main" id="{69E5A26B-0528-09FD-9CCE-29CDD10D9061}"/>
+                  </a:ext>
+                </a:extLst>
+              </p:cNvPr>
+              <p:cNvSpPr txBox="1">
+                <a:spLocks noRot="1" noChangeAspect="1" noMove="1" noResize="1" noEditPoints="1" noAdjustHandles="1" noChangeArrowheads="1" noChangeShapeType="1" noTextEdit="1"/>
+              </p:cNvSpPr>
+              <p:nvPr/>
+            </p:nvSpPr>
+            <p:spPr>
+              <a:xfrm>
+                <a:off x="4048800" y="2018290"/>
+                <a:ext cx="454099" cy="246221"/>
+              </a:xfrm>
+              <a:prstGeom prst="rect">
+                <a:avLst/>
+              </a:prstGeom>
+              <a:blipFill>
+                <a:blip r:embed="rId2"/>
+                <a:stretch>
+                  <a:fillRect l="-10811" r="-16216" b="-33333"/>
+                </a:stretch>
+              </a:blipFill>
+            </p:spPr>
+            <p:txBody>
+              <a:bodyPr/>
+              <a:lstStyle/>
+              <a:p>
+                <a:r>
+                  <a:rPr lang="en-US">
+                    <a:noFill/>
+                  </a:rPr>
+                  <a:t> </a:t>
+                </a:r>
+              </a:p>
+            </p:txBody>
+          </p:sp>
+        </mc:Fallback>
+      </mc:AlternateContent>
+      <mc:AlternateContent xmlns:mc="http://schemas.openxmlformats.org/markup-compatibility/2006">
+        <mc:Choice xmlns:a14="http://schemas.microsoft.com/office/drawing/2010/main" Requires="a14">
+          <p:sp>
+            <p:nvSpPr>
+              <p:cNvPr id="35" name="TextBox 34">
+                <a:extLst>
+                  <a:ext uri="{FF2B5EF4-FFF2-40B4-BE49-F238E27FC236}">
+                    <a16:creationId xmlns:a16="http://schemas.microsoft.com/office/drawing/2014/main" id="{9F28B733-4A15-FDFC-D69D-AF0020590042}"/>
+                  </a:ext>
+                </a:extLst>
+              </p:cNvPr>
+              <p:cNvSpPr txBox="1"/>
+              <p:nvPr/>
+            </p:nvSpPr>
+            <p:spPr>
+              <a:xfrm>
+                <a:off x="3636070" y="2274984"/>
+                <a:ext cx="505716" cy="276999"/>
+              </a:xfrm>
+              <a:prstGeom prst="rect">
+                <a:avLst/>
+              </a:prstGeom>
+              <a:noFill/>
+            </p:spPr>
+            <p:txBody>
+              <a:bodyPr wrap="none" lIns="0" tIns="0" rIns="0" bIns="0" rtlCol="0">
+                <a:spAutoFit/>
+              </a:bodyPr>
+              <a:lstStyle/>
+              <a:p>
+                <a14:m>
+                  <m:oMathPara xmlns:m="http://schemas.openxmlformats.org/officeDocument/2006/math">
+                    <m:oMathParaPr>
+                      <m:jc m:val="centerGroup"/>
+                    </m:oMathParaPr>
+                    <m:oMath xmlns:m="http://schemas.openxmlformats.org/officeDocument/2006/math">
+                      <m:sSub>
+                        <m:sSubPr>
+                          <m:ctrlPr>
+                            <a:rPr lang="en-US" b="0" i="1" smtClean="0">
+                              <a:solidFill>
+                                <a:schemeClr val="bg1"/>
+                              </a:solidFill>
+                              <a:latin typeface="Cambria Math" panose="02040503050406030204" pitchFamily="18" charset="0"/>
+                            </a:rPr>
+                          </m:ctrlPr>
+                        </m:sSubPr>
+                        <m:e>
+                          <m:r>
+                            <a:rPr lang="en-US" b="0" i="1" smtClean="0">
+                              <a:solidFill>
+                                <a:schemeClr val="bg1"/>
+                              </a:solidFill>
+                              <a:latin typeface="Cambria Math" panose="02040503050406030204" pitchFamily="18" charset="0"/>
+                            </a:rPr>
+                            <m:t>𝑁</m:t>
+                          </m:r>
+                          <m:r>
+                            <a:rPr lang="en-US" b="0" i="1" smtClean="0">
+                              <a:solidFill>
+                                <a:schemeClr val="bg1"/>
+                              </a:solidFill>
+                              <a:latin typeface="Cambria Math" panose="02040503050406030204" pitchFamily="18" charset="0"/>
+                            </a:rPr>
+                            <m:t>.</m:t>
+                          </m:r>
+                          <m:r>
+                            <a:rPr lang="en-US" b="0" i="1" smtClean="0">
+                              <a:solidFill>
+                                <a:schemeClr val="bg1"/>
+                              </a:solidFill>
+                              <a:latin typeface="Cambria Math" panose="02040503050406030204" pitchFamily="18" charset="0"/>
+                            </a:rPr>
+                            <m:t>𝑆</m:t>
+                          </m:r>
+                        </m:e>
+                        <m:sub>
+                          <m:r>
+                            <a:rPr lang="en-US" b="0" i="1" smtClean="0">
+                              <a:solidFill>
+                                <a:schemeClr val="bg1"/>
+                              </a:solidFill>
+                              <a:latin typeface="Cambria Math" panose="02040503050406030204" pitchFamily="18" charset="0"/>
+                            </a:rPr>
+                            <m:t>𝐼</m:t>
+                          </m:r>
+                        </m:sub>
+                      </m:sSub>
+                    </m:oMath>
+                  </m:oMathPara>
+                </a14:m>
+                <a:endParaRPr lang="en-US" dirty="0">
+                  <a:solidFill>
+                    <a:schemeClr val="bg1"/>
+                  </a:solidFill>
+                </a:endParaRPr>
+              </a:p>
+            </p:txBody>
+          </p:sp>
+        </mc:Choice>
+        <mc:Fallback>
+          <p:sp>
+            <p:nvSpPr>
+              <p:cNvPr id="35" name="TextBox 34">
+                <a:extLst>
+                  <a:ext uri="{FF2B5EF4-FFF2-40B4-BE49-F238E27FC236}">
+                    <a16:creationId xmlns:a16="http://schemas.microsoft.com/office/drawing/2014/main" id="{9F28B733-4A15-FDFC-D69D-AF0020590042}"/>
+                  </a:ext>
+                </a:extLst>
+              </p:cNvPr>
+              <p:cNvSpPr txBox="1">
+                <a:spLocks noRot="1" noChangeAspect="1" noMove="1" noResize="1" noEditPoints="1" noAdjustHandles="1" noChangeArrowheads="1" noChangeShapeType="1" noTextEdit="1"/>
+              </p:cNvSpPr>
+              <p:nvPr/>
+            </p:nvSpPr>
+            <p:spPr>
+              <a:xfrm>
+                <a:off x="3636070" y="2274984"/>
+                <a:ext cx="505716" cy="276999"/>
+              </a:xfrm>
+              <a:prstGeom prst="rect">
+                <a:avLst/>
+              </a:prstGeom>
+              <a:blipFill>
+                <a:blip r:embed="rId3"/>
+                <a:stretch>
+                  <a:fillRect l="-10000" r="-2500" b="-13043"/>
+                </a:stretch>
+              </a:blipFill>
+            </p:spPr>
+            <p:txBody>
+              <a:bodyPr/>
+              <a:lstStyle/>
+              <a:p>
+                <a:r>
+                  <a:rPr lang="en-US">
+                    <a:noFill/>
+                  </a:rPr>
+                  <a:t> </a:t>
+                </a:r>
+              </a:p>
+            </p:txBody>
+          </p:sp>
+        </mc:Fallback>
+      </mc:AlternateContent>
+      <p:cxnSp>
+        <p:nvCxnSpPr>
+          <p:cNvPr id="36" name="Straight Arrow Connector 35">
+            <a:extLst>
+              <a:ext uri="{FF2B5EF4-FFF2-40B4-BE49-F238E27FC236}">
+                <a16:creationId xmlns:a16="http://schemas.microsoft.com/office/drawing/2014/main" id="{B94E69BF-29BC-2F37-1F0C-D9F9D0A48382}"/>
+              </a:ext>
+            </a:extLst>
+          </p:cNvPr>
+          <p:cNvCxnSpPr>
+            <a:cxnSpLocks/>
+            <a:endCxn id="5" idx="1"/>
+          </p:cNvCxnSpPr>
+          <p:nvPr/>
+        </p:nvCxnSpPr>
+        <p:spPr>
+          <a:xfrm>
+            <a:off x="2956311" y="2403652"/>
+            <a:ext cx="656704" cy="14750"/>
+          </a:xfrm>
+          <a:prstGeom prst="straightConnector1">
+            <a:avLst/>
+          </a:prstGeom>
+          <a:ln w="19050">
+            <a:solidFill>
+              <a:srgbClr val="0070C0"/>
+            </a:solidFill>
+            <a:tailEnd type="triangle"/>
+          </a:ln>
+        </p:spPr>
+        <p:style>
+          <a:lnRef idx="1">
+            <a:schemeClr val="accent1"/>
+          </a:lnRef>
+          <a:fillRef idx="0">
+            <a:schemeClr val="accent1"/>
+          </a:fillRef>
+          <a:effectRef idx="0">
+            <a:schemeClr val="accent1"/>
+          </a:effectRef>
+          <a:fontRef idx="minor">
+            <a:schemeClr val="tx1"/>
+          </a:fontRef>
+        </p:style>
+      </p:cxnSp>
+      <mc:AlternateContent xmlns:mc="http://schemas.openxmlformats.org/markup-compatibility/2006">
+        <mc:Choice xmlns:a14="http://schemas.microsoft.com/office/drawing/2010/main" Requires="a14">
+          <p:sp>
+            <p:nvSpPr>
+              <p:cNvPr id="37" name="TextBox 36">
+                <a:extLst>
+                  <a:ext uri="{FF2B5EF4-FFF2-40B4-BE49-F238E27FC236}">
+                    <a16:creationId xmlns:a16="http://schemas.microsoft.com/office/drawing/2014/main" id="{5C45D2CA-7E84-A0D4-F174-D0DB4E03D65F}"/>
+                  </a:ext>
+                </a:extLst>
+              </p:cNvPr>
+              <p:cNvSpPr txBox="1"/>
+              <p:nvPr/>
+            </p:nvSpPr>
+            <p:spPr>
+              <a:xfrm>
+                <a:off x="3146309" y="2077068"/>
+                <a:ext cx="281552" cy="276999"/>
+              </a:xfrm>
+              <a:prstGeom prst="rect">
+                <a:avLst/>
+              </a:prstGeom>
+              <a:noFill/>
+            </p:spPr>
+            <p:txBody>
+              <a:bodyPr wrap="square" lIns="0" tIns="0" rIns="0" bIns="0" rtlCol="0">
+                <a:spAutoFit/>
+              </a:bodyPr>
+              <a:lstStyle/>
+              <a:p>
+                <a14:m>
+                  <m:oMathPara xmlns:m="http://schemas.openxmlformats.org/officeDocument/2006/math">
+                    <m:oMathParaPr>
+                      <m:jc m:val="centerGroup"/>
+                    </m:oMathParaPr>
+                    <m:oMath xmlns:m="http://schemas.openxmlformats.org/officeDocument/2006/math">
+                      <m:sSub>
+                        <m:sSubPr>
+                          <m:ctrlPr>
+                            <a:rPr lang="en-US" b="0" i="1" smtClean="0">
+                              <a:latin typeface="Cambria Math" panose="02040503050406030204" pitchFamily="18" charset="0"/>
+                            </a:rPr>
+                          </m:ctrlPr>
+                        </m:sSubPr>
+                        <m:e>
+                          <m:r>
+                            <a:rPr lang="en-US" b="0" i="1" smtClean="0">
+                              <a:latin typeface="Cambria Math" panose="02040503050406030204" pitchFamily="18" charset="0"/>
+                            </a:rPr>
+                            <m:t>𝑘</m:t>
+                          </m:r>
+                        </m:e>
+                        <m:sub>
+                          <m:r>
+                            <a:rPr lang="en-US" b="0" i="1" smtClean="0">
+                              <a:latin typeface="Cambria Math" panose="02040503050406030204" pitchFamily="18" charset="0"/>
+                            </a:rPr>
+                            <m:t>1</m:t>
+                          </m:r>
+                        </m:sub>
+                      </m:sSub>
+                    </m:oMath>
+                  </m:oMathPara>
+                </a14:m>
+                <a:endParaRPr lang="en-US" dirty="0"/>
+              </a:p>
+            </p:txBody>
+          </p:sp>
+        </mc:Choice>
+        <mc:Fallback>
+          <p:sp>
+            <p:nvSpPr>
+              <p:cNvPr id="37" name="TextBox 36">
+                <a:extLst>
+                  <a:ext uri="{FF2B5EF4-FFF2-40B4-BE49-F238E27FC236}">
+                    <a16:creationId xmlns:a16="http://schemas.microsoft.com/office/drawing/2014/main" id="{5C45D2CA-7E84-A0D4-F174-D0DB4E03D65F}"/>
+                  </a:ext>
+                </a:extLst>
+              </p:cNvPr>
+              <p:cNvSpPr txBox="1">
+                <a:spLocks noRot="1" noChangeAspect="1" noMove="1" noResize="1" noEditPoints="1" noAdjustHandles="1" noChangeArrowheads="1" noChangeShapeType="1" noTextEdit="1"/>
+              </p:cNvSpPr>
+              <p:nvPr/>
+            </p:nvSpPr>
+            <p:spPr>
+              <a:xfrm>
+                <a:off x="3146309" y="2077068"/>
+                <a:ext cx="281552" cy="276999"/>
+              </a:xfrm>
+              <a:prstGeom prst="rect">
+                <a:avLst/>
+              </a:prstGeom>
+              <a:blipFill>
+                <a:blip r:embed="rId4"/>
+                <a:stretch>
+                  <a:fillRect l="-17391" r="-8696" b="-13043"/>
+                </a:stretch>
+              </a:blipFill>
+            </p:spPr>
+            <p:txBody>
+              <a:bodyPr/>
+              <a:lstStyle/>
+              <a:p>
+                <a:r>
+                  <a:rPr lang="en-US">
+                    <a:noFill/>
+                  </a:rPr>
+                  <a:t> </a:t>
+                </a:r>
+              </a:p>
+            </p:txBody>
+          </p:sp>
+        </mc:Fallback>
+      </mc:AlternateContent>
+      <mc:AlternateContent xmlns:mc="http://schemas.openxmlformats.org/markup-compatibility/2006">
+        <mc:Choice xmlns:a14="http://schemas.microsoft.com/office/drawing/2010/main" Requires="a14">
+          <p:sp>
+            <p:nvSpPr>
+              <p:cNvPr id="54" name="TextBox 53">
+                <a:extLst>
+                  <a:ext uri="{FF2B5EF4-FFF2-40B4-BE49-F238E27FC236}">
+                    <a16:creationId xmlns:a16="http://schemas.microsoft.com/office/drawing/2014/main" id="{0D6E3ADB-C3FC-2405-DEB6-CB2BC9B01E51}"/>
+                  </a:ext>
+                </a:extLst>
+              </p:cNvPr>
+              <p:cNvSpPr txBox="1"/>
+              <p:nvPr/>
+            </p:nvSpPr>
+            <p:spPr>
+              <a:xfrm>
+                <a:off x="4329245" y="2289732"/>
+                <a:ext cx="555793" cy="276999"/>
+              </a:xfrm>
+              <a:prstGeom prst="rect">
+                <a:avLst/>
+              </a:prstGeom>
+              <a:noFill/>
+            </p:spPr>
+            <p:txBody>
+              <a:bodyPr wrap="none" lIns="0" tIns="0" rIns="0" bIns="0" rtlCol="0">
+                <a:spAutoFit/>
+              </a:bodyPr>
+              <a:lstStyle/>
+              <a:p>
+                <a14:m>
+                  <m:oMathPara xmlns:m="http://schemas.openxmlformats.org/officeDocument/2006/math">
+                    <m:oMathParaPr>
+                      <m:jc m:val="centerGroup"/>
+                    </m:oMathParaPr>
+                    <m:oMath xmlns:m="http://schemas.openxmlformats.org/officeDocument/2006/math">
+                      <m:sSub>
+                        <m:sSubPr>
+                          <m:ctrlPr>
+                            <a:rPr lang="en-US" b="0" i="1" smtClean="0">
+                              <a:solidFill>
+                                <a:schemeClr val="bg1"/>
+                              </a:solidFill>
+                              <a:latin typeface="Cambria Math" panose="02040503050406030204" pitchFamily="18" charset="0"/>
+                            </a:rPr>
+                          </m:ctrlPr>
+                        </m:sSubPr>
+                        <m:e>
+                          <m:r>
+                            <a:rPr lang="en-US" b="0" i="1" smtClean="0">
+                              <a:solidFill>
+                                <a:schemeClr val="bg1"/>
+                              </a:solidFill>
+                              <a:latin typeface="Cambria Math" panose="02040503050406030204" pitchFamily="18" charset="0"/>
+                            </a:rPr>
+                            <m:t>𝑁</m:t>
+                          </m:r>
+                          <m:r>
+                            <a:rPr lang="en-US" b="0" i="1" smtClean="0">
+                              <a:solidFill>
+                                <a:schemeClr val="bg1"/>
+                              </a:solidFill>
+                              <a:latin typeface="Cambria Math" panose="02040503050406030204" pitchFamily="18" charset="0"/>
+                            </a:rPr>
+                            <m:t>.</m:t>
+                          </m:r>
+                          <m:r>
+                            <a:rPr lang="en-US" b="0" i="1" smtClean="0">
+                              <a:solidFill>
+                                <a:schemeClr val="bg1"/>
+                              </a:solidFill>
+                              <a:latin typeface="Cambria Math" panose="02040503050406030204" pitchFamily="18" charset="0"/>
+                            </a:rPr>
+                            <m:t>𝑆</m:t>
+                          </m:r>
+                        </m:e>
+                        <m:sub>
+                          <m:r>
+                            <a:rPr lang="en-US" b="0" i="1" smtClean="0">
+                              <a:solidFill>
+                                <a:schemeClr val="bg1"/>
+                              </a:solidFill>
+                              <a:latin typeface="Cambria Math" panose="02040503050406030204" pitchFamily="18" charset="0"/>
+                            </a:rPr>
+                            <m:t>𝑂</m:t>
+                          </m:r>
+                        </m:sub>
+                      </m:sSub>
+                    </m:oMath>
+                  </m:oMathPara>
+                </a14:m>
+                <a:endParaRPr lang="en-US" dirty="0">
+                  <a:solidFill>
+                    <a:schemeClr val="bg1"/>
+                  </a:solidFill>
+                </a:endParaRPr>
+              </a:p>
+            </p:txBody>
+          </p:sp>
+        </mc:Choice>
+        <mc:Fallback>
+          <p:sp>
+            <p:nvSpPr>
+              <p:cNvPr id="54" name="TextBox 53">
+                <a:extLst>
+                  <a:ext uri="{FF2B5EF4-FFF2-40B4-BE49-F238E27FC236}">
+                    <a16:creationId xmlns:a16="http://schemas.microsoft.com/office/drawing/2014/main" id="{0D6E3ADB-C3FC-2405-DEB6-CB2BC9B01E51}"/>
+                  </a:ext>
+                </a:extLst>
+              </p:cNvPr>
+              <p:cNvSpPr txBox="1">
+                <a:spLocks noRot="1" noChangeAspect="1" noMove="1" noResize="1" noEditPoints="1" noAdjustHandles="1" noChangeArrowheads="1" noChangeShapeType="1" noTextEdit="1"/>
+              </p:cNvSpPr>
+              <p:nvPr/>
+            </p:nvSpPr>
+            <p:spPr>
+              <a:xfrm>
+                <a:off x="4329245" y="2289732"/>
+                <a:ext cx="555793" cy="276999"/>
+              </a:xfrm>
+              <a:prstGeom prst="rect">
+                <a:avLst/>
+              </a:prstGeom>
+              <a:blipFill>
+                <a:blip r:embed="rId5"/>
+                <a:stretch>
+                  <a:fillRect l="-8889" r="-2222" b="-13043"/>
+                </a:stretch>
+              </a:blipFill>
+            </p:spPr>
+            <p:txBody>
+              <a:bodyPr/>
+              <a:lstStyle/>
+              <a:p>
+                <a:r>
+                  <a:rPr lang="en-US">
+                    <a:noFill/>
+                  </a:rPr>
+                  <a:t> </a:t>
+                </a:r>
+              </a:p>
+            </p:txBody>
+          </p:sp>
+        </mc:Fallback>
+      </mc:AlternateContent>
+      <p:sp>
+        <p:nvSpPr>
+          <p:cNvPr id="64" name="Striped Right Arrow 63">
+            <a:extLst>
+              <a:ext uri="{FF2B5EF4-FFF2-40B4-BE49-F238E27FC236}">
+                <a16:creationId xmlns:a16="http://schemas.microsoft.com/office/drawing/2014/main" id="{89D840FD-D9EE-C33F-ED8E-53A7D7C66E12}"/>
+              </a:ext>
+            </a:extLst>
+          </p:cNvPr>
+          <p:cNvSpPr/>
+          <p:nvPr/>
+        </p:nvSpPr>
+        <p:spPr>
+          <a:xfrm>
+            <a:off x="1327352" y="2306177"/>
+            <a:ext cx="585117" cy="142055"/>
+          </a:xfrm>
+          <a:prstGeom prst="stripedRightArrow">
+            <a:avLst/>
+          </a:prstGeom>
+        </p:spPr>
+        <p:style>
+          <a:lnRef idx="2">
+            <a:schemeClr val="accent1">
+              <a:shade val="15000"/>
+            </a:schemeClr>
+          </a:lnRef>
+          <a:fillRef idx="1">
+            <a:schemeClr val="accent1"/>
+          </a:fillRef>
+          <a:effectRef idx="0">
+            <a:schemeClr val="accent1"/>
+          </a:effectRef>
+          <a:fontRef idx="minor">
+            <a:schemeClr val="lt1"/>
+          </a:fontRef>
+        </p:style>
+        <p:txBody>
+          <a:bodyPr rtlCol="0" anchor="ctr"/>
+          <a:lstStyle/>
+          <a:p>
+            <a:pPr algn="ctr"/>
+            <a:endParaRPr lang="en-US"/>
+          </a:p>
+        </p:txBody>
+      </p:sp>
+      <p:sp>
+        <p:nvSpPr>
+          <p:cNvPr id="65" name="Striped Right Arrow 64">
+            <a:extLst>
+              <a:ext uri="{FF2B5EF4-FFF2-40B4-BE49-F238E27FC236}">
+                <a16:creationId xmlns:a16="http://schemas.microsoft.com/office/drawing/2014/main" id="{59686BAC-87CA-92AB-2C70-57D46D1BB9F3}"/>
+              </a:ext>
+            </a:extLst>
+          </p:cNvPr>
+          <p:cNvSpPr/>
+          <p:nvPr/>
+        </p:nvSpPr>
+        <p:spPr>
+          <a:xfrm>
+            <a:off x="6242147" y="2368814"/>
+            <a:ext cx="585117" cy="142055"/>
+          </a:xfrm>
+          <a:prstGeom prst="stripedRightArrow">
+            <a:avLst/>
+          </a:prstGeom>
+        </p:spPr>
+        <p:style>
+          <a:lnRef idx="2">
+            <a:schemeClr val="accent1">
+              <a:shade val="15000"/>
+            </a:schemeClr>
+          </a:lnRef>
+          <a:fillRef idx="1">
+            <a:schemeClr val="accent1"/>
+          </a:fillRef>
+          <a:effectRef idx="0">
+            <a:schemeClr val="accent1"/>
+          </a:effectRef>
+          <a:fontRef idx="minor">
+            <a:schemeClr val="lt1"/>
+          </a:fontRef>
+        </p:style>
+        <p:txBody>
+          <a:bodyPr rtlCol="0" anchor="ctr"/>
+          <a:lstStyle/>
+          <a:p>
+            <a:pPr algn="ctr"/>
+            <a:endParaRPr lang="en-US"/>
+          </a:p>
+        </p:txBody>
+      </p:sp>
+      <mc:AlternateContent xmlns:mc="http://schemas.openxmlformats.org/markup-compatibility/2006">
+        <mc:Choice xmlns:a14="http://schemas.microsoft.com/office/drawing/2010/main" Requires="a14">
+          <p:sp>
+            <p:nvSpPr>
+              <p:cNvPr id="66" name="TextBox 65">
+                <a:extLst>
+                  <a:ext uri="{FF2B5EF4-FFF2-40B4-BE49-F238E27FC236}">
+                    <a16:creationId xmlns:a16="http://schemas.microsoft.com/office/drawing/2014/main" id="{C8A2958B-F7E0-8D43-1E37-2A7AC017332E}"/>
+                  </a:ext>
+                </a:extLst>
+              </p:cNvPr>
+              <p:cNvSpPr txBox="1"/>
+              <p:nvPr/>
+            </p:nvSpPr>
+            <p:spPr>
+              <a:xfrm>
+                <a:off x="2010351" y="2240572"/>
+                <a:ext cx="271933" cy="276999"/>
+              </a:xfrm>
+              <a:prstGeom prst="rect">
+                <a:avLst/>
+              </a:prstGeom>
+              <a:noFill/>
+            </p:spPr>
+            <p:txBody>
+              <a:bodyPr wrap="none" lIns="0" tIns="0" rIns="0" bIns="0" rtlCol="0">
+                <a:spAutoFit/>
+              </a:bodyPr>
+              <a:lstStyle/>
+              <a:p>
+                <a14:m>
+                  <m:oMathPara xmlns:m="http://schemas.openxmlformats.org/officeDocument/2006/math">
+                    <m:oMathParaPr>
+                      <m:jc m:val="centerGroup"/>
+                    </m:oMathParaPr>
+                    <m:oMath xmlns:m="http://schemas.openxmlformats.org/officeDocument/2006/math">
+                      <m:sSub>
+                        <m:sSubPr>
+                          <m:ctrlPr>
+                            <a:rPr lang="en-US" b="0" i="1" smtClean="0">
+                              <a:latin typeface="Cambria Math" panose="02040503050406030204" pitchFamily="18" charset="0"/>
+                            </a:rPr>
+                          </m:ctrlPr>
+                        </m:sSubPr>
+                        <m:e>
+                          <m:r>
+                            <a:rPr lang="en-US" b="0" i="1" smtClean="0">
+                              <a:latin typeface="Cambria Math" panose="02040503050406030204" pitchFamily="18" charset="0"/>
+                            </a:rPr>
+                            <m:t>𝑆</m:t>
+                          </m:r>
+                        </m:e>
+                        <m:sub>
+                          <m:r>
+                            <a:rPr lang="en-US" b="0" i="1" smtClean="0">
+                              <a:latin typeface="Cambria Math" panose="02040503050406030204" pitchFamily="18" charset="0"/>
+                            </a:rPr>
+                            <m:t>0</m:t>
+                          </m:r>
+                        </m:sub>
+                      </m:sSub>
+                    </m:oMath>
+                  </m:oMathPara>
+                </a14:m>
+                <a:endParaRPr lang="en-US" dirty="0"/>
+              </a:p>
+            </p:txBody>
+          </p:sp>
+        </mc:Choice>
+        <mc:Fallback>
+          <p:sp>
+            <p:nvSpPr>
+              <p:cNvPr id="66" name="TextBox 65">
+                <a:extLst>
+                  <a:ext uri="{FF2B5EF4-FFF2-40B4-BE49-F238E27FC236}">
+                    <a16:creationId xmlns:a16="http://schemas.microsoft.com/office/drawing/2014/main" id="{C8A2958B-F7E0-8D43-1E37-2A7AC017332E}"/>
+                  </a:ext>
+                </a:extLst>
+              </p:cNvPr>
+              <p:cNvSpPr txBox="1">
+                <a:spLocks noRot="1" noChangeAspect="1" noMove="1" noResize="1" noEditPoints="1" noAdjustHandles="1" noChangeArrowheads="1" noChangeShapeType="1" noTextEdit="1"/>
+              </p:cNvSpPr>
+              <p:nvPr/>
+            </p:nvSpPr>
+            <p:spPr>
+              <a:xfrm>
+                <a:off x="2010351" y="2240572"/>
+                <a:ext cx="271933" cy="276999"/>
+              </a:xfrm>
+              <a:prstGeom prst="rect">
+                <a:avLst/>
+              </a:prstGeom>
+              <a:blipFill>
+                <a:blip r:embed="rId6"/>
+                <a:stretch>
+                  <a:fillRect l="-18182" r="-4545" b="-13043"/>
+                </a:stretch>
+              </a:blipFill>
+            </p:spPr>
+            <p:txBody>
+              <a:bodyPr/>
+              <a:lstStyle/>
+              <a:p>
+                <a:r>
+                  <a:rPr lang="en-US">
+                    <a:noFill/>
+                  </a:rPr>
+                  <a:t> </a:t>
+                </a:r>
+              </a:p>
+            </p:txBody>
+          </p:sp>
+        </mc:Fallback>
+      </mc:AlternateContent>
+      <mc:AlternateContent xmlns:mc="http://schemas.openxmlformats.org/markup-compatibility/2006">
+        <mc:Choice xmlns:a14="http://schemas.microsoft.com/office/drawing/2010/main" Requires="a14">
+          <p:sp>
+            <p:nvSpPr>
+              <p:cNvPr id="68" name="TextBox 67">
+                <a:extLst>
+                  <a:ext uri="{FF2B5EF4-FFF2-40B4-BE49-F238E27FC236}">
+                    <a16:creationId xmlns:a16="http://schemas.microsoft.com/office/drawing/2014/main" id="{0BFA971C-BA8E-FFB7-FA69-CA3EDE55367A}"/>
+                  </a:ext>
+                </a:extLst>
+              </p:cNvPr>
+              <p:cNvSpPr txBox="1"/>
+              <p:nvPr/>
+            </p:nvSpPr>
+            <p:spPr>
+              <a:xfrm>
+                <a:off x="5880759" y="2301685"/>
+                <a:ext cx="304699" cy="276999"/>
+              </a:xfrm>
+              <a:prstGeom prst="rect">
+                <a:avLst/>
+              </a:prstGeom>
+              <a:noFill/>
+            </p:spPr>
+            <p:txBody>
+              <a:bodyPr wrap="none" lIns="0" tIns="0" rIns="0" bIns="0" rtlCol="0">
+                <a:spAutoFit/>
+              </a:bodyPr>
+              <a:lstStyle/>
+              <a:p>
+                <a14:m>
+                  <m:oMathPara xmlns:m="http://schemas.openxmlformats.org/officeDocument/2006/math">
+                    <m:oMathParaPr>
+                      <m:jc m:val="centerGroup"/>
+                    </m:oMathParaPr>
+                    <m:oMath xmlns:m="http://schemas.openxmlformats.org/officeDocument/2006/math">
+                      <m:sSub>
+                        <m:sSubPr>
+                          <m:ctrlPr>
+                            <a:rPr lang="en-US" b="0" i="1" smtClean="0">
+                              <a:latin typeface="Cambria Math" panose="02040503050406030204" pitchFamily="18" charset="0"/>
+                            </a:rPr>
+                          </m:ctrlPr>
+                        </m:sSubPr>
+                        <m:e>
+                          <m:r>
+                            <a:rPr lang="en-US" b="0" i="1" smtClean="0">
+                              <a:latin typeface="Cambria Math" panose="02040503050406030204" pitchFamily="18" charset="0"/>
+                            </a:rPr>
+                            <m:t>𝑆</m:t>
+                          </m:r>
+                        </m:e>
+                        <m:sub>
+                          <m:r>
+                            <a:rPr lang="en-US" b="0" i="1" smtClean="0">
+                              <a:latin typeface="Cambria Math" panose="02040503050406030204" pitchFamily="18" charset="0"/>
+                            </a:rPr>
+                            <m:t>𝑁</m:t>
+                          </m:r>
+                        </m:sub>
+                      </m:sSub>
+                    </m:oMath>
+                  </m:oMathPara>
+                </a14:m>
+                <a:endParaRPr lang="en-US" dirty="0"/>
+              </a:p>
+            </p:txBody>
+          </p:sp>
+        </mc:Choice>
+        <mc:Fallback>
+          <p:sp>
+            <p:nvSpPr>
+              <p:cNvPr id="68" name="TextBox 67">
+                <a:extLst>
+                  <a:ext uri="{FF2B5EF4-FFF2-40B4-BE49-F238E27FC236}">
+                    <a16:creationId xmlns:a16="http://schemas.microsoft.com/office/drawing/2014/main" id="{0BFA971C-BA8E-FFB7-FA69-CA3EDE55367A}"/>
+                  </a:ext>
+                </a:extLst>
+              </p:cNvPr>
+              <p:cNvSpPr txBox="1">
+                <a:spLocks noRot="1" noChangeAspect="1" noMove="1" noResize="1" noEditPoints="1" noAdjustHandles="1" noChangeArrowheads="1" noChangeShapeType="1" noTextEdit="1"/>
+              </p:cNvSpPr>
+              <p:nvPr/>
+            </p:nvSpPr>
+            <p:spPr>
+              <a:xfrm>
+                <a:off x="5880759" y="2301685"/>
+                <a:ext cx="304699" cy="276999"/>
+              </a:xfrm>
+              <a:prstGeom prst="rect">
+                <a:avLst/>
+              </a:prstGeom>
+              <a:blipFill>
+                <a:blip r:embed="rId7"/>
+                <a:stretch>
+                  <a:fillRect l="-20000" r="-4000" b="-8696"/>
+                </a:stretch>
+              </a:blipFill>
+            </p:spPr>
+            <p:txBody>
+              <a:bodyPr/>
+              <a:lstStyle/>
+              <a:p>
+                <a:r>
+                  <a:rPr lang="en-US">
+                    <a:noFill/>
+                  </a:rPr>
+                  <a:t> </a:t>
+                </a:r>
+              </a:p>
+            </p:txBody>
+          </p:sp>
+        </mc:Fallback>
+      </mc:AlternateContent>
+      <p:cxnSp>
+        <p:nvCxnSpPr>
+          <p:cNvPr id="69" name="Straight Arrow Connector 68">
+            <a:extLst>
+              <a:ext uri="{FF2B5EF4-FFF2-40B4-BE49-F238E27FC236}">
+                <a16:creationId xmlns:a16="http://schemas.microsoft.com/office/drawing/2014/main" id="{6B73C28D-92D6-29E9-997E-5CB7A6547EE9}"/>
+              </a:ext>
+            </a:extLst>
+          </p:cNvPr>
+          <p:cNvCxnSpPr>
+            <a:cxnSpLocks/>
+            <a:stCxn id="66" idx="3"/>
+            <a:endCxn id="2" idx="1"/>
+          </p:cNvCxnSpPr>
+          <p:nvPr/>
+        </p:nvCxnSpPr>
+        <p:spPr>
+          <a:xfrm>
+            <a:off x="2282284" y="2379072"/>
+            <a:ext cx="421243" cy="4915"/>
+          </a:xfrm>
+          <a:prstGeom prst="straightConnector1">
+            <a:avLst/>
+          </a:prstGeom>
+          <a:ln w="19050">
+            <a:solidFill>
+              <a:srgbClr val="0070C0"/>
+            </a:solidFill>
+            <a:tailEnd type="triangle"/>
+          </a:ln>
+        </p:spPr>
+        <p:style>
+          <a:lnRef idx="1">
+            <a:schemeClr val="accent1"/>
+          </a:lnRef>
+          <a:fillRef idx="0">
+            <a:schemeClr val="accent1"/>
+          </a:fillRef>
+          <a:effectRef idx="0">
+            <a:schemeClr val="accent1"/>
+          </a:effectRef>
+          <a:fontRef idx="minor">
+            <a:schemeClr val="tx1"/>
+          </a:fontRef>
+        </p:style>
+      </p:cxnSp>
+      <p:cxnSp>
+        <p:nvCxnSpPr>
+          <p:cNvPr id="72" name="Straight Arrow Connector 71">
+            <a:extLst>
+              <a:ext uri="{FF2B5EF4-FFF2-40B4-BE49-F238E27FC236}">
+                <a16:creationId xmlns:a16="http://schemas.microsoft.com/office/drawing/2014/main" id="{FD10E9B4-5A00-F415-559F-6BEB39870207}"/>
+              </a:ext>
+            </a:extLst>
+          </p:cNvPr>
+          <p:cNvCxnSpPr>
+            <a:cxnSpLocks/>
+            <a:endCxn id="68" idx="1"/>
+          </p:cNvCxnSpPr>
+          <p:nvPr/>
+        </p:nvCxnSpPr>
+        <p:spPr>
+          <a:xfrm>
+            <a:off x="5384912" y="2440185"/>
+            <a:ext cx="495847" cy="0"/>
+          </a:xfrm>
+          <a:prstGeom prst="straightConnector1">
+            <a:avLst/>
+          </a:prstGeom>
+          <a:ln w="19050">
+            <a:solidFill>
+              <a:srgbClr val="0070C0"/>
+            </a:solidFill>
+            <a:tailEnd type="triangle"/>
+          </a:ln>
+        </p:spPr>
+        <p:style>
+          <a:lnRef idx="1">
+            <a:schemeClr val="accent1"/>
+          </a:lnRef>
+          <a:fillRef idx="0">
+            <a:schemeClr val="accent1"/>
+          </a:fillRef>
+          <a:effectRef idx="0">
+            <a:schemeClr val="accent1"/>
+          </a:effectRef>
+          <a:fontRef idx="minor">
+            <a:schemeClr val="tx1"/>
+          </a:fontRef>
+        </p:style>
+      </p:cxnSp>
+      <mc:AlternateContent xmlns:mc="http://schemas.openxmlformats.org/markup-compatibility/2006">
+        <mc:Choice xmlns:a14="http://schemas.microsoft.com/office/drawing/2010/main" Requires="a14">
+          <p:sp>
+            <p:nvSpPr>
+              <p:cNvPr id="76" name="TextBox 75">
+                <a:extLst>
+                  <a:ext uri="{FF2B5EF4-FFF2-40B4-BE49-F238E27FC236}">
+                    <a16:creationId xmlns:a16="http://schemas.microsoft.com/office/drawing/2014/main" id="{6A17FF63-9BFC-DDBE-6E67-B48CA90BBD94}"/>
+                  </a:ext>
+                </a:extLst>
+              </p:cNvPr>
+              <p:cNvSpPr txBox="1"/>
+              <p:nvPr/>
+            </p:nvSpPr>
+            <p:spPr>
+              <a:xfrm>
+                <a:off x="2344981" y="2047572"/>
+                <a:ext cx="281552" cy="276999"/>
+              </a:xfrm>
+              <a:prstGeom prst="rect">
+                <a:avLst/>
+              </a:prstGeom>
+              <a:noFill/>
+            </p:spPr>
+            <p:txBody>
+              <a:bodyPr wrap="square" lIns="0" tIns="0" rIns="0" bIns="0" rtlCol="0">
+                <a:spAutoFit/>
+              </a:bodyPr>
+              <a:lstStyle/>
+              <a:p>
+                <a14:m>
+                  <m:oMathPara xmlns:m="http://schemas.openxmlformats.org/officeDocument/2006/math">
+                    <m:oMathParaPr>
+                      <m:jc m:val="centerGroup"/>
+                    </m:oMathParaPr>
+                    <m:oMath xmlns:m="http://schemas.openxmlformats.org/officeDocument/2006/math">
+                      <m:sSub>
+                        <m:sSubPr>
+                          <m:ctrlPr>
+                            <a:rPr lang="en-US" b="0" i="1" smtClean="0">
+                              <a:latin typeface="Cambria Math" panose="02040503050406030204" pitchFamily="18" charset="0"/>
+                            </a:rPr>
+                          </m:ctrlPr>
+                        </m:sSubPr>
+                        <m:e>
+                          <m:r>
+                            <a:rPr lang="en-US" b="0" i="1" smtClean="0">
+                              <a:latin typeface="Cambria Math" panose="02040503050406030204" pitchFamily="18" charset="0"/>
+                            </a:rPr>
+                            <m:t>𝑘</m:t>
+                          </m:r>
+                        </m:e>
+                        <m:sub>
+                          <m:r>
+                            <a:rPr lang="en-US" b="0" i="1" smtClean="0">
+                              <a:latin typeface="Cambria Math" panose="02040503050406030204" pitchFamily="18" charset="0"/>
+                            </a:rPr>
+                            <m:t>0</m:t>
+                          </m:r>
+                        </m:sub>
+                      </m:sSub>
+                    </m:oMath>
+                  </m:oMathPara>
+                </a14:m>
+                <a:endParaRPr lang="en-US" dirty="0"/>
+              </a:p>
+            </p:txBody>
+          </p:sp>
+        </mc:Choice>
+        <mc:Fallback>
+          <p:sp>
+            <p:nvSpPr>
+              <p:cNvPr id="76" name="TextBox 75">
+                <a:extLst>
+                  <a:ext uri="{FF2B5EF4-FFF2-40B4-BE49-F238E27FC236}">
+                    <a16:creationId xmlns:a16="http://schemas.microsoft.com/office/drawing/2014/main" id="{6A17FF63-9BFC-DDBE-6E67-B48CA90BBD94}"/>
+                  </a:ext>
+                </a:extLst>
+              </p:cNvPr>
+              <p:cNvSpPr txBox="1">
+                <a:spLocks noRot="1" noChangeAspect="1" noMove="1" noResize="1" noEditPoints="1" noAdjustHandles="1" noChangeArrowheads="1" noChangeShapeType="1" noTextEdit="1"/>
+              </p:cNvSpPr>
+              <p:nvPr/>
+            </p:nvSpPr>
+            <p:spPr>
+              <a:xfrm>
+                <a:off x="2344981" y="2047572"/>
+                <a:ext cx="281552" cy="276999"/>
+              </a:xfrm>
+              <a:prstGeom prst="rect">
+                <a:avLst/>
+              </a:prstGeom>
+              <a:blipFill>
+                <a:blip r:embed="rId8"/>
+                <a:stretch>
+                  <a:fillRect l="-17391" r="-8696" b="-18182"/>
+                </a:stretch>
+              </a:blipFill>
+            </p:spPr>
+            <p:txBody>
+              <a:bodyPr/>
+              <a:lstStyle/>
+              <a:p>
+                <a:r>
+                  <a:rPr lang="en-US">
+                    <a:noFill/>
+                  </a:rPr>
+                  <a:t> </a:t>
+                </a:r>
+              </a:p>
+            </p:txBody>
+          </p:sp>
+        </mc:Fallback>
+      </mc:AlternateContent>
+      <mc:AlternateContent xmlns:mc="http://schemas.openxmlformats.org/markup-compatibility/2006">
+        <mc:Choice xmlns:a14="http://schemas.microsoft.com/office/drawing/2010/main" Requires="a14">
+          <p:sp>
+            <p:nvSpPr>
+              <p:cNvPr id="77" name="TextBox 76">
+                <a:extLst>
+                  <a:ext uri="{FF2B5EF4-FFF2-40B4-BE49-F238E27FC236}">
+                    <a16:creationId xmlns:a16="http://schemas.microsoft.com/office/drawing/2014/main" id="{DEAC5CAB-5835-E0F9-D8FF-3ACA985C2E46}"/>
+                  </a:ext>
+                </a:extLst>
+              </p:cNvPr>
+              <p:cNvSpPr txBox="1"/>
+              <p:nvPr/>
+            </p:nvSpPr>
+            <p:spPr>
+              <a:xfrm>
+                <a:off x="5327746" y="2074273"/>
+                <a:ext cx="281552" cy="276999"/>
+              </a:xfrm>
+              <a:prstGeom prst="rect">
+                <a:avLst/>
+              </a:prstGeom>
+              <a:noFill/>
+            </p:spPr>
+            <p:txBody>
+              <a:bodyPr wrap="square" lIns="0" tIns="0" rIns="0" bIns="0" rtlCol="0">
+                <a:spAutoFit/>
+              </a:bodyPr>
+              <a:lstStyle/>
+              <a:p>
+                <a14:m>
+                  <m:oMathPara xmlns:m="http://schemas.openxmlformats.org/officeDocument/2006/math">
+                    <m:oMathParaPr>
+                      <m:jc m:val="centerGroup"/>
+                    </m:oMathParaPr>
+                    <m:oMath xmlns:m="http://schemas.openxmlformats.org/officeDocument/2006/math">
+                      <m:sSub>
+                        <m:sSubPr>
+                          <m:ctrlPr>
+                            <a:rPr lang="en-US" b="0" i="1" smtClean="0">
+                              <a:latin typeface="Cambria Math" panose="02040503050406030204" pitchFamily="18" charset="0"/>
+                            </a:rPr>
+                          </m:ctrlPr>
+                        </m:sSubPr>
+                        <m:e>
+                          <m:r>
+                            <a:rPr lang="en-US" b="0" i="1" smtClean="0">
+                              <a:latin typeface="Cambria Math" panose="02040503050406030204" pitchFamily="18" charset="0"/>
+                            </a:rPr>
+                            <m:t>𝑘</m:t>
+                          </m:r>
+                        </m:e>
+                        <m:sub>
+                          <m:r>
+                            <a:rPr lang="en-US" b="0" i="1" smtClean="0">
+                              <a:latin typeface="Cambria Math" panose="02040503050406030204" pitchFamily="18" charset="0"/>
+                            </a:rPr>
+                            <m:t>𝑁</m:t>
+                          </m:r>
+                          <m:r>
+                            <a:rPr lang="en-US" b="0" i="1" smtClean="0">
+                              <a:latin typeface="Cambria Math" panose="02040503050406030204" pitchFamily="18" charset="0"/>
+                            </a:rPr>
+                            <m:t>−1</m:t>
+                          </m:r>
+                        </m:sub>
+                      </m:sSub>
+                    </m:oMath>
+                  </m:oMathPara>
+                </a14:m>
+                <a:endParaRPr lang="en-US" dirty="0"/>
+              </a:p>
+            </p:txBody>
+          </p:sp>
+        </mc:Choice>
+        <mc:Fallback>
+          <p:sp>
+            <p:nvSpPr>
+              <p:cNvPr id="77" name="TextBox 76">
+                <a:extLst>
+                  <a:ext uri="{FF2B5EF4-FFF2-40B4-BE49-F238E27FC236}">
+                    <a16:creationId xmlns:a16="http://schemas.microsoft.com/office/drawing/2014/main" id="{DEAC5CAB-5835-E0F9-D8FF-3ACA985C2E46}"/>
+                  </a:ext>
+                </a:extLst>
+              </p:cNvPr>
+              <p:cNvSpPr txBox="1">
+                <a:spLocks noRot="1" noChangeAspect="1" noMove="1" noResize="1" noEditPoints="1" noAdjustHandles="1" noChangeArrowheads="1" noChangeShapeType="1" noTextEdit="1"/>
+              </p:cNvSpPr>
+              <p:nvPr/>
+            </p:nvSpPr>
+            <p:spPr>
+              <a:xfrm>
+                <a:off x="5327746" y="2074273"/>
+                <a:ext cx="281552" cy="276999"/>
+              </a:xfrm>
+              <a:prstGeom prst="rect">
+                <a:avLst/>
+              </a:prstGeom>
+              <a:blipFill>
+                <a:blip r:embed="rId9"/>
+                <a:stretch>
+                  <a:fillRect l="-30435" r="-82609" b="-13043"/>
+                </a:stretch>
+              </a:blipFill>
+            </p:spPr>
+            <p:txBody>
+              <a:bodyPr/>
+              <a:lstStyle/>
+              <a:p>
+                <a:r>
+                  <a:rPr lang="en-US">
+                    <a:noFill/>
+                  </a:rPr>
+                  <a:t> </a:t>
+                </a:r>
+              </a:p>
+            </p:txBody>
+          </p:sp>
+        </mc:Fallback>
+      </mc:AlternateContent>
+      <p:cxnSp>
+        <p:nvCxnSpPr>
+          <p:cNvPr id="78" name="Straight Arrow Connector 77">
+            <a:extLst>
+              <a:ext uri="{FF2B5EF4-FFF2-40B4-BE49-F238E27FC236}">
+                <a16:creationId xmlns:a16="http://schemas.microsoft.com/office/drawing/2014/main" id="{C37FD6ED-B723-42FF-5B4E-CA928633D11D}"/>
+              </a:ext>
+            </a:extLst>
+          </p:cNvPr>
+          <p:cNvCxnSpPr>
+            <a:cxnSpLocks/>
+            <a:endCxn id="83" idx="0"/>
+          </p:cNvCxnSpPr>
+          <p:nvPr/>
+        </p:nvCxnSpPr>
+        <p:spPr>
+          <a:xfrm>
+            <a:off x="2775247" y="2522487"/>
+            <a:ext cx="2623" cy="304293"/>
+          </a:xfrm>
+          <a:prstGeom prst="straightConnector1">
+            <a:avLst/>
+          </a:prstGeom>
+          <a:ln w="19050">
+            <a:solidFill>
+              <a:srgbClr val="0070C0"/>
+            </a:solidFill>
+            <a:tailEnd type="triangle"/>
+          </a:ln>
+        </p:spPr>
+        <p:style>
+          <a:lnRef idx="1">
+            <a:schemeClr val="accent1"/>
+          </a:lnRef>
+          <a:fillRef idx="0">
+            <a:schemeClr val="accent1"/>
+          </a:fillRef>
+          <a:effectRef idx="0">
+            <a:schemeClr val="accent1"/>
+          </a:effectRef>
+          <a:fontRef idx="minor">
+            <a:schemeClr val="tx1"/>
+          </a:fontRef>
+        </p:style>
+      </p:cxnSp>
+      <mc:AlternateContent xmlns:mc="http://schemas.openxmlformats.org/markup-compatibility/2006">
+        <mc:Choice xmlns:a14="http://schemas.microsoft.com/office/drawing/2010/main" Requires="a14">
+          <p:sp>
+            <p:nvSpPr>
+              <p:cNvPr id="83" name="TextBox 82">
+                <a:extLst>
+                  <a:ext uri="{FF2B5EF4-FFF2-40B4-BE49-F238E27FC236}">
+                    <a16:creationId xmlns:a16="http://schemas.microsoft.com/office/drawing/2014/main" id="{A333496A-DB0F-838C-DC04-9CC4FA4B87E1}"/>
+                  </a:ext>
+                </a:extLst>
+              </p:cNvPr>
+              <p:cNvSpPr txBox="1"/>
+              <p:nvPr/>
+            </p:nvSpPr>
+            <p:spPr>
+              <a:xfrm>
+                <a:off x="2679285" y="2826780"/>
+                <a:ext cx="197169" cy="276999"/>
+              </a:xfrm>
+              <a:prstGeom prst="rect">
+                <a:avLst/>
+              </a:prstGeom>
+              <a:noFill/>
+            </p:spPr>
+            <p:txBody>
+              <a:bodyPr wrap="none" lIns="0" tIns="0" rIns="0" bIns="0" rtlCol="0">
+                <a:spAutoFit/>
+              </a:bodyPr>
+              <a:lstStyle/>
+              <a:p>
+                <a14:m>
+                  <m:oMathPara xmlns:m="http://schemas.openxmlformats.org/officeDocument/2006/math">
+                    <m:oMathParaPr>
+                      <m:jc m:val="centerGroup"/>
+                    </m:oMathParaPr>
+                    <m:oMath xmlns:m="http://schemas.openxmlformats.org/officeDocument/2006/math">
+                      <m:r>
+                        <a:rPr lang="en-US" i="1" smtClean="0">
+                          <a:latin typeface="Cambria Math" panose="02040503050406030204" pitchFamily="18" charset="0"/>
+                          <a:ea typeface="Cambria Math" panose="02040503050406030204" pitchFamily="18" charset="0"/>
+                        </a:rPr>
+                        <m:t>∅</m:t>
+                      </m:r>
+                    </m:oMath>
+                  </m:oMathPara>
+                </a14:m>
+                <a:endParaRPr lang="en-US" dirty="0"/>
+              </a:p>
+            </p:txBody>
+          </p:sp>
+        </mc:Choice>
+        <mc:Fallback>
+          <p:sp>
+            <p:nvSpPr>
+              <p:cNvPr id="83" name="TextBox 82">
+                <a:extLst>
+                  <a:ext uri="{FF2B5EF4-FFF2-40B4-BE49-F238E27FC236}">
+                    <a16:creationId xmlns:a16="http://schemas.microsoft.com/office/drawing/2014/main" id="{A333496A-DB0F-838C-DC04-9CC4FA4B87E1}"/>
+                  </a:ext>
+                </a:extLst>
+              </p:cNvPr>
+              <p:cNvSpPr txBox="1">
+                <a:spLocks noRot="1" noChangeAspect="1" noMove="1" noResize="1" noEditPoints="1" noAdjustHandles="1" noChangeArrowheads="1" noChangeShapeType="1" noTextEdit="1"/>
+              </p:cNvSpPr>
+              <p:nvPr/>
+            </p:nvSpPr>
+            <p:spPr>
+              <a:xfrm>
+                <a:off x="2679285" y="2826780"/>
+                <a:ext cx="197169" cy="276999"/>
+              </a:xfrm>
+              <a:prstGeom prst="rect">
+                <a:avLst/>
+              </a:prstGeom>
+              <a:blipFill>
+                <a:blip r:embed="rId10"/>
+                <a:stretch>
+                  <a:fillRect l="-37500" r="-37500" b="-21739"/>
+                </a:stretch>
+              </a:blipFill>
+            </p:spPr>
+            <p:txBody>
+              <a:bodyPr/>
+              <a:lstStyle/>
+              <a:p>
+                <a:r>
+                  <a:rPr lang="en-US">
+                    <a:noFill/>
+                  </a:rPr>
+                  <a:t> </a:t>
+                </a:r>
+              </a:p>
+            </p:txBody>
+          </p:sp>
+        </mc:Fallback>
+      </mc:AlternateContent>
+      <p:sp>
+        <p:nvSpPr>
+          <p:cNvPr id="86" name="Title 85">
+            <a:extLst>
+              <a:ext uri="{FF2B5EF4-FFF2-40B4-BE49-F238E27FC236}">
+                <a16:creationId xmlns:a16="http://schemas.microsoft.com/office/drawing/2014/main" id="{52A30558-4A7C-340E-B8A4-599A1D03098C}"/>
+              </a:ext>
+            </a:extLst>
+          </p:cNvPr>
+          <p:cNvSpPr>
+            <a:spLocks noGrp="1"/>
+          </p:cNvSpPr>
+          <p:nvPr>
+            <p:ph type="title"/>
+          </p:nvPr>
+        </p:nvSpPr>
+        <p:spPr/>
+        <p:txBody>
+          <a:bodyPr/>
+          <a:lstStyle/>
+          <a:p>
+            <a:r>
+              <a:rPr lang="en-US" dirty="0"/>
+              <a:t>Sequential Pathway</a:t>
+            </a:r>
+          </a:p>
+        </p:txBody>
+      </p:sp>
+      <mc:AlternateContent xmlns:mc="http://schemas.openxmlformats.org/markup-compatibility/2006">
+        <mc:Choice xmlns:a14="http://schemas.microsoft.com/office/drawing/2010/main" Requires="a14">
+          <p:sp>
+            <p:nvSpPr>
+              <p:cNvPr id="2" name="TextBox 1">
+                <a:extLst>
+                  <a:ext uri="{FF2B5EF4-FFF2-40B4-BE49-F238E27FC236}">
+                    <a16:creationId xmlns:a16="http://schemas.microsoft.com/office/drawing/2014/main" id="{D3B9FACA-57DB-8F05-A742-69C950B473F5}"/>
+                  </a:ext>
+                </a:extLst>
+              </p:cNvPr>
+              <p:cNvSpPr txBox="1"/>
+              <p:nvPr/>
+            </p:nvSpPr>
+            <p:spPr>
+              <a:xfrm>
+                <a:off x="2703527" y="2245487"/>
+                <a:ext cx="266611" cy="276999"/>
+              </a:xfrm>
+              <a:prstGeom prst="rect">
+                <a:avLst/>
+              </a:prstGeom>
+              <a:noFill/>
+            </p:spPr>
+            <p:txBody>
+              <a:bodyPr wrap="none" lIns="0" tIns="0" rIns="0" bIns="0" rtlCol="0">
+                <a:spAutoFit/>
+              </a:bodyPr>
+              <a:lstStyle/>
+              <a:p>
+                <a14:m>
+                  <m:oMathPara xmlns:m="http://schemas.openxmlformats.org/officeDocument/2006/math">
+                    <m:oMathParaPr>
+                      <m:jc m:val="centerGroup"/>
+                    </m:oMathParaPr>
+                    <m:oMath xmlns:m="http://schemas.openxmlformats.org/officeDocument/2006/math">
+                      <m:sSub>
+                        <m:sSubPr>
+                          <m:ctrlPr>
+                            <a:rPr lang="en-US" b="0" i="1" smtClean="0">
+                              <a:latin typeface="Cambria Math" panose="02040503050406030204" pitchFamily="18" charset="0"/>
+                            </a:rPr>
+                          </m:ctrlPr>
+                        </m:sSubPr>
+                        <m:e>
+                          <m:r>
+                            <a:rPr lang="en-US" b="0" i="1" smtClean="0">
+                              <a:latin typeface="Cambria Math" panose="02040503050406030204" pitchFamily="18" charset="0"/>
+                            </a:rPr>
+                            <m:t>𝑆</m:t>
+                          </m:r>
+                        </m:e>
+                        <m:sub>
+                          <m:r>
+                            <a:rPr lang="en-US" b="0" i="1" smtClean="0">
+                              <a:latin typeface="Cambria Math" panose="02040503050406030204" pitchFamily="18" charset="0"/>
+                            </a:rPr>
+                            <m:t>1</m:t>
+                          </m:r>
+                        </m:sub>
+                      </m:sSub>
+                    </m:oMath>
+                  </m:oMathPara>
+                </a14:m>
+                <a:endParaRPr lang="en-US" dirty="0"/>
+              </a:p>
+            </p:txBody>
+          </p:sp>
+        </mc:Choice>
+        <mc:Fallback>
+          <p:sp>
+            <p:nvSpPr>
+              <p:cNvPr id="2" name="TextBox 1">
+                <a:extLst>
+                  <a:ext uri="{FF2B5EF4-FFF2-40B4-BE49-F238E27FC236}">
+                    <a16:creationId xmlns:a16="http://schemas.microsoft.com/office/drawing/2014/main" id="{D3B9FACA-57DB-8F05-A742-69C950B473F5}"/>
+                  </a:ext>
+                </a:extLst>
+              </p:cNvPr>
+              <p:cNvSpPr txBox="1">
+                <a:spLocks noRot="1" noChangeAspect="1" noMove="1" noResize="1" noEditPoints="1" noAdjustHandles="1" noChangeArrowheads="1" noChangeShapeType="1" noTextEdit="1"/>
+              </p:cNvSpPr>
+              <p:nvPr/>
+            </p:nvSpPr>
+            <p:spPr>
+              <a:xfrm>
+                <a:off x="2703527" y="2245487"/>
+                <a:ext cx="266611" cy="276999"/>
+              </a:xfrm>
+              <a:prstGeom prst="rect">
+                <a:avLst/>
+              </a:prstGeom>
+              <a:blipFill>
+                <a:blip r:embed="rId11"/>
+                <a:stretch>
+                  <a:fillRect l="-18182" r="-9091" b="-13043"/>
+                </a:stretch>
+              </a:blipFill>
+            </p:spPr>
+            <p:txBody>
+              <a:bodyPr/>
+              <a:lstStyle/>
+              <a:p>
+                <a:r>
+                  <a:rPr lang="en-US">
+                    <a:noFill/>
+                  </a:rPr>
+                  <a:t> </a:t>
+                </a:r>
+              </a:p>
+            </p:txBody>
+          </p:sp>
+        </mc:Fallback>
+      </mc:AlternateContent>
+      <mc:AlternateContent xmlns:mc="http://schemas.openxmlformats.org/markup-compatibility/2006">
+        <mc:Choice xmlns:a14="http://schemas.microsoft.com/office/drawing/2010/main" Requires="a14">
+          <p:sp>
+            <p:nvSpPr>
+              <p:cNvPr id="3" name="TextBox 2">
+                <a:extLst>
+                  <a:ext uri="{FF2B5EF4-FFF2-40B4-BE49-F238E27FC236}">
+                    <a16:creationId xmlns:a16="http://schemas.microsoft.com/office/drawing/2014/main" id="{851220E1-4119-0C04-0B4E-9B18530899B2}"/>
+                  </a:ext>
+                </a:extLst>
+              </p:cNvPr>
+              <p:cNvSpPr txBox="1"/>
+              <p:nvPr/>
+            </p:nvSpPr>
+            <p:spPr>
+              <a:xfrm>
+                <a:off x="2361793" y="2574106"/>
+                <a:ext cx="405239" cy="553998"/>
+              </a:xfrm>
+              <a:prstGeom prst="rect">
+                <a:avLst/>
+              </a:prstGeom>
+              <a:noFill/>
+            </p:spPr>
+            <p:txBody>
+              <a:bodyPr wrap="none" lIns="0" tIns="0" rIns="0" bIns="0" rtlCol="0">
+                <a:spAutoFit/>
+              </a:bodyPr>
+              <a:lstStyle/>
+              <a:p>
+                <a14:m>
+                  <m:oMathPara xmlns:m="http://schemas.openxmlformats.org/officeDocument/2006/math">
+                    <m:oMathParaPr>
+                      <m:jc m:val="centerGroup"/>
+                    </m:oMathParaPr>
+                    <m:oMath xmlns:m="http://schemas.openxmlformats.org/officeDocument/2006/math">
+                      <m:sSubSup>
+                        <m:sSubSupPr>
+                          <m:ctrlPr>
+                            <a:rPr lang="en-US" b="0" i="1" smtClean="0">
+                              <a:latin typeface="Cambria Math" panose="02040503050406030204" pitchFamily="18" charset="0"/>
+                            </a:rPr>
+                          </m:ctrlPr>
+                        </m:sSubSupPr>
+                        <m:e>
+                          <m:r>
+                            <a:rPr lang="en-US" b="0" i="1" smtClean="0">
+                              <a:latin typeface="Cambria Math" panose="02040503050406030204" pitchFamily="18" charset="0"/>
+                            </a:rPr>
+                            <m:t>𝑘</m:t>
+                          </m:r>
+                        </m:e>
+                        <m:sub>
+                          <m:r>
+                            <a:rPr lang="en-US" b="0" i="1" smtClean="0">
+                              <a:latin typeface="Cambria Math" panose="02040503050406030204" pitchFamily="18" charset="0"/>
+                            </a:rPr>
+                            <m:t>1</m:t>
+                          </m:r>
+                        </m:sub>
+                        <m:sup>
+                          <m:r>
+                            <a:rPr lang="en-US" b="0" i="1" smtClean="0">
+                              <a:latin typeface="Cambria Math" panose="02040503050406030204" pitchFamily="18" charset="0"/>
+                            </a:rPr>
+                            <m:t>′</m:t>
+                          </m:r>
+                        </m:sup>
+                      </m:sSubSup>
+                    </m:oMath>
+                  </m:oMathPara>
+                </a14:m>
+                <a:endParaRPr lang="en-US" b="0" dirty="0"/>
+              </a:p>
+              <a:p>
+                <a:endParaRPr lang="en-US" dirty="0"/>
+              </a:p>
+            </p:txBody>
+          </p:sp>
+        </mc:Choice>
+        <mc:Fallback>
+          <p:sp>
+            <p:nvSpPr>
+              <p:cNvPr id="3" name="TextBox 2">
+                <a:extLst>
+                  <a:ext uri="{FF2B5EF4-FFF2-40B4-BE49-F238E27FC236}">
+                    <a16:creationId xmlns:a16="http://schemas.microsoft.com/office/drawing/2014/main" id="{851220E1-4119-0C04-0B4E-9B18530899B2}"/>
+                  </a:ext>
+                </a:extLst>
+              </p:cNvPr>
+              <p:cNvSpPr txBox="1">
+                <a:spLocks noRot="1" noChangeAspect="1" noMove="1" noResize="1" noEditPoints="1" noAdjustHandles="1" noChangeArrowheads="1" noChangeShapeType="1" noTextEdit="1"/>
+              </p:cNvSpPr>
+              <p:nvPr/>
+            </p:nvSpPr>
+            <p:spPr>
+              <a:xfrm>
+                <a:off x="2361793" y="2574106"/>
+                <a:ext cx="405239" cy="553998"/>
+              </a:xfrm>
+              <a:prstGeom prst="rect">
+                <a:avLst/>
+              </a:prstGeom>
+              <a:blipFill>
+                <a:blip r:embed="rId12"/>
+                <a:stretch>
+                  <a:fillRect/>
+                </a:stretch>
+              </a:blipFill>
+            </p:spPr>
+            <p:txBody>
+              <a:bodyPr/>
+              <a:lstStyle/>
+              <a:p>
+                <a:r>
+                  <a:rPr lang="en-US">
+                    <a:noFill/>
+                  </a:rPr>
+                  <a:t> </a:t>
+                </a:r>
+              </a:p>
+            </p:txBody>
+          </p:sp>
+        </mc:Fallback>
+      </mc:AlternateContent>
+      <mc:AlternateContent xmlns:mc="http://schemas.openxmlformats.org/markup-compatibility/2006">
+        <mc:Choice xmlns:a14="http://schemas.microsoft.com/office/drawing/2010/main" Requires="a14">
+          <p:sp>
+            <p:nvSpPr>
+              <p:cNvPr id="5" name="TextBox 4">
+                <a:extLst>
+                  <a:ext uri="{FF2B5EF4-FFF2-40B4-BE49-F238E27FC236}">
+                    <a16:creationId xmlns:a16="http://schemas.microsoft.com/office/drawing/2014/main" id="{5A7DFFF6-1AD1-C410-8DEC-2E5E3D1518E7}"/>
+                  </a:ext>
+                </a:extLst>
+              </p:cNvPr>
+              <p:cNvSpPr txBox="1"/>
+              <p:nvPr/>
+            </p:nvSpPr>
+            <p:spPr>
+              <a:xfrm>
+                <a:off x="3613015" y="2279902"/>
+                <a:ext cx="271933" cy="276999"/>
+              </a:xfrm>
+              <a:prstGeom prst="rect">
+                <a:avLst/>
+              </a:prstGeom>
+              <a:noFill/>
+            </p:spPr>
+            <p:txBody>
+              <a:bodyPr wrap="none" lIns="0" tIns="0" rIns="0" bIns="0" rtlCol="0">
+                <a:spAutoFit/>
+              </a:bodyPr>
+              <a:lstStyle/>
+              <a:p>
+                <a14:m>
+                  <m:oMathPara xmlns:m="http://schemas.openxmlformats.org/officeDocument/2006/math">
+                    <m:oMathParaPr>
+                      <m:jc m:val="centerGroup"/>
+                    </m:oMathParaPr>
+                    <m:oMath xmlns:m="http://schemas.openxmlformats.org/officeDocument/2006/math">
+                      <m:sSub>
+                        <m:sSubPr>
+                          <m:ctrlPr>
+                            <a:rPr lang="en-US" b="0" i="1" smtClean="0">
+                              <a:latin typeface="Cambria Math" panose="02040503050406030204" pitchFamily="18" charset="0"/>
+                            </a:rPr>
+                          </m:ctrlPr>
+                        </m:sSubPr>
+                        <m:e>
+                          <m:r>
+                            <a:rPr lang="en-US" b="0" i="1" smtClean="0">
+                              <a:latin typeface="Cambria Math" panose="02040503050406030204" pitchFamily="18" charset="0"/>
+                            </a:rPr>
+                            <m:t>𝑆</m:t>
+                          </m:r>
+                        </m:e>
+                        <m:sub>
+                          <m:r>
+                            <a:rPr lang="en-US" b="0" i="1" smtClean="0">
+                              <a:latin typeface="Cambria Math" panose="02040503050406030204" pitchFamily="18" charset="0"/>
+                            </a:rPr>
+                            <m:t>2</m:t>
+                          </m:r>
+                        </m:sub>
+                      </m:sSub>
+                    </m:oMath>
+                  </m:oMathPara>
+                </a14:m>
+                <a:endParaRPr lang="en-US" dirty="0"/>
+              </a:p>
+            </p:txBody>
+          </p:sp>
+        </mc:Choice>
+        <mc:Fallback>
+          <p:sp>
+            <p:nvSpPr>
+              <p:cNvPr id="5" name="TextBox 4">
+                <a:extLst>
+                  <a:ext uri="{FF2B5EF4-FFF2-40B4-BE49-F238E27FC236}">
+                    <a16:creationId xmlns:a16="http://schemas.microsoft.com/office/drawing/2014/main" id="{5A7DFFF6-1AD1-C410-8DEC-2E5E3D1518E7}"/>
+                  </a:ext>
+                </a:extLst>
+              </p:cNvPr>
+              <p:cNvSpPr txBox="1">
+                <a:spLocks noRot="1" noChangeAspect="1" noMove="1" noResize="1" noEditPoints="1" noAdjustHandles="1" noChangeArrowheads="1" noChangeShapeType="1" noTextEdit="1"/>
+              </p:cNvSpPr>
+              <p:nvPr/>
+            </p:nvSpPr>
+            <p:spPr>
+              <a:xfrm>
+                <a:off x="3613015" y="2279902"/>
+                <a:ext cx="271933" cy="276999"/>
+              </a:xfrm>
+              <a:prstGeom prst="rect">
+                <a:avLst/>
+              </a:prstGeom>
+              <a:blipFill>
+                <a:blip r:embed="rId13"/>
+                <a:stretch>
+                  <a:fillRect l="-18182" r="-9091" b="-13043"/>
+                </a:stretch>
+              </a:blipFill>
+            </p:spPr>
+            <p:txBody>
+              <a:bodyPr/>
+              <a:lstStyle/>
+              <a:p>
+                <a:r>
+                  <a:rPr lang="en-US">
+                    <a:noFill/>
+                  </a:rPr>
+                  <a:t> </a:t>
+                </a:r>
+              </a:p>
+            </p:txBody>
+          </p:sp>
+        </mc:Fallback>
+      </mc:AlternateContent>
+      <p:grpSp>
+        <p:nvGrpSpPr>
+          <p:cNvPr id="18" name="Group 17">
+            <a:extLst>
+              <a:ext uri="{FF2B5EF4-FFF2-40B4-BE49-F238E27FC236}">
+                <a16:creationId xmlns:a16="http://schemas.microsoft.com/office/drawing/2014/main" id="{CDAF7603-B505-0DF3-C162-75DFB4839A7B}"/>
+              </a:ext>
+            </a:extLst>
+          </p:cNvPr>
+          <p:cNvGrpSpPr/>
+          <p:nvPr/>
+        </p:nvGrpSpPr>
+        <p:grpSpPr>
+          <a:xfrm>
+            <a:off x="3290944" y="2556903"/>
+            <a:ext cx="514661" cy="605617"/>
+            <a:chOff x="3290944" y="2556903"/>
+            <a:chExt cx="514661" cy="605617"/>
+          </a:xfrm>
+        </p:grpSpPr>
+        <p:cxnSp>
+          <p:nvCxnSpPr>
+            <p:cNvPr id="7" name="Straight Arrow Connector 6">
+              <a:extLst>
+                <a:ext uri="{FF2B5EF4-FFF2-40B4-BE49-F238E27FC236}">
+                  <a16:creationId xmlns:a16="http://schemas.microsoft.com/office/drawing/2014/main" id="{31089EC9-D7D2-E3AF-7E73-D8DB8599FEDE}"/>
+                </a:ext>
+              </a:extLst>
+            </p:cNvPr>
+            <p:cNvCxnSpPr>
+              <a:cxnSpLocks/>
+              <a:endCxn id="8" idx="0"/>
+            </p:cNvCxnSpPr>
+            <p:nvPr/>
+          </p:nvCxnSpPr>
+          <p:spPr>
+            <a:xfrm>
+              <a:off x="3704398" y="2556903"/>
+              <a:ext cx="2623" cy="304293"/>
+            </a:xfrm>
+            <a:prstGeom prst="straightConnector1">
+              <a:avLst/>
+            </a:prstGeom>
+            <a:ln w="19050">
+              <a:solidFill>
+                <a:srgbClr val="0070C0"/>
+              </a:solidFill>
+              <a:tailEnd type="triangle"/>
+            </a:ln>
+          </p:spPr>
+          <p:style>
+            <a:lnRef idx="1">
+              <a:schemeClr val="accent1"/>
+            </a:lnRef>
+            <a:fillRef idx="0">
+              <a:schemeClr val="accent1"/>
+            </a:fillRef>
+            <a:effectRef idx="0">
+              <a:schemeClr val="accent1"/>
+            </a:effectRef>
+            <a:fontRef idx="minor">
+              <a:schemeClr val="tx1"/>
+            </a:fontRef>
+          </p:style>
+        </p:cxnSp>
+        <mc:AlternateContent xmlns:mc="http://schemas.openxmlformats.org/markup-compatibility/2006">
+          <mc:Choice xmlns:a14="http://schemas.microsoft.com/office/drawing/2010/main" Requires="a14">
+            <p:sp>
+              <p:nvSpPr>
+                <p:cNvPr id="8" name="TextBox 7">
+                  <a:extLst>
+                    <a:ext uri="{FF2B5EF4-FFF2-40B4-BE49-F238E27FC236}">
+                      <a16:creationId xmlns:a16="http://schemas.microsoft.com/office/drawing/2014/main" id="{5A705F41-8161-0BBD-D849-40FFDFA29C05}"/>
+                    </a:ext>
+                  </a:extLst>
+                </p:cNvPr>
+                <p:cNvSpPr txBox="1"/>
+                <p:nvPr/>
+              </p:nvSpPr>
+              <p:spPr>
+                <a:xfrm>
+                  <a:off x="3608436" y="2861196"/>
+                  <a:ext cx="197169" cy="276999"/>
+                </a:xfrm>
+                <a:prstGeom prst="rect">
+                  <a:avLst/>
+                </a:prstGeom>
+                <a:noFill/>
+              </p:spPr>
+              <p:txBody>
+                <a:bodyPr wrap="none" lIns="0" tIns="0" rIns="0" bIns="0" rtlCol="0">
+                  <a:spAutoFit/>
+                </a:bodyPr>
+                <a:lstStyle/>
+                <a:p>
+                  <a14:m>
+                    <m:oMathPara xmlns:m="http://schemas.openxmlformats.org/officeDocument/2006/math">
+                      <m:oMathParaPr>
+                        <m:jc m:val="centerGroup"/>
+                      </m:oMathParaPr>
+                      <m:oMath xmlns:m="http://schemas.openxmlformats.org/officeDocument/2006/math">
+                        <m:r>
+                          <a:rPr lang="en-US" i="1" smtClean="0">
+                            <a:latin typeface="Cambria Math" panose="02040503050406030204" pitchFamily="18" charset="0"/>
+                            <a:ea typeface="Cambria Math" panose="02040503050406030204" pitchFamily="18" charset="0"/>
+                          </a:rPr>
+                          <m:t>∅</m:t>
+                        </m:r>
+                      </m:oMath>
+                    </m:oMathPara>
+                  </a14:m>
+                  <a:endParaRPr lang="en-US" dirty="0"/>
+                </a:p>
+              </p:txBody>
+            </p:sp>
+          </mc:Choice>
+          <mc:Fallback>
+            <p:sp>
+              <p:nvSpPr>
+                <p:cNvPr id="8" name="TextBox 7">
+                  <a:extLst>
+                    <a:ext uri="{FF2B5EF4-FFF2-40B4-BE49-F238E27FC236}">
+                      <a16:creationId xmlns:a16="http://schemas.microsoft.com/office/drawing/2014/main" id="{5A705F41-8161-0BBD-D849-40FFDFA29C05}"/>
+                    </a:ext>
+                  </a:extLst>
+                </p:cNvPr>
+                <p:cNvSpPr txBox="1">
+                  <a:spLocks noRot="1" noChangeAspect="1" noMove="1" noResize="1" noEditPoints="1" noAdjustHandles="1" noChangeArrowheads="1" noChangeShapeType="1" noTextEdit="1"/>
+                </p:cNvSpPr>
+                <p:nvPr/>
+              </p:nvSpPr>
+              <p:spPr>
+                <a:xfrm>
+                  <a:off x="3608436" y="2861196"/>
+                  <a:ext cx="197169" cy="276999"/>
+                </a:xfrm>
+                <a:prstGeom prst="rect">
+                  <a:avLst/>
+                </a:prstGeom>
+                <a:blipFill>
+                  <a:blip r:embed="rId14"/>
+                  <a:stretch>
+                    <a:fillRect l="-37500" r="-37500" b="-21739"/>
+                  </a:stretch>
+                </a:blipFill>
+              </p:spPr>
+              <p:txBody>
+                <a:bodyPr/>
+                <a:lstStyle/>
+                <a:p>
+                  <a:r>
+                    <a:rPr lang="en-US">
+                      <a:noFill/>
+                    </a:rPr>
+                    <a:t> </a:t>
+                  </a:r>
+                </a:p>
+              </p:txBody>
+            </p:sp>
+          </mc:Fallback>
+        </mc:AlternateContent>
+        <mc:AlternateContent xmlns:mc="http://schemas.openxmlformats.org/markup-compatibility/2006">
+          <mc:Choice xmlns:a14="http://schemas.microsoft.com/office/drawing/2010/main" Requires="a14">
+            <p:sp>
+              <p:nvSpPr>
+                <p:cNvPr id="10" name="TextBox 9">
+                  <a:extLst>
+                    <a:ext uri="{FF2B5EF4-FFF2-40B4-BE49-F238E27FC236}">
+                      <a16:creationId xmlns:a16="http://schemas.microsoft.com/office/drawing/2014/main" id="{A6BD3381-DCE2-1F9A-BF1D-36E1D8E5D886}"/>
+                    </a:ext>
+                  </a:extLst>
+                </p:cNvPr>
+                <p:cNvSpPr txBox="1"/>
+                <p:nvPr/>
+              </p:nvSpPr>
+              <p:spPr>
+                <a:xfrm>
+                  <a:off x="3290944" y="2608522"/>
+                  <a:ext cx="383054" cy="553998"/>
+                </a:xfrm>
+                <a:prstGeom prst="rect">
+                  <a:avLst/>
+                </a:prstGeom>
+                <a:noFill/>
+              </p:spPr>
+              <p:txBody>
+                <a:bodyPr wrap="none" lIns="0" tIns="0" rIns="0" bIns="0" rtlCol="0">
+                  <a:spAutoFit/>
+                </a:bodyPr>
+                <a:lstStyle/>
+                <a:p>
+                  <a14:m>
+                    <m:oMathPara xmlns:m="http://schemas.openxmlformats.org/officeDocument/2006/math">
+                      <m:oMathParaPr>
+                        <m:jc m:val="centerGroup"/>
+                      </m:oMathParaPr>
+                      <m:oMath xmlns:m="http://schemas.openxmlformats.org/officeDocument/2006/math">
+                        <m:sSubSup>
+                          <m:sSubSupPr>
+                            <m:ctrlPr>
+                              <a:rPr lang="en-US" b="0" i="1" smtClean="0">
+                                <a:latin typeface="Cambria Math" panose="02040503050406030204" pitchFamily="18" charset="0"/>
+                              </a:rPr>
+                            </m:ctrlPr>
+                          </m:sSubSupPr>
+                          <m:e>
+                            <m:r>
+                              <a:rPr lang="en-US" b="0" i="1" smtClean="0">
+                                <a:latin typeface="Cambria Math" panose="02040503050406030204" pitchFamily="18" charset="0"/>
+                              </a:rPr>
+                              <m:t>𝑘</m:t>
+                            </m:r>
+                          </m:e>
+                          <m:sub>
+                            <m:r>
+                              <a:rPr lang="en-US" b="0" i="1" smtClean="0">
+                                <a:latin typeface="Cambria Math" panose="02040503050406030204" pitchFamily="18" charset="0"/>
+                              </a:rPr>
+                              <m:t>2</m:t>
+                            </m:r>
+                          </m:sub>
+                          <m:sup>
+                            <m:r>
+                              <a:rPr lang="en-US" b="0" i="1" smtClean="0">
+                                <a:latin typeface="Cambria Math" panose="02040503050406030204" pitchFamily="18" charset="0"/>
+                              </a:rPr>
+                              <m:t>′</m:t>
+                            </m:r>
+                          </m:sup>
+                        </m:sSubSup>
+                      </m:oMath>
+                    </m:oMathPara>
+                  </a14:m>
+                  <a:endParaRPr lang="en-US" b="0" dirty="0"/>
+                </a:p>
+                <a:p>
+                  <a:endParaRPr lang="en-US" dirty="0"/>
+                </a:p>
+              </p:txBody>
+            </p:sp>
+          </mc:Choice>
+          <mc:Fallback>
+            <p:sp>
+              <p:nvSpPr>
+                <p:cNvPr id="10" name="TextBox 9">
+                  <a:extLst>
+                    <a:ext uri="{FF2B5EF4-FFF2-40B4-BE49-F238E27FC236}">
+                      <a16:creationId xmlns:a16="http://schemas.microsoft.com/office/drawing/2014/main" id="{A6BD3381-DCE2-1F9A-BF1D-36E1D8E5D886}"/>
+                    </a:ext>
+                  </a:extLst>
+                </p:cNvPr>
+                <p:cNvSpPr txBox="1">
+                  <a:spLocks noRot="1" noChangeAspect="1" noMove="1" noResize="1" noEditPoints="1" noAdjustHandles="1" noChangeArrowheads="1" noChangeShapeType="1" noTextEdit="1"/>
+                </p:cNvSpPr>
+                <p:nvPr/>
+              </p:nvSpPr>
+              <p:spPr>
+                <a:xfrm>
+                  <a:off x="3290944" y="2608522"/>
+                  <a:ext cx="383054" cy="553998"/>
+                </a:xfrm>
+                <a:prstGeom prst="rect">
+                  <a:avLst/>
+                </a:prstGeom>
+                <a:blipFill>
+                  <a:blip r:embed="rId15"/>
+                  <a:stretch>
+                    <a:fillRect l="-3226"/>
+                  </a:stretch>
+                </a:blipFill>
+              </p:spPr>
+              <p:txBody>
+                <a:bodyPr/>
+                <a:lstStyle/>
+                <a:p>
+                  <a:r>
+                    <a:rPr lang="en-US">
+                      <a:noFill/>
+                    </a:rPr>
+                    <a:t> </a:t>
+                  </a:r>
+                </a:p>
+              </p:txBody>
+            </p:sp>
+          </mc:Fallback>
+        </mc:AlternateContent>
+      </p:grpSp>
+      <p:cxnSp>
+        <p:nvCxnSpPr>
+          <p:cNvPr id="11" name="Straight Arrow Connector 10">
+            <a:extLst>
+              <a:ext uri="{FF2B5EF4-FFF2-40B4-BE49-F238E27FC236}">
+                <a16:creationId xmlns:a16="http://schemas.microsoft.com/office/drawing/2014/main" id="{AE98E054-F613-DC86-B217-571D5BA7FCE5}"/>
+              </a:ext>
+            </a:extLst>
+          </p:cNvPr>
+          <p:cNvCxnSpPr>
+            <a:cxnSpLocks/>
+          </p:cNvCxnSpPr>
+          <p:nvPr/>
+        </p:nvCxnSpPr>
+        <p:spPr>
+          <a:xfrm>
+            <a:off x="3905127" y="2418400"/>
+            <a:ext cx="656704" cy="14750"/>
+          </a:xfrm>
+          <a:prstGeom prst="straightConnector1">
+            <a:avLst/>
+          </a:prstGeom>
+          <a:ln w="19050">
+            <a:solidFill>
+              <a:srgbClr val="0070C0"/>
+            </a:solidFill>
+            <a:tailEnd type="triangle"/>
+          </a:ln>
+        </p:spPr>
+        <p:style>
+          <a:lnRef idx="1">
+            <a:schemeClr val="accent1"/>
+          </a:lnRef>
+          <a:fillRef idx="0">
+            <a:schemeClr val="accent1"/>
+          </a:fillRef>
+          <a:effectRef idx="0">
+            <a:schemeClr val="accent1"/>
+          </a:effectRef>
+          <a:fontRef idx="minor">
+            <a:schemeClr val="tx1"/>
+          </a:fontRef>
+        </p:style>
+      </p:cxnSp>
+      <mc:AlternateContent xmlns:mc="http://schemas.openxmlformats.org/markup-compatibility/2006">
+        <mc:Choice xmlns:a14="http://schemas.microsoft.com/office/drawing/2010/main" Requires="a14">
+          <p:sp>
+            <p:nvSpPr>
+              <p:cNvPr id="13" name="TextBox 12">
+                <a:extLst>
+                  <a:ext uri="{FF2B5EF4-FFF2-40B4-BE49-F238E27FC236}">
+                    <a16:creationId xmlns:a16="http://schemas.microsoft.com/office/drawing/2014/main" id="{7F529A77-D061-A013-26AD-6CE3764D7355}"/>
+                  </a:ext>
+                </a:extLst>
+              </p:cNvPr>
+              <p:cNvSpPr txBox="1"/>
+              <p:nvPr/>
+            </p:nvSpPr>
+            <p:spPr>
+              <a:xfrm>
+                <a:off x="4016463" y="2091815"/>
+                <a:ext cx="281552" cy="276999"/>
+              </a:xfrm>
+              <a:prstGeom prst="rect">
+                <a:avLst/>
+              </a:prstGeom>
+              <a:noFill/>
+            </p:spPr>
+            <p:txBody>
+              <a:bodyPr wrap="square" lIns="0" tIns="0" rIns="0" bIns="0" rtlCol="0">
+                <a:spAutoFit/>
+              </a:bodyPr>
+              <a:lstStyle/>
+              <a:p>
+                <a14:m>
+                  <m:oMathPara xmlns:m="http://schemas.openxmlformats.org/officeDocument/2006/math">
+                    <m:oMathParaPr>
+                      <m:jc m:val="centerGroup"/>
+                    </m:oMathParaPr>
+                    <m:oMath xmlns:m="http://schemas.openxmlformats.org/officeDocument/2006/math">
+                      <m:sSub>
+                        <m:sSubPr>
+                          <m:ctrlPr>
+                            <a:rPr lang="en-US" b="0" i="1" smtClean="0">
+                              <a:latin typeface="Cambria Math" panose="02040503050406030204" pitchFamily="18" charset="0"/>
+                            </a:rPr>
+                          </m:ctrlPr>
+                        </m:sSubPr>
+                        <m:e>
+                          <m:r>
+                            <a:rPr lang="en-US" b="0" i="1" smtClean="0">
+                              <a:latin typeface="Cambria Math" panose="02040503050406030204" pitchFamily="18" charset="0"/>
+                            </a:rPr>
+                            <m:t>𝑘</m:t>
+                          </m:r>
+                        </m:e>
+                        <m:sub>
+                          <m:r>
+                            <a:rPr lang="en-US" b="0" i="1" smtClean="0">
+                              <a:latin typeface="Cambria Math" panose="02040503050406030204" pitchFamily="18" charset="0"/>
+                            </a:rPr>
+                            <m:t>2</m:t>
+                          </m:r>
+                        </m:sub>
+                      </m:sSub>
+                    </m:oMath>
+                  </m:oMathPara>
+                </a14:m>
+                <a:endParaRPr lang="en-US" dirty="0"/>
+              </a:p>
+            </p:txBody>
+          </p:sp>
+        </mc:Choice>
+        <mc:Fallback>
+          <p:sp>
+            <p:nvSpPr>
+              <p:cNvPr id="13" name="TextBox 12">
+                <a:extLst>
+                  <a:ext uri="{FF2B5EF4-FFF2-40B4-BE49-F238E27FC236}">
+                    <a16:creationId xmlns:a16="http://schemas.microsoft.com/office/drawing/2014/main" id="{7F529A77-D061-A013-26AD-6CE3764D7355}"/>
+                  </a:ext>
+                </a:extLst>
+              </p:cNvPr>
+              <p:cNvSpPr txBox="1">
+                <a:spLocks noRot="1" noChangeAspect="1" noMove="1" noResize="1" noEditPoints="1" noAdjustHandles="1" noChangeArrowheads="1" noChangeShapeType="1" noTextEdit="1"/>
+              </p:cNvSpPr>
+              <p:nvPr/>
+            </p:nvSpPr>
+            <p:spPr>
+              <a:xfrm>
+                <a:off x="4016463" y="2091815"/>
+                <a:ext cx="281552" cy="276999"/>
+              </a:xfrm>
+              <a:prstGeom prst="rect">
+                <a:avLst/>
+              </a:prstGeom>
+              <a:blipFill>
+                <a:blip r:embed="rId16"/>
+                <a:stretch>
+                  <a:fillRect l="-21739" r="-4348" b="-13043"/>
+                </a:stretch>
+              </a:blipFill>
+            </p:spPr>
+            <p:txBody>
+              <a:bodyPr/>
+              <a:lstStyle/>
+              <a:p>
+                <a:r>
+                  <a:rPr lang="en-US">
+                    <a:noFill/>
+                  </a:rPr>
+                  <a:t> </a:t>
+                </a:r>
+              </a:p>
+            </p:txBody>
+          </p:sp>
+        </mc:Fallback>
+      </mc:AlternateContent>
+      <p:grpSp>
+        <p:nvGrpSpPr>
+          <p:cNvPr id="17" name="Group 16">
+            <a:extLst>
+              <a:ext uri="{FF2B5EF4-FFF2-40B4-BE49-F238E27FC236}">
+                <a16:creationId xmlns:a16="http://schemas.microsoft.com/office/drawing/2014/main" id="{E086ACD1-28CD-7162-EE3D-9F9EBDB007A2}"/>
+              </a:ext>
+            </a:extLst>
+          </p:cNvPr>
+          <p:cNvGrpSpPr/>
+          <p:nvPr/>
+        </p:nvGrpSpPr>
+        <p:grpSpPr>
+          <a:xfrm>
+            <a:off x="4775153" y="2397887"/>
+            <a:ext cx="353961" cy="49162"/>
+            <a:chOff x="5663380" y="5117690"/>
+            <a:chExt cx="353961" cy="49162"/>
+          </a:xfrm>
+        </p:grpSpPr>
+        <p:sp>
+          <p:nvSpPr>
+            <p:cNvPr id="14" name="Oval 13">
+              <a:extLst>
+                <a:ext uri="{FF2B5EF4-FFF2-40B4-BE49-F238E27FC236}">
+                  <a16:creationId xmlns:a16="http://schemas.microsoft.com/office/drawing/2014/main" id="{7A5BC7D5-EEDE-038D-623A-32D7ED8ABDC8}"/>
+                </a:ext>
+              </a:extLst>
+            </p:cNvPr>
+            <p:cNvSpPr/>
+            <p:nvPr/>
+          </p:nvSpPr>
+          <p:spPr>
+            <a:xfrm>
+              <a:off x="5663380" y="5117690"/>
+              <a:ext cx="49161" cy="49162"/>
+            </a:xfrm>
+            <a:prstGeom prst="ellipse">
+              <a:avLst/>
+            </a:prstGeom>
+            <a:solidFill>
+              <a:schemeClr val="tx1"/>
+            </a:solidFill>
+            <a:ln>
+              <a:noFill/>
+            </a:ln>
+          </p:spPr>
+          <p:style>
+            <a:lnRef idx="2">
+              <a:schemeClr val="accent1">
+                <a:shade val="15000"/>
+              </a:schemeClr>
+            </a:lnRef>
+            <a:fillRef idx="1">
+              <a:schemeClr val="accent1"/>
+            </a:fillRef>
+            <a:effectRef idx="0">
+              <a:schemeClr val="accent1"/>
+            </a:effectRef>
+            <a:fontRef idx="minor">
+              <a:schemeClr val="lt1"/>
+            </a:fontRef>
+          </p:style>
+          <p:txBody>
+            <a:bodyPr rtlCol="0" anchor="ctr"/>
+            <a:lstStyle/>
+            <a:p>
+              <a:pPr algn="ctr"/>
+              <a:endParaRPr lang="en-US"/>
+            </a:p>
+          </p:txBody>
+        </p:sp>
+        <p:sp>
+          <p:nvSpPr>
+            <p:cNvPr id="15" name="Oval 14">
+              <a:extLst>
+                <a:ext uri="{FF2B5EF4-FFF2-40B4-BE49-F238E27FC236}">
+                  <a16:creationId xmlns:a16="http://schemas.microsoft.com/office/drawing/2014/main" id="{258823D4-80C8-51D5-4548-C95289753C92}"/>
+                </a:ext>
+              </a:extLst>
+            </p:cNvPr>
+            <p:cNvSpPr/>
+            <p:nvPr/>
+          </p:nvSpPr>
+          <p:spPr>
+            <a:xfrm>
+              <a:off x="5815780" y="5117690"/>
+              <a:ext cx="49161" cy="49162"/>
+            </a:xfrm>
+            <a:prstGeom prst="ellipse">
+              <a:avLst/>
+            </a:prstGeom>
+            <a:solidFill>
+              <a:schemeClr val="tx1"/>
+            </a:solidFill>
+            <a:ln>
+              <a:noFill/>
+            </a:ln>
+          </p:spPr>
+          <p:style>
+            <a:lnRef idx="2">
+              <a:schemeClr val="accent1">
+                <a:shade val="15000"/>
+              </a:schemeClr>
+            </a:lnRef>
+            <a:fillRef idx="1">
+              <a:schemeClr val="accent1"/>
+            </a:fillRef>
+            <a:effectRef idx="0">
+              <a:schemeClr val="accent1"/>
+            </a:effectRef>
+            <a:fontRef idx="minor">
+              <a:schemeClr val="lt1"/>
+            </a:fontRef>
+          </p:style>
+          <p:txBody>
+            <a:bodyPr rtlCol="0" anchor="ctr"/>
+            <a:lstStyle/>
+            <a:p>
+              <a:pPr algn="ctr"/>
+              <a:endParaRPr lang="en-US"/>
+            </a:p>
+          </p:txBody>
+        </p:sp>
+        <p:sp>
+          <p:nvSpPr>
+            <p:cNvPr id="16" name="Oval 15">
+              <a:extLst>
+                <a:ext uri="{FF2B5EF4-FFF2-40B4-BE49-F238E27FC236}">
+                  <a16:creationId xmlns:a16="http://schemas.microsoft.com/office/drawing/2014/main" id="{D6FD2956-73B9-F916-9F11-D157B6DE9B12}"/>
+                </a:ext>
+              </a:extLst>
+            </p:cNvPr>
+            <p:cNvSpPr/>
+            <p:nvPr/>
+          </p:nvSpPr>
+          <p:spPr>
+            <a:xfrm>
+              <a:off x="5968180" y="5117690"/>
+              <a:ext cx="49161" cy="49162"/>
+            </a:xfrm>
+            <a:prstGeom prst="ellipse">
+              <a:avLst/>
+            </a:prstGeom>
+            <a:solidFill>
+              <a:schemeClr val="tx1"/>
+            </a:solidFill>
+            <a:ln>
+              <a:noFill/>
+            </a:ln>
+          </p:spPr>
+          <p:style>
+            <a:lnRef idx="2">
+              <a:schemeClr val="accent1">
+                <a:shade val="15000"/>
+              </a:schemeClr>
+            </a:lnRef>
+            <a:fillRef idx="1">
+              <a:schemeClr val="accent1"/>
+            </a:fillRef>
+            <a:effectRef idx="0">
+              <a:schemeClr val="accent1"/>
+            </a:effectRef>
+            <a:fontRef idx="minor">
+              <a:schemeClr val="lt1"/>
+            </a:fontRef>
+          </p:style>
+          <p:txBody>
+            <a:bodyPr rtlCol="0" anchor="ctr"/>
+            <a:lstStyle/>
+            <a:p>
+              <a:pPr algn="ctr"/>
+              <a:endParaRPr lang="en-US"/>
+            </a:p>
+          </p:txBody>
+        </p:sp>
+      </p:grpSp>
+      <p:grpSp>
+        <p:nvGrpSpPr>
+          <p:cNvPr id="19" name="Group 18">
+            <a:extLst>
+              <a:ext uri="{FF2B5EF4-FFF2-40B4-BE49-F238E27FC236}">
+                <a16:creationId xmlns:a16="http://schemas.microsoft.com/office/drawing/2014/main" id="{E6DFE15C-F5D2-41DE-DCAF-10A25B61F09B}"/>
+              </a:ext>
+            </a:extLst>
+          </p:cNvPr>
+          <p:cNvGrpSpPr/>
+          <p:nvPr/>
+        </p:nvGrpSpPr>
+        <p:grpSpPr>
+          <a:xfrm>
+            <a:off x="5518447" y="2608522"/>
+            <a:ext cx="514661" cy="614465"/>
+            <a:chOff x="3290944" y="2556903"/>
+            <a:chExt cx="514661" cy="614465"/>
+          </a:xfrm>
+        </p:grpSpPr>
+        <p:cxnSp>
+          <p:nvCxnSpPr>
+            <p:cNvPr id="20" name="Straight Arrow Connector 19">
+              <a:extLst>
+                <a:ext uri="{FF2B5EF4-FFF2-40B4-BE49-F238E27FC236}">
+                  <a16:creationId xmlns:a16="http://schemas.microsoft.com/office/drawing/2014/main" id="{66FC748B-5B04-48D4-7FFD-A191C17ED5EE}"/>
+                </a:ext>
+              </a:extLst>
+            </p:cNvPr>
+            <p:cNvCxnSpPr>
+              <a:cxnSpLocks/>
+              <a:endCxn id="21" idx="0"/>
+            </p:cNvCxnSpPr>
+            <p:nvPr/>
+          </p:nvCxnSpPr>
+          <p:spPr>
+            <a:xfrm>
+              <a:off x="3704398" y="2556903"/>
+              <a:ext cx="2623" cy="304293"/>
+            </a:xfrm>
+            <a:prstGeom prst="straightConnector1">
+              <a:avLst/>
+            </a:prstGeom>
+            <a:ln w="19050">
+              <a:solidFill>
+                <a:srgbClr val="0070C0"/>
+              </a:solidFill>
+              <a:tailEnd type="triangle"/>
+            </a:ln>
+          </p:spPr>
+          <p:style>
+            <a:lnRef idx="1">
+              <a:schemeClr val="accent1"/>
+            </a:lnRef>
+            <a:fillRef idx="0">
+              <a:schemeClr val="accent1"/>
+            </a:fillRef>
+            <a:effectRef idx="0">
+              <a:schemeClr val="accent1"/>
+            </a:effectRef>
+            <a:fontRef idx="minor">
+              <a:schemeClr val="tx1"/>
+            </a:fontRef>
+          </p:style>
+        </p:cxnSp>
+        <mc:AlternateContent xmlns:mc="http://schemas.openxmlformats.org/markup-compatibility/2006">
+          <mc:Choice xmlns:a14="http://schemas.microsoft.com/office/drawing/2010/main" Requires="a14">
+            <p:sp>
+              <p:nvSpPr>
+                <p:cNvPr id="21" name="TextBox 20">
+                  <a:extLst>
+                    <a:ext uri="{FF2B5EF4-FFF2-40B4-BE49-F238E27FC236}">
+                      <a16:creationId xmlns:a16="http://schemas.microsoft.com/office/drawing/2014/main" id="{300D2E1E-DB16-D6CF-72D5-E888F9613FB5}"/>
+                    </a:ext>
+                  </a:extLst>
+                </p:cNvPr>
+                <p:cNvSpPr txBox="1"/>
+                <p:nvPr/>
+              </p:nvSpPr>
+              <p:spPr>
+                <a:xfrm>
+                  <a:off x="3608436" y="2861196"/>
+                  <a:ext cx="197169" cy="276999"/>
+                </a:xfrm>
+                <a:prstGeom prst="rect">
+                  <a:avLst/>
+                </a:prstGeom>
+                <a:noFill/>
+              </p:spPr>
+              <p:txBody>
+                <a:bodyPr wrap="none" lIns="0" tIns="0" rIns="0" bIns="0" rtlCol="0">
+                  <a:spAutoFit/>
+                </a:bodyPr>
+                <a:lstStyle/>
+                <a:p>
+                  <a14:m>
+                    <m:oMathPara xmlns:m="http://schemas.openxmlformats.org/officeDocument/2006/math">
+                      <m:oMathParaPr>
+                        <m:jc m:val="centerGroup"/>
+                      </m:oMathParaPr>
+                      <m:oMath xmlns:m="http://schemas.openxmlformats.org/officeDocument/2006/math">
+                        <m:r>
+                          <a:rPr lang="en-US" i="1" smtClean="0">
+                            <a:latin typeface="Cambria Math" panose="02040503050406030204" pitchFamily="18" charset="0"/>
+                            <a:ea typeface="Cambria Math" panose="02040503050406030204" pitchFamily="18" charset="0"/>
+                          </a:rPr>
+                          <m:t>∅</m:t>
+                        </m:r>
+                      </m:oMath>
+                    </m:oMathPara>
+                  </a14:m>
+                  <a:endParaRPr lang="en-US" dirty="0"/>
+                </a:p>
+              </p:txBody>
+            </p:sp>
+          </mc:Choice>
+          <mc:Fallback>
+            <p:sp>
+              <p:nvSpPr>
+                <p:cNvPr id="21" name="TextBox 20">
+                  <a:extLst>
+                    <a:ext uri="{FF2B5EF4-FFF2-40B4-BE49-F238E27FC236}">
+                      <a16:creationId xmlns:a16="http://schemas.microsoft.com/office/drawing/2014/main" id="{300D2E1E-DB16-D6CF-72D5-E888F9613FB5}"/>
+                    </a:ext>
+                  </a:extLst>
+                </p:cNvPr>
+                <p:cNvSpPr txBox="1">
+                  <a:spLocks noRot="1" noChangeAspect="1" noMove="1" noResize="1" noEditPoints="1" noAdjustHandles="1" noChangeArrowheads="1" noChangeShapeType="1" noTextEdit="1"/>
+                </p:cNvSpPr>
+                <p:nvPr/>
+              </p:nvSpPr>
+              <p:spPr>
+                <a:xfrm>
+                  <a:off x="3608436" y="2861196"/>
+                  <a:ext cx="197169" cy="276999"/>
+                </a:xfrm>
+                <a:prstGeom prst="rect">
+                  <a:avLst/>
+                </a:prstGeom>
+                <a:blipFill>
+                  <a:blip r:embed="rId17"/>
+                  <a:stretch>
+                    <a:fillRect l="-29412" r="-29412" b="-21739"/>
+                  </a:stretch>
+                </a:blipFill>
+              </p:spPr>
+              <p:txBody>
+                <a:bodyPr/>
+                <a:lstStyle/>
+                <a:p>
+                  <a:r>
+                    <a:rPr lang="en-US">
+                      <a:noFill/>
+                    </a:rPr>
+                    <a:t> </a:t>
+                  </a:r>
+                </a:p>
+              </p:txBody>
+            </p:sp>
+          </mc:Fallback>
+        </mc:AlternateContent>
+        <mc:AlternateContent xmlns:mc="http://schemas.openxmlformats.org/markup-compatibility/2006">
+          <mc:Choice xmlns:a14="http://schemas.microsoft.com/office/drawing/2010/main" Requires="a14">
+            <p:sp>
+              <p:nvSpPr>
+                <p:cNvPr id="22" name="TextBox 21">
+                  <a:extLst>
+                    <a:ext uri="{FF2B5EF4-FFF2-40B4-BE49-F238E27FC236}">
+                      <a16:creationId xmlns:a16="http://schemas.microsoft.com/office/drawing/2014/main" id="{9B0CFB5F-E12B-2486-9BD3-BEE73DDEB5BB}"/>
+                    </a:ext>
+                  </a:extLst>
+                </p:cNvPr>
+                <p:cNvSpPr txBox="1"/>
+                <p:nvPr/>
+              </p:nvSpPr>
+              <p:spPr>
+                <a:xfrm>
+                  <a:off x="3290944" y="2608522"/>
+                  <a:ext cx="391902" cy="562846"/>
+                </a:xfrm>
+                <a:prstGeom prst="rect">
+                  <a:avLst/>
+                </a:prstGeom>
+                <a:noFill/>
+              </p:spPr>
+              <p:txBody>
+                <a:bodyPr wrap="none" lIns="0" tIns="0" rIns="0" bIns="0" rtlCol="0">
+                  <a:spAutoFit/>
+                </a:bodyPr>
+                <a:lstStyle/>
+                <a:p>
+                  <a14:m>
+                    <m:oMathPara xmlns:m="http://schemas.openxmlformats.org/officeDocument/2006/math">
+                      <m:oMathParaPr>
+                        <m:jc m:val="centerGroup"/>
+                      </m:oMathParaPr>
+                      <m:oMath xmlns:m="http://schemas.openxmlformats.org/officeDocument/2006/math">
+                        <m:sSubSup>
+                          <m:sSubSupPr>
+                            <m:ctrlPr>
+                              <a:rPr lang="en-US" b="0" i="1" smtClean="0">
+                                <a:latin typeface="Cambria Math" panose="02040503050406030204" pitchFamily="18" charset="0"/>
+                              </a:rPr>
+                            </m:ctrlPr>
+                          </m:sSubSupPr>
+                          <m:e>
+                            <m:r>
+                              <a:rPr lang="en-US" b="0" i="1" smtClean="0">
+                                <a:latin typeface="Cambria Math" panose="02040503050406030204" pitchFamily="18" charset="0"/>
+                              </a:rPr>
+                              <m:t>𝑘</m:t>
+                            </m:r>
+                          </m:e>
+                          <m:sub>
+                            <m:r>
+                              <a:rPr lang="en-US" b="0" i="1" smtClean="0">
+                                <a:latin typeface="Cambria Math" panose="02040503050406030204" pitchFamily="18" charset="0"/>
+                              </a:rPr>
+                              <m:t>𝑁</m:t>
+                            </m:r>
+                          </m:sub>
+                          <m:sup>
+                            <m:r>
+                              <a:rPr lang="en-US" b="0" i="1" smtClean="0">
+                                <a:latin typeface="Cambria Math" panose="02040503050406030204" pitchFamily="18" charset="0"/>
+                              </a:rPr>
+                              <m:t>′</m:t>
+                            </m:r>
+                          </m:sup>
+                        </m:sSubSup>
+                      </m:oMath>
+                    </m:oMathPara>
+                  </a14:m>
+                  <a:endParaRPr lang="en-US" b="0" dirty="0"/>
+                </a:p>
+                <a:p>
+                  <a:endParaRPr lang="en-US" dirty="0"/>
+                </a:p>
+              </p:txBody>
+            </p:sp>
+          </mc:Choice>
+          <mc:Fallback>
+            <p:sp>
+              <p:nvSpPr>
+                <p:cNvPr id="22" name="TextBox 21">
+                  <a:extLst>
+                    <a:ext uri="{FF2B5EF4-FFF2-40B4-BE49-F238E27FC236}">
+                      <a16:creationId xmlns:a16="http://schemas.microsoft.com/office/drawing/2014/main" id="{9B0CFB5F-E12B-2486-9BD3-BEE73DDEB5BB}"/>
+                    </a:ext>
+                  </a:extLst>
+                </p:cNvPr>
+                <p:cNvSpPr txBox="1">
+                  <a:spLocks noRot="1" noChangeAspect="1" noMove="1" noResize="1" noEditPoints="1" noAdjustHandles="1" noChangeArrowheads="1" noChangeShapeType="1" noTextEdit="1"/>
+                </p:cNvSpPr>
+                <p:nvPr/>
+              </p:nvSpPr>
+              <p:spPr>
+                <a:xfrm>
+                  <a:off x="3290944" y="2608522"/>
+                  <a:ext cx="391902" cy="562846"/>
+                </a:xfrm>
+                <a:prstGeom prst="rect">
+                  <a:avLst/>
+                </a:prstGeom>
+                <a:blipFill>
+                  <a:blip r:embed="rId18"/>
+                  <a:stretch>
+                    <a:fillRect l="-6250"/>
+                  </a:stretch>
+                </a:blipFill>
+              </p:spPr>
+              <p:txBody>
+                <a:bodyPr/>
+                <a:lstStyle/>
+                <a:p>
+                  <a:r>
+                    <a:rPr lang="en-US">
+                      <a:noFill/>
+                    </a:rPr>
+                    <a:t> </a:t>
+                  </a:r>
+                </a:p>
+              </p:txBody>
+            </p:sp>
+          </mc:Fallback>
+        </mc:AlternateContent>
+      </p:grpSp>
+    </p:spTree>
+    <p:extLst>
+      <p:ext uri="{BB962C8B-B14F-4D97-AF65-F5344CB8AC3E}">
+        <p14:creationId xmlns:p14="http://schemas.microsoft.com/office/powerpoint/2010/main" val="3727905321"/>
+      </p:ext>
+    </p:extLst>
+  </p:cSld>
+  <p:clrMapOvr>
+    <a:masterClrMapping/>
+  </p:clrMapOvr>
+</p:sld>
+</file>
+
+<file path=ppt/slides/slide4.xml><?xml version="1.0" encoding="utf-8"?>
+<p:sld xmlns:a="http://schemas.openxmlformats.org/drawingml/2006/main" xmlns:r="http://schemas.openxmlformats.org/officeDocument/2006/relationships" xmlns:p="http://schemas.openxmlformats.org/presentationml/2006/main">
+  <p:cSld>
+    <p:spTree>
+      <p:nvGrpSpPr>
+        <p:cNvPr id="1" name=""/>
+        <p:cNvGrpSpPr/>
+        <p:nvPr/>
+      </p:nvGrpSpPr>
+      <p:grpSpPr>
+        <a:xfrm>
+          <a:off x="0" y="0"/>
+          <a:ext cx="0" cy="0"/>
+          <a:chOff x="0" y="0"/>
+          <a:chExt cx="0" cy="0"/>
+        </a:xfrm>
+      </p:grpSpPr>
       <p:sp>
         <p:nvSpPr>
           <p:cNvPr id="9" name="Rectangle 8">
@@ -7789,7 +10474,7 @@
     </p:spTree>
     <p:extLst>
       <p:ext uri="{BB962C8B-B14F-4D97-AF65-F5344CB8AC3E}">
-        <p14:creationId xmlns:p14="http://schemas.microsoft.com/office/powerpoint/2010/main" val="3727905321"/>
+        <p14:creationId xmlns:p14="http://schemas.microsoft.com/office/powerpoint/2010/main" val="1231347985"/>
       </p:ext>
     </p:extLst>
   </p:cSld>
@@ -7799,7 +10484,7 @@
 </p:sld>
 </file>
 
-<file path=ppt/slides/slide4.xml><?xml version="1.0" encoding="utf-8"?>
+<file path=ppt/slides/slide5.xml><?xml version="1.0" encoding="utf-8"?>
 <p:sld xmlns:a="http://schemas.openxmlformats.org/drawingml/2006/main" xmlns:r="http://schemas.openxmlformats.org/officeDocument/2006/relationships" xmlns:p="http://schemas.openxmlformats.org/presentationml/2006/main">
   <p:cSld>
     <p:spTree>
@@ -7857,7 +10542,7 @@
 </p:sld>
 </file>
 
-<file path=ppt/slides/slide5.xml><?xml version="1.0" encoding="utf-8"?>
+<file path=ppt/slides/slide6.xml><?xml version="1.0" encoding="utf-8"?>
 <p:sld xmlns:a="http://schemas.openxmlformats.org/drawingml/2006/main" xmlns:r="http://schemas.openxmlformats.org/officeDocument/2006/relationships" xmlns:p="http://schemas.openxmlformats.org/presentationml/2006/main">
   <p:cSld>
     <p:spTree>
